--- a/Presentation/IntroAnimalMovements_HMMs.pptx
+++ b/Presentation/IntroAnimalMovements_HMMs.pptx
@@ -8931,13 +8931,22 @@
               <a:buNone/>
             </a:pPr>
             <a:r>
+              <a:rPr lang="en-US" sz="1800" b="0" i="0" u="none" strike="noStrike" baseline="0" dirty="0" err="1">
+                <a:solidFill>
+                  <a:srgbClr val="000000"/>
+                </a:solidFill>
+                <a:latin typeface="Courier New" panose="02070309020205020404" pitchFamily="49" charset="0"/>
+              </a:rPr>
+              <a:t>my_mod</a:t>
+            </a:r>
+            <a:r>
               <a:rPr lang="en-US" sz="1800" b="0" i="0" u="none" strike="noStrike" baseline="0" dirty="0">
                 <a:solidFill>
                   <a:srgbClr val="000000"/>
                 </a:solidFill>
                 <a:latin typeface="Courier New" panose="02070309020205020404" pitchFamily="49" charset="0"/>
               </a:rPr>
-              <a:t>my_2mod &lt;- </a:t>
+              <a:t> &lt;- </a:t>
             </a:r>
             <a:r>
               <a:rPr lang="en-US" sz="1800" b="0" i="0" u="none" strike="noStrike" baseline="0" dirty="0" err="1">
@@ -9099,7 +9108,25 @@
                 </a:solidFill>
                 <a:latin typeface="Courier New" panose="02070309020205020404" pitchFamily="49" charset="0"/>
               </a:rPr>
-              <a:t>plot(my_2mod)</a:t>
+              <a:t>plot(</a:t>
+            </a:r>
+            <a:r>
+              <a:rPr lang="en-US" sz="1800" b="0" i="0" u="none" strike="noStrike" baseline="0" dirty="0" err="1">
+                <a:solidFill>
+                  <a:srgbClr val="000000"/>
+                </a:solidFill>
+                <a:latin typeface="Courier New" panose="02070309020205020404" pitchFamily="49" charset="0"/>
+              </a:rPr>
+              <a:t>my_mod</a:t>
+            </a:r>
+            <a:r>
+              <a:rPr lang="en-US" sz="1800" b="0" i="0" u="none" strike="noStrike" baseline="0" dirty="0">
+                <a:solidFill>
+                  <a:srgbClr val="000000"/>
+                </a:solidFill>
+                <a:latin typeface="Courier New" panose="02070309020205020404" pitchFamily="49" charset="0"/>
+              </a:rPr>
+              <a:t>)</a:t>
             </a:r>
           </a:p>
         </p:txBody>
@@ -10791,7 +10818,7 @@
                   <a:srgbClr val="000000"/>
                 </a:solidFill>
               </a:rPr>
-              <a:t>Examples</a:t>
+              <a:t>HMM Examples</a:t>
             </a:r>
             <a:br>
               <a:rPr lang="en-US" sz="3200" b="1" dirty="0">
@@ -11311,7 +11338,7 @@
                   <a:srgbClr val="000000"/>
                 </a:solidFill>
               </a:rPr>
-              <a:t>Examples</a:t>
+              <a:t>HMM Examples</a:t>
             </a:r>
             <a:br>
               <a:rPr lang="en-US" sz="3200" b="1" dirty="0">

--- a/Presentation/IntroAnimalMovements_HMMs.pptx
+++ b/Presentation/IntroAnimalMovements_HMMs.pptx
@@ -224,7 +224,7 @@
           <a:p>
             <a:fld id="{0DC3ADD9-A38B-4BE5-AC76-350827CA9FF8}" type="datetimeFigureOut">
               <a:rPr lang="en-US" smtClean="0"/>
-              <a:t>6/24/2024</a:t>
+              <a:t>6/27/2024</a:t>
             </a:fld>
             <a:endParaRPr lang="en-US"/>
           </a:p>
@@ -661,7 +661,572 @@
           <a:bodyPr/>
           <a:lstStyle/>
           <a:p>
+            <a:r>
+              <a:rPr lang="en-US" dirty="0"/>
+              <a:t>Okay, so in R and using the package </a:t>
+            </a:r>
+            <a:r>
+              <a:rPr lang="en-US" dirty="0" err="1"/>
+              <a:t>moveHMM</a:t>
+            </a:r>
+            <a:r>
+              <a:rPr lang="en-US" dirty="0"/>
+              <a:t>, this is the structure of the function that we will use.</a:t>
+            </a:r>
+          </a:p>
+          <a:p>
             <a:endParaRPr lang="en-US" dirty="0"/>
+          </a:p>
+          <a:p>
+            <a:r>
+              <a:rPr lang="en-US" dirty="0"/>
+              <a:t>The syntax requires us to specify the movement object….again, we need to format this data object, as </a:t>
+            </a:r>
+            <a:r>
+              <a:rPr lang="en-US" dirty="0" err="1"/>
+              <a:t>moveHMM</a:t>
+            </a:r>
+            <a:r>
+              <a:rPr lang="en-US" dirty="0"/>
+              <a:t> does NOT recognize the data as a time series.  So, it’s very important to we clean these data and align the sequence properly before starting the modeling process.  This is what we will be doing next.</a:t>
+            </a:r>
+          </a:p>
+          <a:p>
+            <a:endParaRPr lang="en-US" dirty="0"/>
+          </a:p>
+          <a:p>
+            <a:r>
+              <a:rPr lang="en-US" dirty="0"/>
+              <a:t>We then need to specify the number of states we are interested in estimating.  We then need to specify our initial starting values for the </a:t>
+            </a:r>
+            <a:r>
+              <a:rPr lang="en-US" dirty="0" err="1"/>
+              <a:t>steplength</a:t>
+            </a:r>
+            <a:r>
+              <a:rPr lang="en-US" dirty="0"/>
+              <a:t> and turning angles of each of these states.  We then can also include a formula to investigate the impact of various covariates on our transition probabilities.  These are the factors that influence whether the animal is in 1 state or another.  Here, we’ve specified this in normal model notation as a null model….that is, the covariates have no impact on the transition probabilities.  This could, however, be distance to water, time of day, amount of anthropogenic or human disturbance.  Note, these covariates must a continuous predictor variable….something that varies over time (i.e., continuous, time varying predictors).  So, for instance, you wouldn’t include something like sex, since this would not vary over time.  Habitat type can also be difficult to include as the data are categorical.  You could include age or age class (juvenile, sub-adult, adult) as these items do change and could have an impact on the animal transitioning from different states.</a:t>
+            </a:r>
+          </a:p>
+          <a:p>
+            <a:endParaRPr lang="en-US" dirty="0"/>
+          </a:p>
+          <a:p>
+            <a:r>
+              <a:rPr lang="en-US" dirty="0"/>
+              <a:t>Once you have a fitted model, you can then plot the model to visualize the results by plotting the model output.</a:t>
+            </a:r>
+          </a:p>
+        </p:txBody>
+      </p:sp>
+      <p:sp>
+        <p:nvSpPr>
+          <p:cNvPr id="4" name="Slide Number Placeholder 3"/>
+          <p:cNvSpPr>
+            <a:spLocks noGrp="1"/>
+          </p:cNvSpPr>
+          <p:nvPr>
+            <p:ph type="sldNum" sz="quarter" idx="5"/>
+          </p:nvPr>
+        </p:nvSpPr>
+        <p:spPr/>
+        <p:txBody>
+          <a:bodyPr/>
+          <a:lstStyle/>
+          <a:p>
+            <a:fld id="{42E65689-8240-45C5-BB1A-376E97A4566F}" type="slidenum">
+              <a:rPr lang="en-US" smtClean="0"/>
+              <a:t>10</a:t>
+            </a:fld>
+            <a:endParaRPr lang="en-US"/>
+          </a:p>
+        </p:txBody>
+      </p:sp>
+    </p:spTree>
+    <p:extLst>
+      <p:ext uri="{BB962C8B-B14F-4D97-AF65-F5344CB8AC3E}">
+        <p14:creationId xmlns:p14="http://schemas.microsoft.com/office/powerpoint/2010/main" val="925755155"/>
+      </p:ext>
+    </p:extLst>
+  </p:cSld>
+  <p:clrMapOvr>
+    <a:masterClrMapping/>
+  </p:clrMapOvr>
+</p:notes>
+</file>
+
+<file path=ppt/notesSlides/notesSlide11.xml><?xml version="1.0" encoding="utf-8"?>
+<p:notes xmlns:a="http://schemas.openxmlformats.org/drawingml/2006/main" xmlns:r="http://schemas.openxmlformats.org/officeDocument/2006/relationships" xmlns:p="http://schemas.openxmlformats.org/presentationml/2006/main">
+  <p:cSld>
+    <p:spTree>
+      <p:nvGrpSpPr>
+        <p:cNvPr id="1" name=""/>
+        <p:cNvGrpSpPr/>
+        <p:nvPr/>
+      </p:nvGrpSpPr>
+      <p:grpSpPr>
+        <a:xfrm>
+          <a:off x="0" y="0"/>
+          <a:ext cx="0" cy="0"/>
+          <a:chOff x="0" y="0"/>
+          <a:chExt cx="0" cy="0"/>
+        </a:xfrm>
+      </p:grpSpPr>
+      <p:sp>
+        <p:nvSpPr>
+          <p:cNvPr id="2" name="Slide Image Placeholder 1"/>
+          <p:cNvSpPr>
+            <a:spLocks noGrp="1" noRot="1" noChangeAspect="1"/>
+          </p:cNvSpPr>
+          <p:nvPr>
+            <p:ph type="sldImg"/>
+          </p:nvPr>
+        </p:nvSpPr>
+        <p:spPr/>
+      </p:sp>
+      <p:sp>
+        <p:nvSpPr>
+          <p:cNvPr id="3" name="Notes Placeholder 2"/>
+          <p:cNvSpPr>
+            <a:spLocks noGrp="1"/>
+          </p:cNvSpPr>
+          <p:nvPr>
+            <p:ph type="body" idx="1"/>
+          </p:nvPr>
+        </p:nvSpPr>
+        <p:spPr/>
+        <p:txBody>
+          <a:bodyPr/>
+          <a:lstStyle/>
+          <a:p>
+            <a:r>
+              <a:rPr lang="en-US" dirty="0"/>
+              <a:t>In the previous graph, each point was coded based on a predictive state assignment.  But, since you also get a probability of being in one particular state, you can also graph this probability assignment over time.  Here, I’m showing a simulated track from Postlethwaite and Dennis where the probabilities of being in one particular state are displayed.  So you can see that the model predicts with a high level of certainty the state in red, but a lower probability of that particular state in green.  So, just another visual tool to see what’s happening behind the scenes and perhaps convince yourself that the model is doing what you expect. </a:t>
+            </a:r>
+          </a:p>
+        </p:txBody>
+      </p:sp>
+      <p:sp>
+        <p:nvSpPr>
+          <p:cNvPr id="4" name="Slide Number Placeholder 3"/>
+          <p:cNvSpPr>
+            <a:spLocks noGrp="1"/>
+          </p:cNvSpPr>
+          <p:nvPr>
+            <p:ph type="sldNum" sz="quarter" idx="5"/>
+          </p:nvPr>
+        </p:nvSpPr>
+        <p:spPr/>
+        <p:txBody>
+          <a:bodyPr/>
+          <a:lstStyle/>
+          <a:p>
+            <a:fld id="{42E65689-8240-45C5-BB1A-376E97A4566F}" type="slidenum">
+              <a:rPr lang="en-US" smtClean="0"/>
+              <a:t>12</a:t>
+            </a:fld>
+            <a:endParaRPr lang="en-US"/>
+          </a:p>
+        </p:txBody>
+      </p:sp>
+    </p:spTree>
+    <p:extLst>
+      <p:ext uri="{BB962C8B-B14F-4D97-AF65-F5344CB8AC3E}">
+        <p14:creationId xmlns:p14="http://schemas.microsoft.com/office/powerpoint/2010/main" val="3943983466"/>
+      </p:ext>
+    </p:extLst>
+  </p:cSld>
+  <p:clrMapOvr>
+    <a:masterClrMapping/>
+  </p:clrMapOvr>
+</p:notes>
+</file>
+
+<file path=ppt/notesSlides/notesSlide12.xml><?xml version="1.0" encoding="utf-8"?>
+<p:notes xmlns:a="http://schemas.openxmlformats.org/drawingml/2006/main" xmlns:r="http://schemas.openxmlformats.org/officeDocument/2006/relationships" xmlns:p="http://schemas.openxmlformats.org/presentationml/2006/main">
+  <p:cSld>
+    <p:spTree>
+      <p:nvGrpSpPr>
+        <p:cNvPr id="1" name=""/>
+        <p:cNvGrpSpPr/>
+        <p:nvPr/>
+      </p:nvGrpSpPr>
+      <p:grpSpPr>
+        <a:xfrm>
+          <a:off x="0" y="0"/>
+          <a:ext cx="0" cy="0"/>
+          <a:chOff x="0" y="0"/>
+          <a:chExt cx="0" cy="0"/>
+        </a:xfrm>
+      </p:grpSpPr>
+      <p:sp>
+        <p:nvSpPr>
+          <p:cNvPr id="2" name="Slide Image Placeholder 1"/>
+          <p:cNvSpPr>
+            <a:spLocks noGrp="1" noRot="1" noChangeAspect="1"/>
+          </p:cNvSpPr>
+          <p:nvPr>
+            <p:ph type="sldImg"/>
+          </p:nvPr>
+        </p:nvSpPr>
+        <p:spPr/>
+      </p:sp>
+      <p:sp>
+        <p:nvSpPr>
+          <p:cNvPr id="3" name="Notes Placeholder 2"/>
+          <p:cNvSpPr>
+            <a:spLocks noGrp="1"/>
+          </p:cNvSpPr>
+          <p:nvPr>
+            <p:ph type="body" idx="1"/>
+          </p:nvPr>
+        </p:nvSpPr>
+        <p:spPr/>
+        <p:txBody>
+          <a:bodyPr/>
+          <a:lstStyle/>
+          <a:p>
+            <a:r>
+              <a:rPr lang="en-US" dirty="0"/>
+              <a:t>Some things to keep in mind.</a:t>
+            </a:r>
+          </a:p>
+          <a:p>
+            <a:endParaRPr lang="en-US" dirty="0"/>
+          </a:p>
+          <a:p>
+            <a:r>
+              <a:rPr lang="en-US" dirty="0"/>
+              <a:t>First, we need to identify starting parameter values and the correct form of the distributions.  We, can test for the correct forms using sensitivity analyses, but this can be difficult, especially when models become more complex.</a:t>
+            </a:r>
+          </a:p>
+          <a:p>
+            <a:endParaRPr lang="en-US" dirty="0"/>
+          </a:p>
+          <a:p>
+            <a:r>
+              <a:rPr lang="en-US" dirty="0"/>
+              <a:t>Second, we need to choose the # of states we aim to predict in the model.  The </a:t>
+            </a:r>
+            <a:r>
+              <a:rPr lang="en-US" dirty="0" err="1"/>
+              <a:t>Pohle</a:t>
+            </a:r>
+            <a:r>
+              <a:rPr lang="en-US" dirty="0"/>
+              <a:t> et al paper is a particular good reference, providing recommendations on how to choose the number of states to include in your model.  The model comparison tends to favor a model with more states, so that researcher really needs to think about his or her research question, rather than relying solely on quantitative metrics.</a:t>
+            </a:r>
+          </a:p>
+          <a:p>
+            <a:endParaRPr lang="en-US" dirty="0"/>
+          </a:p>
+          <a:p>
+            <a:r>
+              <a:rPr lang="en-US" dirty="0"/>
+              <a:t>Third, the sampling schedule is absolutely going to impact your ability to identify behavioral states.  This is largely due to the scale at which your species is making movement decisions.  If your animal is making fine-scale complex movements, but you are sampling just a few times per day, you will be less likely to identify these behavioral changes.  It’s also important to consider the error associated with your positions.  You want to be modeling the movement process related to an animal’s behavior, not the error process.</a:t>
+            </a:r>
+          </a:p>
+          <a:p>
+            <a:endParaRPr lang="en-US" dirty="0"/>
+          </a:p>
+          <a:p>
+            <a:r>
+              <a:rPr lang="en-US" dirty="0"/>
+              <a:t>Lastly, the model assumes regular sampling, which often is not the case with animal movement data.  To get your data in the format required, you may need to resample your data to a different temporal interval, like crawl or </a:t>
+            </a:r>
+            <a:r>
+              <a:rPr lang="en-US" dirty="0" err="1"/>
+              <a:t>aniMotum</a:t>
+            </a:r>
+            <a:r>
+              <a:rPr lang="en-US" dirty="0"/>
+              <a:t>, before ingesting the data into </a:t>
+            </a:r>
+            <a:r>
+              <a:rPr lang="en-US" dirty="0" err="1"/>
+              <a:t>moveHMM</a:t>
+            </a:r>
+            <a:r>
+              <a:rPr lang="en-US" dirty="0"/>
+              <a:t>.  These packages then smooth or </a:t>
+            </a:r>
+            <a:r>
+              <a:rPr lang="en-US" dirty="0" err="1"/>
+              <a:t>regularlize</a:t>
+            </a:r>
+            <a:r>
+              <a:rPr lang="en-US" dirty="0"/>
+              <a:t> the movement track so that the data can be integrated.  This isn’t much of an issue when few data points are missing, but large gaps in data could be problematic and may require that you simply analyze the movement track with areas that are highly irregular.`</a:t>
+            </a:r>
+          </a:p>
+        </p:txBody>
+      </p:sp>
+      <p:sp>
+        <p:nvSpPr>
+          <p:cNvPr id="4" name="Slide Number Placeholder 3"/>
+          <p:cNvSpPr>
+            <a:spLocks noGrp="1"/>
+          </p:cNvSpPr>
+          <p:nvPr>
+            <p:ph type="sldNum" sz="quarter" idx="5"/>
+          </p:nvPr>
+        </p:nvSpPr>
+        <p:spPr/>
+        <p:txBody>
+          <a:bodyPr/>
+          <a:lstStyle/>
+          <a:p>
+            <a:fld id="{42E65689-8240-45C5-BB1A-376E97A4566F}" type="slidenum">
+              <a:rPr lang="en-US" smtClean="0"/>
+              <a:t>13</a:t>
+            </a:fld>
+            <a:endParaRPr lang="en-US"/>
+          </a:p>
+        </p:txBody>
+      </p:sp>
+    </p:spTree>
+    <p:extLst>
+      <p:ext uri="{BB962C8B-B14F-4D97-AF65-F5344CB8AC3E}">
+        <p14:creationId xmlns:p14="http://schemas.microsoft.com/office/powerpoint/2010/main" val="458692579"/>
+      </p:ext>
+    </p:extLst>
+  </p:cSld>
+  <p:clrMapOvr>
+    <a:masterClrMapping/>
+  </p:clrMapOvr>
+</p:notes>
+</file>
+
+<file path=ppt/notesSlides/notesSlide13.xml><?xml version="1.0" encoding="utf-8"?>
+<p:notes xmlns:a="http://schemas.openxmlformats.org/drawingml/2006/main" xmlns:r="http://schemas.openxmlformats.org/officeDocument/2006/relationships" xmlns:p="http://schemas.openxmlformats.org/presentationml/2006/main">
+  <p:cSld>
+    <p:spTree>
+      <p:nvGrpSpPr>
+        <p:cNvPr id="1" name=""/>
+        <p:cNvGrpSpPr/>
+        <p:nvPr/>
+      </p:nvGrpSpPr>
+      <p:grpSpPr>
+        <a:xfrm>
+          <a:off x="0" y="0"/>
+          <a:ext cx="0" cy="0"/>
+          <a:chOff x="0" y="0"/>
+          <a:chExt cx="0" cy="0"/>
+        </a:xfrm>
+      </p:grpSpPr>
+      <p:sp>
+        <p:nvSpPr>
+          <p:cNvPr id="2" name="Slide Image Placeholder 1"/>
+          <p:cNvSpPr>
+            <a:spLocks noGrp="1" noRot="1" noChangeAspect="1"/>
+          </p:cNvSpPr>
+          <p:nvPr>
+            <p:ph type="sldImg"/>
+          </p:nvPr>
+        </p:nvSpPr>
+        <p:spPr/>
+      </p:sp>
+      <p:sp>
+        <p:nvSpPr>
+          <p:cNvPr id="3" name="Notes Placeholder 2"/>
+          <p:cNvSpPr>
+            <a:spLocks noGrp="1"/>
+          </p:cNvSpPr>
+          <p:nvPr>
+            <p:ph type="body" idx="1"/>
+          </p:nvPr>
+        </p:nvSpPr>
+        <p:spPr/>
+        <p:txBody>
+          <a:bodyPr/>
+          <a:lstStyle/>
+          <a:p>
+            <a:r>
+              <a:rPr lang="en-US" dirty="0"/>
+              <a:t>To give you an appreciation for some of the applications of using a HMM to characterize animal behavior, I’ve provided a few examples for you to read through.  The first is a humpback whale study where the researchers separated whale movements into two states, a foraging state which is shown in red and a traveling state in green.  It’s hard to see from the graph, but you should see the difference in the scales of both of these maps.  In the map of the left, whales are movement across a much smaller area, feeding mostly along the costly of these relatively small islands.  In the graph on the left the scale is much larger, with whales moving broadly across the area and almost exclusively traveling rather than foraging.</a:t>
+            </a:r>
+          </a:p>
+        </p:txBody>
+      </p:sp>
+      <p:sp>
+        <p:nvSpPr>
+          <p:cNvPr id="4" name="Slide Number Placeholder 3"/>
+          <p:cNvSpPr>
+            <a:spLocks noGrp="1"/>
+          </p:cNvSpPr>
+          <p:nvPr>
+            <p:ph type="sldNum" sz="quarter" idx="5"/>
+          </p:nvPr>
+        </p:nvSpPr>
+        <p:spPr/>
+        <p:txBody>
+          <a:bodyPr/>
+          <a:lstStyle/>
+          <a:p>
+            <a:fld id="{42E65689-8240-45C5-BB1A-376E97A4566F}" type="slidenum">
+              <a:rPr lang="en-US" smtClean="0"/>
+              <a:t>14</a:t>
+            </a:fld>
+            <a:endParaRPr lang="en-US"/>
+          </a:p>
+        </p:txBody>
+      </p:sp>
+    </p:spTree>
+    <p:extLst>
+      <p:ext uri="{BB962C8B-B14F-4D97-AF65-F5344CB8AC3E}">
+        <p14:creationId xmlns:p14="http://schemas.microsoft.com/office/powerpoint/2010/main" val="1993292420"/>
+      </p:ext>
+    </p:extLst>
+  </p:cSld>
+  <p:clrMapOvr>
+    <a:masterClrMapping/>
+  </p:clrMapOvr>
+</p:notes>
+</file>
+
+<file path=ppt/notesSlides/notesSlide14.xml><?xml version="1.0" encoding="utf-8"?>
+<p:notes xmlns:a="http://schemas.openxmlformats.org/drawingml/2006/main" xmlns:r="http://schemas.openxmlformats.org/officeDocument/2006/relationships" xmlns:p="http://schemas.openxmlformats.org/presentationml/2006/main">
+  <p:cSld>
+    <p:spTree>
+      <p:nvGrpSpPr>
+        <p:cNvPr id="1" name=""/>
+        <p:cNvGrpSpPr/>
+        <p:nvPr/>
+      </p:nvGrpSpPr>
+      <p:grpSpPr>
+        <a:xfrm>
+          <a:off x="0" y="0"/>
+          <a:ext cx="0" cy="0"/>
+          <a:chOff x="0" y="0"/>
+          <a:chExt cx="0" cy="0"/>
+        </a:xfrm>
+      </p:grpSpPr>
+      <p:sp>
+        <p:nvSpPr>
+          <p:cNvPr id="2" name="Slide Image Placeholder 1"/>
+          <p:cNvSpPr>
+            <a:spLocks noGrp="1" noRot="1" noChangeAspect="1"/>
+          </p:cNvSpPr>
+          <p:nvPr>
+            <p:ph type="sldImg"/>
+          </p:nvPr>
+        </p:nvSpPr>
+        <p:spPr/>
+      </p:sp>
+      <p:sp>
+        <p:nvSpPr>
+          <p:cNvPr id="3" name="Notes Placeholder 2"/>
+          <p:cNvSpPr>
+            <a:spLocks noGrp="1"/>
+          </p:cNvSpPr>
+          <p:nvPr>
+            <p:ph type="body" idx="1"/>
+          </p:nvPr>
+        </p:nvSpPr>
+        <p:spPr/>
+        <p:txBody>
+          <a:bodyPr/>
+          <a:lstStyle/>
+          <a:p>
+            <a:r>
+              <a:rPr lang="en-US" dirty="0"/>
+              <a:t>This next example is of white sharks that are colored (black and grey) to highlight two different behavioral states.  The black denotes an area restrictive search behavior and the grey denotes patrolling behavior.  What they found was that area restrictive search behavior increase during morning periods and when tourist operations were chumming the water to facilitate shark viewing.  They also found that found that the proportion of time that individuals spent in each state, different between sexes, the main point of the figure to show the dramatic differences observed.   </a:t>
+            </a:r>
+          </a:p>
+        </p:txBody>
+      </p:sp>
+      <p:sp>
+        <p:nvSpPr>
+          <p:cNvPr id="4" name="Slide Number Placeholder 3"/>
+          <p:cNvSpPr>
+            <a:spLocks noGrp="1"/>
+          </p:cNvSpPr>
+          <p:nvPr>
+            <p:ph type="sldNum" sz="quarter" idx="5"/>
+          </p:nvPr>
+        </p:nvSpPr>
+        <p:spPr/>
+        <p:txBody>
+          <a:bodyPr/>
+          <a:lstStyle/>
+          <a:p>
+            <a:fld id="{42E65689-8240-45C5-BB1A-376E97A4566F}" type="slidenum">
+              <a:rPr lang="en-US" smtClean="0"/>
+              <a:t>15</a:t>
+            </a:fld>
+            <a:endParaRPr lang="en-US"/>
+          </a:p>
+        </p:txBody>
+      </p:sp>
+    </p:spTree>
+    <p:extLst>
+      <p:ext uri="{BB962C8B-B14F-4D97-AF65-F5344CB8AC3E}">
+        <p14:creationId xmlns:p14="http://schemas.microsoft.com/office/powerpoint/2010/main" val="2468259509"/>
+      </p:ext>
+    </p:extLst>
+  </p:cSld>
+  <p:clrMapOvr>
+    <a:masterClrMapping/>
+  </p:clrMapOvr>
+</p:notes>
+</file>
+
+<file path=ppt/notesSlides/notesSlide15.xml><?xml version="1.0" encoding="utf-8"?>
+<p:notes xmlns:a="http://schemas.openxmlformats.org/drawingml/2006/main" xmlns:r="http://schemas.openxmlformats.org/officeDocument/2006/relationships" xmlns:p="http://schemas.openxmlformats.org/presentationml/2006/main">
+  <p:cSld>
+    <p:spTree>
+      <p:nvGrpSpPr>
+        <p:cNvPr id="1" name=""/>
+        <p:cNvGrpSpPr/>
+        <p:nvPr/>
+      </p:nvGrpSpPr>
+      <p:grpSpPr>
+        <a:xfrm>
+          <a:off x="0" y="0"/>
+          <a:ext cx="0" cy="0"/>
+          <a:chOff x="0" y="0"/>
+          <a:chExt cx="0" cy="0"/>
+        </a:xfrm>
+      </p:grpSpPr>
+      <p:sp>
+        <p:nvSpPr>
+          <p:cNvPr id="2" name="Slide Image Placeholder 1"/>
+          <p:cNvSpPr>
+            <a:spLocks noGrp="1" noRot="1" noChangeAspect="1"/>
+          </p:cNvSpPr>
+          <p:nvPr>
+            <p:ph type="sldImg"/>
+          </p:nvPr>
+        </p:nvSpPr>
+        <p:spPr/>
+      </p:sp>
+      <p:sp>
+        <p:nvSpPr>
+          <p:cNvPr id="3" name="Notes Placeholder 2"/>
+          <p:cNvSpPr>
+            <a:spLocks noGrp="1"/>
+          </p:cNvSpPr>
+          <p:nvPr>
+            <p:ph type="body" idx="1"/>
+          </p:nvPr>
+        </p:nvSpPr>
+        <p:spPr/>
+        <p:txBody>
+          <a:bodyPr/>
+          <a:lstStyle/>
+          <a:p>
+            <a:r>
+              <a:rPr lang="en-US" dirty="0"/>
+              <a:t>In this next example, I wanted to show the type of output that is common to HMM analyses.  These graphs are from a black bear study, showing the turning angles and </a:t>
+            </a:r>
+            <a:r>
+              <a:rPr lang="en-US" dirty="0" err="1"/>
+              <a:t>steplength</a:t>
+            </a:r>
+            <a:r>
+              <a:rPr lang="en-US" dirty="0"/>
+              <a:t> distributions of male and female bears in winter, summer, and fall.  This is pretty interesting, as it shows changes in movement behavior across seasons.  You can see that exploratory movements generally result in longer steplengths and straight line movements, with turning angles centered around zero.  When animals are resting or encamped, however, they generally move with shorter steplengths and in a circular fashion…so much more of this area restricted search behavior that I mentioned previously.  It’s also interesting because we can look at differences between sexes and while it’s not shown here, the authors separate out segments of these tracks based on these behaviors (resting, encamped, exploratory) to perform behavioral-based resource selection/habitat modeling.  So, recognizing that habitat selection may differ when the animal is resting or foraging.  </a:t>
+            </a:r>
           </a:p>
         </p:txBody>
       </p:sp>
@@ -692,6 +1257,106 @@
     <p:extLst>
       <p:ext uri="{BB962C8B-B14F-4D97-AF65-F5344CB8AC3E}">
         <p14:creationId xmlns:p14="http://schemas.microsoft.com/office/powerpoint/2010/main" val="1435731207"/>
+      </p:ext>
+    </p:extLst>
+  </p:cSld>
+  <p:clrMapOvr>
+    <a:masterClrMapping/>
+  </p:clrMapOvr>
+</p:notes>
+</file>
+
+<file path=ppt/notesSlides/notesSlide16.xml><?xml version="1.0" encoding="utf-8"?>
+<p:notes xmlns:a="http://schemas.openxmlformats.org/drawingml/2006/main" xmlns:r="http://schemas.openxmlformats.org/officeDocument/2006/relationships" xmlns:p="http://schemas.openxmlformats.org/presentationml/2006/main">
+  <p:cSld>
+    <p:spTree>
+      <p:nvGrpSpPr>
+        <p:cNvPr id="1" name=""/>
+        <p:cNvGrpSpPr/>
+        <p:nvPr/>
+      </p:nvGrpSpPr>
+      <p:grpSpPr>
+        <a:xfrm>
+          <a:off x="0" y="0"/>
+          <a:ext cx="0" cy="0"/>
+          <a:chOff x="0" y="0"/>
+          <a:chExt cx="0" cy="0"/>
+        </a:xfrm>
+      </p:grpSpPr>
+      <p:sp>
+        <p:nvSpPr>
+          <p:cNvPr id="2" name="Slide Image Placeholder 1"/>
+          <p:cNvSpPr>
+            <a:spLocks noGrp="1" noRot="1" noChangeAspect="1"/>
+          </p:cNvSpPr>
+          <p:nvPr>
+            <p:ph type="sldImg"/>
+          </p:nvPr>
+        </p:nvSpPr>
+        <p:spPr/>
+      </p:sp>
+      <p:sp>
+        <p:nvSpPr>
+          <p:cNvPr id="3" name="Notes Placeholder 2"/>
+          <p:cNvSpPr>
+            <a:spLocks noGrp="1"/>
+          </p:cNvSpPr>
+          <p:nvPr>
+            <p:ph type="body" idx="1"/>
+          </p:nvPr>
+        </p:nvSpPr>
+        <p:spPr/>
+        <p:txBody>
+          <a:bodyPr/>
+          <a:lstStyle/>
+          <a:p>
+            <a:r>
+              <a:rPr lang="en-US" dirty="0"/>
+              <a:t>And last, this paper takes this aspect a step further, fully integrating the results from a Hidden Markov Model into a step selection function analyses and trying to pull as much information from the movement track to improve a habitat selection analyses.  This seems like the direction that this field is heading.  Here we see two different behavioral states for plains zebra, displayed in a figure we can generate from the </a:t>
+            </a:r>
+            <a:r>
+              <a:rPr lang="en-US" dirty="0" err="1"/>
+              <a:t>moveHMM</a:t>
+            </a:r>
+            <a:r>
+              <a:rPr lang="en-US" dirty="0"/>
+              <a:t> package to visualize the switches in behavior that occurred over a 3 year tracking period.  From the graph we see that this animal spent long periods in one behavior compared to another, allowing us to investigate other potentially more interesting questions about why this might be.  Is it related, for example, to changes in habitat </a:t>
+            </a:r>
+            <a:r>
+              <a:rPr lang="en-US"/>
+              <a:t>or climate, etc.</a:t>
+            </a:r>
+            <a:endParaRPr lang="en-US" dirty="0"/>
+          </a:p>
+        </p:txBody>
+      </p:sp>
+      <p:sp>
+        <p:nvSpPr>
+          <p:cNvPr id="4" name="Slide Number Placeholder 3"/>
+          <p:cNvSpPr>
+            <a:spLocks noGrp="1"/>
+          </p:cNvSpPr>
+          <p:nvPr>
+            <p:ph type="sldNum" sz="quarter" idx="5"/>
+          </p:nvPr>
+        </p:nvSpPr>
+        <p:spPr/>
+        <p:txBody>
+          <a:bodyPr/>
+          <a:lstStyle/>
+          <a:p>
+            <a:fld id="{42E65689-8240-45C5-BB1A-376E97A4566F}" type="slidenum">
+              <a:rPr lang="en-US" smtClean="0"/>
+              <a:t>17</a:t>
+            </a:fld>
+            <a:endParaRPr lang="en-US"/>
+          </a:p>
+        </p:txBody>
+      </p:sp>
+    </p:spTree>
+    <p:extLst>
+      <p:ext uri="{BB962C8B-B14F-4D97-AF65-F5344CB8AC3E}">
+        <p14:creationId xmlns:p14="http://schemas.microsoft.com/office/powerpoint/2010/main" val="1426449585"/>
       </p:ext>
     </p:extLst>
   </p:cSld>
@@ -1448,7 +2113,7 @@
           <a:p>
             <a:r>
               <a:rPr lang="en-US" dirty="0"/>
-              <a:t>The Transition probably matrix will then be estimated based on our starting states.  This will be estimated for us once we input all the other values.</a:t>
+              <a:t>The Transition probably matrix will then be estimated based on our starting states.  This will be estimated for us once we input all the other values, so we don’t need to put starting values here….this will be estimated.</a:t>
             </a:r>
           </a:p>
         </p:txBody>
@@ -1544,7 +2209,7 @@
           <a:p>
             <a:r>
               <a:rPr lang="en-US" dirty="0"/>
-              <a:t>We also have access to stationary probabilities.  So instead of assign a state to every point, we can look at the probability of each point, often times providing a value of confidence to each particular state assignment.</a:t>
+              <a:t>We also have access to stationary probabilities.  So instead of assign a state to every point, we can look at the state probability of each point, often times providing a value of confidence to each particular state assignment.</a:t>
             </a:r>
           </a:p>
           <a:p>
@@ -1674,7 +2339,7 @@
             </a:r>
             <a:r>
               <a:rPr lang="en-US" dirty="0"/>
-              <a:t>, so it’s more appropriate, that is, it has statistical support, for the data it’s being used to describe.</a:t>
+              <a:t>, so it’s more appropriate, that is, it has the statistical support to be used with the animal movement data.</a:t>
             </a:r>
           </a:p>
           <a:p>
@@ -1871,7 +2536,7 @@
           <a:p>
             <a:fld id="{0F40EE0F-3D5D-4E7E-9C3F-44BCD00311B7}" type="datetimeFigureOut">
               <a:rPr lang="en-US" smtClean="0"/>
-              <a:t>6/24/2024</a:t>
+              <a:t>6/27/2024</a:t>
             </a:fld>
             <a:endParaRPr lang="en-US"/>
           </a:p>
@@ -2069,7 +2734,7 @@
           <a:p>
             <a:fld id="{0F40EE0F-3D5D-4E7E-9C3F-44BCD00311B7}" type="datetimeFigureOut">
               <a:rPr lang="en-US" smtClean="0"/>
-              <a:t>6/24/2024</a:t>
+              <a:t>6/27/2024</a:t>
             </a:fld>
             <a:endParaRPr lang="en-US"/>
           </a:p>
@@ -2277,7 +2942,7 @@
           <a:p>
             <a:fld id="{0F40EE0F-3D5D-4E7E-9C3F-44BCD00311B7}" type="datetimeFigureOut">
               <a:rPr lang="en-US" smtClean="0"/>
-              <a:t>6/24/2024</a:t>
+              <a:t>6/27/2024</a:t>
             </a:fld>
             <a:endParaRPr lang="en-US"/>
           </a:p>
@@ -2505,7 +3170,7 @@
           <a:p>
             <a:fld id="{9C09B839-4597-4A24-8E17-71B237D9282C}" type="datetimeFigureOut">
               <a:rPr lang="en-US" smtClean="0"/>
-              <a:t>6/24/2024</a:t>
+              <a:t>6/27/2024</a:t>
             </a:fld>
             <a:endParaRPr lang="en-US"/>
           </a:p>
@@ -2727,7 +3392,7 @@
           <a:p>
             <a:fld id="{9C09B839-4597-4A24-8E17-71B237D9282C}" type="datetimeFigureOut">
               <a:rPr lang="en-US" smtClean="0"/>
-              <a:t>6/24/2024</a:t>
+              <a:t>6/27/2024</a:t>
             </a:fld>
             <a:endParaRPr lang="en-US"/>
           </a:p>
@@ -3026,7 +3691,7 @@
           <a:p>
             <a:fld id="{9C09B839-4597-4A24-8E17-71B237D9282C}" type="datetimeFigureOut">
               <a:rPr lang="en-US" smtClean="0"/>
-              <a:t>6/24/2024</a:t>
+              <a:t>6/27/2024</a:t>
             </a:fld>
             <a:endParaRPr lang="en-US"/>
           </a:p>
@@ -3315,7 +3980,7 @@
           <a:p>
             <a:fld id="{9C09B839-4597-4A24-8E17-71B237D9282C}" type="datetimeFigureOut">
               <a:rPr lang="en-US" smtClean="0"/>
-              <a:t>6/24/2024</a:t>
+              <a:t>6/27/2024</a:t>
             </a:fld>
             <a:endParaRPr lang="en-US"/>
           </a:p>
@@ -3751,7 +4416,7 @@
           <a:p>
             <a:fld id="{9C09B839-4597-4A24-8E17-71B237D9282C}" type="datetimeFigureOut">
               <a:rPr lang="en-US" smtClean="0"/>
-              <a:t>6/24/2024</a:t>
+              <a:t>6/27/2024</a:t>
             </a:fld>
             <a:endParaRPr lang="en-US"/>
           </a:p>
@@ -3916,7 +4581,7 @@
           <a:p>
             <a:fld id="{9C09B839-4597-4A24-8E17-71B237D9282C}" type="datetimeFigureOut">
               <a:rPr lang="en-US" smtClean="0"/>
-              <a:t>6/24/2024</a:t>
+              <a:t>6/27/2024</a:t>
             </a:fld>
             <a:endParaRPr lang="en-US"/>
           </a:p>
@@ -4053,7 +4718,7 @@
           <a:p>
             <a:fld id="{9C09B839-4597-4A24-8E17-71B237D9282C}" type="datetimeFigureOut">
               <a:rPr lang="en-US" smtClean="0"/>
-              <a:t>6/24/2024</a:t>
+              <a:t>6/27/2024</a:t>
             </a:fld>
             <a:endParaRPr lang="en-US"/>
           </a:p>
@@ -4388,7 +5053,7 @@
           <a:p>
             <a:fld id="{9C09B839-4597-4A24-8E17-71B237D9282C}" type="datetimeFigureOut">
               <a:rPr lang="en-US" smtClean="0"/>
-              <a:t>6/24/2024</a:t>
+              <a:t>6/27/2024</a:t>
             </a:fld>
             <a:endParaRPr lang="en-US"/>
           </a:p>
@@ -4602,7 +5267,7 @@
           <a:p>
             <a:fld id="{0F40EE0F-3D5D-4E7E-9C3F-44BCD00311B7}" type="datetimeFigureOut">
               <a:rPr lang="en-US" smtClean="0"/>
-              <a:t>6/24/2024</a:t>
+              <a:t>6/27/2024</a:t>
             </a:fld>
             <a:endParaRPr lang="en-US"/>
           </a:p>
@@ -4898,7 +5563,7 @@
           <a:p>
             <a:fld id="{9C09B839-4597-4A24-8E17-71B237D9282C}" type="datetimeFigureOut">
               <a:rPr lang="en-US" smtClean="0"/>
-              <a:t>6/24/2024</a:t>
+              <a:t>6/27/2024</a:t>
             </a:fld>
             <a:endParaRPr lang="en-US"/>
           </a:p>
@@ -5120,7 +5785,7 @@
           <a:p>
             <a:fld id="{9C09B839-4597-4A24-8E17-71B237D9282C}" type="datetimeFigureOut">
               <a:rPr lang="en-US" smtClean="0"/>
-              <a:t>6/24/2024</a:t>
+              <a:t>6/27/2024</a:t>
             </a:fld>
             <a:endParaRPr lang="en-US"/>
           </a:p>
@@ -5352,7 +6017,7 @@
           <a:p>
             <a:fld id="{9C09B839-4597-4A24-8E17-71B237D9282C}" type="datetimeFigureOut">
               <a:rPr lang="en-US" smtClean="0"/>
-              <a:t>6/24/2024</a:t>
+              <a:t>6/27/2024</a:t>
             </a:fld>
             <a:endParaRPr lang="en-US"/>
           </a:p>
@@ -5643,7 +6308,7 @@
           <a:p>
             <a:fld id="{0F40EE0F-3D5D-4E7E-9C3F-44BCD00311B7}" type="datetimeFigureOut">
               <a:rPr lang="en-US" smtClean="0"/>
-              <a:t>6/24/2024</a:t>
+              <a:t>6/27/2024</a:t>
             </a:fld>
             <a:endParaRPr lang="en-US"/>
           </a:p>
@@ -5908,7 +6573,7 @@
           <a:p>
             <a:fld id="{0F40EE0F-3D5D-4E7E-9C3F-44BCD00311B7}" type="datetimeFigureOut">
               <a:rPr lang="en-US" smtClean="0"/>
-              <a:t>6/24/2024</a:t>
+              <a:t>6/27/2024</a:t>
             </a:fld>
             <a:endParaRPr lang="en-US"/>
           </a:p>
@@ -6320,7 +6985,7 @@
           <a:p>
             <a:fld id="{0F40EE0F-3D5D-4E7E-9C3F-44BCD00311B7}" type="datetimeFigureOut">
               <a:rPr lang="en-US" smtClean="0"/>
-              <a:t>6/24/2024</a:t>
+              <a:t>6/27/2024</a:t>
             </a:fld>
             <a:endParaRPr lang="en-US"/>
           </a:p>
@@ -6461,7 +7126,7 @@
           <a:p>
             <a:fld id="{0F40EE0F-3D5D-4E7E-9C3F-44BCD00311B7}" type="datetimeFigureOut">
               <a:rPr lang="en-US" smtClean="0"/>
-              <a:t>6/24/2024</a:t>
+              <a:t>6/27/2024</a:t>
             </a:fld>
             <a:endParaRPr lang="en-US"/>
           </a:p>
@@ -6574,7 +7239,7 @@
           <a:p>
             <a:fld id="{0F40EE0F-3D5D-4E7E-9C3F-44BCD00311B7}" type="datetimeFigureOut">
               <a:rPr lang="en-US" smtClean="0"/>
-              <a:t>6/24/2024</a:t>
+              <a:t>6/27/2024</a:t>
             </a:fld>
             <a:endParaRPr lang="en-US"/>
           </a:p>
@@ -6885,7 +7550,7 @@
           <a:p>
             <a:fld id="{0F40EE0F-3D5D-4E7E-9C3F-44BCD00311B7}" type="datetimeFigureOut">
               <a:rPr lang="en-US" smtClean="0"/>
-              <a:t>6/24/2024</a:t>
+              <a:t>6/27/2024</a:t>
             </a:fld>
             <a:endParaRPr lang="en-US"/>
           </a:p>
@@ -7173,7 +7838,7 @@
           <a:p>
             <a:fld id="{0F40EE0F-3D5D-4E7E-9C3F-44BCD00311B7}" type="datetimeFigureOut">
               <a:rPr lang="en-US" smtClean="0"/>
-              <a:t>6/24/2024</a:t>
+              <a:t>6/27/2024</a:t>
             </a:fld>
             <a:endParaRPr lang="en-US"/>
           </a:p>
@@ -7414,7 +8079,7 @@
           <a:p>
             <a:fld id="{0F40EE0F-3D5D-4E7E-9C3F-44BCD00311B7}" type="datetimeFigureOut">
               <a:rPr lang="en-US" smtClean="0"/>
-              <a:t>6/24/2024</a:t>
+              <a:t>6/27/2024</a:t>
             </a:fld>
             <a:endParaRPr lang="en-US"/>
           </a:p>
@@ -8781,41 +9446,67 @@
           </a:p>
         </p:txBody>
       </p:sp>
-      <p:sp>
-        <p:nvSpPr>
-          <p:cNvPr id="2" name="TextBox 1">
-            <a:extLst>
-              <a:ext uri="{FF2B5EF4-FFF2-40B4-BE49-F238E27FC236}">
-                <a16:creationId xmlns:a16="http://schemas.microsoft.com/office/drawing/2014/main" id="{AE9B828E-582A-4AB4-0BAD-3DC77586D322}"/>
-              </a:ext>
-            </a:extLst>
-          </p:cNvPr>
-          <p:cNvSpPr txBox="1"/>
+      <p:pic>
+        <p:nvPicPr>
+          <p:cNvPr id="3" name="Picture 2">
+            <a:extLst>
+              <a:ext uri="{FF2B5EF4-FFF2-40B4-BE49-F238E27FC236}">
+                <a16:creationId xmlns:a16="http://schemas.microsoft.com/office/drawing/2014/main" id="{4D1AEC49-9C29-405C-E5B0-FE46F05E324A}"/>
+              </a:ext>
+            </a:extLst>
+          </p:cNvPr>
+          <p:cNvPicPr>
+            <a:picLocks noChangeAspect="1"/>
+          </p:cNvPicPr>
           <p:nvPr/>
-        </p:nvSpPr>
+        </p:nvPicPr>
+        <p:blipFill rotWithShape="1">
+          <a:blip r:embed="rId6"/>
+          <a:srcRect l="11935" t="57234" r="8366"/>
+          <a:stretch/>
+        </p:blipFill>
         <p:spPr>
           <a:xfrm>
-            <a:off x="5662670" y="2470043"/>
-            <a:ext cx="1839606" cy="369332"/>
+            <a:off x="5260980" y="2139391"/>
+            <a:ext cx="3971472" cy="1304372"/>
           </a:xfrm>
           <a:prstGeom prst="rect">
             <a:avLst/>
           </a:prstGeom>
-          <a:noFill/>
         </p:spPr>
-        <p:txBody>
-          <a:bodyPr wrap="none" rtlCol="0">
-            <a:spAutoFit/>
-          </a:bodyPr>
-          <a:lstStyle/>
-          <a:p>
-            <a:r>
-              <a:rPr lang="en-US" dirty="0"/>
-              <a:t>CREATE FIGURE</a:t>
-            </a:r>
-          </a:p>
-        </p:txBody>
-      </p:sp>
+      </p:pic>
+      <p:pic>
+        <p:nvPicPr>
+          <p:cNvPr id="6" name="Picture 5">
+            <a:extLst>
+              <a:ext uri="{FF2B5EF4-FFF2-40B4-BE49-F238E27FC236}">
+                <a16:creationId xmlns:a16="http://schemas.microsoft.com/office/drawing/2014/main" id="{42CE2F31-67F6-D825-5D6D-F30AF08131D6}"/>
+              </a:ext>
+            </a:extLst>
+          </p:cNvPr>
+          <p:cNvPicPr>
+            <a:picLocks noChangeAspect="1"/>
+          </p:cNvPicPr>
+          <p:nvPr/>
+        </p:nvPicPr>
+        <p:blipFill>
+          <a:blip r:embed="rId7">
+            <a:alphaModFix amt="25000"/>
+          </a:blip>
+          <a:stretch>
+            <a:fillRect/>
+          </a:stretch>
+        </p:blipFill>
+        <p:spPr>
+          <a:xfrm>
+            <a:off x="9232452" y="1169196"/>
+            <a:ext cx="2846347" cy="1464471"/>
+          </a:xfrm>
+          <a:prstGeom prst="rect">
+            <a:avLst/>
+          </a:prstGeom>
+        </p:spPr>
+      </p:pic>
     </p:spTree>
     <p:extLst>
       <p:ext uri="{BB962C8B-B14F-4D97-AF65-F5344CB8AC3E}">
@@ -9320,6 +10011,49 @@
           </p:style>
         </p:cxnSp>
       </p:grpSp>
+      <p:sp>
+        <p:nvSpPr>
+          <p:cNvPr id="4" name="TextBox 3">
+            <a:extLst>
+              <a:ext uri="{FF2B5EF4-FFF2-40B4-BE49-F238E27FC236}">
+                <a16:creationId xmlns:a16="http://schemas.microsoft.com/office/drawing/2014/main" id="{89FDEC41-5877-8058-90F1-50314B1A1FD5}"/>
+              </a:ext>
+            </a:extLst>
+          </p:cNvPr>
+          <p:cNvSpPr txBox="1"/>
+          <p:nvPr/>
+        </p:nvSpPr>
+        <p:spPr>
+          <a:xfrm>
+            <a:off x="6229486" y="2029318"/>
+            <a:ext cx="4803894" cy="338554"/>
+          </a:xfrm>
+          <a:prstGeom prst="rect">
+            <a:avLst/>
+          </a:prstGeom>
+          <a:noFill/>
+        </p:spPr>
+        <p:txBody>
+          <a:bodyPr wrap="square">
+            <a:spAutoFit/>
+          </a:bodyPr>
+          <a:lstStyle/>
+          <a:p>
+            <a:pPr marL="0" indent="0">
+              <a:buNone/>
+            </a:pPr>
+            <a:r>
+              <a:rPr lang="en-US" sz="1600" b="0" i="0" u="none" strike="noStrike" baseline="0" dirty="0">
+                <a:solidFill>
+                  <a:srgbClr val="4471C4"/>
+                </a:solidFill>
+                <a:latin typeface="+mj-lt"/>
+              </a:rPr>
+              <a:t># Needs to be specified (≤ 4) </a:t>
+            </a:r>
+          </a:p>
+        </p:txBody>
+      </p:sp>
     </p:spTree>
     <p:extLst>
       <p:ext uri="{BB962C8B-B14F-4D97-AF65-F5344CB8AC3E}">
@@ -9364,7 +10098,7 @@
                                           </p:stCondLst>
                                         </p:cTn>
                                         <p:tgtEl>
-                                          <p:spTgt spid="7"/>
+                                          <p:spTgt spid="4"/>
                                         </p:tgtEl>
                                         <p:attrNameLst>
                                           <p:attrName>style.visibility</p:attrName>
@@ -9378,7 +10112,7 @@
                                       <p:cBhvr>
                                         <p:cTn id="7" dur="500"/>
                                         <p:tgtEl>
-                                          <p:spTgt spid="7"/>
+                                          <p:spTgt spid="4"/>
                                         </p:tgtEl>
                                       </p:cBhvr>
                                     </p:animEffect>
@@ -9417,7 +10151,7 @@
                                           </p:stCondLst>
                                         </p:cTn>
                                         <p:tgtEl>
-                                          <p:spTgt spid="8"/>
+                                          <p:spTgt spid="7"/>
                                         </p:tgtEl>
                                         <p:attrNameLst>
                                           <p:attrName>style.visibility</p:attrName>
@@ -9431,7 +10165,7 @@
                                       <p:cBhvr>
                                         <p:cTn id="12" dur="500"/>
                                         <p:tgtEl>
-                                          <p:spTgt spid="8"/>
+                                          <p:spTgt spid="7"/>
                                         </p:tgtEl>
                                       </p:cBhvr>
                                     </p:animEffect>
@@ -9457,7 +10191,7 @@
                             </p:stCondLst>
                             <p:childTnLst>
                               <p:par>
-                                <p:cTn id="15" presetID="10" presetClass="entr" presetSubtype="0" fill="hold" nodeType="clickEffect">
+                                <p:cTn id="15" presetID="10" presetClass="entr" presetSubtype="0" fill="hold" grpId="0" nodeType="clickEffect">
                                   <p:stCondLst>
                                     <p:cond delay="0"/>
                                   </p:stCondLst>
@@ -9470,7 +10204,7 @@
                                           </p:stCondLst>
                                         </p:cTn>
                                         <p:tgtEl>
-                                          <p:spTgt spid="12"/>
+                                          <p:spTgt spid="8"/>
                                         </p:tgtEl>
                                         <p:attrNameLst>
                                           <p:attrName>style.visibility</p:attrName>
@@ -9484,7 +10218,7 @@
                                       <p:cBhvr>
                                         <p:cTn id="17" dur="500"/>
                                         <p:tgtEl>
-                                          <p:spTgt spid="12"/>
+                                          <p:spTgt spid="8"/>
                                         </p:tgtEl>
                                       </p:cBhvr>
                                     </p:animEffect>
@@ -9523,6 +10257,59 @@
                                           </p:stCondLst>
                                         </p:cTn>
                                         <p:tgtEl>
+                                          <p:spTgt spid="12"/>
+                                        </p:tgtEl>
+                                        <p:attrNameLst>
+                                          <p:attrName>style.visibility</p:attrName>
+                                        </p:attrNameLst>
+                                      </p:cBhvr>
+                                      <p:to>
+                                        <p:strVal val="visible"/>
+                                      </p:to>
+                                    </p:set>
+                                    <p:animEffect transition="in" filter="fade">
+                                      <p:cBhvr>
+                                        <p:cTn id="22" dur="500"/>
+                                        <p:tgtEl>
+                                          <p:spTgt spid="12"/>
+                                        </p:tgtEl>
+                                      </p:cBhvr>
+                                    </p:animEffect>
+                                  </p:childTnLst>
+                                </p:cTn>
+                              </p:par>
+                            </p:childTnLst>
+                          </p:cTn>
+                        </p:par>
+                      </p:childTnLst>
+                    </p:cTn>
+                  </p:par>
+                  <p:par>
+                    <p:cTn id="23" fill="hold">
+                      <p:stCondLst>
+                        <p:cond delay="indefinite"/>
+                      </p:stCondLst>
+                      <p:childTnLst>
+                        <p:par>
+                          <p:cTn id="24" fill="hold">
+                            <p:stCondLst>
+                              <p:cond delay="0"/>
+                            </p:stCondLst>
+                            <p:childTnLst>
+                              <p:par>
+                                <p:cTn id="25" presetID="10" presetClass="entr" presetSubtype="0" fill="hold" nodeType="clickEffect">
+                                  <p:stCondLst>
+                                    <p:cond delay="0"/>
+                                  </p:stCondLst>
+                                  <p:childTnLst>
+                                    <p:set>
+                                      <p:cBhvr>
+                                        <p:cTn id="26" dur="1" fill="hold">
+                                          <p:stCondLst>
+                                            <p:cond delay="0"/>
+                                          </p:stCondLst>
+                                        </p:cTn>
+                                        <p:tgtEl>
                                           <p:spTgt spid="3">
                                             <p:txEl>
                                               <p:pRg st="6" end="6"/>
@@ -9539,7 +10326,7 @@
                                     </p:set>
                                     <p:animEffect transition="in" filter="fade">
                                       <p:cBhvr>
-                                        <p:cTn id="22" dur="500"/>
+                                        <p:cTn id="27" dur="500"/>
                                         <p:tgtEl>
                                           <p:spTgt spid="3">
                                             <p:txEl>
@@ -9582,6 +10369,7 @@
     <p:bldLst>
       <p:bldP spid="7" grpId="0"/>
       <p:bldP spid="8" grpId="0"/>
+      <p:bldP spid="4" grpId="0"/>
     </p:bldLst>
   </p:timing>
 </p:sld>
@@ -9604,6 +10392,45 @@
           <a:chExt cx="0" cy="0"/>
         </a:xfrm>
       </p:grpSpPr>
+      <p:sp>
+        <p:nvSpPr>
+          <p:cNvPr id="2" name="TextBox 1">
+            <a:extLst>
+              <a:ext uri="{FF2B5EF4-FFF2-40B4-BE49-F238E27FC236}">
+                <a16:creationId xmlns:a16="http://schemas.microsoft.com/office/drawing/2014/main" id="{8D3B14DC-49E2-D80F-7335-ED0E22D2991F}"/>
+              </a:ext>
+            </a:extLst>
+          </p:cNvPr>
+          <p:cNvSpPr txBox="1"/>
+          <p:nvPr/>
+        </p:nvSpPr>
+        <p:spPr>
+          <a:xfrm>
+            <a:off x="399867" y="698997"/>
+            <a:ext cx="2608509" cy="1754326"/>
+          </a:xfrm>
+          <a:prstGeom prst="rect">
+            <a:avLst/>
+          </a:prstGeom>
+          <a:noFill/>
+        </p:spPr>
+        <p:txBody>
+          <a:bodyPr wrap="square">
+            <a:spAutoFit/>
+          </a:bodyPr>
+          <a:lstStyle/>
+          <a:p>
+            <a:r>
+              <a:rPr lang="en-US" dirty="0">
+                <a:solidFill>
+                  <a:srgbClr val="FF0000"/>
+                </a:solidFill>
+              </a:rPr>
+              <a:t>GRAB A FIGURE which shows an example of an animal that is switching between states. </a:t>
+            </a:r>
+          </a:p>
+        </p:txBody>
+      </p:sp>
     </p:spTree>
     <p:extLst>
       <p:ext uri="{BB962C8B-B14F-4D97-AF65-F5344CB8AC3E}">
@@ -9634,6 +10461,80 @@
           <a:chExt cx="0" cy="0"/>
         </a:xfrm>
       </p:grpSpPr>
+      <p:pic>
+        <p:nvPicPr>
+          <p:cNvPr id="5" name="Picture 4">
+            <a:extLst>
+              <a:ext uri="{FF2B5EF4-FFF2-40B4-BE49-F238E27FC236}">
+                <a16:creationId xmlns:a16="http://schemas.microsoft.com/office/drawing/2014/main" id="{6622A073-160A-293C-4DB1-EEB55C506611}"/>
+              </a:ext>
+            </a:extLst>
+          </p:cNvPr>
+          <p:cNvPicPr>
+            <a:picLocks noChangeAspect="1"/>
+          </p:cNvPicPr>
+          <p:nvPr/>
+        </p:nvPicPr>
+        <p:blipFill>
+          <a:blip r:embed="rId3"/>
+          <a:stretch>
+            <a:fillRect/>
+          </a:stretch>
+        </p:blipFill>
+        <p:spPr>
+          <a:xfrm>
+            <a:off x="0" y="306422"/>
+            <a:ext cx="12214433" cy="5838275"/>
+          </a:xfrm>
+          <a:prstGeom prst="rect">
+            <a:avLst/>
+          </a:prstGeom>
+        </p:spPr>
+      </p:pic>
+      <p:sp>
+        <p:nvSpPr>
+          <p:cNvPr id="3" name="TextBox 2">
+            <a:extLst>
+              <a:ext uri="{FF2B5EF4-FFF2-40B4-BE49-F238E27FC236}">
+                <a16:creationId xmlns:a16="http://schemas.microsoft.com/office/drawing/2014/main" id="{D871318B-E20C-FEE9-7B5B-3A37F9D04C1A}"/>
+              </a:ext>
+            </a:extLst>
+          </p:cNvPr>
+          <p:cNvSpPr txBox="1"/>
+          <p:nvPr/>
+        </p:nvSpPr>
+        <p:spPr>
+          <a:xfrm>
+            <a:off x="7370064" y="5960031"/>
+            <a:ext cx="4771440" cy="369332"/>
+          </a:xfrm>
+          <a:prstGeom prst="rect">
+            <a:avLst/>
+          </a:prstGeom>
+          <a:noFill/>
+        </p:spPr>
+        <p:txBody>
+          <a:bodyPr wrap="square">
+            <a:spAutoFit/>
+          </a:bodyPr>
+          <a:lstStyle/>
+          <a:p>
+            <a:pPr algn="r"/>
+            <a:r>
+              <a:rPr lang="en-US" sz="1800" b="0" i="0" u="none" strike="noStrike" baseline="0" dirty="0">
+                <a:solidFill>
+                  <a:srgbClr val="000000"/>
+                </a:solidFill>
+                <a:latin typeface="Century Gothic" panose="020B0502020202020204" pitchFamily="34" charset="0"/>
+              </a:rPr>
+              <a:t>Postlethwaite and Dennis 2013</a:t>
+            </a:r>
+            <a:endParaRPr lang="en-US" dirty="0">
+              <a:latin typeface="Century Gothic" panose="020B0502020202020204" pitchFamily="34" charset="0"/>
+            </a:endParaRPr>
+          </a:p>
+        </p:txBody>
+      </p:sp>
     </p:spTree>
     <p:extLst>
       <p:ext uri="{BB962C8B-B14F-4D97-AF65-F5344CB8AC3E}">
@@ -9666,65 +10567,333 @@
       </p:grpSpPr>
       <p:sp>
         <p:nvSpPr>
-          <p:cNvPr id="2" name="Title 1">
-            <a:extLst>
-              <a:ext uri="{FF2B5EF4-FFF2-40B4-BE49-F238E27FC236}">
-                <a16:creationId xmlns:a16="http://schemas.microsoft.com/office/drawing/2014/main" id="{33522ED3-4669-BCB2-73C8-F9BD4837EBBE}"/>
-              </a:ext>
-            </a:extLst>
-          </p:cNvPr>
-          <p:cNvSpPr>
-            <a:spLocks noGrp="1"/>
-          </p:cNvSpPr>
-          <p:nvPr>
-            <p:ph type="title" idx="4294967295"/>
-          </p:nvPr>
+          <p:cNvPr id="4" name="Title 1">
+            <a:extLst>
+              <a:ext uri="{FF2B5EF4-FFF2-40B4-BE49-F238E27FC236}">
+                <a16:creationId xmlns:a16="http://schemas.microsoft.com/office/drawing/2014/main" id="{D8E4D343-E403-96F1-07FE-A9B868F8B2C9}"/>
+              </a:ext>
+            </a:extLst>
+          </p:cNvPr>
+          <p:cNvSpPr txBox="1">
+            <a:spLocks/>
+          </p:cNvSpPr>
+          <p:nvPr/>
         </p:nvSpPr>
         <p:spPr>
           <a:xfrm>
-            <a:off x="0" y="365125"/>
+            <a:off x="496675" y="322824"/>
             <a:ext cx="10515600" cy="1325563"/>
           </a:xfrm>
+          <a:prstGeom prst="rect">
+            <a:avLst/>
+          </a:prstGeom>
         </p:spPr>
         <p:txBody>
-          <a:bodyPr/>
-          <a:lstStyle/>
-          <a:p>
-            <a:r>
-              <a:rPr lang="en-US" dirty="0"/>
+          <a:bodyPr vert="horz" lIns="91440" tIns="45720" rIns="91440" bIns="45720" rtlCol="0" anchor="ctr">
+            <a:normAutofit/>
+          </a:bodyPr>
+          <a:lstStyle>
+            <a:lvl1pPr algn="l" defTabSz="914400" rtl="0" eaLnBrk="1" latinLnBrk="0" hangingPunct="1">
+              <a:lnSpc>
+                <a:spcPct val="90000"/>
+              </a:lnSpc>
+              <a:spcBef>
+                <a:spcPct val="0"/>
+              </a:spcBef>
+              <a:buNone/>
+              <a:defRPr sz="4400" kern="1200">
+                <a:solidFill>
+                  <a:schemeClr val="tx1"/>
+                </a:solidFill>
+                <a:latin typeface="+mj-lt"/>
+                <a:ea typeface="+mj-ea"/>
+                <a:cs typeface="+mj-cs"/>
+              </a:defRPr>
+            </a:lvl1pPr>
+          </a:lstStyle>
+          <a:p>
+            <a:r>
+              <a:rPr lang="en-US" sz="3200" b="1" dirty="0">
+                <a:solidFill>
+                  <a:srgbClr val="000000"/>
+                </a:solidFill>
+              </a:rPr>
               <a:t>Challenges to HMMs</a:t>
             </a:r>
-          </a:p>
-        </p:txBody>
-      </p:sp>
-      <p:sp>
-        <p:nvSpPr>
-          <p:cNvPr id="3" name="Content Placeholder 2">
-            <a:extLst>
-              <a:ext uri="{FF2B5EF4-FFF2-40B4-BE49-F238E27FC236}">
-                <a16:creationId xmlns:a16="http://schemas.microsoft.com/office/drawing/2014/main" id="{589D9E32-DBEF-2CA8-A074-44A11F190C20}"/>
-              </a:ext>
-            </a:extLst>
-          </p:cNvPr>
-          <p:cNvSpPr>
-            <a:spLocks noGrp="1"/>
-          </p:cNvSpPr>
-          <p:nvPr>
-            <p:ph idx="4294967295"/>
-          </p:nvPr>
+            <a:br>
+              <a:rPr lang="en-US" sz="3200" b="1" dirty="0">
+                <a:solidFill>
+                  <a:srgbClr val="000000"/>
+                </a:solidFill>
+              </a:rPr>
+            </a:br>
+            <a:endParaRPr lang="en-US" sz="3200" b="1" dirty="0"/>
+          </a:p>
+        </p:txBody>
+      </p:sp>
+      <p:sp>
+        <p:nvSpPr>
+          <p:cNvPr id="5" name="Content Placeholder 2">
+            <a:extLst>
+              <a:ext uri="{FF2B5EF4-FFF2-40B4-BE49-F238E27FC236}">
+                <a16:creationId xmlns:a16="http://schemas.microsoft.com/office/drawing/2014/main" id="{1A7E6DF1-1F3D-2A2F-4B4E-8D7EAEEB7444}"/>
+              </a:ext>
+            </a:extLst>
+          </p:cNvPr>
+          <p:cNvSpPr txBox="1">
+            <a:spLocks/>
+          </p:cNvSpPr>
+          <p:nvPr/>
         </p:nvSpPr>
         <p:spPr>
           <a:xfrm>
-            <a:off x="0" y="1825625"/>
-            <a:ext cx="10515600" cy="4351338"/>
+            <a:off x="969484" y="1167788"/>
+            <a:ext cx="10515600" cy="3478857"/>
           </a:xfrm>
+          <a:prstGeom prst="rect">
+            <a:avLst/>
+          </a:prstGeom>
         </p:spPr>
         <p:txBody>
-          <a:bodyPr/>
-          <a:lstStyle/>
-          <a:p>
-            <a:pPr algn="l"/>
-            <a:endParaRPr lang="en-US" sz="1800" b="0" i="0" u="none" strike="noStrike" baseline="0" dirty="0">
+          <a:bodyPr vert="horz" lIns="91440" tIns="45720" rIns="91440" bIns="45720" rtlCol="0">
+            <a:noAutofit/>
+          </a:bodyPr>
+          <a:lstStyle>
+            <a:lvl1pPr marL="228600" indent="-228600" algn="l" defTabSz="914400" rtl="0" eaLnBrk="1" latinLnBrk="0" hangingPunct="1">
+              <a:lnSpc>
+                <a:spcPct val="90000"/>
+              </a:lnSpc>
+              <a:spcBef>
+                <a:spcPts val="1000"/>
+              </a:spcBef>
+              <a:buFont typeface="Arial" panose="020B0604020202020204" pitchFamily="34" charset="0"/>
+              <a:buChar char="•"/>
+              <a:defRPr sz="2800" kern="1200">
+                <a:solidFill>
+                  <a:schemeClr val="tx1"/>
+                </a:solidFill>
+                <a:latin typeface="+mn-lt"/>
+                <a:ea typeface="+mn-ea"/>
+                <a:cs typeface="+mn-cs"/>
+              </a:defRPr>
+            </a:lvl1pPr>
+            <a:lvl2pPr marL="685800" indent="-228600" algn="l" defTabSz="914400" rtl="0" eaLnBrk="1" latinLnBrk="0" hangingPunct="1">
+              <a:lnSpc>
+                <a:spcPct val="90000"/>
+              </a:lnSpc>
+              <a:spcBef>
+                <a:spcPts val="500"/>
+              </a:spcBef>
+              <a:buFont typeface="Arial" panose="020B0604020202020204" pitchFamily="34" charset="0"/>
+              <a:buChar char="•"/>
+              <a:defRPr sz="2400" kern="1200">
+                <a:solidFill>
+                  <a:schemeClr val="tx1"/>
+                </a:solidFill>
+                <a:latin typeface="+mn-lt"/>
+                <a:ea typeface="+mn-ea"/>
+                <a:cs typeface="+mn-cs"/>
+              </a:defRPr>
+            </a:lvl2pPr>
+            <a:lvl3pPr marL="1143000" indent="-228600" algn="l" defTabSz="914400" rtl="0" eaLnBrk="1" latinLnBrk="0" hangingPunct="1">
+              <a:lnSpc>
+                <a:spcPct val="90000"/>
+              </a:lnSpc>
+              <a:spcBef>
+                <a:spcPts val="500"/>
+              </a:spcBef>
+              <a:buFont typeface="Arial" panose="020B0604020202020204" pitchFamily="34" charset="0"/>
+              <a:buChar char="•"/>
+              <a:defRPr sz="2000" kern="1200">
+                <a:solidFill>
+                  <a:schemeClr val="tx1"/>
+                </a:solidFill>
+                <a:latin typeface="+mn-lt"/>
+                <a:ea typeface="+mn-ea"/>
+                <a:cs typeface="+mn-cs"/>
+              </a:defRPr>
+            </a:lvl3pPr>
+            <a:lvl4pPr marL="1600200" indent="-228600" algn="l" defTabSz="914400" rtl="0" eaLnBrk="1" latinLnBrk="0" hangingPunct="1">
+              <a:lnSpc>
+                <a:spcPct val="90000"/>
+              </a:lnSpc>
+              <a:spcBef>
+                <a:spcPts val="500"/>
+              </a:spcBef>
+              <a:buFont typeface="Arial" panose="020B0604020202020204" pitchFamily="34" charset="0"/>
+              <a:buChar char="•"/>
+              <a:defRPr sz="1800" kern="1200">
+                <a:solidFill>
+                  <a:schemeClr val="tx1"/>
+                </a:solidFill>
+                <a:latin typeface="+mn-lt"/>
+                <a:ea typeface="+mn-ea"/>
+                <a:cs typeface="+mn-cs"/>
+              </a:defRPr>
+            </a:lvl4pPr>
+            <a:lvl5pPr marL="2057400" indent="-228600" algn="l" defTabSz="914400" rtl="0" eaLnBrk="1" latinLnBrk="0" hangingPunct="1">
+              <a:lnSpc>
+                <a:spcPct val="90000"/>
+              </a:lnSpc>
+              <a:spcBef>
+                <a:spcPts val="500"/>
+              </a:spcBef>
+              <a:buFont typeface="Arial" panose="020B0604020202020204" pitchFamily="34" charset="0"/>
+              <a:buChar char="•"/>
+              <a:defRPr sz="1800" kern="1200">
+                <a:solidFill>
+                  <a:schemeClr val="tx1"/>
+                </a:solidFill>
+                <a:latin typeface="+mn-lt"/>
+                <a:ea typeface="+mn-ea"/>
+                <a:cs typeface="+mn-cs"/>
+              </a:defRPr>
+            </a:lvl5pPr>
+            <a:lvl6pPr marL="2514600" indent="-228600" algn="l" defTabSz="914400" rtl="0" eaLnBrk="1" latinLnBrk="0" hangingPunct="1">
+              <a:lnSpc>
+                <a:spcPct val="90000"/>
+              </a:lnSpc>
+              <a:spcBef>
+                <a:spcPts val="500"/>
+              </a:spcBef>
+              <a:buFont typeface="Arial" panose="020B0604020202020204" pitchFamily="34" charset="0"/>
+              <a:buChar char="•"/>
+              <a:defRPr sz="1800" kern="1200">
+                <a:solidFill>
+                  <a:schemeClr val="tx1"/>
+                </a:solidFill>
+                <a:latin typeface="+mn-lt"/>
+                <a:ea typeface="+mn-ea"/>
+                <a:cs typeface="+mn-cs"/>
+              </a:defRPr>
+            </a:lvl6pPr>
+            <a:lvl7pPr marL="2971800" indent="-228600" algn="l" defTabSz="914400" rtl="0" eaLnBrk="1" latinLnBrk="0" hangingPunct="1">
+              <a:lnSpc>
+                <a:spcPct val="90000"/>
+              </a:lnSpc>
+              <a:spcBef>
+                <a:spcPts val="500"/>
+              </a:spcBef>
+              <a:buFont typeface="Arial" panose="020B0604020202020204" pitchFamily="34" charset="0"/>
+              <a:buChar char="•"/>
+              <a:defRPr sz="1800" kern="1200">
+                <a:solidFill>
+                  <a:schemeClr val="tx1"/>
+                </a:solidFill>
+                <a:latin typeface="+mn-lt"/>
+                <a:ea typeface="+mn-ea"/>
+                <a:cs typeface="+mn-cs"/>
+              </a:defRPr>
+            </a:lvl7pPr>
+            <a:lvl8pPr marL="3429000" indent="-228600" algn="l" defTabSz="914400" rtl="0" eaLnBrk="1" latinLnBrk="0" hangingPunct="1">
+              <a:lnSpc>
+                <a:spcPct val="90000"/>
+              </a:lnSpc>
+              <a:spcBef>
+                <a:spcPts val="500"/>
+              </a:spcBef>
+              <a:buFont typeface="Arial" panose="020B0604020202020204" pitchFamily="34" charset="0"/>
+              <a:buChar char="•"/>
+              <a:defRPr sz="1800" kern="1200">
+                <a:solidFill>
+                  <a:schemeClr val="tx1"/>
+                </a:solidFill>
+                <a:latin typeface="+mn-lt"/>
+                <a:ea typeface="+mn-ea"/>
+                <a:cs typeface="+mn-cs"/>
+              </a:defRPr>
+            </a:lvl8pPr>
+            <a:lvl9pPr marL="3886200" indent="-228600" algn="l" defTabSz="914400" rtl="0" eaLnBrk="1" latinLnBrk="0" hangingPunct="1">
+              <a:lnSpc>
+                <a:spcPct val="90000"/>
+              </a:lnSpc>
+              <a:spcBef>
+                <a:spcPts val="500"/>
+              </a:spcBef>
+              <a:buFont typeface="Arial" panose="020B0604020202020204" pitchFamily="34" charset="0"/>
+              <a:buChar char="•"/>
+              <a:defRPr sz="1800" kern="1200">
+                <a:solidFill>
+                  <a:schemeClr val="tx1"/>
+                </a:solidFill>
+                <a:latin typeface="+mn-lt"/>
+                <a:ea typeface="+mn-ea"/>
+                <a:cs typeface="+mn-cs"/>
+              </a:defRPr>
+            </a:lvl9pPr>
+          </a:lstStyle>
+          <a:p>
+            <a:r>
+              <a:rPr lang="en-US" sz="2400" dirty="0">
+                <a:solidFill>
+                  <a:srgbClr val="000000"/>
+                </a:solidFill>
+                <a:latin typeface="Century Gothic" panose="020B0502020202020204" pitchFamily="34" charset="0"/>
+              </a:rPr>
+              <a:t>Starting parameters values and correct distributional forms</a:t>
+            </a:r>
+          </a:p>
+          <a:p>
+            <a:r>
+              <a:rPr lang="en-US" sz="2400" dirty="0">
+                <a:solidFill>
+                  <a:srgbClr val="000000"/>
+                </a:solidFill>
+                <a:latin typeface="Century Gothic" panose="020B0502020202020204" pitchFamily="34" charset="0"/>
+              </a:rPr>
+              <a:t>Choosing the # of states to model (</a:t>
+            </a:r>
+            <a:r>
+              <a:rPr lang="en-US" sz="2400" dirty="0" err="1">
+                <a:solidFill>
+                  <a:srgbClr val="000000"/>
+                </a:solidFill>
+                <a:latin typeface="Century Gothic" panose="020B0502020202020204" pitchFamily="34" charset="0"/>
+              </a:rPr>
+              <a:t>Pohle</a:t>
+            </a:r>
+            <a:r>
+              <a:rPr lang="en-US" sz="2400" dirty="0">
+                <a:solidFill>
+                  <a:srgbClr val="000000"/>
+                </a:solidFill>
+                <a:latin typeface="Century Gothic" panose="020B0502020202020204" pitchFamily="34" charset="0"/>
+              </a:rPr>
+              <a:t> et al. 2017)</a:t>
+            </a:r>
+          </a:p>
+          <a:p>
+            <a:r>
+              <a:rPr lang="en-US" sz="2400" dirty="0">
+                <a:solidFill>
+                  <a:srgbClr val="000000"/>
+                </a:solidFill>
+                <a:latin typeface="Century Gothic" panose="020B0502020202020204" pitchFamily="34" charset="0"/>
+              </a:rPr>
+              <a:t>Impact of sampling schedule (P</a:t>
+            </a:r>
+            <a:r>
+              <a:rPr lang="en-US" sz="2400" b="0" i="0" u="none" strike="noStrike" baseline="0" dirty="0">
+                <a:solidFill>
+                  <a:srgbClr val="000000"/>
+                </a:solidFill>
+                <a:latin typeface="Avenir Next LT Pro" panose="020B0504020202020204" pitchFamily="34" charset="0"/>
+              </a:rPr>
+              <a:t>ostlethwaite and Dennis, 2013)</a:t>
+            </a:r>
+          </a:p>
+          <a:p>
+            <a:pPr lvl="1"/>
+            <a:r>
+              <a:rPr lang="en-US" sz="2000" dirty="0">
+                <a:solidFill>
+                  <a:srgbClr val="000000"/>
+                </a:solidFill>
+                <a:latin typeface="Avenir Next LT Pro" panose="020B0504020202020204" pitchFamily="34" charset="0"/>
+              </a:rPr>
+              <a:t>Higher resolution tends to improve identification of behavioral states as long as error is much smaller than step length</a:t>
+            </a:r>
+            <a:endParaRPr lang="en-US" sz="2000" b="0" i="0" u="none" strike="noStrike" baseline="0" dirty="0">
               <a:solidFill>
                 <a:srgbClr val="000000"/>
               </a:solidFill>
@@ -9733,201 +10902,71 @@
           </a:p>
           <a:p>
             <a:r>
-              <a:rPr lang="en-US" sz="1800" b="0" i="0" u="none" strike="noStrike" baseline="0" dirty="0">
+              <a:rPr lang="en-US" sz="2400" dirty="0">
                 <a:solidFill>
                   <a:srgbClr val="000000"/>
                 </a:solidFill>
                 <a:latin typeface="Avenir Next LT Pro" panose="020B0504020202020204" pitchFamily="34" charset="0"/>
               </a:rPr>
-              <a:t>Starting parameter values and correct distributional forms</a:t>
-            </a:r>
-          </a:p>
-          <a:p>
-            <a:r>
-              <a:rPr lang="en-US" sz="1800" b="0" i="0" u="none" strike="noStrike" baseline="0" dirty="0">
-                <a:solidFill>
-                  <a:srgbClr val="000000"/>
-                </a:solidFill>
-                <a:latin typeface="Arial" panose="020B0604020202020204" pitchFamily="34" charset="0"/>
-              </a:rPr>
-              <a:t>•</a:t>
-            </a:r>
-            <a:r>
-              <a:rPr lang="en-US" sz="1800" b="0" i="0" u="none" strike="noStrike" baseline="0" dirty="0">
+              <a:t>Irregular sampling</a:t>
+            </a:r>
+          </a:p>
+          <a:p>
+            <a:pPr lvl="1"/>
+            <a:r>
+              <a:rPr lang="en-US" sz="2000" b="0" i="0" u="none" strike="noStrike" baseline="0" dirty="0">
                 <a:solidFill>
                   <a:srgbClr val="000000"/>
                 </a:solidFill>
                 <a:latin typeface="Avenir Next LT Pro" panose="020B0504020202020204" pitchFamily="34" charset="0"/>
               </a:rPr>
-              <a:t>Choice of # of states (</a:t>
-            </a:r>
-            <a:r>
-              <a:rPr lang="en-US" sz="1800" b="0" i="0" u="none" strike="noStrike" baseline="0" dirty="0" err="1">
+              <a:t>State space models with </a:t>
+            </a:r>
+            <a:r>
+              <a:rPr lang="en-US" sz="2000" b="0" i="0" u="none" strike="noStrike" baseline="0" dirty="0">
+                <a:solidFill>
+                  <a:srgbClr val="000000"/>
+                </a:solidFill>
+                <a:latin typeface="Courier New" panose="02070309020205020404" pitchFamily="49" charset="0"/>
+              </a:rPr>
+              <a:t>crawl </a:t>
+            </a:r>
+            <a:r>
+              <a:rPr lang="en-US" sz="2000" b="0" i="0" u="none" strike="noStrike" baseline="0" dirty="0">
                 <a:solidFill>
                   <a:srgbClr val="000000"/>
                 </a:solidFill>
                 <a:latin typeface="Avenir Next LT Pro" panose="020B0504020202020204" pitchFamily="34" charset="0"/>
               </a:rPr>
-              <a:t>Pohleet</a:t>
-            </a:r>
-            <a:r>
-              <a:rPr lang="en-US" sz="1800" b="0" i="0" u="none" strike="noStrike" baseline="0" dirty="0">
+              <a:t>or </a:t>
+            </a:r>
+            <a:r>
+              <a:rPr lang="en-US" sz="2000" b="0" i="0" u="none" strike="noStrike" baseline="0" dirty="0" err="1">
+                <a:solidFill>
+                  <a:srgbClr val="000000"/>
+                </a:solidFill>
+                <a:latin typeface="Courier New" panose="02070309020205020404" pitchFamily="49" charset="0"/>
+              </a:rPr>
+              <a:t>aniMotum</a:t>
+            </a:r>
+            <a:r>
+              <a:rPr lang="en-US" sz="2000" b="0" i="0" u="none" strike="noStrike" baseline="0" dirty="0">
+                <a:solidFill>
+                  <a:srgbClr val="000000"/>
+                </a:solidFill>
+                <a:latin typeface="Courier New" panose="02070309020205020404" pitchFamily="49" charset="0"/>
+              </a:rPr>
+              <a:t> </a:t>
+            </a:r>
+            <a:r>
+              <a:rPr lang="en-US" sz="2000" b="0" i="0" u="none" strike="noStrike" baseline="0" dirty="0">
                 <a:solidFill>
                   <a:srgbClr val="000000"/>
                 </a:solidFill>
                 <a:latin typeface="Avenir Next LT Pro" panose="020B0504020202020204" pitchFamily="34" charset="0"/>
               </a:rPr>
-              <a:t> al. 2017)</a:t>
-            </a:r>
-          </a:p>
-          <a:p>
-            <a:r>
-              <a:rPr lang="en-US" sz="1800" b="0" i="0" u="none" strike="noStrike" baseline="0" dirty="0">
-                <a:solidFill>
-                  <a:srgbClr val="000000"/>
-                </a:solidFill>
-                <a:latin typeface="Arial" panose="020B0604020202020204" pitchFamily="34" charset="0"/>
-              </a:rPr>
-              <a:t>•</a:t>
-            </a:r>
-            <a:r>
-              <a:rPr lang="en-US" sz="1800" b="0" i="0" u="none" strike="noStrike" baseline="0" dirty="0">
-                <a:solidFill>
-                  <a:srgbClr val="000000"/>
-                </a:solidFill>
-                <a:latin typeface="Avenir Next LT Pro" panose="020B0504020202020204" pitchFamily="34" charset="0"/>
-              </a:rPr>
-              <a:t>Impact of sampling schedule (Postlethwaite and Dennis, 2013)Higher resolution tends to improve identification of behavioral states as long </a:t>
-            </a:r>
-            <a:r>
-              <a:rPr lang="en-US" sz="1800" b="0" i="0" u="none" strike="noStrike" baseline="0" dirty="0" err="1">
-                <a:solidFill>
-                  <a:srgbClr val="000000"/>
-                </a:solidFill>
-                <a:latin typeface="Avenir Next LT Pro" panose="020B0504020202020204" pitchFamily="34" charset="0"/>
-              </a:rPr>
-              <a:t>aserror</a:t>
-            </a:r>
-            <a:r>
-              <a:rPr lang="en-US" sz="1800" b="0" i="0" u="none" strike="noStrike" baseline="0" dirty="0">
-                <a:solidFill>
-                  <a:srgbClr val="000000"/>
-                </a:solidFill>
-                <a:latin typeface="Avenir Next LT Pro" panose="020B0504020202020204" pitchFamily="34" charset="0"/>
-              </a:rPr>
-              <a:t> is much smaller than step length</a:t>
-            </a:r>
-          </a:p>
-          <a:p>
-            <a:endParaRPr lang="en-US" sz="1800" b="0" i="0" u="none" strike="noStrike" baseline="0" dirty="0">
-              <a:solidFill>
-                <a:srgbClr val="000000"/>
-              </a:solidFill>
-              <a:latin typeface="Avenir Next LT Pro" panose="020B0504020202020204" pitchFamily="34" charset="0"/>
-            </a:endParaRPr>
-          </a:p>
-          <a:p>
-            <a:r>
-              <a:rPr lang="en-US" sz="1800" b="0" i="0" u="none" strike="noStrike" baseline="0" dirty="0">
-                <a:solidFill>
-                  <a:srgbClr val="000000"/>
-                </a:solidFill>
-                <a:latin typeface="Arial" panose="020B0604020202020204" pitchFamily="34" charset="0"/>
-              </a:rPr>
-              <a:t>•</a:t>
-            </a:r>
-            <a:r>
-              <a:rPr lang="en-US" sz="1800" b="0" i="0" u="none" strike="noStrike" baseline="0" dirty="0">
-                <a:solidFill>
-                  <a:srgbClr val="000000"/>
-                </a:solidFill>
-                <a:latin typeface="Avenir Next LT Pro" panose="020B0504020202020204" pitchFamily="34" charset="0"/>
-              </a:rPr>
-              <a:t>Irregular </a:t>
-            </a:r>
-            <a:r>
-              <a:rPr lang="en-US" sz="1800" b="0" i="0" u="none" strike="noStrike" baseline="0" dirty="0" err="1">
-                <a:solidFill>
-                  <a:srgbClr val="000000"/>
-                </a:solidFill>
-                <a:latin typeface="Avenir Next LT Pro" panose="020B0504020202020204" pitchFamily="34" charset="0"/>
-              </a:rPr>
-              <a:t>samplingState</a:t>
-            </a:r>
-            <a:r>
-              <a:rPr lang="en-US" sz="1800" b="0" i="0" u="none" strike="noStrike" baseline="0" dirty="0">
-                <a:solidFill>
-                  <a:srgbClr val="000000"/>
-                </a:solidFill>
-                <a:latin typeface="Avenir Next LT Pro" panose="020B0504020202020204" pitchFamily="34" charset="0"/>
-              </a:rPr>
-              <a:t> space models with </a:t>
-            </a:r>
-            <a:r>
-              <a:rPr lang="en-US" sz="1800" b="0" i="0" u="none" strike="noStrike" baseline="0" dirty="0" err="1">
-                <a:solidFill>
-                  <a:srgbClr val="000000"/>
-                </a:solidFill>
-                <a:latin typeface="Courier New" panose="02070309020205020404" pitchFamily="49" charset="0"/>
-              </a:rPr>
-              <a:t>crawl</a:t>
-            </a:r>
-            <a:r>
-              <a:rPr lang="en-US" sz="1800" b="0" i="0" u="none" strike="noStrike" baseline="0" dirty="0" err="1">
-                <a:solidFill>
-                  <a:srgbClr val="000000"/>
-                </a:solidFill>
-                <a:latin typeface="Avenir Next LT Pro" panose="020B0504020202020204" pitchFamily="34" charset="0"/>
-              </a:rPr>
-              <a:t>or</a:t>
-            </a:r>
-            <a:r>
-              <a:rPr lang="en-US" sz="1800" b="0" i="0" u="none" strike="noStrike" baseline="0" dirty="0">
-                <a:solidFill>
-                  <a:srgbClr val="000000"/>
-                </a:solidFill>
-                <a:latin typeface="Avenir Next LT Pro" panose="020B0504020202020204" pitchFamily="34" charset="0"/>
-              </a:rPr>
-              <a:t> </a:t>
-            </a:r>
-            <a:r>
-              <a:rPr lang="en-US" sz="1800" b="0" i="0" u="none" strike="noStrike" baseline="0" dirty="0" err="1">
-                <a:solidFill>
-                  <a:srgbClr val="000000"/>
-                </a:solidFill>
-                <a:latin typeface="Courier New" panose="02070309020205020404" pitchFamily="49" charset="0"/>
-              </a:rPr>
-              <a:t>aniMotum</a:t>
-            </a:r>
-            <a:r>
-              <a:rPr lang="en-US" sz="1800" b="0" i="0" u="none" strike="noStrike" baseline="0" dirty="0" err="1">
-                <a:solidFill>
-                  <a:srgbClr val="000000"/>
-                </a:solidFill>
-                <a:latin typeface="Avenir Next LT Pro" panose="020B0504020202020204" pitchFamily="34" charset="0"/>
-              </a:rPr>
-              <a:t>to</a:t>
-            </a:r>
-            <a:r>
-              <a:rPr lang="en-US" sz="1800" b="0" i="0" u="none" strike="noStrike" baseline="0" dirty="0">
-                <a:solidFill>
-                  <a:srgbClr val="000000"/>
-                </a:solidFill>
-                <a:latin typeface="Avenir Next LT Pro" panose="020B0504020202020204" pitchFamily="34" charset="0"/>
-              </a:rPr>
-              <a:t> regularize</a:t>
-            </a:r>
-          </a:p>
-          <a:p>
-            <a:endParaRPr lang="en-US" sz="1800" b="0" i="0" u="none" strike="noStrike" baseline="0" dirty="0">
-              <a:solidFill>
-                <a:srgbClr val="000000"/>
-              </a:solidFill>
-              <a:latin typeface="Avenir Next LT Pro" panose="020B0504020202020204" pitchFamily="34" charset="0"/>
-            </a:endParaRPr>
-          </a:p>
-          <a:p>
-            <a:endParaRPr lang="en-US" dirty="0"/>
+              <a:t>to regularize</a:t>
+            </a:r>
           </a:p>
         </p:txBody>
       </p:sp>
@@ -9976,7 +11015,7 @@
           <p:nvPr/>
         </p:nvPicPr>
         <p:blipFill rotWithShape="1">
-          <a:blip r:embed="rId2"/>
+          <a:blip r:embed="rId3"/>
           <a:srcRect b="19001"/>
           <a:stretch/>
         </p:blipFill>
@@ -10005,7 +11044,7 @@
           <p:nvPr/>
         </p:nvPicPr>
         <p:blipFill>
-          <a:blip r:embed="rId3"/>
+          <a:blip r:embed="rId4"/>
           <a:stretch>
             <a:fillRect/>
           </a:stretch>
@@ -10080,7 +11119,7 @@
                   <a:srgbClr val="000000"/>
                 </a:solidFill>
               </a:rPr>
-              <a:t>HMM Examples</a:t>
+              <a:t>HMM Examples/Applications</a:t>
             </a:r>
             <a:br>
               <a:rPr lang="en-US" sz="3200" b="1" dirty="0">
@@ -10108,7 +11147,7 @@
           <p:nvPr/>
         </p:nvPicPr>
         <p:blipFill rotWithShape="1">
-          <a:blip r:embed="rId4"/>
+          <a:blip r:embed="rId5"/>
           <a:srcRect b="11402"/>
           <a:stretch/>
         </p:blipFill>
@@ -10374,7 +11413,7 @@
           <p:nvPr/>
         </p:nvPicPr>
         <p:blipFill rotWithShape="1">
-          <a:blip r:embed="rId2"/>
+          <a:blip r:embed="rId3"/>
           <a:srcRect b="12434"/>
           <a:stretch/>
         </p:blipFill>
@@ -10403,7 +11442,7 @@
           <p:nvPr/>
         </p:nvPicPr>
         <p:blipFill>
-          <a:blip r:embed="rId3"/>
+          <a:blip r:embed="rId4"/>
           <a:stretch>
             <a:fillRect/>
           </a:stretch>
@@ -10478,7 +11517,7 @@
                   <a:srgbClr val="000000"/>
                 </a:solidFill>
               </a:rPr>
-              <a:t>HMM Examples</a:t>
+              <a:t>HMM Examples/Applications</a:t>
             </a:r>
             <a:br>
               <a:rPr lang="en-US" sz="3200" b="1" dirty="0">
@@ -10818,7 +11857,7 @@
                   <a:srgbClr val="000000"/>
                 </a:solidFill>
               </a:rPr>
-              <a:t>HMM Examples</a:t>
+              <a:t>HMM Examples/Applications</a:t>
             </a:r>
             <a:br>
               <a:rPr lang="en-US" sz="3200" b="1" dirty="0">
@@ -11310,7 +12349,7 @@
         </p:spPr>
         <p:txBody>
           <a:bodyPr vert="horz" lIns="91440" tIns="45720" rIns="91440" bIns="45720" rtlCol="0" anchor="ctr">
-            <a:normAutofit/>
+            <a:normAutofit lnSpcReduction="10000"/>
           </a:bodyPr>
           <a:lstStyle>
             <a:lvl1pPr algn="l" defTabSz="914400" rtl="0" eaLnBrk="1" latinLnBrk="0" hangingPunct="1">
@@ -11338,8 +12377,15 @@
                   <a:srgbClr val="000000"/>
                 </a:solidFill>
               </a:rPr>
-              <a:t>HMM Examples</a:t>
-            </a:r>
+              <a:t>HMM Examples/Applications</a:t>
+            </a:r>
+            <a:br>
+              <a:rPr lang="en-US" sz="3200" b="1" dirty="0">
+                <a:solidFill>
+                  <a:srgbClr val="000000"/>
+                </a:solidFill>
+              </a:rPr>
+            </a:br>
             <a:br>
               <a:rPr lang="en-US" sz="3200" b="1" dirty="0">
                 <a:solidFill>
@@ -11366,7 +12412,7 @@
           <p:nvPr/>
         </p:nvPicPr>
         <p:blipFill>
-          <a:blip r:embed="rId2"/>
+          <a:blip r:embed="rId3"/>
           <a:stretch>
             <a:fillRect/>
           </a:stretch>
@@ -11396,7 +12442,7 @@
           <p:nvPr/>
         </p:nvPicPr>
         <p:blipFill>
-          <a:blip r:embed="rId3"/>
+          <a:blip r:embed="rId4"/>
           <a:stretch>
             <a:fillRect/>
           </a:stretch>
@@ -12599,41 +13645,36 @@
           </a:p>
         </p:txBody>
       </p:sp>
-      <p:sp>
-        <p:nvSpPr>
-          <p:cNvPr id="4" name="TextBox 3">
-            <a:extLst>
-              <a:ext uri="{FF2B5EF4-FFF2-40B4-BE49-F238E27FC236}">
-                <a16:creationId xmlns:a16="http://schemas.microsoft.com/office/drawing/2014/main" id="{C5E779B5-1F48-61C2-7900-2131AA2E4509}"/>
-              </a:ext>
-            </a:extLst>
-          </p:cNvPr>
-          <p:cNvSpPr txBox="1"/>
+      <p:pic>
+        <p:nvPicPr>
+          <p:cNvPr id="6" name="Picture 5">
+            <a:extLst>
+              <a:ext uri="{FF2B5EF4-FFF2-40B4-BE49-F238E27FC236}">
+                <a16:creationId xmlns:a16="http://schemas.microsoft.com/office/drawing/2014/main" id="{FCE824E0-18BE-E523-8BB3-CB1C99E1A83F}"/>
+              </a:ext>
+            </a:extLst>
+          </p:cNvPr>
+          <p:cNvPicPr>
+            <a:picLocks noChangeAspect="1"/>
+          </p:cNvPicPr>
           <p:nvPr/>
-        </p:nvSpPr>
+        </p:nvPicPr>
+        <p:blipFill>
+          <a:blip r:embed="rId3"/>
+          <a:stretch>
+            <a:fillRect/>
+          </a:stretch>
+        </p:blipFill>
         <p:spPr>
           <a:xfrm>
-            <a:off x="7425369" y="4549966"/>
-            <a:ext cx="3596690" cy="369332"/>
+            <a:off x="6395461" y="3601616"/>
+            <a:ext cx="5444401" cy="2602324"/>
           </a:xfrm>
           <a:prstGeom prst="rect">
             <a:avLst/>
           </a:prstGeom>
-          <a:noFill/>
         </p:spPr>
-        <p:txBody>
-          <a:bodyPr wrap="none" rtlCol="0">
-            <a:spAutoFit/>
-          </a:bodyPr>
-          <a:lstStyle/>
-          <a:p>
-            <a:r>
-              <a:rPr lang="en-US" dirty="0"/>
-              <a:t>GRAB A FIGURE of Movement Path</a:t>
-            </a:r>
-          </a:p>
-        </p:txBody>
-      </p:sp>
+      </p:pic>
     </p:spTree>
     <p:extLst>
       <p:ext uri="{BB962C8B-B14F-4D97-AF65-F5344CB8AC3E}">
@@ -16250,18 +17291,18 @@
               <a:buAutoNum type="arabicParenR"/>
             </a:pPr>
             <a:r>
-              <a:rPr lang="en-US" sz="1400" dirty="0">
+              <a:rPr lang="en-US" sz="1800" dirty="0">
                 <a:latin typeface="Century Gothic" panose="020B0502020202020204" pitchFamily="34" charset="0"/>
               </a:rPr>
               <a:t>T</a:t>
             </a:r>
             <a:r>
-              <a:rPr lang="en-US" sz="1400" b="0" i="0" u="none" strike="noStrike" baseline="0" dirty="0">
+              <a:rPr lang="en-US" sz="1800" b="0" i="0" u="none" strike="noStrike" baseline="0" dirty="0">
                 <a:latin typeface="Century Gothic" panose="020B0502020202020204" pitchFamily="34" charset="0"/>
               </a:rPr>
               <a:t>ransition probabilities, </a:t>
             </a:r>
-            <a:endParaRPr lang="en-US" sz="1400" dirty="0">
+            <a:endParaRPr lang="en-US" sz="1800" dirty="0">
               <a:latin typeface="Century Gothic" panose="020B0502020202020204" pitchFamily="34" charset="0"/>
             </a:endParaRPr>
           </a:p>
@@ -16271,16 +17312,10 @@
               <a:buAutoNum type="arabicParenR"/>
             </a:pPr>
             <a:r>
-              <a:rPr lang="en-US" sz="1400" b="0" i="0" u="none" strike="noStrike" baseline="0" dirty="0">
-                <a:latin typeface="Century Gothic" panose="020B0502020202020204" pitchFamily="34" charset="0"/>
-              </a:rPr>
-              <a:t>M</a:t>
-            </a:r>
-            <a:r>
               <a:rPr lang="en-US" sz="1800" b="0" i="0" u="none" strike="noStrike" baseline="0" dirty="0">
                 <a:latin typeface="Century Gothic" panose="020B0502020202020204" pitchFamily="34" charset="0"/>
               </a:rPr>
-              <a:t>ean and variance of step length and turn angle for all states</a:t>
+              <a:t>Mean and variance of step length and turn angle for all states</a:t>
             </a:r>
           </a:p>
           <a:p>
@@ -16349,12 +17384,173 @@
           </a:p>
         </p:txBody>
       </p:sp>
-      <p:sp>
-        <p:nvSpPr>
-          <p:cNvPr id="5" name="TextBox 4">
-            <a:extLst>
-              <a:ext uri="{FF2B5EF4-FFF2-40B4-BE49-F238E27FC236}">
-                <a16:creationId xmlns:a16="http://schemas.microsoft.com/office/drawing/2014/main" id="{D9582B6F-A08D-9C53-781F-F841BE5745BF}"/>
+      <p:pic>
+        <p:nvPicPr>
+          <p:cNvPr id="7" name="Picture 6">
+            <a:extLst>
+              <a:ext uri="{FF2B5EF4-FFF2-40B4-BE49-F238E27FC236}">
+                <a16:creationId xmlns:a16="http://schemas.microsoft.com/office/drawing/2014/main" id="{701B7276-4E2F-61B3-A355-BEB828964B5C}"/>
+              </a:ext>
+            </a:extLst>
+          </p:cNvPr>
+          <p:cNvPicPr>
+            <a:picLocks noChangeAspect="1"/>
+          </p:cNvPicPr>
+          <p:nvPr/>
+        </p:nvPicPr>
+        <p:blipFill>
+          <a:blip r:embed="rId3"/>
+          <a:stretch>
+            <a:fillRect/>
+          </a:stretch>
+        </p:blipFill>
+        <p:spPr>
+          <a:xfrm>
+            <a:off x="640080" y="4208843"/>
+            <a:ext cx="3762788" cy="1935988"/>
+          </a:xfrm>
+          <a:prstGeom prst="rect">
+            <a:avLst/>
+          </a:prstGeom>
+        </p:spPr>
+      </p:pic>
+      <p:pic>
+        <p:nvPicPr>
+          <p:cNvPr id="6" name="Picture 5">
+            <a:extLst>
+              <a:ext uri="{FF2B5EF4-FFF2-40B4-BE49-F238E27FC236}">
+                <a16:creationId xmlns:a16="http://schemas.microsoft.com/office/drawing/2014/main" id="{3331DB42-E1CA-4267-60EC-2D681654EC6C}"/>
+              </a:ext>
+            </a:extLst>
+          </p:cNvPr>
+          <p:cNvPicPr>
+            <a:picLocks noChangeAspect="1"/>
+          </p:cNvPicPr>
+          <p:nvPr/>
+        </p:nvPicPr>
+        <p:blipFill rotWithShape="1">
+          <a:blip r:embed="rId4"/>
+          <a:srcRect l="8433" t="35565" r="53116" b="38997"/>
+          <a:stretch/>
+        </p:blipFill>
+        <p:spPr>
+          <a:xfrm>
+            <a:off x="5798976" y="3650722"/>
+            <a:ext cx="3144416" cy="1595537"/>
+          </a:xfrm>
+          <a:prstGeom prst="rect">
+            <a:avLst/>
+          </a:prstGeom>
+        </p:spPr>
+      </p:pic>
+      <p:grpSp>
+        <p:nvGrpSpPr>
+          <p:cNvPr id="9" name="Group 8">
+            <a:extLst>
+              <a:ext uri="{FF2B5EF4-FFF2-40B4-BE49-F238E27FC236}">
+                <a16:creationId xmlns:a16="http://schemas.microsoft.com/office/drawing/2014/main" id="{EBA53733-8114-3667-A5F4-4F22C0170D35}"/>
+              </a:ext>
+            </a:extLst>
+          </p:cNvPr>
+          <p:cNvGrpSpPr/>
+          <p:nvPr/>
+        </p:nvGrpSpPr>
+        <p:grpSpPr>
+          <a:xfrm>
+            <a:off x="8943392" y="4380451"/>
+            <a:ext cx="3144416" cy="1592771"/>
+            <a:chOff x="8818051" y="3993502"/>
+            <a:chExt cx="3144416" cy="1592771"/>
+          </a:xfrm>
+        </p:grpSpPr>
+        <p:pic>
+          <p:nvPicPr>
+            <p:cNvPr id="2" name="Picture 1">
+              <a:extLst>
+                <a:ext uri="{FF2B5EF4-FFF2-40B4-BE49-F238E27FC236}">
+                  <a16:creationId xmlns:a16="http://schemas.microsoft.com/office/drawing/2014/main" id="{B5CEA4ED-535D-1CED-3CA4-9124F5190B26}"/>
+                </a:ext>
+              </a:extLst>
+            </p:cNvPr>
+            <p:cNvPicPr>
+              <a:picLocks noChangeAspect="1"/>
+            </p:cNvPicPr>
+            <p:nvPr/>
+          </p:nvPicPr>
+          <p:blipFill rotWithShape="1">
+            <a:blip r:embed="rId5"/>
+            <a:srcRect l="9528" t="35718" r="53949" b="40212"/>
+            <a:stretch/>
+          </p:blipFill>
+          <p:spPr>
+            <a:xfrm>
+              <a:off x="8818051" y="4113687"/>
+              <a:ext cx="3144416" cy="1472586"/>
+            </a:xfrm>
+            <a:prstGeom prst="rect">
+              <a:avLst/>
+            </a:prstGeom>
+          </p:spPr>
+        </p:pic>
+        <p:sp>
+          <p:nvSpPr>
+            <p:cNvPr id="8" name="Rectangle 7">
+              <a:extLst>
+                <a:ext uri="{FF2B5EF4-FFF2-40B4-BE49-F238E27FC236}">
+                  <a16:creationId xmlns:a16="http://schemas.microsoft.com/office/drawing/2014/main" id="{98C6A571-E84A-3B4E-5618-90BA9C492DE7}"/>
+                </a:ext>
+              </a:extLst>
+            </p:cNvPr>
+            <p:cNvSpPr/>
+            <p:nvPr/>
+          </p:nvSpPr>
+          <p:spPr>
+            <a:xfrm>
+              <a:off x="9218645" y="3993502"/>
+              <a:ext cx="298579" cy="215341"/>
+            </a:xfrm>
+            <a:prstGeom prst="rect">
+              <a:avLst/>
+            </a:prstGeom>
+            <a:solidFill>
+              <a:schemeClr val="bg1"/>
+            </a:solidFill>
+            <a:ln>
+              <a:noFill/>
+            </a:ln>
+          </p:spPr>
+          <p:style>
+            <a:lnRef idx="2">
+              <a:schemeClr val="accent1">
+                <a:shade val="15000"/>
+              </a:schemeClr>
+            </a:lnRef>
+            <a:fillRef idx="1">
+              <a:schemeClr val="accent1"/>
+            </a:fillRef>
+            <a:effectRef idx="0">
+              <a:schemeClr val="accent1"/>
+            </a:effectRef>
+            <a:fontRef idx="minor">
+              <a:schemeClr val="lt1"/>
+            </a:fontRef>
+          </p:style>
+          <p:txBody>
+            <a:bodyPr rtlCol="0" anchor="ctr"/>
+            <a:lstStyle/>
+            <a:p>
+              <a:pPr algn="ctr"/>
+              <a:endParaRPr lang="en-US"/>
+            </a:p>
+          </p:txBody>
+        </p:sp>
+      </p:grpSp>
+      <p:sp>
+        <p:nvSpPr>
+          <p:cNvPr id="10" name="TextBox 9">
+            <a:extLst>
+              <a:ext uri="{FF2B5EF4-FFF2-40B4-BE49-F238E27FC236}">
+                <a16:creationId xmlns:a16="http://schemas.microsoft.com/office/drawing/2014/main" id="{8BDAE169-3A52-4A01-9289-AB11857BF992}"/>
               </a:ext>
             </a:extLst>
           </p:cNvPr>
@@ -16363,8 +17559,8 @@
         </p:nvSpPr>
         <p:spPr>
           <a:xfrm>
-            <a:off x="9040947" y="5847069"/>
-            <a:ext cx="6097836" cy="369332"/>
+            <a:off x="6639253" y="3582682"/>
+            <a:ext cx="1175322" cy="307777"/>
           </a:xfrm>
           <a:prstGeom prst="rect">
             <a:avLst/>
@@ -16372,24 +17568,24 @@
           <a:noFill/>
         </p:spPr>
         <p:txBody>
-          <a:bodyPr wrap="square">
+          <a:bodyPr wrap="none" rtlCol="0">
             <a:spAutoFit/>
           </a:bodyPr>
           <a:lstStyle/>
           <a:p>
             <a:r>
-              <a:rPr lang="en-US" dirty="0"/>
-              <a:t>GRAB A FIGURE </a:t>
-            </a:r>
-          </a:p>
-        </p:txBody>
-      </p:sp>
-      <p:sp>
-        <p:nvSpPr>
-          <p:cNvPr id="6" name="TextBox 5">
-            <a:extLst>
-              <a:ext uri="{FF2B5EF4-FFF2-40B4-BE49-F238E27FC236}">
-                <a16:creationId xmlns:a16="http://schemas.microsoft.com/office/drawing/2014/main" id="{C33B25DD-7897-160E-0127-43C1FFC1CA3D}"/>
+              <a:rPr lang="en-US" sz="1400" dirty="0"/>
+              <a:t>Step length</a:t>
+            </a:r>
+          </a:p>
+        </p:txBody>
+      </p:sp>
+      <p:sp>
+        <p:nvSpPr>
+          <p:cNvPr id="11" name="TextBox 10">
+            <a:extLst>
+              <a:ext uri="{FF2B5EF4-FFF2-40B4-BE49-F238E27FC236}">
+                <a16:creationId xmlns:a16="http://schemas.microsoft.com/office/drawing/2014/main" id="{E9C7FBBD-1A93-22D8-4DE4-385BCBF311E0}"/>
               </a:ext>
             </a:extLst>
           </p:cNvPr>
@@ -16398,8 +17594,8 @@
         </p:nvSpPr>
         <p:spPr>
           <a:xfrm>
-            <a:off x="699342" y="5177603"/>
-            <a:ext cx="6097836" cy="369332"/>
+            <a:off x="10128236" y="4448491"/>
+            <a:ext cx="1353256" cy="307777"/>
           </a:xfrm>
           <a:prstGeom prst="rect">
             <a:avLst/>
@@ -16407,14 +17603,14 @@
           <a:noFill/>
         </p:spPr>
         <p:txBody>
-          <a:bodyPr wrap="square">
+          <a:bodyPr wrap="none" rtlCol="0">
             <a:spAutoFit/>
           </a:bodyPr>
           <a:lstStyle/>
           <a:p>
             <a:r>
-              <a:rPr lang="en-US" dirty="0"/>
-              <a:t>GRAB A Transition matrix</a:t>
+              <a:rPr lang="en-US" sz="1400" dirty="0"/>
+              <a:t>Turning angle</a:t>
             </a:r>
           </a:p>
         </p:txBody>
@@ -16613,41 +17809,36 @@
           </a:p>
         </p:txBody>
       </p:sp>
-      <p:sp>
-        <p:nvSpPr>
-          <p:cNvPr id="2" name="TextBox 1">
-            <a:extLst>
-              <a:ext uri="{FF2B5EF4-FFF2-40B4-BE49-F238E27FC236}">
-                <a16:creationId xmlns:a16="http://schemas.microsoft.com/office/drawing/2014/main" id="{7D5151BB-CA92-F92F-8394-05F4C2996910}"/>
-              </a:ext>
-            </a:extLst>
-          </p:cNvPr>
-          <p:cNvSpPr txBox="1"/>
+      <p:pic>
+        <p:nvPicPr>
+          <p:cNvPr id="5" name="Picture 4">
+            <a:extLst>
+              <a:ext uri="{FF2B5EF4-FFF2-40B4-BE49-F238E27FC236}">
+                <a16:creationId xmlns:a16="http://schemas.microsoft.com/office/drawing/2014/main" id="{12A54CD0-3141-A877-F8E8-5E96BA997B96}"/>
+              </a:ext>
+            </a:extLst>
+          </p:cNvPr>
+          <p:cNvPicPr>
+            <a:picLocks noChangeAspect="1"/>
+          </p:cNvPicPr>
           <p:nvPr/>
-        </p:nvSpPr>
+        </p:nvPicPr>
+        <p:blipFill>
+          <a:blip r:embed="rId3"/>
+          <a:stretch>
+            <a:fillRect/>
+          </a:stretch>
+        </p:blipFill>
         <p:spPr>
           <a:xfrm>
-            <a:off x="8950975" y="5863998"/>
-            <a:ext cx="2969275" cy="369332"/>
+            <a:off x="8311896" y="4455731"/>
+            <a:ext cx="3762788" cy="1935988"/>
           </a:xfrm>
           <a:prstGeom prst="rect">
             <a:avLst/>
           </a:prstGeom>
-          <a:noFill/>
         </p:spPr>
-        <p:txBody>
-          <a:bodyPr wrap="square">
-            <a:spAutoFit/>
-          </a:bodyPr>
-          <a:lstStyle/>
-          <a:p>
-            <a:r>
-              <a:rPr lang="en-US" dirty="0"/>
-              <a:t>GRAB A Transition matrix</a:t>
-            </a:r>
-          </a:p>
-        </p:txBody>
-      </p:sp>
+      </p:pic>
     </p:spTree>
     <p:extLst>
       <p:ext uri="{BB962C8B-B14F-4D97-AF65-F5344CB8AC3E}">

--- a/Presentation/IntroAnimalMovements_HMMs.pptx
+++ b/Presentation/IntroAnimalMovements_HMMs.pptx
@@ -224,7 +224,7 @@
           <a:p>
             <a:fld id="{0DC3ADD9-A38B-4BE5-AC76-350827CA9FF8}" type="datetimeFigureOut">
               <a:rPr lang="en-US" smtClean="0"/>
-              <a:t>6/27/2024</a:t>
+              <a:t>6/29/2024</a:t>
             </a:fld>
             <a:endParaRPr lang="en-US"/>
           </a:p>
@@ -801,7 +801,7 @@
           <a:p>
             <a:r>
               <a:rPr lang="en-US" dirty="0"/>
-              <a:t>In the previous graph, each point was coded based on a predictive state assignment.  But, since you also get a probability of being in one particular state, you can also graph this probability assignment over time.  Here, I’m showing a simulated track from Postlethwaite and Dennis where the probabilities of being in one particular state are displayed.  So you can see that the model predicts with a high level of certainty the state in red, but a lower probability of that particular state in green.  So, just another visual tool to see what’s happening behind the scenes and perhaps convince yourself that the model is doing what you expect. </a:t>
+              <a:t>Here’s the type of output that you will receive after fitting your HMM.  The movement trajectory, in this case it’s one of my wildebeest that we will be using, is divided into different colors.  It’s then up to the researcher to assign a name to the behaviors.  We don’t actually know what these behaviors are.  All that we do know is that the model has identified these as two unique behavior based solely on the step lengths and turning angles.  Here, we can reasonably say that one of the states, colored in orange, is more of an encamped or area restricted search behavior and the blue, is more of an exploratory state that is characterized by longer steplengths and more directed movements.</a:t>
             </a:r>
           </a:p>
         </p:txBody>
@@ -823,7 +823,7 @@
           <a:p>
             <a:fld id="{42E65689-8240-45C5-BB1A-376E97A4566F}" type="slidenum">
               <a:rPr lang="en-US" smtClean="0"/>
-              <a:t>12</a:t>
+              <a:t>11</a:t>
             </a:fld>
             <a:endParaRPr lang="en-US"/>
           </a:p>
@@ -832,7 +832,7 @@
     </p:spTree>
     <p:extLst>
       <p:ext uri="{BB962C8B-B14F-4D97-AF65-F5344CB8AC3E}">
-        <p14:creationId xmlns:p14="http://schemas.microsoft.com/office/powerpoint/2010/main" val="3943983466"/>
+        <p14:creationId xmlns:p14="http://schemas.microsoft.com/office/powerpoint/2010/main" val="745344698"/>
       </p:ext>
     </p:extLst>
   </p:cSld>
@@ -888,75 +888,7 @@
           <a:p>
             <a:r>
               <a:rPr lang="en-US" dirty="0"/>
-              <a:t>Some things to keep in mind.</a:t>
-            </a:r>
-          </a:p>
-          <a:p>
-            <a:endParaRPr lang="en-US" dirty="0"/>
-          </a:p>
-          <a:p>
-            <a:r>
-              <a:rPr lang="en-US" dirty="0"/>
-              <a:t>First, we need to identify starting parameter values and the correct form of the distributions.  We, can test for the correct forms using sensitivity analyses, but this can be difficult, especially when models become more complex.</a:t>
-            </a:r>
-          </a:p>
-          <a:p>
-            <a:endParaRPr lang="en-US" dirty="0"/>
-          </a:p>
-          <a:p>
-            <a:r>
-              <a:rPr lang="en-US" dirty="0"/>
-              <a:t>Second, we need to choose the # of states we aim to predict in the model.  The </a:t>
-            </a:r>
-            <a:r>
-              <a:rPr lang="en-US" dirty="0" err="1"/>
-              <a:t>Pohle</a:t>
-            </a:r>
-            <a:r>
-              <a:rPr lang="en-US" dirty="0"/>
-              <a:t> et al paper is a particular good reference, providing recommendations on how to choose the number of states to include in your model.  The model comparison tends to favor a model with more states, so that researcher really needs to think about his or her research question, rather than relying solely on quantitative metrics.</a:t>
-            </a:r>
-          </a:p>
-          <a:p>
-            <a:endParaRPr lang="en-US" dirty="0"/>
-          </a:p>
-          <a:p>
-            <a:r>
-              <a:rPr lang="en-US" dirty="0"/>
-              <a:t>Third, the sampling schedule is absolutely going to impact your ability to identify behavioral states.  This is largely due to the scale at which your species is making movement decisions.  If your animal is making fine-scale complex movements, but you are sampling just a few times per day, you will be less likely to identify these behavioral changes.  It’s also important to consider the error associated with your positions.  You want to be modeling the movement process related to an animal’s behavior, not the error process.</a:t>
-            </a:r>
-          </a:p>
-          <a:p>
-            <a:endParaRPr lang="en-US" dirty="0"/>
-          </a:p>
-          <a:p>
-            <a:r>
-              <a:rPr lang="en-US" dirty="0"/>
-              <a:t>Lastly, the model assumes regular sampling, which often is not the case with animal movement data.  To get your data in the format required, you may need to resample your data to a different temporal interval, like crawl or </a:t>
-            </a:r>
-            <a:r>
-              <a:rPr lang="en-US" dirty="0" err="1"/>
-              <a:t>aniMotum</a:t>
-            </a:r>
-            <a:r>
-              <a:rPr lang="en-US" dirty="0"/>
-              <a:t>, before ingesting the data into </a:t>
-            </a:r>
-            <a:r>
-              <a:rPr lang="en-US" dirty="0" err="1"/>
-              <a:t>moveHMM</a:t>
-            </a:r>
-            <a:r>
-              <a:rPr lang="en-US" dirty="0"/>
-              <a:t>.  These packages then smooth or </a:t>
-            </a:r>
-            <a:r>
-              <a:rPr lang="en-US" dirty="0" err="1"/>
-              <a:t>regularlize</a:t>
-            </a:r>
-            <a:r>
-              <a:rPr lang="en-US" dirty="0"/>
-              <a:t> the movement track so that the data can be integrated.  This isn’t much of an issue when few data points are missing, but large gaps in data could be problematic and may require that you simply analyze the movement track with areas that are highly irregular.`</a:t>
+              <a:t>In the previous graph, each point was coded based on a predictive state assignment.  But, since you also get a probability of being in one particular state, you can also graph this probability assignment over time.  Here, I’m showing a simulated track from Postlethwaite and Dennis where the probabilities of being in one particular state are displayed.  So you can see that the model predicts with a high level of certainty the state in red, but a lower probability of that particular state in green.  So, just another visual tool to see what’s happening behind the scenes and perhaps convince yourself that the model is doing what you expect. </a:t>
             </a:r>
           </a:p>
         </p:txBody>
@@ -978,7 +910,7 @@
           <a:p>
             <a:fld id="{42E65689-8240-45C5-BB1A-376E97A4566F}" type="slidenum">
               <a:rPr lang="en-US" smtClean="0"/>
-              <a:t>13</a:t>
+              <a:t>12</a:t>
             </a:fld>
             <a:endParaRPr lang="en-US"/>
           </a:p>
@@ -987,7 +919,7 @@
     </p:spTree>
     <p:extLst>
       <p:ext uri="{BB962C8B-B14F-4D97-AF65-F5344CB8AC3E}">
-        <p14:creationId xmlns:p14="http://schemas.microsoft.com/office/powerpoint/2010/main" val="458692579"/>
+        <p14:creationId xmlns:p14="http://schemas.microsoft.com/office/powerpoint/2010/main" val="3943983466"/>
       </p:ext>
     </p:extLst>
   </p:cSld>
@@ -1043,7 +975,75 @@
           <a:p>
             <a:r>
               <a:rPr lang="en-US" dirty="0"/>
-              <a:t>To give you an appreciation for some of the applications of using a HMM to characterize animal behavior, I’ve provided a few examples for you to read through.  The first is a humpback whale study where the researchers separated whale movements into two states, a foraging state which is shown in red and a traveling state in green.  It’s hard to see from the graph, but you should see the difference in the scales of both of these maps.  In the map of the left, whales are movement across a much smaller area, feeding mostly along the costly of these relatively small islands.  In the graph on the left the scale is much larger, with whales moving broadly across the area and almost exclusively traveling rather than foraging.</a:t>
+              <a:t>Some things to keep in mind.</a:t>
+            </a:r>
+          </a:p>
+          <a:p>
+            <a:endParaRPr lang="en-US" dirty="0"/>
+          </a:p>
+          <a:p>
+            <a:r>
+              <a:rPr lang="en-US" dirty="0"/>
+              <a:t>First, we need to identify starting parameter values and the correct form of the distributions.  We, can test for the correct forms using sensitivity analyses, but this can be difficult, especially when models become more complex.</a:t>
+            </a:r>
+          </a:p>
+          <a:p>
+            <a:endParaRPr lang="en-US" dirty="0"/>
+          </a:p>
+          <a:p>
+            <a:r>
+              <a:rPr lang="en-US" dirty="0"/>
+              <a:t>Second, we need to choose the # of states we aim to predict in the model.  The </a:t>
+            </a:r>
+            <a:r>
+              <a:rPr lang="en-US" dirty="0" err="1"/>
+              <a:t>Pohle</a:t>
+            </a:r>
+            <a:r>
+              <a:rPr lang="en-US" dirty="0"/>
+              <a:t> et al paper is a particular good reference, providing recommendations on how to choose the number of states to include in your model.  The model comparison tends to favor a model with more states, so that researcher really needs to think about his or her research question, rather than relying solely on quantitative metrics.</a:t>
+            </a:r>
+          </a:p>
+          <a:p>
+            <a:endParaRPr lang="en-US" dirty="0"/>
+          </a:p>
+          <a:p>
+            <a:r>
+              <a:rPr lang="en-US" dirty="0"/>
+              <a:t>Third, the sampling schedule is absolutely going to impact your ability to identify behavioral states.  This is largely due to the scale at which your species is making movement decisions.  If your animal is making fine-scale complex movements, but you are sampling just a few times per day, you will be less likely to identify these behavioral changes.  It’s also important to consider the error associated with your positions.  You want to be modeling the movement process related to an animal’s behavior, not the error process.</a:t>
+            </a:r>
+          </a:p>
+          <a:p>
+            <a:endParaRPr lang="en-US" dirty="0"/>
+          </a:p>
+          <a:p>
+            <a:r>
+              <a:rPr lang="en-US" dirty="0"/>
+              <a:t>Lastly, the model assumes regular sampling, which often is not the case with animal movement data.  To get your data in the format required, you may need to resample your data to a different temporal interval, like crawl or </a:t>
+            </a:r>
+            <a:r>
+              <a:rPr lang="en-US" dirty="0" err="1"/>
+              <a:t>aniMotum</a:t>
+            </a:r>
+            <a:r>
+              <a:rPr lang="en-US" dirty="0"/>
+              <a:t>, before ingesting the data into </a:t>
+            </a:r>
+            <a:r>
+              <a:rPr lang="en-US" dirty="0" err="1"/>
+              <a:t>moveHMM</a:t>
+            </a:r>
+            <a:r>
+              <a:rPr lang="en-US" dirty="0"/>
+              <a:t>.  These packages then smooth or </a:t>
+            </a:r>
+            <a:r>
+              <a:rPr lang="en-US" dirty="0" err="1"/>
+              <a:t>regularlize</a:t>
+            </a:r>
+            <a:r>
+              <a:rPr lang="en-US" dirty="0"/>
+              <a:t> the movement track so that the data can be integrated.  This isn’t much of an issue when few data points are missing, but large gaps in data could be problematic and may require that you simply analyze the movement track with areas that are highly irregular.`</a:t>
             </a:r>
           </a:p>
         </p:txBody>
@@ -1065,7 +1065,7 @@
           <a:p>
             <a:fld id="{42E65689-8240-45C5-BB1A-376E97A4566F}" type="slidenum">
               <a:rPr lang="en-US" smtClean="0"/>
-              <a:t>14</a:t>
+              <a:t>13</a:t>
             </a:fld>
             <a:endParaRPr lang="en-US"/>
           </a:p>
@@ -1074,7 +1074,7 @@
     </p:spTree>
     <p:extLst>
       <p:ext uri="{BB962C8B-B14F-4D97-AF65-F5344CB8AC3E}">
-        <p14:creationId xmlns:p14="http://schemas.microsoft.com/office/powerpoint/2010/main" val="1993292420"/>
+        <p14:creationId xmlns:p14="http://schemas.microsoft.com/office/powerpoint/2010/main" val="458692579"/>
       </p:ext>
     </p:extLst>
   </p:cSld>
@@ -1130,7 +1130,7 @@
           <a:p>
             <a:r>
               <a:rPr lang="en-US" dirty="0"/>
-              <a:t>This next example is of white sharks that are colored (black and grey) to highlight two different behavioral states.  The black denotes an area restrictive search behavior and the grey denotes patrolling behavior.  What they found was that area restrictive search behavior increase during morning periods and when tourist operations were chumming the water to facilitate shark viewing.  They also found that found that the proportion of time that individuals spent in each state, different between sexes, the main point of the figure to show the dramatic differences observed.   </a:t>
+              <a:t>To give you an appreciation for some of the applications of using a HMM to characterize animal behavior, I’ve provided a few examples for you to read through.  The first is a humpback whale study where the researchers separated whale movements into two states, a foraging state which is shown in red and a traveling state in green.  It’s hard to see from the graph, but you should see the difference in the scales of both of these maps.  In the map of the left, whales are movement across a much smaller area, feeding mostly along the costly of these relatively small islands.  In the graph on the left the scale is much larger, with whales moving broadly across the area and almost exclusively traveling rather than foraging.</a:t>
             </a:r>
           </a:p>
         </p:txBody>
@@ -1152,7 +1152,7 @@
           <a:p>
             <a:fld id="{42E65689-8240-45C5-BB1A-376E97A4566F}" type="slidenum">
               <a:rPr lang="en-US" smtClean="0"/>
-              <a:t>15</a:t>
+              <a:t>14</a:t>
             </a:fld>
             <a:endParaRPr lang="en-US"/>
           </a:p>
@@ -1161,7 +1161,7 @@
     </p:spTree>
     <p:extLst>
       <p:ext uri="{BB962C8B-B14F-4D97-AF65-F5344CB8AC3E}">
-        <p14:creationId xmlns:p14="http://schemas.microsoft.com/office/powerpoint/2010/main" val="2468259509"/>
+        <p14:creationId xmlns:p14="http://schemas.microsoft.com/office/powerpoint/2010/main" val="1993292420"/>
       </p:ext>
     </p:extLst>
   </p:cSld>
@@ -1217,15 +1217,7 @@
           <a:p>
             <a:r>
               <a:rPr lang="en-US" dirty="0"/>
-              <a:t>In this next example, I wanted to show the type of output that is common to HMM analyses.  These graphs are from a black bear study, showing the turning angles and </a:t>
-            </a:r>
-            <a:r>
-              <a:rPr lang="en-US" dirty="0" err="1"/>
-              <a:t>steplength</a:t>
-            </a:r>
-            <a:r>
-              <a:rPr lang="en-US" dirty="0"/>
-              <a:t> distributions of male and female bears in winter, summer, and fall.  This is pretty interesting, as it shows changes in movement behavior across seasons.  You can see that exploratory movements generally result in longer steplengths and straight line movements, with turning angles centered around zero.  When animals are resting or encamped, however, they generally move with shorter steplengths and in a circular fashion…so much more of this area restricted search behavior that I mentioned previously.  It’s also interesting because we can look at differences between sexes and while it’s not shown here, the authors separate out segments of these tracks based on these behaviors (resting, encamped, exploratory) to perform behavioral-based resource selection/habitat modeling.  So, recognizing that habitat selection may differ when the animal is resting or foraging.  </a:t>
+              <a:t>This next example is of white sharks that are colored (black and grey) to highlight two different behavioral states.  The black denotes an area restrictive search behavior and the grey denotes patrolling behavior.  What they found was that area restrictive search behavior increase during morning periods and when tourist operations were chumming the water to facilitate shark viewing.  They also found that found that the proportion of time that individuals spent in each state, different between sexes, the main point of the figure to show the dramatic differences observed.   </a:t>
             </a:r>
           </a:p>
         </p:txBody>
@@ -1247,7 +1239,7 @@
           <a:p>
             <a:fld id="{42E65689-8240-45C5-BB1A-376E97A4566F}" type="slidenum">
               <a:rPr lang="en-US" smtClean="0"/>
-              <a:t>16</a:t>
+              <a:t>15</a:t>
             </a:fld>
             <a:endParaRPr lang="en-US"/>
           </a:p>
@@ -1256,7 +1248,7 @@
     </p:spTree>
     <p:extLst>
       <p:ext uri="{BB962C8B-B14F-4D97-AF65-F5344CB8AC3E}">
-        <p14:creationId xmlns:p14="http://schemas.microsoft.com/office/powerpoint/2010/main" val="1435731207"/>
+        <p14:creationId xmlns:p14="http://schemas.microsoft.com/office/powerpoint/2010/main" val="2468259509"/>
       </p:ext>
     </p:extLst>
   </p:cSld>
@@ -1312,21 +1304,16 @@
           <a:p>
             <a:r>
               <a:rPr lang="en-US" dirty="0"/>
-              <a:t>And last, this paper takes this aspect a step further, fully integrating the results from a Hidden Markov Model into a step selection function analyses and trying to pull as much information from the movement track to improve a habitat selection analyses.  This seems like the direction that this field is heading.  Here we see two different behavioral states for plains zebra, displayed in a figure we can generate from the </a:t>
+              <a:t>In this next example, I wanted to show the type of output that is common to HMM analyses.  These graphs are from a black bear study, showing the turning angles and </a:t>
             </a:r>
             <a:r>
               <a:rPr lang="en-US" dirty="0" err="1"/>
-              <a:t>moveHMM</a:t>
+              <a:t>steplength</a:t>
             </a:r>
             <a:r>
               <a:rPr lang="en-US" dirty="0"/>
-              <a:t> package to visualize the switches in behavior that occurred over a 3 year tracking period.  From the graph we see that this animal spent long periods in one behavior compared to another, allowing us to investigate other potentially more interesting questions about why this might be.  Is it related, for example, to changes in habitat </a:t>
-            </a:r>
-            <a:r>
-              <a:rPr lang="en-US"/>
-              <a:t>or climate, etc.</a:t>
-            </a:r>
-            <a:endParaRPr lang="en-US" dirty="0"/>
+              <a:t> distributions of male and female bears in winter, summer, and fall.  This is pretty interesting, as it shows changes in movement behavior across seasons.  You can see that exploratory movements generally result in longer steplengths and straight line movements, with turning angles centered around zero.  When animals are resting or encamped, however, they generally move with shorter steplengths and in a circular fashion…so much more of this area restricted search behavior that I mentioned previously.  It’s also interesting because we can look at differences between sexes and while it’s not shown here, the authors separate out segments of these tracks based on these behaviors (resting, encamped, exploratory) to perform behavioral-based resource selection/habitat modeling.  So, recognizing that habitat selection may differ when the animal is resting or foraging.  </a:t>
+            </a:r>
           </a:p>
         </p:txBody>
       </p:sp>
@@ -1347,6 +1334,106 @@
           <a:p>
             <a:fld id="{42E65689-8240-45C5-BB1A-376E97A4566F}" type="slidenum">
               <a:rPr lang="en-US" smtClean="0"/>
+              <a:t>16</a:t>
+            </a:fld>
+            <a:endParaRPr lang="en-US"/>
+          </a:p>
+        </p:txBody>
+      </p:sp>
+    </p:spTree>
+    <p:extLst>
+      <p:ext uri="{BB962C8B-B14F-4D97-AF65-F5344CB8AC3E}">
+        <p14:creationId xmlns:p14="http://schemas.microsoft.com/office/powerpoint/2010/main" val="1435731207"/>
+      </p:ext>
+    </p:extLst>
+  </p:cSld>
+  <p:clrMapOvr>
+    <a:masterClrMapping/>
+  </p:clrMapOvr>
+</p:notes>
+</file>
+
+<file path=ppt/notesSlides/notesSlide17.xml><?xml version="1.0" encoding="utf-8"?>
+<p:notes xmlns:a="http://schemas.openxmlformats.org/drawingml/2006/main" xmlns:r="http://schemas.openxmlformats.org/officeDocument/2006/relationships" xmlns:p="http://schemas.openxmlformats.org/presentationml/2006/main">
+  <p:cSld>
+    <p:spTree>
+      <p:nvGrpSpPr>
+        <p:cNvPr id="1" name=""/>
+        <p:cNvGrpSpPr/>
+        <p:nvPr/>
+      </p:nvGrpSpPr>
+      <p:grpSpPr>
+        <a:xfrm>
+          <a:off x="0" y="0"/>
+          <a:ext cx="0" cy="0"/>
+          <a:chOff x="0" y="0"/>
+          <a:chExt cx="0" cy="0"/>
+        </a:xfrm>
+      </p:grpSpPr>
+      <p:sp>
+        <p:nvSpPr>
+          <p:cNvPr id="2" name="Slide Image Placeholder 1"/>
+          <p:cNvSpPr>
+            <a:spLocks noGrp="1" noRot="1" noChangeAspect="1"/>
+          </p:cNvSpPr>
+          <p:nvPr>
+            <p:ph type="sldImg"/>
+          </p:nvPr>
+        </p:nvSpPr>
+        <p:spPr/>
+      </p:sp>
+      <p:sp>
+        <p:nvSpPr>
+          <p:cNvPr id="3" name="Notes Placeholder 2"/>
+          <p:cNvSpPr>
+            <a:spLocks noGrp="1"/>
+          </p:cNvSpPr>
+          <p:nvPr>
+            <p:ph type="body" idx="1"/>
+          </p:nvPr>
+        </p:nvSpPr>
+        <p:spPr/>
+        <p:txBody>
+          <a:bodyPr/>
+          <a:lstStyle/>
+          <a:p>
+            <a:r>
+              <a:rPr lang="en-US" dirty="0"/>
+              <a:t>And last, this paper takes this aspect a step further, fully integrating the results from a Hidden Markov Model into a step selection function analyses and trying to pull as much information from the movement track to improve a habitat selection analyses.  This seems like the direction that this field is heading.  Here we see two different behavioral states for plains zebra, displayed in a figure we can generate from the </a:t>
+            </a:r>
+            <a:r>
+              <a:rPr lang="en-US" dirty="0" err="1"/>
+              <a:t>moveHMM</a:t>
+            </a:r>
+            <a:r>
+              <a:rPr lang="en-US" dirty="0"/>
+              <a:t> package to visualize the switches in behavior that occurred over a 3 year tracking period.  From the graph we see that this animal spent long periods in one behavior compared to another, allowing us to investigate other potentially more interesting questions about why this might be.  Is it related, for example, to changes in habitat </a:t>
+            </a:r>
+            <a:r>
+              <a:rPr lang="en-US"/>
+              <a:t>or climate, etc.</a:t>
+            </a:r>
+            <a:endParaRPr lang="en-US" dirty="0"/>
+          </a:p>
+        </p:txBody>
+      </p:sp>
+      <p:sp>
+        <p:nvSpPr>
+          <p:cNvPr id="4" name="Slide Number Placeholder 3"/>
+          <p:cNvSpPr>
+            <a:spLocks noGrp="1"/>
+          </p:cNvSpPr>
+          <p:nvPr>
+            <p:ph type="sldNum" sz="quarter" idx="5"/>
+          </p:nvPr>
+        </p:nvSpPr>
+        <p:spPr/>
+        <p:txBody>
+          <a:bodyPr/>
+          <a:lstStyle/>
+          <a:p>
+            <a:fld id="{42E65689-8240-45C5-BB1A-376E97A4566F}" type="slidenum">
+              <a:rPr lang="en-US" smtClean="0"/>
               <a:t>17</a:t>
             </a:fld>
             <a:endParaRPr lang="en-US"/>
@@ -1357,6 +1444,265 @@
     <p:extLst>
       <p:ext uri="{BB962C8B-B14F-4D97-AF65-F5344CB8AC3E}">
         <p14:creationId xmlns:p14="http://schemas.microsoft.com/office/powerpoint/2010/main" val="1426449585"/>
+      </p:ext>
+    </p:extLst>
+  </p:cSld>
+  <p:clrMapOvr>
+    <a:masterClrMapping/>
+  </p:clrMapOvr>
+</p:notes>
+</file>
+
+<file path=ppt/notesSlides/notesSlide18.xml><?xml version="1.0" encoding="utf-8"?>
+<p:notes xmlns:a="http://schemas.openxmlformats.org/drawingml/2006/main" xmlns:r="http://schemas.openxmlformats.org/officeDocument/2006/relationships" xmlns:p="http://schemas.openxmlformats.org/presentationml/2006/main">
+  <p:cSld>
+    <p:spTree>
+      <p:nvGrpSpPr>
+        <p:cNvPr id="1" name=""/>
+        <p:cNvGrpSpPr/>
+        <p:nvPr/>
+      </p:nvGrpSpPr>
+      <p:grpSpPr>
+        <a:xfrm>
+          <a:off x="0" y="0"/>
+          <a:ext cx="0" cy="0"/>
+          <a:chOff x="0" y="0"/>
+          <a:chExt cx="0" cy="0"/>
+        </a:xfrm>
+      </p:grpSpPr>
+      <p:sp>
+        <p:nvSpPr>
+          <p:cNvPr id="2" name="Slide Image Placeholder 1"/>
+          <p:cNvSpPr>
+            <a:spLocks noGrp="1" noRot="1" noChangeAspect="1"/>
+          </p:cNvSpPr>
+          <p:nvPr>
+            <p:ph type="sldImg"/>
+          </p:nvPr>
+        </p:nvSpPr>
+        <p:spPr/>
+      </p:sp>
+      <p:sp>
+        <p:nvSpPr>
+          <p:cNvPr id="3" name="Notes Placeholder 2"/>
+          <p:cNvSpPr>
+            <a:spLocks noGrp="1"/>
+          </p:cNvSpPr>
+          <p:nvPr>
+            <p:ph type="body" idx="1"/>
+          </p:nvPr>
+        </p:nvSpPr>
+        <p:spPr/>
+        <p:txBody>
+          <a:bodyPr/>
+          <a:lstStyle/>
+          <a:p>
+            <a:r>
+              <a:rPr lang="en-US" dirty="0"/>
+              <a:t>Now, let’s shift to a brief summary of a different method, Behavior Change Point Analysis or BCPA, which is also useful in looking at behaviors or changes in behavior in a time series.  This method looks for points in a time series during which there are notable shifts.  Similar to an HMM, you can apply it to different types of time series data where something is abruptly changing over time.  We’ll once again be applying BCPA to a movement trajectory.</a:t>
+            </a:r>
+          </a:p>
+          <a:p>
+            <a:endParaRPr lang="en-US" dirty="0"/>
+          </a:p>
+          <a:p>
+            <a:r>
+              <a:rPr lang="en-US" dirty="0"/>
+              <a:t>Different from a HMM, these models are continuous space, continuous time stochastic process models…so significantly different that what we just went over.  Changes in the time series are assessed by estimating our parameters of interest using a moving window of a certain size.  The portions of the path where these value change abruptly are then identified as boundaries or change points between different movement modes or behaviors.</a:t>
+            </a:r>
+          </a:p>
+        </p:txBody>
+      </p:sp>
+      <p:sp>
+        <p:nvSpPr>
+          <p:cNvPr id="4" name="Slide Number Placeholder 3"/>
+          <p:cNvSpPr>
+            <a:spLocks noGrp="1"/>
+          </p:cNvSpPr>
+          <p:nvPr>
+            <p:ph type="sldNum" sz="quarter" idx="5"/>
+          </p:nvPr>
+        </p:nvSpPr>
+        <p:spPr/>
+        <p:txBody>
+          <a:bodyPr/>
+          <a:lstStyle/>
+          <a:p>
+            <a:fld id="{42E65689-8240-45C5-BB1A-376E97A4566F}" type="slidenum">
+              <a:rPr lang="en-US" smtClean="0"/>
+              <a:t>18</a:t>
+            </a:fld>
+            <a:endParaRPr lang="en-US"/>
+          </a:p>
+        </p:txBody>
+      </p:sp>
+    </p:spTree>
+    <p:extLst>
+      <p:ext uri="{BB962C8B-B14F-4D97-AF65-F5344CB8AC3E}">
+        <p14:creationId xmlns:p14="http://schemas.microsoft.com/office/powerpoint/2010/main" val="1550210523"/>
+      </p:ext>
+    </p:extLst>
+  </p:cSld>
+  <p:clrMapOvr>
+    <a:masterClrMapping/>
+  </p:clrMapOvr>
+</p:notes>
+</file>
+
+<file path=ppt/notesSlides/notesSlide19.xml><?xml version="1.0" encoding="utf-8"?>
+<p:notes xmlns:a="http://schemas.openxmlformats.org/drawingml/2006/main" xmlns:r="http://schemas.openxmlformats.org/officeDocument/2006/relationships" xmlns:p="http://schemas.openxmlformats.org/presentationml/2006/main">
+  <p:cSld>
+    <p:spTree>
+      <p:nvGrpSpPr>
+        <p:cNvPr id="1" name=""/>
+        <p:cNvGrpSpPr/>
+        <p:nvPr/>
+      </p:nvGrpSpPr>
+      <p:grpSpPr>
+        <a:xfrm>
+          <a:off x="0" y="0"/>
+          <a:ext cx="0" cy="0"/>
+          <a:chOff x="0" y="0"/>
+          <a:chExt cx="0" cy="0"/>
+        </a:xfrm>
+      </p:grpSpPr>
+      <p:sp>
+        <p:nvSpPr>
+          <p:cNvPr id="2" name="Slide Image Placeholder 1"/>
+          <p:cNvSpPr>
+            <a:spLocks noGrp="1" noRot="1" noChangeAspect="1"/>
+          </p:cNvSpPr>
+          <p:nvPr>
+            <p:ph type="sldImg"/>
+          </p:nvPr>
+        </p:nvSpPr>
+        <p:spPr/>
+      </p:sp>
+      <p:sp>
+        <p:nvSpPr>
+          <p:cNvPr id="3" name="Notes Placeholder 2"/>
+          <p:cNvSpPr>
+            <a:spLocks noGrp="1"/>
+          </p:cNvSpPr>
+          <p:nvPr>
+            <p:ph type="body" idx="1"/>
+          </p:nvPr>
+        </p:nvSpPr>
+        <p:spPr/>
+        <p:txBody>
+          <a:bodyPr/>
+          <a:lstStyle/>
+          <a:p>
+            <a:r>
+              <a:rPr lang="en-US" dirty="0"/>
+              <a:t>Let’s go into this in a little more detail.</a:t>
+            </a:r>
+          </a:p>
+          <a:p>
+            <a:endParaRPr lang="en-US" dirty="0"/>
+          </a:p>
+          <a:p>
+            <a:r>
+              <a:rPr lang="en-US" dirty="0"/>
+              <a:t>These models will be implemented using the package </a:t>
+            </a:r>
+            <a:r>
+              <a:rPr lang="en-US" dirty="0" err="1"/>
+              <a:t>bcpa</a:t>
+            </a:r>
+            <a:r>
+              <a:rPr lang="en-US" dirty="0"/>
+              <a:t> which was written by Gurarie</a:t>
+            </a:r>
+          </a:p>
+          <a:p>
+            <a:endParaRPr lang="en-US" dirty="0"/>
+          </a:p>
+          <a:p>
+            <a:r>
+              <a:rPr lang="en-US" dirty="0"/>
+              <a:t>We are going to assume observations are from a continuous time process that is described by a mean, standard deviation, and an autocorrelation time scale….this should sound familiar from what Chris was talking about with CTMM.</a:t>
+            </a:r>
+          </a:p>
+          <a:p>
+            <a:endParaRPr lang="en-US" dirty="0"/>
+          </a:p>
+          <a:p>
+            <a:r>
+              <a:rPr lang="en-US" dirty="0"/>
+              <a:t>We have an unknown number of states that we don’t need to specify </a:t>
+            </a:r>
+            <a:r>
+              <a:rPr lang="en-US" i="1" dirty="0"/>
+              <a:t>a priori</a:t>
+            </a:r>
+            <a:r>
+              <a:rPr lang="en-US" i="0" dirty="0"/>
+              <a:t> and those states vary according to these variables (mean, standard deviation, and autocorrelation time scale).</a:t>
+            </a:r>
+          </a:p>
+          <a:p>
+            <a:endParaRPr lang="en-US" i="0" dirty="0"/>
+          </a:p>
+          <a:p>
+            <a:r>
+              <a:rPr lang="en-US" i="0" dirty="0"/>
+              <a:t>So what are these parameters describing.  We’re not using step lengths and turning angles necessarily since this is a continuous time process.  Instead, what we typically see as a variable…a quantitative description to look for change in…is what is called a persistence velocity.  We’ll be taking speed (V) and multiply by the cosine of the turning angle and this generally, measure the tendency of the animal to continue in the same direction and speed….thus the name “Persistence Velocity of </a:t>
+            </a:r>
+            <a:r>
+              <a:rPr lang="en-US" i="0" dirty="0" err="1"/>
+              <a:t>Vp</a:t>
+            </a:r>
+            <a:endParaRPr lang="en-US" i="0" dirty="0"/>
+          </a:p>
+          <a:p>
+            <a:endParaRPr lang="en-US" i="0" dirty="0"/>
+          </a:p>
+          <a:p>
+            <a:r>
+              <a:rPr lang="en-US" i="0" dirty="0"/>
+              <a:t>You’ll also see Turning velocity used as a quantity we are using, this describes the tendency to head in a perpendicular direction instead of the same direction and it’s the Velocity multiplied by the sine of the turning angle.</a:t>
+            </a:r>
+          </a:p>
+          <a:p>
+            <a:endParaRPr lang="en-US" i="0" dirty="0"/>
+          </a:p>
+          <a:p>
+            <a:r>
+              <a:rPr lang="en-US" i="0" dirty="0"/>
+              <a:t>Other variables could also be used…such as simply using speed/velocity.</a:t>
+            </a:r>
+            <a:endParaRPr lang="en-US" i="1" dirty="0"/>
+          </a:p>
+        </p:txBody>
+      </p:sp>
+      <p:sp>
+        <p:nvSpPr>
+          <p:cNvPr id="4" name="Slide Number Placeholder 3"/>
+          <p:cNvSpPr>
+            <a:spLocks noGrp="1"/>
+          </p:cNvSpPr>
+          <p:nvPr>
+            <p:ph type="sldNum" sz="quarter" idx="5"/>
+          </p:nvPr>
+        </p:nvSpPr>
+        <p:spPr/>
+        <p:txBody>
+          <a:bodyPr/>
+          <a:lstStyle/>
+          <a:p>
+            <a:fld id="{42E65689-8240-45C5-BB1A-376E97A4566F}" type="slidenum">
+              <a:rPr lang="en-US" smtClean="0"/>
+              <a:t>19</a:t>
+            </a:fld>
+            <a:endParaRPr lang="en-US"/>
+          </a:p>
+        </p:txBody>
+      </p:sp>
+    </p:spTree>
+    <p:extLst>
+      <p:ext uri="{BB962C8B-B14F-4D97-AF65-F5344CB8AC3E}">
+        <p14:creationId xmlns:p14="http://schemas.microsoft.com/office/powerpoint/2010/main" val="1143872686"/>
       </p:ext>
     </p:extLst>
   </p:cSld>
@@ -1489,6 +1835,668 @@
     <p:extLst>
       <p:ext uri="{BB962C8B-B14F-4D97-AF65-F5344CB8AC3E}">
         <p14:creationId xmlns:p14="http://schemas.microsoft.com/office/powerpoint/2010/main" val="399260883"/>
+      </p:ext>
+    </p:extLst>
+  </p:cSld>
+  <p:clrMapOvr>
+    <a:masterClrMapping/>
+  </p:clrMapOvr>
+</p:notes>
+</file>
+
+<file path=ppt/notesSlides/notesSlide20.xml><?xml version="1.0" encoding="utf-8"?>
+<p:notes xmlns:a="http://schemas.openxmlformats.org/drawingml/2006/main" xmlns:r="http://schemas.openxmlformats.org/officeDocument/2006/relationships" xmlns:p="http://schemas.openxmlformats.org/presentationml/2006/main">
+  <p:cSld>
+    <p:spTree>
+      <p:nvGrpSpPr>
+        <p:cNvPr id="1" name=""/>
+        <p:cNvGrpSpPr/>
+        <p:nvPr/>
+      </p:nvGrpSpPr>
+      <p:grpSpPr>
+        <a:xfrm>
+          <a:off x="0" y="0"/>
+          <a:ext cx="0" cy="0"/>
+          <a:chOff x="0" y="0"/>
+          <a:chExt cx="0" cy="0"/>
+        </a:xfrm>
+      </p:grpSpPr>
+      <p:sp>
+        <p:nvSpPr>
+          <p:cNvPr id="2" name="Slide Image Placeholder 1"/>
+          <p:cNvSpPr>
+            <a:spLocks noGrp="1" noRot="1" noChangeAspect="1"/>
+          </p:cNvSpPr>
+          <p:nvPr>
+            <p:ph type="sldImg"/>
+          </p:nvPr>
+        </p:nvSpPr>
+        <p:spPr/>
+      </p:sp>
+      <p:sp>
+        <p:nvSpPr>
+          <p:cNvPr id="3" name="Notes Placeholder 2"/>
+          <p:cNvSpPr>
+            <a:spLocks noGrp="1"/>
+          </p:cNvSpPr>
+          <p:nvPr>
+            <p:ph type="body" idx="1"/>
+          </p:nvPr>
+        </p:nvSpPr>
+        <p:spPr/>
+        <p:txBody>
+          <a:bodyPr/>
+          <a:lstStyle/>
+          <a:p>
+            <a:r>
+              <a:rPr lang="en-US" dirty="0"/>
+              <a:t>The analysis proceeds with a moving window of a certain size which is swept across the data.  Let’s say the window includes 30 points in time.  This window is going to move across the data and in each window, we’re going to calculate the mean and variance of our variable (</a:t>
+            </a:r>
+            <a:r>
+              <a:rPr lang="en-US" dirty="0" err="1"/>
+              <a:t>Vp</a:t>
+            </a:r>
+            <a:r>
+              <a:rPr lang="en-US" dirty="0"/>
+              <a:t>, Vt, or V) – whatever we decide and the autocorrelation time scale.  So, you need a big enough window to estimate these parameters using maximum likelihood.</a:t>
+            </a:r>
+          </a:p>
+          <a:p>
+            <a:endParaRPr lang="en-US" dirty="0"/>
+          </a:p>
+          <a:p>
+            <a:r>
+              <a:rPr lang="en-US" dirty="0"/>
+              <a:t>Then, based on these parameters that we are calculating, we’ll identify the location within the window where the parameters diverge…where are they most different.  It doesn’t need to be all the variables…it could simply be one of the variables.  But, the key point is the identification of where a change or the greatest change occurs to separate or split the data to make two different dataset and it’s going to assess if the two datasets are significantly different.  Sometimes this different will be insignificant, so the change point will not be registered and the assessments will just move on without registering a change.</a:t>
+            </a:r>
+          </a:p>
+          <a:p>
+            <a:endParaRPr lang="en-US" dirty="0"/>
+          </a:p>
+          <a:p>
+            <a:r>
+              <a:rPr lang="en-US" dirty="0"/>
+              <a:t>As we move through the time series, all change points are recorded with the parameters estimated on either side of the change.  We can look at which of the parameters change, which will give us some idea what the behavior might be at these change points or what has changed.</a:t>
+            </a:r>
+          </a:p>
+        </p:txBody>
+      </p:sp>
+      <p:sp>
+        <p:nvSpPr>
+          <p:cNvPr id="4" name="Slide Number Placeholder 3"/>
+          <p:cNvSpPr>
+            <a:spLocks noGrp="1"/>
+          </p:cNvSpPr>
+          <p:nvPr>
+            <p:ph type="sldNum" sz="quarter" idx="5"/>
+          </p:nvPr>
+        </p:nvSpPr>
+        <p:spPr/>
+        <p:txBody>
+          <a:bodyPr/>
+          <a:lstStyle/>
+          <a:p>
+            <a:fld id="{42E65689-8240-45C5-BB1A-376E97A4566F}" type="slidenum">
+              <a:rPr lang="en-US" smtClean="0"/>
+              <a:t>20</a:t>
+            </a:fld>
+            <a:endParaRPr lang="en-US"/>
+          </a:p>
+        </p:txBody>
+      </p:sp>
+    </p:spTree>
+    <p:extLst>
+      <p:ext uri="{BB962C8B-B14F-4D97-AF65-F5344CB8AC3E}">
+        <p14:creationId xmlns:p14="http://schemas.microsoft.com/office/powerpoint/2010/main" val="4112611123"/>
+      </p:ext>
+    </p:extLst>
+  </p:cSld>
+  <p:clrMapOvr>
+    <a:masterClrMapping/>
+  </p:clrMapOvr>
+</p:notes>
+</file>
+
+<file path=ppt/notesSlides/notesSlide21.xml><?xml version="1.0" encoding="utf-8"?>
+<p:notes xmlns:a="http://schemas.openxmlformats.org/drawingml/2006/main" xmlns:r="http://schemas.openxmlformats.org/officeDocument/2006/relationships" xmlns:p="http://schemas.openxmlformats.org/presentationml/2006/main">
+  <p:cSld>
+    <p:spTree>
+      <p:nvGrpSpPr>
+        <p:cNvPr id="1" name=""/>
+        <p:cNvGrpSpPr/>
+        <p:nvPr/>
+      </p:nvGrpSpPr>
+      <p:grpSpPr>
+        <a:xfrm>
+          <a:off x="0" y="0"/>
+          <a:ext cx="0" cy="0"/>
+          <a:chOff x="0" y="0"/>
+          <a:chExt cx="0" cy="0"/>
+        </a:xfrm>
+      </p:grpSpPr>
+      <p:sp>
+        <p:nvSpPr>
+          <p:cNvPr id="2" name="Slide Image Placeholder 1"/>
+          <p:cNvSpPr>
+            <a:spLocks noGrp="1" noRot="1" noChangeAspect="1"/>
+          </p:cNvSpPr>
+          <p:nvPr>
+            <p:ph type="sldImg"/>
+          </p:nvPr>
+        </p:nvSpPr>
+        <p:spPr/>
+      </p:sp>
+      <p:sp>
+        <p:nvSpPr>
+          <p:cNvPr id="3" name="Notes Placeholder 2"/>
+          <p:cNvSpPr>
+            <a:spLocks noGrp="1"/>
+          </p:cNvSpPr>
+          <p:nvPr>
+            <p:ph type="body" idx="1"/>
+          </p:nvPr>
+        </p:nvSpPr>
+        <p:spPr/>
+        <p:txBody>
+          <a:bodyPr/>
+          <a:lstStyle/>
+          <a:p>
+            <a:r>
+              <a:rPr lang="en-US" dirty="0"/>
+              <a:t>So a few key points.</a:t>
+            </a:r>
+          </a:p>
+          <a:p>
+            <a:endParaRPr lang="en-US" dirty="0"/>
+          </a:p>
+          <a:p>
+            <a:r>
+              <a:rPr lang="en-US" dirty="0"/>
+              <a:t>First, the window size is a big decision as it will impact your results.  A larger window is more robust but could miss out on the fine scale changes you might be interested in.  It will have lot’s of data, but it’s only going to identification major or large changes in behavior.</a:t>
+            </a:r>
+          </a:p>
+          <a:p>
+            <a:endParaRPr lang="en-US" dirty="0"/>
+          </a:p>
+          <a:p>
+            <a:r>
+              <a:rPr lang="en-US" dirty="0"/>
+              <a:t>A smaller window will be more sensitive to fine-scale changes and provide greater detail in behavior changes of interest, but it may also identify changes that aren’t real…known as spurious change points.</a:t>
+            </a:r>
+          </a:p>
+          <a:p>
+            <a:endParaRPr lang="en-US" dirty="0"/>
+          </a:p>
+          <a:p>
+            <a:r>
+              <a:rPr lang="en-US" dirty="0"/>
+              <a:t>Now, we can set a threshold parameters to control over how change points we’ll end up.  The threshold indicators allows us, for example, to keep a change point if a certain number of moving windows identifies the change point.  This results in a smoothing of the result by dropping out less significant changepoints.</a:t>
+            </a:r>
+          </a:p>
+          <a:p>
+            <a:endParaRPr lang="en-US" dirty="0"/>
+          </a:p>
+          <a:p>
+            <a:r>
+              <a:rPr lang="en-US" dirty="0"/>
+              <a:t>Then, in terms of visual output we can start to visualize the changes, comparing a flat vs a smooth output…which we’ll see in the next few slides.</a:t>
+            </a:r>
+          </a:p>
+          <a:p>
+            <a:endParaRPr lang="en-US" dirty="0"/>
+          </a:p>
+          <a:p>
+            <a:r>
+              <a:rPr lang="en-US" dirty="0"/>
+              <a:t>In general, the output from these models is more complex than the output of a Hidden Markov Model and often more complicated to interpret.  I generally find that it takes a lot of playing around with the models to get something that makes sense.  This works in simple situations, but can get really frustrating.</a:t>
+            </a:r>
+          </a:p>
+        </p:txBody>
+      </p:sp>
+      <p:sp>
+        <p:nvSpPr>
+          <p:cNvPr id="4" name="Slide Number Placeholder 3"/>
+          <p:cNvSpPr>
+            <a:spLocks noGrp="1"/>
+          </p:cNvSpPr>
+          <p:nvPr>
+            <p:ph type="sldNum" sz="quarter" idx="5"/>
+          </p:nvPr>
+        </p:nvSpPr>
+        <p:spPr/>
+        <p:txBody>
+          <a:bodyPr/>
+          <a:lstStyle/>
+          <a:p>
+            <a:fld id="{42E65689-8240-45C5-BB1A-376E97A4566F}" type="slidenum">
+              <a:rPr lang="en-US" smtClean="0"/>
+              <a:t>21</a:t>
+            </a:fld>
+            <a:endParaRPr lang="en-US"/>
+          </a:p>
+        </p:txBody>
+      </p:sp>
+    </p:spTree>
+    <p:extLst>
+      <p:ext uri="{BB962C8B-B14F-4D97-AF65-F5344CB8AC3E}">
+        <p14:creationId xmlns:p14="http://schemas.microsoft.com/office/powerpoint/2010/main" val="2870427031"/>
+      </p:ext>
+    </p:extLst>
+  </p:cSld>
+  <p:clrMapOvr>
+    <a:masterClrMapping/>
+  </p:clrMapOvr>
+</p:notes>
+</file>
+
+<file path=ppt/notesSlides/notesSlide22.xml><?xml version="1.0" encoding="utf-8"?>
+<p:notes xmlns:a="http://schemas.openxmlformats.org/drawingml/2006/main" xmlns:r="http://schemas.openxmlformats.org/officeDocument/2006/relationships" xmlns:p="http://schemas.openxmlformats.org/presentationml/2006/main">
+  <p:cSld>
+    <p:spTree>
+      <p:nvGrpSpPr>
+        <p:cNvPr id="1" name=""/>
+        <p:cNvGrpSpPr/>
+        <p:nvPr/>
+      </p:nvGrpSpPr>
+      <p:grpSpPr>
+        <a:xfrm>
+          <a:off x="0" y="0"/>
+          <a:ext cx="0" cy="0"/>
+          <a:chOff x="0" y="0"/>
+          <a:chExt cx="0" cy="0"/>
+        </a:xfrm>
+      </p:grpSpPr>
+      <p:sp>
+        <p:nvSpPr>
+          <p:cNvPr id="2" name="Slide Image Placeholder 1"/>
+          <p:cNvSpPr>
+            <a:spLocks noGrp="1" noRot="1" noChangeAspect="1"/>
+          </p:cNvSpPr>
+          <p:nvPr>
+            <p:ph type="sldImg"/>
+          </p:nvPr>
+        </p:nvSpPr>
+        <p:spPr/>
+      </p:sp>
+      <p:sp>
+        <p:nvSpPr>
+          <p:cNvPr id="3" name="Notes Placeholder 2"/>
+          <p:cNvSpPr>
+            <a:spLocks noGrp="1"/>
+          </p:cNvSpPr>
+          <p:nvPr>
+            <p:ph type="body" idx="1"/>
+          </p:nvPr>
+        </p:nvSpPr>
+        <p:spPr/>
+        <p:txBody>
+          <a:bodyPr/>
+          <a:lstStyle/>
+          <a:p>
+            <a:r>
+              <a:rPr lang="en-US" dirty="0"/>
+              <a:t>So, let’s look at an example to see what we get or what we can get from a BCPA analysis.</a:t>
+            </a:r>
+          </a:p>
+          <a:p>
+            <a:endParaRPr lang="en-US" dirty="0"/>
+          </a:p>
+          <a:p>
+            <a:r>
+              <a:rPr lang="en-US" dirty="0"/>
+              <a:t>Here, this figure was taken from a paper by Nicholson and colleagues that used a BCPA analyses to identify changes in movement behavior to identify parturition dates in moose.  The graph shows two different female moose, animal F07005 in 2007 and animal F07009 in 2009.  What you see is a graph of persistence velocity, with the change depicting a time period in May where the persistence velocity changed.  In this case, the change was confirmed as a time period when each moose gave birth.  </a:t>
+            </a:r>
+          </a:p>
+          <a:p>
+            <a:endParaRPr lang="en-US" dirty="0"/>
+          </a:p>
+          <a:p>
+            <a:r>
+              <a:rPr lang="en-US" dirty="0"/>
+              <a:t>This is a particularly nice example because it then allows for the possibilities of looking for other change points, for these animals or for others, where the movement data can provide information about parturition.  </a:t>
+            </a:r>
+          </a:p>
+        </p:txBody>
+      </p:sp>
+      <p:sp>
+        <p:nvSpPr>
+          <p:cNvPr id="4" name="Slide Number Placeholder 3"/>
+          <p:cNvSpPr>
+            <a:spLocks noGrp="1"/>
+          </p:cNvSpPr>
+          <p:nvPr>
+            <p:ph type="sldNum" sz="quarter" idx="5"/>
+          </p:nvPr>
+        </p:nvSpPr>
+        <p:spPr/>
+        <p:txBody>
+          <a:bodyPr/>
+          <a:lstStyle/>
+          <a:p>
+            <a:fld id="{42E65689-8240-45C5-BB1A-376E97A4566F}" type="slidenum">
+              <a:rPr lang="en-US" smtClean="0"/>
+              <a:t>22</a:t>
+            </a:fld>
+            <a:endParaRPr lang="en-US"/>
+          </a:p>
+        </p:txBody>
+      </p:sp>
+    </p:spTree>
+    <p:extLst>
+      <p:ext uri="{BB962C8B-B14F-4D97-AF65-F5344CB8AC3E}">
+        <p14:creationId xmlns:p14="http://schemas.microsoft.com/office/powerpoint/2010/main" val="2354558393"/>
+      </p:ext>
+    </p:extLst>
+  </p:cSld>
+  <p:clrMapOvr>
+    <a:masterClrMapping/>
+  </p:clrMapOvr>
+</p:notes>
+</file>
+
+<file path=ppt/notesSlides/notesSlide23.xml><?xml version="1.0" encoding="utf-8"?>
+<p:notes xmlns:a="http://schemas.openxmlformats.org/drawingml/2006/main" xmlns:r="http://schemas.openxmlformats.org/officeDocument/2006/relationships" xmlns:p="http://schemas.openxmlformats.org/presentationml/2006/main">
+  <p:cSld>
+    <p:spTree>
+      <p:nvGrpSpPr>
+        <p:cNvPr id="1" name=""/>
+        <p:cNvGrpSpPr/>
+        <p:nvPr/>
+      </p:nvGrpSpPr>
+      <p:grpSpPr>
+        <a:xfrm>
+          <a:off x="0" y="0"/>
+          <a:ext cx="0" cy="0"/>
+          <a:chOff x="0" y="0"/>
+          <a:chExt cx="0" cy="0"/>
+        </a:xfrm>
+      </p:grpSpPr>
+      <p:sp>
+        <p:nvSpPr>
+          <p:cNvPr id="2" name="Slide Image Placeholder 1"/>
+          <p:cNvSpPr>
+            <a:spLocks noGrp="1" noRot="1" noChangeAspect="1"/>
+          </p:cNvSpPr>
+          <p:nvPr>
+            <p:ph type="sldImg"/>
+          </p:nvPr>
+        </p:nvSpPr>
+        <p:spPr/>
+      </p:sp>
+      <p:sp>
+        <p:nvSpPr>
+          <p:cNvPr id="3" name="Notes Placeholder 2"/>
+          <p:cNvSpPr>
+            <a:spLocks noGrp="1"/>
+          </p:cNvSpPr>
+          <p:nvPr>
+            <p:ph type="body" idx="1"/>
+          </p:nvPr>
+        </p:nvSpPr>
+        <p:spPr/>
+        <p:txBody>
+          <a:bodyPr/>
+          <a:lstStyle/>
+          <a:p>
+            <a:r>
+              <a:rPr lang="en-US" dirty="0"/>
+              <a:t>This is an example directly from the BCPA package.  The first image shows the smoothed output.  You can see there is a lot of information contained within the graph.</a:t>
+            </a:r>
+          </a:p>
+          <a:p>
+            <a:endParaRPr lang="en-US" dirty="0"/>
+          </a:p>
+          <a:p>
+            <a:r>
+              <a:rPr lang="en-US" dirty="0"/>
+              <a:t>Here, all the successive moving windows are averaged to obtain a smooth model shown by the black line.  So there’s a moving window going over each of the points displayed in the graph.  The vertical lines shown in purple represent significant change points, with thicker lines (the width of the line) indicating that multiple moving windows identified the change point.  These are the changes that are most supported.  Also being displayed is the autocorrelation time scale displayed as colored dots in the image.</a:t>
+            </a:r>
+          </a:p>
+          <a:p>
+            <a:endParaRPr lang="en-US" dirty="0"/>
+          </a:p>
+          <a:p>
+            <a:r>
+              <a:rPr lang="en-US" dirty="0"/>
+              <a:t>The bottom image shows the same data after passive a threshold filter over the data, such that only those change points that were identified by a certain number of moving windows.  This graph then distills much of the complexity and highlights the major or most significant changes.  </a:t>
+            </a:r>
+          </a:p>
+        </p:txBody>
+      </p:sp>
+      <p:sp>
+        <p:nvSpPr>
+          <p:cNvPr id="4" name="Slide Number Placeholder 3"/>
+          <p:cNvSpPr>
+            <a:spLocks noGrp="1"/>
+          </p:cNvSpPr>
+          <p:nvPr>
+            <p:ph type="sldNum" sz="quarter" idx="5"/>
+          </p:nvPr>
+        </p:nvSpPr>
+        <p:spPr/>
+        <p:txBody>
+          <a:bodyPr/>
+          <a:lstStyle/>
+          <a:p>
+            <a:fld id="{42E65689-8240-45C5-BB1A-376E97A4566F}" type="slidenum">
+              <a:rPr lang="en-US" smtClean="0"/>
+              <a:t>23</a:t>
+            </a:fld>
+            <a:endParaRPr lang="en-US"/>
+          </a:p>
+        </p:txBody>
+      </p:sp>
+    </p:spTree>
+    <p:extLst>
+      <p:ext uri="{BB962C8B-B14F-4D97-AF65-F5344CB8AC3E}">
+        <p14:creationId xmlns:p14="http://schemas.microsoft.com/office/powerpoint/2010/main" val="2933028924"/>
+      </p:ext>
+    </p:extLst>
+  </p:cSld>
+  <p:clrMapOvr>
+    <a:masterClrMapping/>
+  </p:clrMapOvr>
+</p:notes>
+</file>
+
+<file path=ppt/notesSlides/notesSlide24.xml><?xml version="1.0" encoding="utf-8"?>
+<p:notes xmlns:a="http://schemas.openxmlformats.org/drawingml/2006/main" xmlns:r="http://schemas.openxmlformats.org/officeDocument/2006/relationships" xmlns:p="http://schemas.openxmlformats.org/presentationml/2006/main">
+  <p:cSld>
+    <p:spTree>
+      <p:nvGrpSpPr>
+        <p:cNvPr id="1" name=""/>
+        <p:cNvGrpSpPr/>
+        <p:nvPr/>
+      </p:nvGrpSpPr>
+      <p:grpSpPr>
+        <a:xfrm>
+          <a:off x="0" y="0"/>
+          <a:ext cx="0" cy="0"/>
+          <a:chOff x="0" y="0"/>
+          <a:chExt cx="0" cy="0"/>
+        </a:xfrm>
+      </p:grpSpPr>
+      <p:sp>
+        <p:nvSpPr>
+          <p:cNvPr id="2" name="Slide Image Placeholder 1"/>
+          <p:cNvSpPr>
+            <a:spLocks noGrp="1" noRot="1" noChangeAspect="1"/>
+          </p:cNvSpPr>
+          <p:nvPr>
+            <p:ph type="sldImg"/>
+          </p:nvPr>
+        </p:nvSpPr>
+        <p:spPr/>
+      </p:sp>
+      <p:sp>
+        <p:nvSpPr>
+          <p:cNvPr id="3" name="Notes Placeholder 2"/>
+          <p:cNvSpPr>
+            <a:spLocks noGrp="1"/>
+          </p:cNvSpPr>
+          <p:nvPr>
+            <p:ph type="body" idx="1"/>
+          </p:nvPr>
+        </p:nvSpPr>
+        <p:spPr/>
+        <p:txBody>
+          <a:bodyPr/>
+          <a:lstStyle/>
+          <a:p>
+            <a:r>
+              <a:rPr lang="en-US" dirty="0"/>
+              <a:t>Here’s what’s called the flat output of the same analysis.  This one first selects change points that it deems significant by clustering together neighboring change points and then it estimates homogenous constant behavior between those change points.  Sort of a mean value in between the identified change points.  The result is fewer change points that’s perhaps a little easier to look at and identify the key change points that exist in the data time series.</a:t>
+            </a:r>
+          </a:p>
+          <a:p>
+            <a:endParaRPr lang="en-US" dirty="0"/>
+          </a:p>
+          <a:p>
+            <a:r>
+              <a:rPr lang="en-US" dirty="0"/>
+              <a:t>With the bottom image, we can then increase the clustering threshold to get a bit more of a uniform profile of the changes.  This will, however, smooth over some of the finer changes that exist in the data.  So all these decisions have an impact on the output and the number of changes that are potentially identified, which is one of the criticisms of the method.</a:t>
+            </a:r>
+          </a:p>
+          <a:p>
+            <a:endParaRPr lang="en-US" dirty="0"/>
+          </a:p>
+          <a:p>
+            <a:endParaRPr lang="en-US" dirty="0"/>
+          </a:p>
+        </p:txBody>
+      </p:sp>
+      <p:sp>
+        <p:nvSpPr>
+          <p:cNvPr id="4" name="Slide Number Placeholder 3"/>
+          <p:cNvSpPr>
+            <a:spLocks noGrp="1"/>
+          </p:cNvSpPr>
+          <p:nvPr>
+            <p:ph type="sldNum" sz="quarter" idx="5"/>
+          </p:nvPr>
+        </p:nvSpPr>
+        <p:spPr/>
+        <p:txBody>
+          <a:bodyPr/>
+          <a:lstStyle/>
+          <a:p>
+            <a:fld id="{42E65689-8240-45C5-BB1A-376E97A4566F}" type="slidenum">
+              <a:rPr lang="en-US" smtClean="0"/>
+              <a:t>24</a:t>
+            </a:fld>
+            <a:endParaRPr lang="en-US"/>
+          </a:p>
+        </p:txBody>
+      </p:sp>
+    </p:spTree>
+    <p:extLst>
+      <p:ext uri="{BB962C8B-B14F-4D97-AF65-F5344CB8AC3E}">
+        <p14:creationId xmlns:p14="http://schemas.microsoft.com/office/powerpoint/2010/main" val="3609119635"/>
+      </p:ext>
+    </p:extLst>
+  </p:cSld>
+  <p:clrMapOvr>
+    <a:masterClrMapping/>
+  </p:clrMapOvr>
+</p:notes>
+</file>
+
+<file path=ppt/notesSlides/notesSlide25.xml><?xml version="1.0" encoding="utf-8"?>
+<p:notes xmlns:a="http://schemas.openxmlformats.org/drawingml/2006/main" xmlns:r="http://schemas.openxmlformats.org/officeDocument/2006/relationships" xmlns:p="http://schemas.openxmlformats.org/presentationml/2006/main">
+  <p:cSld>
+    <p:spTree>
+      <p:nvGrpSpPr>
+        <p:cNvPr id="1" name=""/>
+        <p:cNvGrpSpPr/>
+        <p:nvPr/>
+      </p:nvGrpSpPr>
+      <p:grpSpPr>
+        <a:xfrm>
+          <a:off x="0" y="0"/>
+          <a:ext cx="0" cy="0"/>
+          <a:chOff x="0" y="0"/>
+          <a:chExt cx="0" cy="0"/>
+        </a:xfrm>
+      </p:grpSpPr>
+      <p:sp>
+        <p:nvSpPr>
+          <p:cNvPr id="2" name="Slide Image Placeholder 1"/>
+          <p:cNvSpPr>
+            <a:spLocks noGrp="1" noRot="1" noChangeAspect="1"/>
+          </p:cNvSpPr>
+          <p:nvPr>
+            <p:ph type="sldImg"/>
+          </p:nvPr>
+        </p:nvSpPr>
+        <p:spPr/>
+      </p:sp>
+      <p:sp>
+        <p:nvSpPr>
+          <p:cNvPr id="3" name="Notes Placeholder 2"/>
+          <p:cNvSpPr>
+            <a:spLocks noGrp="1"/>
+          </p:cNvSpPr>
+          <p:nvPr>
+            <p:ph type="body" idx="1"/>
+          </p:nvPr>
+        </p:nvSpPr>
+        <p:spPr/>
+        <p:txBody>
+          <a:bodyPr/>
+          <a:lstStyle/>
+          <a:p>
+            <a:r>
+              <a:rPr lang="en-US" dirty="0"/>
+              <a:t>As a final example, this image was taken from the Gurarie paper.  This is just one forage trip of a seal that left the rookery.  </a:t>
+            </a:r>
+          </a:p>
+          <a:p>
+            <a:endParaRPr lang="en-US" dirty="0"/>
+          </a:p>
+          <a:p>
+            <a:r>
+              <a:rPr lang="en-US" dirty="0"/>
+              <a:t>The top graph is the persistence velocity…the velocity times the cosine of the turning angles.  We don’t see many changes in the movement trajectory, but higher values are the higher persistence velocity, potentially related to faster, directed movements which we can see in the graph, while lower values are likely more related to feeding behavior.  So these colors in the plot coincide with the colors shown in the graph.  From this we can start to make some inference about what the animal was doing along this foray and we can start to calculate, for instance, how much the animal species foraging compared to navigating between foraging locations.  </a:t>
+            </a:r>
+          </a:p>
+          <a:p>
+            <a:endParaRPr lang="en-US" dirty="0"/>
+          </a:p>
+          <a:p>
+            <a:r>
+              <a:rPr lang="en-US" dirty="0"/>
+              <a:t>This method certainly has its strengths and investigating individual trips where you are interesting in identifying particular changes can be quite valuable….but also potentially very difficult when looing at lot’s of data, way a year or more from an individual animal.  If doing so, you’d probably want to decrease your threshold so that you weren’t picking up small behavioral changes and instead, just keying in on specific changes of great interest.  </a:t>
+            </a:r>
+          </a:p>
+        </p:txBody>
+      </p:sp>
+      <p:sp>
+        <p:nvSpPr>
+          <p:cNvPr id="4" name="Slide Number Placeholder 3"/>
+          <p:cNvSpPr>
+            <a:spLocks noGrp="1"/>
+          </p:cNvSpPr>
+          <p:nvPr>
+            <p:ph type="sldNum" sz="quarter" idx="5"/>
+          </p:nvPr>
+        </p:nvSpPr>
+        <p:spPr/>
+        <p:txBody>
+          <a:bodyPr/>
+          <a:lstStyle/>
+          <a:p>
+            <a:fld id="{42E65689-8240-45C5-BB1A-376E97A4566F}" type="slidenum">
+              <a:rPr lang="en-US" smtClean="0"/>
+              <a:t>25</a:t>
+            </a:fld>
+            <a:endParaRPr lang="en-US"/>
+          </a:p>
+        </p:txBody>
+      </p:sp>
+    </p:spTree>
+    <p:extLst>
+      <p:ext uri="{BB962C8B-B14F-4D97-AF65-F5344CB8AC3E}">
+        <p14:creationId xmlns:p14="http://schemas.microsoft.com/office/powerpoint/2010/main" val="678935803"/>
       </p:ext>
     </p:extLst>
   </p:cSld>
@@ -1975,7 +2983,7 @@
           <a:p>
             <a:r>
               <a:rPr lang="en-US" dirty="0"/>
-              <a:t>Probably most important is that we can incorporate covariates that influence these transitions between different states.  This is what we will be looking at when we fit models.</a:t>
+              <a:t>Probably most important is that we can incorporate covariates that influence the transitions between different states.  So, for instance, does the habitat type or time of day influence your behavioral state.  This is what we will be looking at when we fit models.</a:t>
             </a:r>
           </a:p>
           <a:p>
@@ -2209,7 +3217,7 @@
           <a:p>
             <a:r>
               <a:rPr lang="en-US" dirty="0"/>
-              <a:t>We also have access to stationary probabilities.  So instead of assign a state to every point, we can look at the state probability of each point, often times providing a value of confidence to each particular state assignment.</a:t>
+              <a:t>We also have access to stationary probabilities.  So instead of assigning a state to every point, we can look at the state probability of each point, oftentimes providing a value of confidence to each particular state assignment.</a:t>
             </a:r>
           </a:p>
           <a:p>
@@ -2536,7 +3544,7 @@
           <a:p>
             <a:fld id="{0F40EE0F-3D5D-4E7E-9C3F-44BCD00311B7}" type="datetimeFigureOut">
               <a:rPr lang="en-US" smtClean="0"/>
-              <a:t>6/27/2024</a:t>
+              <a:t>6/29/2024</a:t>
             </a:fld>
             <a:endParaRPr lang="en-US"/>
           </a:p>
@@ -2734,7 +3742,7 @@
           <a:p>
             <a:fld id="{0F40EE0F-3D5D-4E7E-9C3F-44BCD00311B7}" type="datetimeFigureOut">
               <a:rPr lang="en-US" smtClean="0"/>
-              <a:t>6/27/2024</a:t>
+              <a:t>6/29/2024</a:t>
             </a:fld>
             <a:endParaRPr lang="en-US"/>
           </a:p>
@@ -2942,7 +3950,7 @@
           <a:p>
             <a:fld id="{0F40EE0F-3D5D-4E7E-9C3F-44BCD00311B7}" type="datetimeFigureOut">
               <a:rPr lang="en-US" smtClean="0"/>
-              <a:t>6/27/2024</a:t>
+              <a:t>6/29/2024</a:t>
             </a:fld>
             <a:endParaRPr lang="en-US"/>
           </a:p>
@@ -3170,7 +4178,7 @@
           <a:p>
             <a:fld id="{9C09B839-4597-4A24-8E17-71B237D9282C}" type="datetimeFigureOut">
               <a:rPr lang="en-US" smtClean="0"/>
-              <a:t>6/27/2024</a:t>
+              <a:t>6/29/2024</a:t>
             </a:fld>
             <a:endParaRPr lang="en-US"/>
           </a:p>
@@ -3392,7 +4400,7 @@
           <a:p>
             <a:fld id="{9C09B839-4597-4A24-8E17-71B237D9282C}" type="datetimeFigureOut">
               <a:rPr lang="en-US" smtClean="0"/>
-              <a:t>6/27/2024</a:t>
+              <a:t>6/29/2024</a:t>
             </a:fld>
             <a:endParaRPr lang="en-US"/>
           </a:p>
@@ -3691,7 +4699,7 @@
           <a:p>
             <a:fld id="{9C09B839-4597-4A24-8E17-71B237D9282C}" type="datetimeFigureOut">
               <a:rPr lang="en-US" smtClean="0"/>
-              <a:t>6/27/2024</a:t>
+              <a:t>6/29/2024</a:t>
             </a:fld>
             <a:endParaRPr lang="en-US"/>
           </a:p>
@@ -3980,7 +4988,7 @@
           <a:p>
             <a:fld id="{9C09B839-4597-4A24-8E17-71B237D9282C}" type="datetimeFigureOut">
               <a:rPr lang="en-US" smtClean="0"/>
-              <a:t>6/27/2024</a:t>
+              <a:t>6/29/2024</a:t>
             </a:fld>
             <a:endParaRPr lang="en-US"/>
           </a:p>
@@ -4416,7 +5424,7 @@
           <a:p>
             <a:fld id="{9C09B839-4597-4A24-8E17-71B237D9282C}" type="datetimeFigureOut">
               <a:rPr lang="en-US" smtClean="0"/>
-              <a:t>6/27/2024</a:t>
+              <a:t>6/29/2024</a:t>
             </a:fld>
             <a:endParaRPr lang="en-US"/>
           </a:p>
@@ -4581,7 +5589,7 @@
           <a:p>
             <a:fld id="{9C09B839-4597-4A24-8E17-71B237D9282C}" type="datetimeFigureOut">
               <a:rPr lang="en-US" smtClean="0"/>
-              <a:t>6/27/2024</a:t>
+              <a:t>6/29/2024</a:t>
             </a:fld>
             <a:endParaRPr lang="en-US"/>
           </a:p>
@@ -4718,7 +5726,7 @@
           <a:p>
             <a:fld id="{9C09B839-4597-4A24-8E17-71B237D9282C}" type="datetimeFigureOut">
               <a:rPr lang="en-US" smtClean="0"/>
-              <a:t>6/27/2024</a:t>
+              <a:t>6/29/2024</a:t>
             </a:fld>
             <a:endParaRPr lang="en-US"/>
           </a:p>
@@ -5053,7 +6061,7 @@
           <a:p>
             <a:fld id="{9C09B839-4597-4A24-8E17-71B237D9282C}" type="datetimeFigureOut">
               <a:rPr lang="en-US" smtClean="0"/>
-              <a:t>6/27/2024</a:t>
+              <a:t>6/29/2024</a:t>
             </a:fld>
             <a:endParaRPr lang="en-US"/>
           </a:p>
@@ -5267,7 +6275,7 @@
           <a:p>
             <a:fld id="{0F40EE0F-3D5D-4E7E-9C3F-44BCD00311B7}" type="datetimeFigureOut">
               <a:rPr lang="en-US" smtClean="0"/>
-              <a:t>6/27/2024</a:t>
+              <a:t>6/29/2024</a:t>
             </a:fld>
             <a:endParaRPr lang="en-US"/>
           </a:p>
@@ -5563,7 +6571,7 @@
           <a:p>
             <a:fld id="{9C09B839-4597-4A24-8E17-71B237D9282C}" type="datetimeFigureOut">
               <a:rPr lang="en-US" smtClean="0"/>
-              <a:t>6/27/2024</a:t>
+              <a:t>6/29/2024</a:t>
             </a:fld>
             <a:endParaRPr lang="en-US"/>
           </a:p>
@@ -5785,7 +6793,7 @@
           <a:p>
             <a:fld id="{9C09B839-4597-4A24-8E17-71B237D9282C}" type="datetimeFigureOut">
               <a:rPr lang="en-US" smtClean="0"/>
-              <a:t>6/27/2024</a:t>
+              <a:t>6/29/2024</a:t>
             </a:fld>
             <a:endParaRPr lang="en-US"/>
           </a:p>
@@ -6017,7 +7025,7 @@
           <a:p>
             <a:fld id="{9C09B839-4597-4A24-8E17-71B237D9282C}" type="datetimeFigureOut">
               <a:rPr lang="en-US" smtClean="0"/>
-              <a:t>6/27/2024</a:t>
+              <a:t>6/29/2024</a:t>
             </a:fld>
             <a:endParaRPr lang="en-US"/>
           </a:p>
@@ -6308,7 +7316,7 @@
           <a:p>
             <a:fld id="{0F40EE0F-3D5D-4E7E-9C3F-44BCD00311B7}" type="datetimeFigureOut">
               <a:rPr lang="en-US" smtClean="0"/>
-              <a:t>6/27/2024</a:t>
+              <a:t>6/29/2024</a:t>
             </a:fld>
             <a:endParaRPr lang="en-US"/>
           </a:p>
@@ -6573,7 +7581,7 @@
           <a:p>
             <a:fld id="{0F40EE0F-3D5D-4E7E-9C3F-44BCD00311B7}" type="datetimeFigureOut">
               <a:rPr lang="en-US" smtClean="0"/>
-              <a:t>6/27/2024</a:t>
+              <a:t>6/29/2024</a:t>
             </a:fld>
             <a:endParaRPr lang="en-US"/>
           </a:p>
@@ -6985,7 +7993,7 @@
           <a:p>
             <a:fld id="{0F40EE0F-3D5D-4E7E-9C3F-44BCD00311B7}" type="datetimeFigureOut">
               <a:rPr lang="en-US" smtClean="0"/>
-              <a:t>6/27/2024</a:t>
+              <a:t>6/29/2024</a:t>
             </a:fld>
             <a:endParaRPr lang="en-US"/>
           </a:p>
@@ -7126,7 +8134,7 @@
           <a:p>
             <a:fld id="{0F40EE0F-3D5D-4E7E-9C3F-44BCD00311B7}" type="datetimeFigureOut">
               <a:rPr lang="en-US" smtClean="0"/>
-              <a:t>6/27/2024</a:t>
+              <a:t>6/29/2024</a:t>
             </a:fld>
             <a:endParaRPr lang="en-US"/>
           </a:p>
@@ -7239,7 +8247,7 @@
           <a:p>
             <a:fld id="{0F40EE0F-3D5D-4E7E-9C3F-44BCD00311B7}" type="datetimeFigureOut">
               <a:rPr lang="en-US" smtClean="0"/>
-              <a:t>6/27/2024</a:t>
+              <a:t>6/29/2024</a:t>
             </a:fld>
             <a:endParaRPr lang="en-US"/>
           </a:p>
@@ -7550,7 +8558,7 @@
           <a:p>
             <a:fld id="{0F40EE0F-3D5D-4E7E-9C3F-44BCD00311B7}" type="datetimeFigureOut">
               <a:rPr lang="en-US" smtClean="0"/>
-              <a:t>6/27/2024</a:t>
+              <a:t>6/29/2024</a:t>
             </a:fld>
             <a:endParaRPr lang="en-US"/>
           </a:p>
@@ -7838,7 +8846,7 @@
           <a:p>
             <a:fld id="{0F40EE0F-3D5D-4E7E-9C3F-44BCD00311B7}" type="datetimeFigureOut">
               <a:rPr lang="en-US" smtClean="0"/>
-              <a:t>6/27/2024</a:t>
+              <a:t>6/29/2024</a:t>
             </a:fld>
             <a:endParaRPr lang="en-US"/>
           </a:p>
@@ -8079,7 +9087,7 @@
           <a:p>
             <a:fld id="{0F40EE0F-3D5D-4E7E-9C3F-44BCD00311B7}" type="datetimeFigureOut">
               <a:rPr lang="en-US" smtClean="0"/>
-              <a:t>6/27/2024</a:t>
+              <a:t>6/29/2024</a:t>
             </a:fld>
             <a:endParaRPr lang="en-US"/>
           </a:p>
@@ -10647,7 +11655,7 @@
         </p:nvSpPr>
         <p:spPr>
           <a:xfrm>
-            <a:off x="969484" y="1167788"/>
+            <a:off x="969484" y="1420465"/>
             <a:ext cx="10515600" cy="3478857"/>
           </a:xfrm>
           <a:prstGeom prst="rect">
@@ -10889,7 +11897,7 @@
                 <a:solidFill>
                   <a:srgbClr val="000000"/>
                 </a:solidFill>
-                <a:latin typeface="Avenir Next LT Pro" panose="020B0504020202020204" pitchFamily="34" charset="0"/>
+                <a:latin typeface="+mj-lt"/>
               </a:rPr>
               <a:t>Higher resolution tends to improve identification of behavioral states as long as error is much smaller than step length</a:t>
             </a:r>
@@ -10897,7 +11905,7 @@
               <a:solidFill>
                 <a:srgbClr val="000000"/>
               </a:solidFill>
-              <a:latin typeface="Avenir Next LT Pro" panose="020B0504020202020204" pitchFamily="34" charset="0"/>
+              <a:latin typeface="+mj-lt"/>
             </a:endParaRPr>
           </a:p>
           <a:p>
@@ -10918,7 +11926,7 @@
                 <a:solidFill>
                   <a:srgbClr val="000000"/>
                 </a:solidFill>
-                <a:latin typeface="Avenir Next LT Pro" panose="020B0504020202020204" pitchFamily="34" charset="0"/>
+                <a:latin typeface="+mj-lt"/>
               </a:rPr>
               <a:t>State space models with </a:t>
             </a:r>
@@ -10936,7 +11944,7 @@
                 <a:solidFill>
                   <a:srgbClr val="000000"/>
                 </a:solidFill>
-                <a:latin typeface="Avenir Next LT Pro" panose="020B0504020202020204" pitchFamily="34" charset="0"/>
+                <a:latin typeface="+mj-lt"/>
               </a:rPr>
               <a:t>or </a:t>
             </a:r>
@@ -10963,7 +11971,7 @@
                 <a:solidFill>
                   <a:srgbClr val="000000"/>
                 </a:solidFill>
-                <a:latin typeface="Avenir Next LT Pro" panose="020B0504020202020204" pitchFamily="34" charset="0"/>
+                <a:latin typeface="+mj-lt"/>
               </a:rPr>
               <a:t>to regularize</a:t>
             </a:r>
@@ -10980,6 +11988,366 @@
   <p:clrMapOvr>
     <a:masterClrMapping/>
   </p:clrMapOvr>
+  <p:timing>
+    <p:tnLst>
+      <p:par>
+        <p:cTn id="1" dur="indefinite" restart="never" nodeType="tmRoot">
+          <p:childTnLst>
+            <p:seq concurrent="1" nextAc="seek">
+              <p:cTn id="2" dur="indefinite" nodeType="mainSeq">
+                <p:childTnLst>
+                  <p:par>
+                    <p:cTn id="3" fill="hold">
+                      <p:stCondLst>
+                        <p:cond delay="indefinite"/>
+                      </p:stCondLst>
+                      <p:childTnLst>
+                        <p:par>
+                          <p:cTn id="4" fill="hold">
+                            <p:stCondLst>
+                              <p:cond delay="0"/>
+                            </p:stCondLst>
+                            <p:childTnLst>
+                              <p:par>
+                                <p:cTn id="5" presetID="10" presetClass="entr" presetSubtype="0" fill="hold" nodeType="clickEffect">
+                                  <p:stCondLst>
+                                    <p:cond delay="0"/>
+                                  </p:stCondLst>
+                                  <p:childTnLst>
+                                    <p:set>
+                                      <p:cBhvr>
+                                        <p:cTn id="6" dur="1" fill="hold">
+                                          <p:stCondLst>
+                                            <p:cond delay="0"/>
+                                          </p:stCondLst>
+                                        </p:cTn>
+                                        <p:tgtEl>
+                                          <p:spTgt spid="5">
+                                            <p:txEl>
+                                              <p:pRg st="0" end="0"/>
+                                            </p:txEl>
+                                          </p:spTgt>
+                                        </p:tgtEl>
+                                        <p:attrNameLst>
+                                          <p:attrName>style.visibility</p:attrName>
+                                        </p:attrNameLst>
+                                      </p:cBhvr>
+                                      <p:to>
+                                        <p:strVal val="visible"/>
+                                      </p:to>
+                                    </p:set>
+                                    <p:animEffect transition="in" filter="fade">
+                                      <p:cBhvr>
+                                        <p:cTn id="7" dur="500"/>
+                                        <p:tgtEl>
+                                          <p:spTgt spid="5">
+                                            <p:txEl>
+                                              <p:pRg st="0" end="0"/>
+                                            </p:txEl>
+                                          </p:spTgt>
+                                        </p:tgtEl>
+                                      </p:cBhvr>
+                                    </p:animEffect>
+                                  </p:childTnLst>
+                                </p:cTn>
+                              </p:par>
+                            </p:childTnLst>
+                          </p:cTn>
+                        </p:par>
+                      </p:childTnLst>
+                    </p:cTn>
+                  </p:par>
+                  <p:par>
+                    <p:cTn id="8" fill="hold">
+                      <p:stCondLst>
+                        <p:cond delay="indefinite"/>
+                      </p:stCondLst>
+                      <p:childTnLst>
+                        <p:par>
+                          <p:cTn id="9" fill="hold">
+                            <p:stCondLst>
+                              <p:cond delay="0"/>
+                            </p:stCondLst>
+                            <p:childTnLst>
+                              <p:par>
+                                <p:cTn id="10" presetID="10" presetClass="entr" presetSubtype="0" fill="hold" nodeType="clickEffect">
+                                  <p:stCondLst>
+                                    <p:cond delay="0"/>
+                                  </p:stCondLst>
+                                  <p:childTnLst>
+                                    <p:set>
+                                      <p:cBhvr>
+                                        <p:cTn id="11" dur="1" fill="hold">
+                                          <p:stCondLst>
+                                            <p:cond delay="0"/>
+                                          </p:stCondLst>
+                                        </p:cTn>
+                                        <p:tgtEl>
+                                          <p:spTgt spid="5">
+                                            <p:txEl>
+                                              <p:pRg st="1" end="1"/>
+                                            </p:txEl>
+                                          </p:spTgt>
+                                        </p:tgtEl>
+                                        <p:attrNameLst>
+                                          <p:attrName>style.visibility</p:attrName>
+                                        </p:attrNameLst>
+                                      </p:cBhvr>
+                                      <p:to>
+                                        <p:strVal val="visible"/>
+                                      </p:to>
+                                    </p:set>
+                                    <p:animEffect transition="in" filter="fade">
+                                      <p:cBhvr>
+                                        <p:cTn id="12" dur="500"/>
+                                        <p:tgtEl>
+                                          <p:spTgt spid="5">
+                                            <p:txEl>
+                                              <p:pRg st="1" end="1"/>
+                                            </p:txEl>
+                                          </p:spTgt>
+                                        </p:tgtEl>
+                                      </p:cBhvr>
+                                    </p:animEffect>
+                                  </p:childTnLst>
+                                </p:cTn>
+                              </p:par>
+                            </p:childTnLst>
+                          </p:cTn>
+                        </p:par>
+                      </p:childTnLst>
+                    </p:cTn>
+                  </p:par>
+                  <p:par>
+                    <p:cTn id="13" fill="hold">
+                      <p:stCondLst>
+                        <p:cond delay="indefinite"/>
+                      </p:stCondLst>
+                      <p:childTnLst>
+                        <p:par>
+                          <p:cTn id="14" fill="hold">
+                            <p:stCondLst>
+                              <p:cond delay="0"/>
+                            </p:stCondLst>
+                            <p:childTnLst>
+                              <p:par>
+                                <p:cTn id="15" presetID="10" presetClass="entr" presetSubtype="0" fill="hold" nodeType="clickEffect">
+                                  <p:stCondLst>
+                                    <p:cond delay="0"/>
+                                  </p:stCondLst>
+                                  <p:childTnLst>
+                                    <p:set>
+                                      <p:cBhvr>
+                                        <p:cTn id="16" dur="1" fill="hold">
+                                          <p:stCondLst>
+                                            <p:cond delay="0"/>
+                                          </p:stCondLst>
+                                        </p:cTn>
+                                        <p:tgtEl>
+                                          <p:spTgt spid="5">
+                                            <p:txEl>
+                                              <p:pRg st="2" end="2"/>
+                                            </p:txEl>
+                                          </p:spTgt>
+                                        </p:tgtEl>
+                                        <p:attrNameLst>
+                                          <p:attrName>style.visibility</p:attrName>
+                                        </p:attrNameLst>
+                                      </p:cBhvr>
+                                      <p:to>
+                                        <p:strVal val="visible"/>
+                                      </p:to>
+                                    </p:set>
+                                    <p:animEffect transition="in" filter="fade">
+                                      <p:cBhvr>
+                                        <p:cTn id="17" dur="500"/>
+                                        <p:tgtEl>
+                                          <p:spTgt spid="5">
+                                            <p:txEl>
+                                              <p:pRg st="2" end="2"/>
+                                            </p:txEl>
+                                          </p:spTgt>
+                                        </p:tgtEl>
+                                      </p:cBhvr>
+                                    </p:animEffect>
+                                  </p:childTnLst>
+                                </p:cTn>
+                              </p:par>
+                              <p:par>
+                                <p:cTn id="18" presetID="10" presetClass="entr" presetSubtype="0" fill="hold" nodeType="withEffect">
+                                  <p:stCondLst>
+                                    <p:cond delay="0"/>
+                                  </p:stCondLst>
+                                  <p:childTnLst>
+                                    <p:set>
+                                      <p:cBhvr>
+                                        <p:cTn id="19" dur="1" fill="hold">
+                                          <p:stCondLst>
+                                            <p:cond delay="0"/>
+                                          </p:stCondLst>
+                                        </p:cTn>
+                                        <p:tgtEl>
+                                          <p:spTgt spid="5">
+                                            <p:txEl>
+                                              <p:pRg st="3" end="3"/>
+                                            </p:txEl>
+                                          </p:spTgt>
+                                        </p:tgtEl>
+                                        <p:attrNameLst>
+                                          <p:attrName>style.visibility</p:attrName>
+                                        </p:attrNameLst>
+                                      </p:cBhvr>
+                                      <p:to>
+                                        <p:strVal val="visible"/>
+                                      </p:to>
+                                    </p:set>
+                                    <p:animEffect transition="in" filter="fade">
+                                      <p:cBhvr>
+                                        <p:cTn id="20" dur="500"/>
+                                        <p:tgtEl>
+                                          <p:spTgt spid="5">
+                                            <p:txEl>
+                                              <p:pRg st="3" end="3"/>
+                                            </p:txEl>
+                                          </p:spTgt>
+                                        </p:tgtEl>
+                                      </p:cBhvr>
+                                    </p:animEffect>
+                                  </p:childTnLst>
+                                </p:cTn>
+                              </p:par>
+                            </p:childTnLst>
+                          </p:cTn>
+                        </p:par>
+                      </p:childTnLst>
+                    </p:cTn>
+                  </p:par>
+                  <p:par>
+                    <p:cTn id="21" fill="hold">
+                      <p:stCondLst>
+                        <p:cond delay="indefinite"/>
+                      </p:stCondLst>
+                      <p:childTnLst>
+                        <p:par>
+                          <p:cTn id="22" fill="hold">
+                            <p:stCondLst>
+                              <p:cond delay="0"/>
+                            </p:stCondLst>
+                            <p:childTnLst>
+                              <p:par>
+                                <p:cTn id="23" presetID="10" presetClass="entr" presetSubtype="0" fill="hold" nodeType="clickEffect">
+                                  <p:stCondLst>
+                                    <p:cond delay="0"/>
+                                  </p:stCondLst>
+                                  <p:childTnLst>
+                                    <p:set>
+                                      <p:cBhvr>
+                                        <p:cTn id="24" dur="1" fill="hold">
+                                          <p:stCondLst>
+                                            <p:cond delay="0"/>
+                                          </p:stCondLst>
+                                        </p:cTn>
+                                        <p:tgtEl>
+                                          <p:spTgt spid="5">
+                                            <p:txEl>
+                                              <p:pRg st="4" end="4"/>
+                                            </p:txEl>
+                                          </p:spTgt>
+                                        </p:tgtEl>
+                                        <p:attrNameLst>
+                                          <p:attrName>style.visibility</p:attrName>
+                                        </p:attrNameLst>
+                                      </p:cBhvr>
+                                      <p:to>
+                                        <p:strVal val="visible"/>
+                                      </p:to>
+                                    </p:set>
+                                    <p:animEffect transition="in" filter="fade">
+                                      <p:cBhvr>
+                                        <p:cTn id="25" dur="500"/>
+                                        <p:tgtEl>
+                                          <p:spTgt spid="5">
+                                            <p:txEl>
+                                              <p:pRg st="4" end="4"/>
+                                            </p:txEl>
+                                          </p:spTgt>
+                                        </p:tgtEl>
+                                      </p:cBhvr>
+                                    </p:animEffect>
+                                  </p:childTnLst>
+                                </p:cTn>
+                              </p:par>
+                              <p:par>
+                                <p:cTn id="26" presetID="10" presetClass="entr" presetSubtype="0" fill="hold" nodeType="withEffect">
+                                  <p:stCondLst>
+                                    <p:cond delay="0"/>
+                                  </p:stCondLst>
+                                  <p:childTnLst>
+                                    <p:set>
+                                      <p:cBhvr>
+                                        <p:cTn id="27" dur="1" fill="hold">
+                                          <p:stCondLst>
+                                            <p:cond delay="0"/>
+                                          </p:stCondLst>
+                                        </p:cTn>
+                                        <p:tgtEl>
+                                          <p:spTgt spid="5">
+                                            <p:txEl>
+                                              <p:pRg st="5" end="5"/>
+                                            </p:txEl>
+                                          </p:spTgt>
+                                        </p:tgtEl>
+                                        <p:attrNameLst>
+                                          <p:attrName>style.visibility</p:attrName>
+                                        </p:attrNameLst>
+                                      </p:cBhvr>
+                                      <p:to>
+                                        <p:strVal val="visible"/>
+                                      </p:to>
+                                    </p:set>
+                                    <p:animEffect transition="in" filter="fade">
+                                      <p:cBhvr>
+                                        <p:cTn id="28" dur="500"/>
+                                        <p:tgtEl>
+                                          <p:spTgt spid="5">
+                                            <p:txEl>
+                                              <p:pRg st="5" end="5"/>
+                                            </p:txEl>
+                                          </p:spTgt>
+                                        </p:tgtEl>
+                                      </p:cBhvr>
+                                    </p:animEffect>
+                                  </p:childTnLst>
+                                </p:cTn>
+                              </p:par>
+                            </p:childTnLst>
+                          </p:cTn>
+                        </p:par>
+                      </p:childTnLst>
+                    </p:cTn>
+                  </p:par>
+                </p:childTnLst>
+              </p:cTn>
+              <p:prevCondLst>
+                <p:cond evt="onPrev" delay="0">
+                  <p:tgtEl>
+                    <p:sldTgt/>
+                  </p:tgtEl>
+                </p:cond>
+              </p:prevCondLst>
+              <p:nextCondLst>
+                <p:cond evt="onNext" delay="0">
+                  <p:tgtEl>
+                    <p:sldTgt/>
+                  </p:tgtEl>
+                </p:cond>
+              </p:nextCondLst>
+            </p:seq>
+          </p:childTnLst>
+        </p:cTn>
+      </p:par>
+    </p:tnLst>
+  </p:timing>
 </p:sld>
 </file>
 
@@ -12324,79 +13692,6 @@
           <a:chExt cx="0" cy="0"/>
         </a:xfrm>
       </p:grpSpPr>
-      <p:sp>
-        <p:nvSpPr>
-          <p:cNvPr id="7" name="Title 1">
-            <a:extLst>
-              <a:ext uri="{FF2B5EF4-FFF2-40B4-BE49-F238E27FC236}">
-                <a16:creationId xmlns:a16="http://schemas.microsoft.com/office/drawing/2014/main" id="{21484B24-259A-81E8-EA29-8CC691706F76}"/>
-              </a:ext>
-            </a:extLst>
-          </p:cNvPr>
-          <p:cNvSpPr txBox="1">
-            <a:spLocks/>
-          </p:cNvSpPr>
-          <p:nvPr/>
-        </p:nvSpPr>
-        <p:spPr>
-          <a:xfrm>
-            <a:off x="496675" y="322824"/>
-            <a:ext cx="10515600" cy="1325563"/>
-          </a:xfrm>
-          <a:prstGeom prst="rect">
-            <a:avLst/>
-          </a:prstGeom>
-        </p:spPr>
-        <p:txBody>
-          <a:bodyPr vert="horz" lIns="91440" tIns="45720" rIns="91440" bIns="45720" rtlCol="0" anchor="ctr">
-            <a:normAutofit lnSpcReduction="10000"/>
-          </a:bodyPr>
-          <a:lstStyle>
-            <a:lvl1pPr algn="l" defTabSz="914400" rtl="0" eaLnBrk="1" latinLnBrk="0" hangingPunct="1">
-              <a:lnSpc>
-                <a:spcPct val="90000"/>
-              </a:lnSpc>
-              <a:spcBef>
-                <a:spcPct val="0"/>
-              </a:spcBef>
-              <a:buNone/>
-              <a:defRPr sz="4400" kern="1200">
-                <a:solidFill>
-                  <a:schemeClr val="tx1"/>
-                </a:solidFill>
-                <a:latin typeface="+mj-lt"/>
-                <a:ea typeface="+mj-ea"/>
-                <a:cs typeface="+mj-cs"/>
-              </a:defRPr>
-            </a:lvl1pPr>
-          </a:lstStyle>
-          <a:p>
-            <a:r>
-              <a:rPr lang="en-US" sz="3200" b="1" dirty="0">
-                <a:solidFill>
-                  <a:srgbClr val="000000"/>
-                </a:solidFill>
-              </a:rPr>
-              <a:t>HMM Examples/Applications</a:t>
-            </a:r>
-            <a:br>
-              <a:rPr lang="en-US" sz="3200" b="1" dirty="0">
-                <a:solidFill>
-                  <a:srgbClr val="000000"/>
-                </a:solidFill>
-              </a:rPr>
-            </a:br>
-            <a:br>
-              <a:rPr lang="en-US" sz="3200" b="1" dirty="0">
-                <a:solidFill>
-                  <a:srgbClr val="000000"/>
-                </a:solidFill>
-              </a:rPr>
-            </a:br>
-            <a:endParaRPr lang="en-US" sz="3200" b="1" dirty="0"/>
-          </a:p>
-        </p:txBody>
-      </p:sp>
       <p:pic>
         <p:nvPicPr>
           <p:cNvPr id="9" name="Picture 8">
@@ -12671,6 +13966,72 @@
           </a:p>
         </p:txBody>
       </p:sp>
+      <p:sp>
+        <p:nvSpPr>
+          <p:cNvPr id="2" name="Title 1">
+            <a:extLst>
+              <a:ext uri="{FF2B5EF4-FFF2-40B4-BE49-F238E27FC236}">
+                <a16:creationId xmlns:a16="http://schemas.microsoft.com/office/drawing/2014/main" id="{39C317FC-C373-42DA-BD34-BE9D7137F610}"/>
+              </a:ext>
+            </a:extLst>
+          </p:cNvPr>
+          <p:cNvSpPr txBox="1">
+            <a:spLocks/>
+          </p:cNvSpPr>
+          <p:nvPr/>
+        </p:nvSpPr>
+        <p:spPr>
+          <a:xfrm>
+            <a:off x="496675" y="322824"/>
+            <a:ext cx="10515600" cy="1325563"/>
+          </a:xfrm>
+          <a:prstGeom prst="rect">
+            <a:avLst/>
+          </a:prstGeom>
+        </p:spPr>
+        <p:txBody>
+          <a:bodyPr vert="horz" lIns="91440" tIns="45720" rIns="91440" bIns="45720" rtlCol="0" anchor="ctr">
+            <a:normAutofit/>
+          </a:bodyPr>
+          <a:lstStyle>
+            <a:lvl1pPr algn="l" defTabSz="914400" rtl="0" eaLnBrk="1" latinLnBrk="0" hangingPunct="1">
+              <a:lnSpc>
+                <a:spcPct val="90000"/>
+              </a:lnSpc>
+              <a:spcBef>
+                <a:spcPct val="0"/>
+              </a:spcBef>
+              <a:buNone/>
+              <a:defRPr sz="4400" kern="1200">
+                <a:solidFill>
+                  <a:schemeClr val="tx1"/>
+                </a:solidFill>
+                <a:latin typeface="+mj-lt"/>
+                <a:ea typeface="+mj-ea"/>
+                <a:cs typeface="+mj-cs"/>
+              </a:defRPr>
+            </a:lvl1pPr>
+          </a:lstStyle>
+          <a:p>
+            <a:r>
+              <a:rPr lang="en-US" sz="3200" b="1" dirty="0">
+                <a:solidFill>
+                  <a:srgbClr val="000000"/>
+                </a:solidFill>
+              </a:rPr>
+              <a:t>HMM Examples/Applications</a:t>
+            </a:r>
+            <a:br>
+              <a:rPr lang="en-US" sz="3200" b="1" dirty="0">
+                <a:solidFill>
+                  <a:srgbClr val="000000"/>
+                </a:solidFill>
+              </a:rPr>
+            </a:br>
+            <a:endParaRPr lang="en-US" sz="3200" b="1" dirty="0"/>
+          </a:p>
+        </p:txBody>
+      </p:sp>
     </p:spTree>
     <p:extLst>
       <p:ext uri="{BB962C8B-B14F-4D97-AF65-F5344CB8AC3E}">
@@ -12703,45 +14064,6 @@
       </p:grpSpPr>
       <p:sp>
         <p:nvSpPr>
-          <p:cNvPr id="2" name="Title 1">
-            <a:extLst>
-              <a:ext uri="{FF2B5EF4-FFF2-40B4-BE49-F238E27FC236}">
-                <a16:creationId xmlns:a16="http://schemas.microsoft.com/office/drawing/2014/main" id="{B65ECB5E-DA3E-5417-2BDF-1B7E6B4614A0}"/>
-              </a:ext>
-            </a:extLst>
-          </p:cNvPr>
-          <p:cNvSpPr>
-            <a:spLocks noGrp="1"/>
-          </p:cNvSpPr>
-          <p:nvPr>
-            <p:ph type="title" idx="4294967295"/>
-          </p:nvPr>
-        </p:nvSpPr>
-        <p:spPr>
-          <a:xfrm>
-            <a:off x="0" y="365125"/>
-            <a:ext cx="10515600" cy="1325563"/>
-          </a:xfrm>
-        </p:spPr>
-        <p:txBody>
-          <a:bodyPr/>
-          <a:lstStyle/>
-          <a:p>
-            <a:r>
-              <a:rPr lang="en-US" sz="1800" b="0" i="0" u="none" strike="noStrike" baseline="0" dirty="0">
-                <a:solidFill>
-                  <a:srgbClr val="000000"/>
-                </a:solidFill>
-                <a:latin typeface="Avenir Next LT Pro" panose="020B0504020202020204" pitchFamily="34" charset="0"/>
-              </a:rPr>
-              <a:t>Behavior Change Point Analysis (BCPA)</a:t>
-            </a:r>
-            <a:endParaRPr lang="en-US" dirty="0"/>
-          </a:p>
-        </p:txBody>
-      </p:sp>
-      <p:sp>
-        <p:nvSpPr>
           <p:cNvPr id="3" name="Content Placeholder 2">
             <a:extLst>
               <a:ext uri="{FF2B5EF4-FFF2-40B4-BE49-F238E27FC236}">
@@ -12758,8 +14080,8 @@
         </p:nvSpPr>
         <p:spPr>
           <a:xfrm>
-            <a:off x="0" y="1825625"/>
-            <a:ext cx="10515600" cy="4351338"/>
+            <a:off x="763675" y="1333255"/>
+            <a:ext cx="10931650" cy="3590437"/>
           </a:xfrm>
         </p:spPr>
         <p:txBody>
@@ -12776,115 +14098,122 @@
           </a:p>
           <a:p>
             <a:r>
-              <a:rPr lang="en-US" sz="1800" b="0" i="0" u="none" strike="noStrike" baseline="0" dirty="0">
+              <a:rPr lang="en-US" sz="2400" b="0" i="0" u="none" strike="noStrike" baseline="0" dirty="0">
                 <a:solidFill>
                   <a:srgbClr val="000000"/>
                 </a:solidFill>
-                <a:latin typeface="Avenir Next LT Pro" panose="020B0504020202020204" pitchFamily="34" charset="0"/>
               </a:rPr>
               <a:t>Identifies points in a time series when values undergo a significant shift</a:t>
             </a:r>
           </a:p>
           <a:p>
             <a:r>
-              <a:rPr lang="en-US" sz="1800" b="0" i="0" u="none" strike="noStrike" baseline="0" dirty="0">
+              <a:rPr lang="en-US" sz="2400" b="0" i="0" u="none" strike="noStrike" baseline="0" dirty="0">
                 <a:solidFill>
                   <a:srgbClr val="000000"/>
                 </a:solidFill>
-                <a:latin typeface="Arial" panose="020B0604020202020204" pitchFamily="34" charset="0"/>
-              </a:rPr>
-              <a:t>•</a:t>
-            </a:r>
-            <a:r>
-              <a:rPr lang="en-US" sz="1800" b="0" i="0" u="none" strike="noStrike" baseline="0" dirty="0">
+              </a:rPr>
+              <a:t>Designed to identify changes in animal behavior – Gurarie et al. 2009</a:t>
+            </a:r>
+          </a:p>
+          <a:p>
+            <a:r>
+              <a:rPr lang="en-US" sz="2400" b="0" i="0" u="none" strike="noStrike" baseline="0" dirty="0">
                 <a:solidFill>
                   <a:srgbClr val="000000"/>
                 </a:solidFill>
-                <a:latin typeface="Avenir Next LT Pro" panose="020B0504020202020204" pitchFamily="34" charset="0"/>
-              </a:rPr>
-              <a:t>Designed to identify changes in animal behavior -</a:t>
-            </a:r>
-            <a:r>
-              <a:rPr lang="en-US" sz="1800" b="0" i="0" u="none" strike="noStrike" baseline="0" dirty="0" err="1">
+              </a:rPr>
+              <a:t>Assumes continuous-space, continuous time stochastic process</a:t>
+            </a:r>
+          </a:p>
+          <a:p>
+            <a:r>
+              <a:rPr lang="en-US" sz="2400" b="0" i="0" u="none" strike="noStrike" baseline="0" dirty="0">
                 <a:solidFill>
                   <a:srgbClr val="000000"/>
                 </a:solidFill>
-                <a:latin typeface="Avenir Next LT Pro" panose="020B0504020202020204" pitchFamily="34" charset="0"/>
-              </a:rPr>
-              <a:t>Gurarieet</a:t>
-            </a:r>
-            <a:r>
-              <a:rPr lang="en-US" sz="1800" b="0" i="0" u="none" strike="noStrike" baseline="0" dirty="0">
+              </a:rPr>
+              <a:t>Uses maximum-likelihood to estimate parameters within a moving window</a:t>
+            </a:r>
+          </a:p>
+          <a:p>
+            <a:r>
+              <a:rPr lang="en-US" sz="2400" b="0" i="0" u="none" strike="noStrike" baseline="0" dirty="0">
                 <a:solidFill>
                   <a:srgbClr val="000000"/>
                 </a:solidFill>
-                <a:latin typeface="Avenir Next LT Pro" panose="020B0504020202020204" pitchFamily="34" charset="0"/>
-              </a:rPr>
-              <a:t> al. 2009</a:t>
-            </a:r>
-          </a:p>
-          <a:p>
-            <a:r>
-              <a:rPr lang="en-US" sz="1800" b="0" i="0" u="none" strike="noStrike" baseline="0" dirty="0">
+              </a:rPr>
+              <a:t>Portions of path where values change abruptly identified as boundaries between movement modes</a:t>
+            </a:r>
+          </a:p>
+          <a:p>
+            <a:endParaRPr lang="en-US" dirty="0"/>
+          </a:p>
+        </p:txBody>
+      </p:sp>
+      <p:sp>
+        <p:nvSpPr>
+          <p:cNvPr id="4" name="Title 1">
+            <a:extLst>
+              <a:ext uri="{FF2B5EF4-FFF2-40B4-BE49-F238E27FC236}">
+                <a16:creationId xmlns:a16="http://schemas.microsoft.com/office/drawing/2014/main" id="{DA45F67F-183D-DC53-BF20-67A807AC0B1F}"/>
+              </a:ext>
+            </a:extLst>
+          </p:cNvPr>
+          <p:cNvSpPr txBox="1">
+            <a:spLocks/>
+          </p:cNvSpPr>
+          <p:nvPr/>
+        </p:nvSpPr>
+        <p:spPr>
+          <a:xfrm>
+            <a:off x="496675" y="322824"/>
+            <a:ext cx="10515600" cy="1325563"/>
+          </a:xfrm>
+          <a:prstGeom prst="rect">
+            <a:avLst/>
+          </a:prstGeom>
+        </p:spPr>
+        <p:txBody>
+          <a:bodyPr vert="horz" lIns="91440" tIns="45720" rIns="91440" bIns="45720" rtlCol="0" anchor="ctr">
+            <a:normAutofit/>
+          </a:bodyPr>
+          <a:lstStyle>
+            <a:lvl1pPr algn="l" defTabSz="914400" rtl="0" eaLnBrk="1" latinLnBrk="0" hangingPunct="1">
+              <a:lnSpc>
+                <a:spcPct val="90000"/>
+              </a:lnSpc>
+              <a:spcBef>
+                <a:spcPct val="0"/>
+              </a:spcBef>
+              <a:buNone/>
+              <a:defRPr sz="4400" kern="1200">
+                <a:solidFill>
+                  <a:schemeClr val="tx1"/>
+                </a:solidFill>
+                <a:latin typeface="+mj-lt"/>
+                <a:ea typeface="+mj-ea"/>
+                <a:cs typeface="+mj-cs"/>
+              </a:defRPr>
+            </a:lvl1pPr>
+          </a:lstStyle>
+          <a:p>
+            <a:r>
+              <a:rPr lang="en-US" sz="3200" b="1" dirty="0">
                 <a:solidFill>
                   <a:srgbClr val="000000"/>
                 </a:solidFill>
-                <a:latin typeface="Arial" panose="020B0604020202020204" pitchFamily="34" charset="0"/>
-              </a:rPr>
-              <a:t>•</a:t>
-            </a:r>
-            <a:r>
-              <a:rPr lang="en-US" sz="1800" b="0" i="0" u="none" strike="noStrike" baseline="0" dirty="0">
+              </a:rPr>
+              <a:t>Behavior Change Point Analysis (BCPA)</a:t>
+            </a:r>
+            <a:br>
+              <a:rPr lang="en-US" sz="3200" b="1" dirty="0">
                 <a:solidFill>
                   <a:srgbClr val="000000"/>
                 </a:solidFill>
-                <a:latin typeface="Avenir Next LT Pro" panose="020B0504020202020204" pitchFamily="34" charset="0"/>
-              </a:rPr>
-              <a:t>Assumes continuous-space, continuous time stochastic process</a:t>
-            </a:r>
-          </a:p>
-          <a:p>
-            <a:r>
-              <a:rPr lang="en-US" sz="1800" b="0" i="0" u="none" strike="noStrike" baseline="0" dirty="0">
-                <a:solidFill>
-                  <a:srgbClr val="000000"/>
-                </a:solidFill>
-                <a:latin typeface="Arial" panose="020B0604020202020204" pitchFamily="34" charset="0"/>
-              </a:rPr>
-              <a:t>•</a:t>
-            </a:r>
-            <a:r>
-              <a:rPr lang="en-US" sz="1800" b="0" i="0" u="none" strike="noStrike" baseline="0" dirty="0">
-                <a:solidFill>
-                  <a:srgbClr val="000000"/>
-                </a:solidFill>
-                <a:latin typeface="Avenir Next LT Pro" panose="020B0504020202020204" pitchFamily="34" charset="0"/>
-              </a:rPr>
-              <a:t>Uses maximum-likelihood to estimate parameters within a moving window</a:t>
-            </a:r>
-          </a:p>
-          <a:p>
-            <a:r>
-              <a:rPr lang="en-US" sz="1800" b="0" i="0" u="none" strike="noStrike" baseline="0" dirty="0">
-                <a:solidFill>
-                  <a:srgbClr val="000000"/>
-                </a:solidFill>
-                <a:latin typeface="Arial" panose="020B0604020202020204" pitchFamily="34" charset="0"/>
-              </a:rPr>
-              <a:t>•</a:t>
-            </a:r>
-            <a:r>
-              <a:rPr lang="en-US" sz="1800" b="0" i="0" u="none" strike="noStrike" baseline="0" dirty="0">
-                <a:solidFill>
-                  <a:srgbClr val="000000"/>
-                </a:solidFill>
-                <a:latin typeface="Avenir Next LT Pro" panose="020B0504020202020204" pitchFamily="34" charset="0"/>
-              </a:rPr>
-              <a:t>Portions of path where values change abruptly identified as boundaries between movement modes</a:t>
-            </a:r>
-          </a:p>
-          <a:p>
-            <a:endParaRPr lang="en-US" dirty="0"/>
+              </a:rPr>
+            </a:br>
+            <a:endParaRPr lang="en-US" sz="3200" b="1" dirty="0"/>
           </a:p>
         </p:txBody>
       </p:sp>
@@ -12898,6 +14227,341 @@
   <p:clrMapOvr>
     <a:masterClrMapping/>
   </p:clrMapOvr>
+  <p:timing>
+    <p:tnLst>
+      <p:par>
+        <p:cTn id="1" dur="indefinite" restart="never" nodeType="tmRoot">
+          <p:childTnLst>
+            <p:seq concurrent="1" nextAc="seek">
+              <p:cTn id="2" dur="indefinite" nodeType="mainSeq">
+                <p:childTnLst>
+                  <p:par>
+                    <p:cTn id="3" fill="hold">
+                      <p:stCondLst>
+                        <p:cond delay="indefinite"/>
+                      </p:stCondLst>
+                      <p:childTnLst>
+                        <p:par>
+                          <p:cTn id="4" fill="hold">
+                            <p:stCondLst>
+                              <p:cond delay="0"/>
+                            </p:stCondLst>
+                            <p:childTnLst>
+                              <p:par>
+                                <p:cTn id="5" presetID="10" presetClass="entr" presetSubtype="0" fill="hold" nodeType="clickEffect">
+                                  <p:stCondLst>
+                                    <p:cond delay="0"/>
+                                  </p:stCondLst>
+                                  <p:childTnLst>
+                                    <p:set>
+                                      <p:cBhvr>
+                                        <p:cTn id="6" dur="1" fill="hold">
+                                          <p:stCondLst>
+                                            <p:cond delay="0"/>
+                                          </p:stCondLst>
+                                        </p:cTn>
+                                        <p:tgtEl>
+                                          <p:spTgt spid="3">
+                                            <p:txEl>
+                                              <p:pRg st="1" end="1"/>
+                                            </p:txEl>
+                                          </p:spTgt>
+                                        </p:tgtEl>
+                                        <p:attrNameLst>
+                                          <p:attrName>style.visibility</p:attrName>
+                                        </p:attrNameLst>
+                                      </p:cBhvr>
+                                      <p:to>
+                                        <p:strVal val="visible"/>
+                                      </p:to>
+                                    </p:set>
+                                    <p:animEffect transition="in" filter="fade">
+                                      <p:cBhvr>
+                                        <p:cTn id="7" dur="500"/>
+                                        <p:tgtEl>
+                                          <p:spTgt spid="3">
+                                            <p:txEl>
+                                              <p:pRg st="1" end="1"/>
+                                            </p:txEl>
+                                          </p:spTgt>
+                                        </p:tgtEl>
+                                      </p:cBhvr>
+                                    </p:animEffect>
+                                  </p:childTnLst>
+                                </p:cTn>
+                              </p:par>
+                            </p:childTnLst>
+                          </p:cTn>
+                        </p:par>
+                      </p:childTnLst>
+                    </p:cTn>
+                  </p:par>
+                  <p:par>
+                    <p:cTn id="8" fill="hold">
+                      <p:stCondLst>
+                        <p:cond delay="indefinite"/>
+                      </p:stCondLst>
+                      <p:childTnLst>
+                        <p:par>
+                          <p:cTn id="9" fill="hold">
+                            <p:stCondLst>
+                              <p:cond delay="0"/>
+                            </p:stCondLst>
+                            <p:childTnLst>
+                              <p:par>
+                                <p:cTn id="10" presetID="10" presetClass="entr" presetSubtype="0" fill="hold" nodeType="clickEffect">
+                                  <p:stCondLst>
+                                    <p:cond delay="0"/>
+                                  </p:stCondLst>
+                                  <p:childTnLst>
+                                    <p:set>
+                                      <p:cBhvr>
+                                        <p:cTn id="11" dur="1" fill="hold">
+                                          <p:stCondLst>
+                                            <p:cond delay="0"/>
+                                          </p:stCondLst>
+                                        </p:cTn>
+                                        <p:tgtEl>
+                                          <p:spTgt spid="3">
+                                            <p:txEl>
+                                              <p:pRg st="2" end="2"/>
+                                            </p:txEl>
+                                          </p:spTgt>
+                                        </p:tgtEl>
+                                        <p:attrNameLst>
+                                          <p:attrName>style.visibility</p:attrName>
+                                        </p:attrNameLst>
+                                      </p:cBhvr>
+                                      <p:to>
+                                        <p:strVal val="visible"/>
+                                      </p:to>
+                                    </p:set>
+                                    <p:animEffect transition="in" filter="fade">
+                                      <p:cBhvr>
+                                        <p:cTn id="12" dur="500"/>
+                                        <p:tgtEl>
+                                          <p:spTgt spid="3">
+                                            <p:txEl>
+                                              <p:pRg st="2" end="2"/>
+                                            </p:txEl>
+                                          </p:spTgt>
+                                        </p:tgtEl>
+                                      </p:cBhvr>
+                                    </p:animEffect>
+                                  </p:childTnLst>
+                                </p:cTn>
+                              </p:par>
+                            </p:childTnLst>
+                          </p:cTn>
+                        </p:par>
+                      </p:childTnLst>
+                    </p:cTn>
+                  </p:par>
+                  <p:par>
+                    <p:cTn id="13" fill="hold">
+                      <p:stCondLst>
+                        <p:cond delay="indefinite"/>
+                      </p:stCondLst>
+                      <p:childTnLst>
+                        <p:par>
+                          <p:cTn id="14" fill="hold">
+                            <p:stCondLst>
+                              <p:cond delay="0"/>
+                            </p:stCondLst>
+                            <p:childTnLst>
+                              <p:par>
+                                <p:cTn id="15" presetID="10" presetClass="entr" presetSubtype="0" fill="hold" nodeType="clickEffect">
+                                  <p:stCondLst>
+                                    <p:cond delay="0"/>
+                                  </p:stCondLst>
+                                  <p:childTnLst>
+                                    <p:set>
+                                      <p:cBhvr>
+                                        <p:cTn id="16" dur="1" fill="hold">
+                                          <p:stCondLst>
+                                            <p:cond delay="0"/>
+                                          </p:stCondLst>
+                                        </p:cTn>
+                                        <p:tgtEl>
+                                          <p:spTgt spid="3">
+                                            <p:txEl>
+                                              <p:pRg st="3" end="3"/>
+                                            </p:txEl>
+                                          </p:spTgt>
+                                        </p:tgtEl>
+                                        <p:attrNameLst>
+                                          <p:attrName>style.visibility</p:attrName>
+                                        </p:attrNameLst>
+                                      </p:cBhvr>
+                                      <p:to>
+                                        <p:strVal val="visible"/>
+                                      </p:to>
+                                    </p:set>
+                                    <p:animEffect transition="in" filter="fade">
+                                      <p:cBhvr>
+                                        <p:cTn id="17" dur="500"/>
+                                        <p:tgtEl>
+                                          <p:spTgt spid="3">
+                                            <p:txEl>
+                                              <p:pRg st="3" end="3"/>
+                                            </p:txEl>
+                                          </p:spTgt>
+                                        </p:tgtEl>
+                                      </p:cBhvr>
+                                    </p:animEffect>
+                                  </p:childTnLst>
+                                </p:cTn>
+                              </p:par>
+                            </p:childTnLst>
+                          </p:cTn>
+                        </p:par>
+                      </p:childTnLst>
+                    </p:cTn>
+                  </p:par>
+                  <p:par>
+                    <p:cTn id="18" fill="hold">
+                      <p:stCondLst>
+                        <p:cond delay="indefinite"/>
+                      </p:stCondLst>
+                      <p:childTnLst>
+                        <p:par>
+                          <p:cTn id="19" fill="hold">
+                            <p:stCondLst>
+                              <p:cond delay="0"/>
+                            </p:stCondLst>
+                            <p:childTnLst>
+                              <p:par>
+                                <p:cTn id="20" presetID="10" presetClass="entr" presetSubtype="0" fill="hold" nodeType="clickEffect">
+                                  <p:stCondLst>
+                                    <p:cond delay="0"/>
+                                  </p:stCondLst>
+                                  <p:childTnLst>
+                                    <p:set>
+                                      <p:cBhvr>
+                                        <p:cTn id="21" dur="1" fill="hold">
+                                          <p:stCondLst>
+                                            <p:cond delay="0"/>
+                                          </p:stCondLst>
+                                        </p:cTn>
+                                        <p:tgtEl>
+                                          <p:spTgt spid="3">
+                                            <p:txEl>
+                                              <p:pRg st="4" end="4"/>
+                                            </p:txEl>
+                                          </p:spTgt>
+                                        </p:tgtEl>
+                                        <p:attrNameLst>
+                                          <p:attrName>style.visibility</p:attrName>
+                                        </p:attrNameLst>
+                                      </p:cBhvr>
+                                      <p:to>
+                                        <p:strVal val="visible"/>
+                                      </p:to>
+                                    </p:set>
+                                    <p:animEffect transition="in" filter="fade">
+                                      <p:cBhvr>
+                                        <p:cTn id="22" dur="500"/>
+                                        <p:tgtEl>
+                                          <p:spTgt spid="3">
+                                            <p:txEl>
+                                              <p:pRg st="4" end="4"/>
+                                            </p:txEl>
+                                          </p:spTgt>
+                                        </p:tgtEl>
+                                      </p:cBhvr>
+                                    </p:animEffect>
+                                  </p:childTnLst>
+                                </p:cTn>
+                              </p:par>
+                            </p:childTnLst>
+                          </p:cTn>
+                        </p:par>
+                      </p:childTnLst>
+                    </p:cTn>
+                  </p:par>
+                  <p:par>
+                    <p:cTn id="23" fill="hold">
+                      <p:stCondLst>
+                        <p:cond delay="indefinite"/>
+                      </p:stCondLst>
+                      <p:childTnLst>
+                        <p:par>
+                          <p:cTn id="24" fill="hold">
+                            <p:stCondLst>
+                              <p:cond delay="0"/>
+                            </p:stCondLst>
+                            <p:childTnLst>
+                              <p:par>
+                                <p:cTn id="25" presetID="10" presetClass="entr" presetSubtype="0" fill="hold" nodeType="clickEffect">
+                                  <p:stCondLst>
+                                    <p:cond delay="0"/>
+                                  </p:stCondLst>
+                                  <p:childTnLst>
+                                    <p:set>
+                                      <p:cBhvr>
+                                        <p:cTn id="26" dur="1" fill="hold">
+                                          <p:stCondLst>
+                                            <p:cond delay="0"/>
+                                          </p:stCondLst>
+                                        </p:cTn>
+                                        <p:tgtEl>
+                                          <p:spTgt spid="3">
+                                            <p:txEl>
+                                              <p:pRg st="5" end="5"/>
+                                            </p:txEl>
+                                          </p:spTgt>
+                                        </p:tgtEl>
+                                        <p:attrNameLst>
+                                          <p:attrName>style.visibility</p:attrName>
+                                        </p:attrNameLst>
+                                      </p:cBhvr>
+                                      <p:to>
+                                        <p:strVal val="visible"/>
+                                      </p:to>
+                                    </p:set>
+                                    <p:animEffect transition="in" filter="fade">
+                                      <p:cBhvr>
+                                        <p:cTn id="27" dur="500"/>
+                                        <p:tgtEl>
+                                          <p:spTgt spid="3">
+                                            <p:txEl>
+                                              <p:pRg st="5" end="5"/>
+                                            </p:txEl>
+                                          </p:spTgt>
+                                        </p:tgtEl>
+                                      </p:cBhvr>
+                                    </p:animEffect>
+                                  </p:childTnLst>
+                                </p:cTn>
+                              </p:par>
+                            </p:childTnLst>
+                          </p:cTn>
+                        </p:par>
+                      </p:childTnLst>
+                    </p:cTn>
+                  </p:par>
+                </p:childTnLst>
+              </p:cTn>
+              <p:prevCondLst>
+                <p:cond evt="onPrev" delay="0">
+                  <p:tgtEl>
+                    <p:sldTgt/>
+                  </p:tgtEl>
+                </p:cond>
+              </p:prevCondLst>
+              <p:nextCondLst>
+                <p:cond evt="onNext" delay="0">
+                  <p:tgtEl>
+                    <p:sldTgt/>
+                  </p:tgtEl>
+                </p:cond>
+              </p:nextCondLst>
+            </p:seq>
+          </p:childTnLst>
+        </p:cTn>
+      </p:par>
+    </p:tnLst>
+  </p:timing>
 </p:sld>
 </file>
 
@@ -12920,45 +14584,6 @@
       </p:grpSpPr>
       <p:sp>
         <p:nvSpPr>
-          <p:cNvPr id="2" name="Title 1">
-            <a:extLst>
-              <a:ext uri="{FF2B5EF4-FFF2-40B4-BE49-F238E27FC236}">
-                <a16:creationId xmlns:a16="http://schemas.microsoft.com/office/drawing/2014/main" id="{A62E8DB6-31B4-44B8-2FAE-296049C51BEB}"/>
-              </a:ext>
-            </a:extLst>
-          </p:cNvPr>
-          <p:cNvSpPr>
-            <a:spLocks noGrp="1"/>
-          </p:cNvSpPr>
-          <p:nvPr>
-            <p:ph type="title" idx="4294967295"/>
-          </p:nvPr>
-        </p:nvSpPr>
-        <p:spPr>
-          <a:xfrm>
-            <a:off x="0" y="365125"/>
-            <a:ext cx="10515600" cy="1325563"/>
-          </a:xfrm>
-        </p:spPr>
-        <p:txBody>
-          <a:bodyPr/>
-          <a:lstStyle/>
-          <a:p>
-            <a:r>
-              <a:rPr lang="en-US" sz="1800" b="0" i="0" u="none" strike="noStrike" baseline="0" dirty="0">
-                <a:solidFill>
-                  <a:srgbClr val="000000"/>
-                </a:solidFill>
-                <a:latin typeface="Avenir Next LT Pro" panose="020B0504020202020204" pitchFamily="34" charset="0"/>
-              </a:rPr>
-              <a:t>Summary of Analytical Approach (BCPA)</a:t>
-            </a:r>
-            <a:endParaRPr lang="en-US" dirty="0"/>
-          </a:p>
-        </p:txBody>
-      </p:sp>
-      <p:sp>
-        <p:nvSpPr>
           <p:cNvPr id="3" name="Content Placeholder 2">
             <a:extLst>
               <a:ext uri="{FF2B5EF4-FFF2-40B4-BE49-F238E27FC236}">
@@ -12975,8 +14600,8 @@
         </p:nvSpPr>
         <p:spPr>
           <a:xfrm>
-            <a:off x="0" y="1825625"/>
-            <a:ext cx="10515600" cy="4351338"/>
+            <a:off x="838200" y="1253331"/>
+            <a:ext cx="11209774" cy="4351338"/>
           </a:xfrm>
         </p:spPr>
         <p:txBody>
@@ -12993,218 +14618,92 @@
           </a:p>
           <a:p>
             <a:r>
-              <a:rPr lang="en-US" sz="1800" b="0" i="0" u="none" strike="noStrike" baseline="0" dirty="0">
+              <a:rPr lang="en-US" sz="2400" b="0" i="0" u="none" strike="noStrike" baseline="0" dirty="0">
                 <a:solidFill>
                   <a:srgbClr val="000000"/>
                 </a:solidFill>
-                <a:latin typeface="Avenir Next LT Pro" panose="020B0504020202020204" pitchFamily="34" charset="0"/>
               </a:rPr>
               <a:t>Package </a:t>
             </a:r>
             <a:r>
-              <a:rPr lang="en-US" sz="1800" b="0" i="0" u="none" strike="noStrike" baseline="0" dirty="0" err="1">
+              <a:rPr lang="en-US" sz="2400" b="0" i="0" u="none" strike="noStrike" baseline="0" dirty="0" err="1">
                 <a:solidFill>
                   <a:srgbClr val="000000"/>
                 </a:solidFill>
                 <a:latin typeface="Courier New" panose="02070309020205020404" pitchFamily="49" charset="0"/>
+                <a:cs typeface="Courier New" panose="02070309020205020404" pitchFamily="49" charset="0"/>
               </a:rPr>
               <a:t>bcpa</a:t>
             </a:r>
-            <a:endParaRPr lang="en-US" sz="1800" b="0" i="0" u="none" strike="noStrike" baseline="0" dirty="0">
+            <a:endParaRPr lang="en-US" sz="2400" b="0" i="0" u="none" strike="noStrike" baseline="0" dirty="0">
               <a:solidFill>
                 <a:srgbClr val="000000"/>
               </a:solidFill>
               <a:latin typeface="Courier New" panose="02070309020205020404" pitchFamily="49" charset="0"/>
+              <a:cs typeface="Courier New" panose="02070309020205020404" pitchFamily="49" charset="0"/>
             </a:endParaRPr>
           </a:p>
           <a:p>
             <a:r>
-              <a:rPr lang="en-US" sz="1800" b="0" i="0" u="none" strike="noStrike" baseline="0" dirty="0">
+              <a:rPr lang="en-US" sz="2400" b="0" i="0" u="none" strike="noStrike" baseline="0" dirty="0">
                 <a:solidFill>
                   <a:srgbClr val="000000"/>
                 </a:solidFill>
-                <a:latin typeface="Arial" panose="020B0604020202020204" pitchFamily="34" charset="0"/>
-              </a:rPr>
-              <a:t>•</a:t>
-            </a:r>
-            <a:r>
-              <a:rPr lang="en-US" sz="1800" b="0" i="0" u="none" strike="noStrike" baseline="0" dirty="0">
+              </a:rPr>
+              <a:t>Assume observations from continuous time process with mean, standard deviation and autocorrelation time scale</a:t>
+            </a:r>
+          </a:p>
+          <a:p>
+            <a:r>
+              <a:rPr lang="en-US" sz="2400" b="0" i="0" u="none" strike="noStrike" baseline="0" dirty="0">
                 <a:solidFill>
                   <a:srgbClr val="000000"/>
                 </a:solidFill>
-                <a:latin typeface="Avenir Next LT Pro" panose="020B0504020202020204" pitchFamily="34" charset="0"/>
-              </a:rPr>
-              <a:t>Assume observations from continuous time process with mean, standard deviation and autocorrelation time scale</a:t>
-            </a:r>
-          </a:p>
-          <a:p>
-            <a:r>
-              <a:rPr lang="en-US" sz="1800" b="0" i="0" u="none" strike="noStrike" baseline="0" dirty="0">
+              </a:rPr>
+              <a:t>Parameters vary according to an unknown number of states</a:t>
+            </a:r>
+          </a:p>
+          <a:p>
+            <a:r>
+              <a:rPr lang="en-US" sz="2400" b="0" i="0" u="none" strike="noStrike" baseline="0" dirty="0">
                 <a:solidFill>
                   <a:srgbClr val="000000"/>
                 </a:solidFill>
-                <a:latin typeface="Arial" panose="020B0604020202020204" pitchFamily="34" charset="0"/>
-              </a:rPr>
-              <a:t>•</a:t>
-            </a:r>
-            <a:r>
-              <a:rPr lang="en-US" sz="1800" b="0" i="0" u="none" strike="noStrike" baseline="0" dirty="0">
+              </a:rPr>
+              <a:t>Select a response variable for analysis</a:t>
+            </a:r>
+          </a:p>
+          <a:p>
+            <a:pPr lvl="1"/>
+            <a:r>
+              <a:rPr lang="en-US" sz="2000" b="0" i="0" u="none" strike="noStrike" baseline="0" dirty="0">
                 <a:solidFill>
                   <a:srgbClr val="000000"/>
                 </a:solidFill>
-                <a:latin typeface="Avenir Next LT Pro" panose="020B0504020202020204" pitchFamily="34" charset="0"/>
-              </a:rPr>
-              <a:t>Parameters vary according to an unknown number of states</a:t>
-            </a:r>
-          </a:p>
-          <a:p>
-            <a:r>
-              <a:rPr lang="en-US" sz="1800" b="0" i="0" u="none" strike="noStrike" baseline="0" dirty="0">
+              </a:rPr>
+              <a:t>Persistence velocity 𝑉𝑝=𝑉cos(𝜃) where 𝑉= speed and 𝜃 is turning angle (measures tendency to continue in same direction and speed)</a:t>
+            </a:r>
+          </a:p>
+          <a:p>
+            <a:pPr lvl="1"/>
+            <a:r>
+              <a:rPr lang="en-US" sz="2000" b="0" i="0" u="none" strike="noStrike" baseline="0" dirty="0">
                 <a:solidFill>
                   <a:srgbClr val="000000"/>
                 </a:solidFill>
-                <a:latin typeface="Arial" panose="020B0604020202020204" pitchFamily="34" charset="0"/>
-              </a:rPr>
-              <a:t>•</a:t>
-            </a:r>
-            <a:r>
-              <a:rPr lang="en-US" sz="1800" b="0" i="0" u="none" strike="noStrike" baseline="0" dirty="0">
+              </a:rPr>
+              <a:t>Turning velocity 𝑉𝑡=𝑉sin𝜃 (tendency to head in perpendicular direction)</a:t>
+            </a:r>
+          </a:p>
+          <a:p>
+            <a:pPr lvl="1"/>
+            <a:r>
+              <a:rPr lang="en-US" sz="2000" b="0" i="0" u="none" strike="noStrike" baseline="0" dirty="0">
                 <a:solidFill>
                   <a:srgbClr val="000000"/>
                 </a:solidFill>
-                <a:latin typeface="Avenir Next LT Pro" panose="020B0504020202020204" pitchFamily="34" charset="0"/>
-              </a:rPr>
-              <a:t>Select a response variable for </a:t>
-            </a:r>
-            <a:r>
-              <a:rPr lang="en-US" sz="1800" b="0" i="0" u="none" strike="noStrike" baseline="0" dirty="0" err="1">
-                <a:solidFill>
-                  <a:srgbClr val="000000"/>
-                </a:solidFill>
-                <a:latin typeface="Avenir Next LT Pro" panose="020B0504020202020204" pitchFamily="34" charset="0"/>
-              </a:rPr>
-              <a:t>analysisPersistence</a:t>
-            </a:r>
-            <a:r>
-              <a:rPr lang="en-US" sz="1800" b="0" i="0" u="none" strike="noStrike" baseline="0" dirty="0">
-                <a:solidFill>
-                  <a:srgbClr val="000000"/>
-                </a:solidFill>
-                <a:latin typeface="Avenir Next LT Pro" panose="020B0504020202020204" pitchFamily="34" charset="0"/>
-              </a:rPr>
-              <a:t> velocity </a:t>
-            </a:r>
-            <a:r>
-              <a:rPr lang="en-US" sz="1800" b="0" i="0" u="none" strike="noStrike" baseline="0" dirty="0">
-                <a:solidFill>
-                  <a:srgbClr val="000000"/>
-                </a:solidFill>
-                <a:latin typeface="Cambria Math" panose="02040503050406030204" pitchFamily="18" charset="0"/>
-              </a:rPr>
-              <a:t>𝑉𝑝=𝑉cos(𝜃)</a:t>
-            </a:r>
-            <a:r>
-              <a:rPr lang="en-US" sz="1800" b="0" i="0" u="none" strike="noStrike" baseline="0" dirty="0">
-                <a:solidFill>
-                  <a:srgbClr val="000000"/>
-                </a:solidFill>
-                <a:latin typeface="Avenir Next LT Pro" panose="020B0504020202020204" pitchFamily="34" charset="0"/>
-              </a:rPr>
-              <a:t>where </a:t>
-            </a:r>
-            <a:r>
-              <a:rPr lang="en-US" sz="1800" b="0" i="0" u="none" strike="noStrike" baseline="0" dirty="0">
-                <a:solidFill>
-                  <a:srgbClr val="000000"/>
-                </a:solidFill>
-                <a:latin typeface="Cambria Math" panose="02040503050406030204" pitchFamily="18" charset="0"/>
-              </a:rPr>
-              <a:t>𝑉</a:t>
-            </a:r>
-            <a:r>
-              <a:rPr lang="en-US" sz="1800" b="0" i="0" u="none" strike="noStrike" baseline="0" dirty="0">
-                <a:solidFill>
-                  <a:srgbClr val="000000"/>
-                </a:solidFill>
-                <a:latin typeface="Avenir Next LT Pro" panose="020B0504020202020204" pitchFamily="34" charset="0"/>
-              </a:rPr>
-              <a:t>= speed and </a:t>
-            </a:r>
-            <a:r>
-              <a:rPr lang="en-US" sz="1800" b="0" i="0" u="none" strike="noStrike" baseline="0" dirty="0">
-                <a:solidFill>
-                  <a:srgbClr val="000000"/>
-                </a:solidFill>
-                <a:latin typeface="Cambria Math" panose="02040503050406030204" pitchFamily="18" charset="0"/>
-              </a:rPr>
-              <a:t>𝜃</a:t>
-            </a:r>
-            <a:r>
-              <a:rPr lang="en-US" sz="1800" b="0" i="0" u="none" strike="noStrike" baseline="0" dirty="0">
-                <a:solidFill>
-                  <a:srgbClr val="000000"/>
-                </a:solidFill>
-                <a:latin typeface="Avenir Next LT Pro" panose="020B0504020202020204" pitchFamily="34" charset="0"/>
-              </a:rPr>
-              <a:t>is turning angle (measures tendency to continue in same direction and speed)</a:t>
-            </a:r>
-          </a:p>
-          <a:p>
-            <a:r>
-              <a:rPr lang="en-US" sz="1800" b="0" i="0" u="none" strike="noStrike" baseline="0" dirty="0">
-                <a:solidFill>
-                  <a:srgbClr val="000000"/>
-                </a:solidFill>
-                <a:latin typeface="Avenir Next LT Pro" panose="020B0504020202020204" pitchFamily="34" charset="0"/>
-              </a:rPr>
-              <a:t>Turning velocity </a:t>
-            </a:r>
-            <a:r>
-              <a:rPr lang="en-US" sz="1800" b="0" i="0" u="none" strike="noStrike" baseline="0" dirty="0">
-                <a:solidFill>
-                  <a:srgbClr val="000000"/>
-                </a:solidFill>
-                <a:latin typeface="Cambria Math" panose="02040503050406030204" pitchFamily="18" charset="0"/>
-              </a:rPr>
-              <a:t>𝑉𝑡=𝑉sin𝜃</a:t>
-            </a:r>
-            <a:r>
-              <a:rPr lang="en-US" sz="1800" b="0" i="0" u="none" strike="noStrike" baseline="0" dirty="0">
-                <a:solidFill>
-                  <a:srgbClr val="000000"/>
-                </a:solidFill>
-                <a:latin typeface="Avenir Next LT Pro" panose="020B0504020202020204" pitchFamily="34" charset="0"/>
-              </a:rPr>
-              <a:t>(tendency to head in perpendicular direction)</a:t>
-            </a:r>
-          </a:p>
-          <a:p>
-            <a:r>
-              <a:rPr lang="en-US" sz="1800" b="0" i="0" u="none" strike="noStrike" baseline="0" dirty="0">
-                <a:solidFill>
-                  <a:srgbClr val="000000"/>
-                </a:solidFill>
-                <a:latin typeface="Avenir Next LT Pro" panose="020B0504020202020204" pitchFamily="34" charset="0"/>
-              </a:rPr>
-              <a:t>Other variables could be used (e.g., </a:t>
-            </a:r>
-            <a:r>
-              <a:rPr lang="en-US" sz="1800" b="0" i="0" u="none" strike="noStrike" baseline="0" dirty="0">
-                <a:solidFill>
-                  <a:srgbClr val="000000"/>
-                </a:solidFill>
-                <a:latin typeface="Cambria Math" panose="02040503050406030204" pitchFamily="18" charset="0"/>
-              </a:rPr>
-              <a:t>𝑉</a:t>
-            </a:r>
-            <a:r>
-              <a:rPr lang="en-US" sz="1800" b="0" i="0" u="none" strike="noStrike" baseline="0" dirty="0">
-                <a:solidFill>
-                  <a:srgbClr val="000000"/>
-                </a:solidFill>
-                <a:latin typeface="Avenir Next LT Pro" panose="020B0504020202020204" pitchFamily="34" charset="0"/>
-              </a:rPr>
-              <a:t>)</a:t>
+              </a:rPr>
+              <a:t>Other variables could be used (e.g., 𝑉)</a:t>
             </a:r>
           </a:p>
           <a:p>
@@ -13225,6 +14724,72 @@
           </a:p>
           <a:p>
             <a:endParaRPr lang="en-US" dirty="0"/>
+          </a:p>
+        </p:txBody>
+      </p:sp>
+      <p:sp>
+        <p:nvSpPr>
+          <p:cNvPr id="4" name="Title 1">
+            <a:extLst>
+              <a:ext uri="{FF2B5EF4-FFF2-40B4-BE49-F238E27FC236}">
+                <a16:creationId xmlns:a16="http://schemas.microsoft.com/office/drawing/2014/main" id="{C7BA92CF-8928-C1BC-D39B-2E7D293EA141}"/>
+              </a:ext>
+            </a:extLst>
+          </p:cNvPr>
+          <p:cNvSpPr txBox="1">
+            <a:spLocks/>
+          </p:cNvSpPr>
+          <p:nvPr/>
+        </p:nvSpPr>
+        <p:spPr>
+          <a:xfrm>
+            <a:off x="496675" y="322824"/>
+            <a:ext cx="10515600" cy="1325563"/>
+          </a:xfrm>
+          <a:prstGeom prst="rect">
+            <a:avLst/>
+          </a:prstGeom>
+        </p:spPr>
+        <p:txBody>
+          <a:bodyPr vert="horz" lIns="91440" tIns="45720" rIns="91440" bIns="45720" rtlCol="0" anchor="ctr">
+            <a:normAutofit/>
+          </a:bodyPr>
+          <a:lstStyle>
+            <a:lvl1pPr algn="l" defTabSz="914400" rtl="0" eaLnBrk="1" latinLnBrk="0" hangingPunct="1">
+              <a:lnSpc>
+                <a:spcPct val="90000"/>
+              </a:lnSpc>
+              <a:spcBef>
+                <a:spcPct val="0"/>
+              </a:spcBef>
+              <a:buNone/>
+              <a:defRPr sz="4400" kern="1200">
+                <a:solidFill>
+                  <a:schemeClr val="tx1"/>
+                </a:solidFill>
+                <a:latin typeface="+mj-lt"/>
+                <a:ea typeface="+mj-ea"/>
+                <a:cs typeface="+mj-cs"/>
+              </a:defRPr>
+            </a:lvl1pPr>
+          </a:lstStyle>
+          <a:p>
+            <a:r>
+              <a:rPr lang="en-US" sz="3200" b="1" dirty="0">
+                <a:solidFill>
+                  <a:srgbClr val="000000"/>
+                </a:solidFill>
+              </a:rPr>
+              <a:t>Summary of Analytical Approach (BCPA)</a:t>
+            </a:r>
+            <a:br>
+              <a:rPr lang="en-US" sz="3200" b="1" dirty="0">
+                <a:solidFill>
+                  <a:srgbClr val="000000"/>
+                </a:solidFill>
+              </a:rPr>
+            </a:br>
+            <a:endParaRPr lang="en-US" sz="3200" b="1" dirty="0"/>
           </a:p>
         </p:txBody>
       </p:sp>
@@ -13238,6 +14803,409 @@
   <p:clrMapOvr>
     <a:masterClrMapping/>
   </p:clrMapOvr>
+  <p:timing>
+    <p:tnLst>
+      <p:par>
+        <p:cTn id="1" dur="indefinite" restart="never" nodeType="tmRoot">
+          <p:childTnLst>
+            <p:seq concurrent="1" nextAc="seek">
+              <p:cTn id="2" dur="indefinite" nodeType="mainSeq">
+                <p:childTnLst>
+                  <p:par>
+                    <p:cTn id="3" fill="hold">
+                      <p:stCondLst>
+                        <p:cond delay="indefinite"/>
+                      </p:stCondLst>
+                      <p:childTnLst>
+                        <p:par>
+                          <p:cTn id="4" fill="hold">
+                            <p:stCondLst>
+                              <p:cond delay="0"/>
+                            </p:stCondLst>
+                            <p:childTnLst>
+                              <p:par>
+                                <p:cTn id="5" presetID="10" presetClass="entr" presetSubtype="0" fill="hold" nodeType="clickEffect">
+                                  <p:stCondLst>
+                                    <p:cond delay="0"/>
+                                  </p:stCondLst>
+                                  <p:childTnLst>
+                                    <p:set>
+                                      <p:cBhvr>
+                                        <p:cTn id="6" dur="1" fill="hold">
+                                          <p:stCondLst>
+                                            <p:cond delay="0"/>
+                                          </p:stCondLst>
+                                        </p:cTn>
+                                        <p:tgtEl>
+                                          <p:spTgt spid="3">
+                                            <p:txEl>
+                                              <p:pRg st="1" end="1"/>
+                                            </p:txEl>
+                                          </p:spTgt>
+                                        </p:tgtEl>
+                                        <p:attrNameLst>
+                                          <p:attrName>style.visibility</p:attrName>
+                                        </p:attrNameLst>
+                                      </p:cBhvr>
+                                      <p:to>
+                                        <p:strVal val="visible"/>
+                                      </p:to>
+                                    </p:set>
+                                    <p:animEffect transition="in" filter="fade">
+                                      <p:cBhvr>
+                                        <p:cTn id="7" dur="500"/>
+                                        <p:tgtEl>
+                                          <p:spTgt spid="3">
+                                            <p:txEl>
+                                              <p:pRg st="1" end="1"/>
+                                            </p:txEl>
+                                          </p:spTgt>
+                                        </p:tgtEl>
+                                      </p:cBhvr>
+                                    </p:animEffect>
+                                  </p:childTnLst>
+                                </p:cTn>
+                              </p:par>
+                            </p:childTnLst>
+                          </p:cTn>
+                        </p:par>
+                      </p:childTnLst>
+                    </p:cTn>
+                  </p:par>
+                  <p:par>
+                    <p:cTn id="8" fill="hold">
+                      <p:stCondLst>
+                        <p:cond delay="indefinite"/>
+                      </p:stCondLst>
+                      <p:childTnLst>
+                        <p:par>
+                          <p:cTn id="9" fill="hold">
+                            <p:stCondLst>
+                              <p:cond delay="0"/>
+                            </p:stCondLst>
+                            <p:childTnLst>
+                              <p:par>
+                                <p:cTn id="10" presetID="10" presetClass="entr" presetSubtype="0" fill="hold" nodeType="clickEffect">
+                                  <p:stCondLst>
+                                    <p:cond delay="0"/>
+                                  </p:stCondLst>
+                                  <p:childTnLst>
+                                    <p:set>
+                                      <p:cBhvr>
+                                        <p:cTn id="11" dur="1" fill="hold">
+                                          <p:stCondLst>
+                                            <p:cond delay="0"/>
+                                          </p:stCondLst>
+                                        </p:cTn>
+                                        <p:tgtEl>
+                                          <p:spTgt spid="3">
+                                            <p:txEl>
+                                              <p:pRg st="2" end="2"/>
+                                            </p:txEl>
+                                          </p:spTgt>
+                                        </p:tgtEl>
+                                        <p:attrNameLst>
+                                          <p:attrName>style.visibility</p:attrName>
+                                        </p:attrNameLst>
+                                      </p:cBhvr>
+                                      <p:to>
+                                        <p:strVal val="visible"/>
+                                      </p:to>
+                                    </p:set>
+                                    <p:animEffect transition="in" filter="fade">
+                                      <p:cBhvr>
+                                        <p:cTn id="12" dur="500"/>
+                                        <p:tgtEl>
+                                          <p:spTgt spid="3">
+                                            <p:txEl>
+                                              <p:pRg st="2" end="2"/>
+                                            </p:txEl>
+                                          </p:spTgt>
+                                        </p:tgtEl>
+                                      </p:cBhvr>
+                                    </p:animEffect>
+                                  </p:childTnLst>
+                                </p:cTn>
+                              </p:par>
+                            </p:childTnLst>
+                          </p:cTn>
+                        </p:par>
+                      </p:childTnLst>
+                    </p:cTn>
+                  </p:par>
+                  <p:par>
+                    <p:cTn id="13" fill="hold">
+                      <p:stCondLst>
+                        <p:cond delay="indefinite"/>
+                      </p:stCondLst>
+                      <p:childTnLst>
+                        <p:par>
+                          <p:cTn id="14" fill="hold">
+                            <p:stCondLst>
+                              <p:cond delay="0"/>
+                            </p:stCondLst>
+                            <p:childTnLst>
+                              <p:par>
+                                <p:cTn id="15" presetID="10" presetClass="entr" presetSubtype="0" fill="hold" nodeType="clickEffect">
+                                  <p:stCondLst>
+                                    <p:cond delay="0"/>
+                                  </p:stCondLst>
+                                  <p:childTnLst>
+                                    <p:set>
+                                      <p:cBhvr>
+                                        <p:cTn id="16" dur="1" fill="hold">
+                                          <p:stCondLst>
+                                            <p:cond delay="0"/>
+                                          </p:stCondLst>
+                                        </p:cTn>
+                                        <p:tgtEl>
+                                          <p:spTgt spid="3">
+                                            <p:txEl>
+                                              <p:pRg st="3" end="3"/>
+                                            </p:txEl>
+                                          </p:spTgt>
+                                        </p:tgtEl>
+                                        <p:attrNameLst>
+                                          <p:attrName>style.visibility</p:attrName>
+                                        </p:attrNameLst>
+                                      </p:cBhvr>
+                                      <p:to>
+                                        <p:strVal val="visible"/>
+                                      </p:to>
+                                    </p:set>
+                                    <p:animEffect transition="in" filter="fade">
+                                      <p:cBhvr>
+                                        <p:cTn id="17" dur="500"/>
+                                        <p:tgtEl>
+                                          <p:spTgt spid="3">
+                                            <p:txEl>
+                                              <p:pRg st="3" end="3"/>
+                                            </p:txEl>
+                                          </p:spTgt>
+                                        </p:tgtEl>
+                                      </p:cBhvr>
+                                    </p:animEffect>
+                                  </p:childTnLst>
+                                </p:cTn>
+                              </p:par>
+                            </p:childTnLst>
+                          </p:cTn>
+                        </p:par>
+                      </p:childTnLst>
+                    </p:cTn>
+                  </p:par>
+                  <p:par>
+                    <p:cTn id="18" fill="hold">
+                      <p:stCondLst>
+                        <p:cond delay="indefinite"/>
+                      </p:stCondLst>
+                      <p:childTnLst>
+                        <p:par>
+                          <p:cTn id="19" fill="hold">
+                            <p:stCondLst>
+                              <p:cond delay="0"/>
+                            </p:stCondLst>
+                            <p:childTnLst>
+                              <p:par>
+                                <p:cTn id="20" presetID="10" presetClass="entr" presetSubtype="0" fill="hold" nodeType="clickEffect">
+                                  <p:stCondLst>
+                                    <p:cond delay="0"/>
+                                  </p:stCondLst>
+                                  <p:childTnLst>
+                                    <p:set>
+                                      <p:cBhvr>
+                                        <p:cTn id="21" dur="1" fill="hold">
+                                          <p:stCondLst>
+                                            <p:cond delay="0"/>
+                                          </p:stCondLst>
+                                        </p:cTn>
+                                        <p:tgtEl>
+                                          <p:spTgt spid="3">
+                                            <p:txEl>
+                                              <p:pRg st="4" end="4"/>
+                                            </p:txEl>
+                                          </p:spTgt>
+                                        </p:tgtEl>
+                                        <p:attrNameLst>
+                                          <p:attrName>style.visibility</p:attrName>
+                                        </p:attrNameLst>
+                                      </p:cBhvr>
+                                      <p:to>
+                                        <p:strVal val="visible"/>
+                                      </p:to>
+                                    </p:set>
+                                    <p:animEffect transition="in" filter="fade">
+                                      <p:cBhvr>
+                                        <p:cTn id="22" dur="500"/>
+                                        <p:tgtEl>
+                                          <p:spTgt spid="3">
+                                            <p:txEl>
+                                              <p:pRg st="4" end="4"/>
+                                            </p:txEl>
+                                          </p:spTgt>
+                                        </p:tgtEl>
+                                      </p:cBhvr>
+                                    </p:animEffect>
+                                  </p:childTnLst>
+                                </p:cTn>
+                              </p:par>
+                              <p:par>
+                                <p:cTn id="23" presetID="10" presetClass="entr" presetSubtype="0" fill="hold" nodeType="withEffect">
+                                  <p:stCondLst>
+                                    <p:cond delay="0"/>
+                                  </p:stCondLst>
+                                  <p:childTnLst>
+                                    <p:set>
+                                      <p:cBhvr>
+                                        <p:cTn id="24" dur="1" fill="hold">
+                                          <p:stCondLst>
+                                            <p:cond delay="0"/>
+                                          </p:stCondLst>
+                                        </p:cTn>
+                                        <p:tgtEl>
+                                          <p:spTgt spid="3">
+                                            <p:txEl>
+                                              <p:pRg st="5" end="5"/>
+                                            </p:txEl>
+                                          </p:spTgt>
+                                        </p:tgtEl>
+                                        <p:attrNameLst>
+                                          <p:attrName>style.visibility</p:attrName>
+                                        </p:attrNameLst>
+                                      </p:cBhvr>
+                                      <p:to>
+                                        <p:strVal val="visible"/>
+                                      </p:to>
+                                    </p:set>
+                                    <p:animEffect transition="in" filter="fade">
+                                      <p:cBhvr>
+                                        <p:cTn id="25" dur="500"/>
+                                        <p:tgtEl>
+                                          <p:spTgt spid="3">
+                                            <p:txEl>
+                                              <p:pRg st="5" end="5"/>
+                                            </p:txEl>
+                                          </p:spTgt>
+                                        </p:tgtEl>
+                                      </p:cBhvr>
+                                    </p:animEffect>
+                                  </p:childTnLst>
+                                </p:cTn>
+                              </p:par>
+                              <p:par>
+                                <p:cTn id="26" presetID="10" presetClass="entr" presetSubtype="0" fill="hold" nodeType="withEffect">
+                                  <p:stCondLst>
+                                    <p:cond delay="0"/>
+                                  </p:stCondLst>
+                                  <p:childTnLst>
+                                    <p:set>
+                                      <p:cBhvr>
+                                        <p:cTn id="27" dur="1" fill="hold">
+                                          <p:stCondLst>
+                                            <p:cond delay="0"/>
+                                          </p:stCondLst>
+                                        </p:cTn>
+                                        <p:tgtEl>
+                                          <p:spTgt spid="3">
+                                            <p:txEl>
+                                              <p:pRg st="6" end="6"/>
+                                            </p:txEl>
+                                          </p:spTgt>
+                                        </p:tgtEl>
+                                        <p:attrNameLst>
+                                          <p:attrName>style.visibility</p:attrName>
+                                        </p:attrNameLst>
+                                      </p:cBhvr>
+                                      <p:to>
+                                        <p:strVal val="visible"/>
+                                      </p:to>
+                                    </p:set>
+                                    <p:animEffect transition="in" filter="fade">
+                                      <p:cBhvr>
+                                        <p:cTn id="28" dur="500"/>
+                                        <p:tgtEl>
+                                          <p:spTgt spid="3">
+                                            <p:txEl>
+                                              <p:pRg st="6" end="6"/>
+                                            </p:txEl>
+                                          </p:spTgt>
+                                        </p:tgtEl>
+                                      </p:cBhvr>
+                                    </p:animEffect>
+                                  </p:childTnLst>
+                                </p:cTn>
+                              </p:par>
+                              <p:par>
+                                <p:cTn id="29" presetID="10" presetClass="entr" presetSubtype="0" fill="hold" nodeType="withEffect">
+                                  <p:stCondLst>
+                                    <p:cond delay="0"/>
+                                  </p:stCondLst>
+                                  <p:childTnLst>
+                                    <p:set>
+                                      <p:cBhvr>
+                                        <p:cTn id="30" dur="1" fill="hold">
+                                          <p:stCondLst>
+                                            <p:cond delay="0"/>
+                                          </p:stCondLst>
+                                        </p:cTn>
+                                        <p:tgtEl>
+                                          <p:spTgt spid="3">
+                                            <p:txEl>
+                                              <p:pRg st="7" end="7"/>
+                                            </p:txEl>
+                                          </p:spTgt>
+                                        </p:tgtEl>
+                                        <p:attrNameLst>
+                                          <p:attrName>style.visibility</p:attrName>
+                                        </p:attrNameLst>
+                                      </p:cBhvr>
+                                      <p:to>
+                                        <p:strVal val="visible"/>
+                                      </p:to>
+                                    </p:set>
+                                    <p:animEffect transition="in" filter="fade">
+                                      <p:cBhvr>
+                                        <p:cTn id="31" dur="500"/>
+                                        <p:tgtEl>
+                                          <p:spTgt spid="3">
+                                            <p:txEl>
+                                              <p:pRg st="7" end="7"/>
+                                            </p:txEl>
+                                          </p:spTgt>
+                                        </p:tgtEl>
+                                      </p:cBhvr>
+                                    </p:animEffect>
+                                  </p:childTnLst>
+                                </p:cTn>
+                              </p:par>
+                            </p:childTnLst>
+                          </p:cTn>
+                        </p:par>
+                      </p:childTnLst>
+                    </p:cTn>
+                  </p:par>
+                </p:childTnLst>
+              </p:cTn>
+              <p:prevCondLst>
+                <p:cond evt="onPrev" delay="0">
+                  <p:tgtEl>
+                    <p:sldTgt/>
+                  </p:tgtEl>
+                </p:cond>
+              </p:prevCondLst>
+              <p:nextCondLst>
+                <p:cond evt="onNext" delay="0">
+                  <p:tgtEl>
+                    <p:sldTgt/>
+                  </p:tgtEl>
+                </p:cond>
+              </p:nextCondLst>
+            </p:seq>
+          </p:childTnLst>
+        </p:cTn>
+      </p:par>
+    </p:tnLst>
+  </p:timing>
 </p:sld>
 </file>
 
@@ -13965,45 +15933,6 @@
       </p:grpSpPr>
       <p:sp>
         <p:nvSpPr>
-          <p:cNvPr id="2" name="Title 1">
-            <a:extLst>
-              <a:ext uri="{FF2B5EF4-FFF2-40B4-BE49-F238E27FC236}">
-                <a16:creationId xmlns:a16="http://schemas.microsoft.com/office/drawing/2014/main" id="{1BEC2CD8-FEAD-7CBA-B946-E287D257C4C1}"/>
-              </a:ext>
-            </a:extLst>
-          </p:cNvPr>
-          <p:cNvSpPr>
-            <a:spLocks noGrp="1"/>
-          </p:cNvSpPr>
-          <p:nvPr>
-            <p:ph type="title" idx="4294967295"/>
-          </p:nvPr>
-        </p:nvSpPr>
-        <p:spPr>
-          <a:xfrm>
-            <a:off x="0" y="365125"/>
-            <a:ext cx="10515600" cy="1325563"/>
-          </a:xfrm>
-        </p:spPr>
-        <p:txBody>
-          <a:bodyPr/>
-          <a:lstStyle/>
-          <a:p>
-            <a:r>
-              <a:rPr lang="en-US" sz="1800" b="0" i="0" u="none" strike="noStrike" baseline="0" dirty="0">
-                <a:solidFill>
-                  <a:srgbClr val="000000"/>
-                </a:solidFill>
-                <a:latin typeface="Avenir Next LT Pro" panose="020B0504020202020204" pitchFamily="34" charset="0"/>
-              </a:rPr>
-              <a:t>Summary of Analytical Approach (BCPA)</a:t>
-            </a:r>
-            <a:endParaRPr lang="en-US" dirty="0"/>
-          </a:p>
-        </p:txBody>
-      </p:sp>
-      <p:sp>
-        <p:nvSpPr>
           <p:cNvPr id="3" name="Content Placeholder 2">
             <a:extLst>
               <a:ext uri="{FF2B5EF4-FFF2-40B4-BE49-F238E27FC236}">
@@ -14020,12 +15949,14 @@
         </p:nvSpPr>
         <p:spPr>
           <a:xfrm>
-            <a:off x="0" y="1825625"/>
-            <a:ext cx="10515600" cy="4351338"/>
+            <a:off x="743712" y="1130680"/>
+            <a:ext cx="11448288" cy="5245735"/>
           </a:xfrm>
         </p:spPr>
         <p:txBody>
-          <a:bodyPr/>
+          <a:bodyPr>
+            <a:normAutofit/>
+          </a:bodyPr>
           <a:lstStyle/>
           <a:p>
             <a:pPr algn="l"/>
@@ -14038,142 +15969,163 @@
           </a:p>
           <a:p>
             <a:r>
-              <a:rPr lang="en-US" sz="1800" b="0" i="0" u="none" strike="noStrike" baseline="0" dirty="0">
+              <a:rPr lang="en-US" sz="2600" b="0" i="0" u="none" strike="noStrike" baseline="0" dirty="0">
                 <a:solidFill>
                   <a:srgbClr val="000000"/>
                 </a:solidFill>
-                <a:latin typeface="Avenir Next LT Pro" panose="020B0504020202020204" pitchFamily="34" charset="0"/>
+                <a:latin typeface="+mj-lt"/>
               </a:rPr>
               <a:t>Moving window of fixed size swept across data</a:t>
             </a:r>
           </a:p>
           <a:p>
             <a:r>
-              <a:rPr lang="en-US" sz="1800" b="0" i="0" u="none" strike="noStrike" baseline="0" dirty="0">
+              <a:rPr lang="en-US" sz="2600" b="0" i="0" u="none" strike="noStrike" baseline="0" dirty="0">
                 <a:solidFill>
                   <a:srgbClr val="000000"/>
                 </a:solidFill>
-                <a:latin typeface="Arial" panose="020B0604020202020204" pitchFamily="34" charset="0"/>
-              </a:rPr>
-              <a:t>•</a:t>
-            </a:r>
-            <a:r>
-              <a:rPr lang="en-US" sz="1800" b="0" i="0" u="none" strike="noStrike" baseline="0" dirty="0">
+                <a:latin typeface="+mj-lt"/>
+              </a:rPr>
+              <a:t>3 parameters estimated</a:t>
+            </a:r>
+          </a:p>
+          <a:p>
+            <a:pPr lvl="1"/>
+            <a:r>
+              <a:rPr lang="en-US" sz="2200" b="0" i="0" u="none" strike="noStrike" baseline="0" dirty="0">
                 <a:solidFill>
                   <a:srgbClr val="000000"/>
                 </a:solidFill>
-                <a:latin typeface="Avenir Next LT Pro" panose="020B0504020202020204" pitchFamily="34" charset="0"/>
-              </a:rPr>
-              <a:t>3 parameters </a:t>
-            </a:r>
-            <a:r>
-              <a:rPr lang="en-US" sz="1800" b="0" i="0" u="none" strike="noStrike" baseline="0" dirty="0" err="1">
+                <a:latin typeface="+mj-lt"/>
+              </a:rPr>
+              <a:t>Mean, variance, autocorrelation time scale</a:t>
+            </a:r>
+          </a:p>
+          <a:p>
+            <a:r>
+              <a:rPr lang="en-US" sz="2600" b="0" i="0" u="none" strike="noStrike" baseline="0" dirty="0">
                 <a:solidFill>
                   <a:srgbClr val="000000"/>
                 </a:solidFill>
-                <a:latin typeface="Avenir Next LT Pro" panose="020B0504020202020204" pitchFamily="34" charset="0"/>
-              </a:rPr>
-              <a:t>estimatedMean</a:t>
-            </a:r>
-            <a:r>
-              <a:rPr lang="en-US" sz="1800" b="0" i="0" u="none" strike="noStrike" baseline="0" dirty="0">
+                <a:latin typeface="+mj-lt"/>
+              </a:rPr>
+              <a:t>Identify locations in window which split data into two sets of the 3 parameters </a:t>
+            </a:r>
+          </a:p>
+          <a:p>
+            <a:pPr lvl="1"/>
+            <a:r>
+              <a:rPr lang="en-US" sz="2200" b="0" i="0" u="none" strike="noStrike" baseline="0" dirty="0">
                 <a:solidFill>
                   <a:srgbClr val="000000"/>
                 </a:solidFill>
-                <a:latin typeface="Avenir Next LT Pro" panose="020B0504020202020204" pitchFamily="34" charset="0"/>
-              </a:rPr>
-              <a:t>, variance, autocorrelation time scale</a:t>
-            </a:r>
-          </a:p>
-          <a:p>
-            <a:endParaRPr lang="en-US" sz="1800" b="0" i="0" u="none" strike="noStrike" baseline="0" dirty="0">
-              <a:solidFill>
-                <a:srgbClr val="000000"/>
-              </a:solidFill>
-              <a:latin typeface="Avenir Next LT Pro" panose="020B0504020202020204" pitchFamily="34" charset="0"/>
-            </a:endParaRPr>
-          </a:p>
-          <a:p>
-            <a:r>
-              <a:rPr lang="en-US" sz="1800" b="0" i="0" u="none" strike="noStrike" baseline="0" dirty="0">
+                <a:latin typeface="+mj-lt"/>
+              </a:rPr>
+              <a:t>Identify which of the three parameters describes the separation in the data</a:t>
+            </a:r>
+          </a:p>
+          <a:p>
+            <a:pPr lvl="1"/>
+            <a:r>
+              <a:rPr lang="en-US" sz="2200" b="0" i="0" u="none" strike="noStrike" baseline="0" dirty="0">
                 <a:solidFill>
                   <a:srgbClr val="000000"/>
                 </a:solidFill>
-                <a:latin typeface="Arial" panose="020B0604020202020204" pitchFamily="34" charset="0"/>
-              </a:rPr>
-              <a:t>•</a:t>
-            </a:r>
-            <a:r>
-              <a:rPr lang="en-US" sz="1800" b="0" i="0" u="none" strike="noStrike" baseline="0" dirty="0">
+                <a:latin typeface="+mj-lt"/>
+              </a:rPr>
+              <a:t>Could be null model, meaning no separation in any</a:t>
+            </a:r>
+          </a:p>
+          <a:p>
+            <a:r>
+              <a:rPr lang="en-US" sz="2600" b="0" i="0" u="none" strike="noStrike" baseline="0" dirty="0">
                 <a:solidFill>
                   <a:srgbClr val="000000"/>
                 </a:solidFill>
-                <a:latin typeface="Avenir Next LT Pro" panose="020B0504020202020204" pitchFamily="34" charset="0"/>
-              </a:rPr>
-              <a:t>Identify locations in window which split data into two sets of the 3 parameters Identify which of the three parameters describes the separation in the data</a:t>
-            </a:r>
-          </a:p>
-          <a:p>
-            <a:r>
-              <a:rPr lang="en-US" sz="1800" b="0" i="0" u="none" strike="noStrike" baseline="0" dirty="0">
+                <a:latin typeface="+mj-lt"/>
+              </a:rPr>
+              <a:t>All change points recorded and parameters estimated on either side of change</a:t>
+            </a:r>
+          </a:p>
+          <a:p>
+            <a:r>
+              <a:rPr lang="en-US" sz="2600" b="0" i="0" u="none" strike="noStrike" baseline="0" dirty="0">
                 <a:solidFill>
                   <a:srgbClr val="000000"/>
                 </a:solidFill>
-                <a:latin typeface="Avenir Next LT Pro" panose="020B0504020202020204" pitchFamily="34" charset="0"/>
-              </a:rPr>
-              <a:t>Could be null model, meaning no separation in any</a:t>
-            </a:r>
-          </a:p>
-          <a:p>
-            <a:endParaRPr lang="en-US" sz="1800" b="0" i="0" u="none" strike="noStrike" baseline="0" dirty="0">
-              <a:solidFill>
-                <a:srgbClr val="000000"/>
-              </a:solidFill>
-              <a:latin typeface="Avenir Next LT Pro" panose="020B0504020202020204" pitchFamily="34" charset="0"/>
-            </a:endParaRPr>
-          </a:p>
-          <a:p>
-            <a:r>
-              <a:rPr lang="en-US" sz="1800" b="0" i="0" u="none" strike="noStrike" baseline="0" dirty="0">
+                <a:latin typeface="+mj-lt"/>
+              </a:rPr>
+              <a:t>Which parameters change and how, which gives clue to the behavior change</a:t>
+            </a:r>
+          </a:p>
+          <a:p>
+            <a:endParaRPr lang="en-US" dirty="0"/>
+          </a:p>
+        </p:txBody>
+      </p:sp>
+      <p:sp>
+        <p:nvSpPr>
+          <p:cNvPr id="4" name="Title 1">
+            <a:extLst>
+              <a:ext uri="{FF2B5EF4-FFF2-40B4-BE49-F238E27FC236}">
+                <a16:creationId xmlns:a16="http://schemas.microsoft.com/office/drawing/2014/main" id="{D5A7E05D-435A-A0FF-1A55-79825271A95B}"/>
+              </a:ext>
+            </a:extLst>
+          </p:cNvPr>
+          <p:cNvSpPr txBox="1">
+            <a:spLocks/>
+          </p:cNvSpPr>
+          <p:nvPr/>
+        </p:nvSpPr>
+        <p:spPr>
+          <a:xfrm>
+            <a:off x="496675" y="322824"/>
+            <a:ext cx="10515600" cy="1325563"/>
+          </a:xfrm>
+          <a:prstGeom prst="rect">
+            <a:avLst/>
+          </a:prstGeom>
+        </p:spPr>
+        <p:txBody>
+          <a:bodyPr vert="horz" lIns="91440" tIns="45720" rIns="91440" bIns="45720" rtlCol="0" anchor="ctr">
+            <a:normAutofit/>
+          </a:bodyPr>
+          <a:lstStyle>
+            <a:lvl1pPr algn="l" defTabSz="914400" rtl="0" eaLnBrk="1" latinLnBrk="0" hangingPunct="1">
+              <a:lnSpc>
+                <a:spcPct val="90000"/>
+              </a:lnSpc>
+              <a:spcBef>
+                <a:spcPct val="0"/>
+              </a:spcBef>
+              <a:buNone/>
+              <a:defRPr sz="4400" kern="1200">
+                <a:solidFill>
+                  <a:schemeClr val="tx1"/>
+                </a:solidFill>
+                <a:latin typeface="+mj-lt"/>
+                <a:ea typeface="+mj-ea"/>
+                <a:cs typeface="+mj-cs"/>
+              </a:defRPr>
+            </a:lvl1pPr>
+          </a:lstStyle>
+          <a:p>
+            <a:r>
+              <a:rPr lang="en-US" sz="3200" b="1" dirty="0">
                 <a:solidFill>
                   <a:srgbClr val="000000"/>
                 </a:solidFill>
-                <a:latin typeface="Arial" panose="020B0604020202020204" pitchFamily="34" charset="0"/>
-              </a:rPr>
-              <a:t>•</a:t>
-            </a:r>
-            <a:r>
-              <a:rPr lang="en-US" sz="1800" b="0" i="0" u="none" strike="noStrike" baseline="0" dirty="0">
+              </a:rPr>
+              <a:t>Summary of Analytical Approach (BCPA)</a:t>
+            </a:r>
+            <a:br>
+              <a:rPr lang="en-US" sz="3200" b="1" dirty="0">
                 <a:solidFill>
                   <a:srgbClr val="000000"/>
                 </a:solidFill>
-                <a:latin typeface="Avenir Next LT Pro" panose="020B0504020202020204" pitchFamily="34" charset="0"/>
-              </a:rPr>
-              <a:t>All changepoints recorded and parameters estimated on either side of change</a:t>
-            </a:r>
-          </a:p>
-          <a:p>
-            <a:r>
-              <a:rPr lang="en-US" sz="1800" b="0" i="0" u="none" strike="noStrike" baseline="0" dirty="0">
-                <a:solidFill>
-                  <a:srgbClr val="000000"/>
-                </a:solidFill>
-                <a:latin typeface="Arial" panose="020B0604020202020204" pitchFamily="34" charset="0"/>
-              </a:rPr>
-              <a:t>•</a:t>
-            </a:r>
-            <a:r>
-              <a:rPr lang="en-US" sz="1800" b="0" i="0" u="none" strike="noStrike" baseline="0" dirty="0">
-                <a:solidFill>
-                  <a:srgbClr val="000000"/>
-                </a:solidFill>
-                <a:latin typeface="Avenir Next LT Pro" panose="020B0504020202020204" pitchFamily="34" charset="0"/>
-              </a:rPr>
-              <a:t>Which parameters change, and how, gives clue to the behavior change</a:t>
-            </a:r>
-          </a:p>
-          <a:p>
-            <a:endParaRPr lang="en-US" dirty="0"/>
+              </a:rPr>
+            </a:br>
+            <a:endParaRPr lang="en-US" sz="3200" b="1" dirty="0"/>
           </a:p>
         </p:txBody>
       </p:sp>
@@ -14187,6 +16139,470 @@
   <p:clrMapOvr>
     <a:masterClrMapping/>
   </p:clrMapOvr>
+  <p:timing>
+    <p:tnLst>
+      <p:par>
+        <p:cTn id="1" dur="indefinite" restart="never" nodeType="tmRoot">
+          <p:childTnLst>
+            <p:seq concurrent="1" nextAc="seek">
+              <p:cTn id="2" dur="indefinite" nodeType="mainSeq">
+                <p:childTnLst>
+                  <p:par>
+                    <p:cTn id="3" fill="hold">
+                      <p:stCondLst>
+                        <p:cond delay="indefinite"/>
+                      </p:stCondLst>
+                      <p:childTnLst>
+                        <p:par>
+                          <p:cTn id="4" fill="hold">
+                            <p:stCondLst>
+                              <p:cond delay="0"/>
+                            </p:stCondLst>
+                            <p:childTnLst>
+                              <p:par>
+                                <p:cTn id="5" presetID="10" presetClass="entr" presetSubtype="0" fill="hold" nodeType="clickEffect">
+                                  <p:stCondLst>
+                                    <p:cond delay="0"/>
+                                  </p:stCondLst>
+                                  <p:childTnLst>
+                                    <p:set>
+                                      <p:cBhvr>
+                                        <p:cTn id="6" dur="1" fill="hold">
+                                          <p:stCondLst>
+                                            <p:cond delay="0"/>
+                                          </p:stCondLst>
+                                        </p:cTn>
+                                        <p:tgtEl>
+                                          <p:spTgt spid="3">
+                                            <p:txEl>
+                                              <p:pRg st="1" end="1"/>
+                                            </p:txEl>
+                                          </p:spTgt>
+                                        </p:tgtEl>
+                                        <p:attrNameLst>
+                                          <p:attrName>style.visibility</p:attrName>
+                                        </p:attrNameLst>
+                                      </p:cBhvr>
+                                      <p:to>
+                                        <p:strVal val="visible"/>
+                                      </p:to>
+                                    </p:set>
+                                    <p:animEffect transition="in" filter="fade">
+                                      <p:cBhvr>
+                                        <p:cTn id="7" dur="500"/>
+                                        <p:tgtEl>
+                                          <p:spTgt spid="3">
+                                            <p:txEl>
+                                              <p:pRg st="1" end="1"/>
+                                            </p:txEl>
+                                          </p:spTgt>
+                                        </p:tgtEl>
+                                      </p:cBhvr>
+                                    </p:animEffect>
+                                  </p:childTnLst>
+                                </p:cTn>
+                              </p:par>
+                            </p:childTnLst>
+                          </p:cTn>
+                        </p:par>
+                      </p:childTnLst>
+                    </p:cTn>
+                  </p:par>
+                  <p:par>
+                    <p:cTn id="8" fill="hold">
+                      <p:stCondLst>
+                        <p:cond delay="indefinite"/>
+                      </p:stCondLst>
+                      <p:childTnLst>
+                        <p:par>
+                          <p:cTn id="9" fill="hold">
+                            <p:stCondLst>
+                              <p:cond delay="0"/>
+                            </p:stCondLst>
+                            <p:childTnLst>
+                              <p:par>
+                                <p:cTn id="10" presetID="10" presetClass="entr" presetSubtype="0" fill="hold" nodeType="clickEffect">
+                                  <p:stCondLst>
+                                    <p:cond delay="0"/>
+                                  </p:stCondLst>
+                                  <p:childTnLst>
+                                    <p:set>
+                                      <p:cBhvr>
+                                        <p:cTn id="11" dur="1" fill="hold">
+                                          <p:stCondLst>
+                                            <p:cond delay="0"/>
+                                          </p:stCondLst>
+                                        </p:cTn>
+                                        <p:tgtEl>
+                                          <p:spTgt spid="3">
+                                            <p:txEl>
+                                              <p:pRg st="2" end="2"/>
+                                            </p:txEl>
+                                          </p:spTgt>
+                                        </p:tgtEl>
+                                        <p:attrNameLst>
+                                          <p:attrName>style.visibility</p:attrName>
+                                        </p:attrNameLst>
+                                      </p:cBhvr>
+                                      <p:to>
+                                        <p:strVal val="visible"/>
+                                      </p:to>
+                                    </p:set>
+                                    <p:animEffect transition="in" filter="fade">
+                                      <p:cBhvr>
+                                        <p:cTn id="12" dur="500"/>
+                                        <p:tgtEl>
+                                          <p:spTgt spid="3">
+                                            <p:txEl>
+                                              <p:pRg st="2" end="2"/>
+                                            </p:txEl>
+                                          </p:spTgt>
+                                        </p:tgtEl>
+                                      </p:cBhvr>
+                                    </p:animEffect>
+                                  </p:childTnLst>
+                                </p:cTn>
+                              </p:par>
+                              <p:par>
+                                <p:cTn id="13" presetID="10" presetClass="entr" presetSubtype="0" fill="hold" nodeType="withEffect">
+                                  <p:stCondLst>
+                                    <p:cond delay="0"/>
+                                  </p:stCondLst>
+                                  <p:childTnLst>
+                                    <p:set>
+                                      <p:cBhvr>
+                                        <p:cTn id="14" dur="1" fill="hold">
+                                          <p:stCondLst>
+                                            <p:cond delay="0"/>
+                                          </p:stCondLst>
+                                        </p:cTn>
+                                        <p:tgtEl>
+                                          <p:spTgt spid="3">
+                                            <p:txEl>
+                                              <p:pRg st="3" end="3"/>
+                                            </p:txEl>
+                                          </p:spTgt>
+                                        </p:tgtEl>
+                                        <p:attrNameLst>
+                                          <p:attrName>style.visibility</p:attrName>
+                                        </p:attrNameLst>
+                                      </p:cBhvr>
+                                      <p:to>
+                                        <p:strVal val="visible"/>
+                                      </p:to>
+                                    </p:set>
+                                    <p:animEffect transition="in" filter="fade">
+                                      <p:cBhvr>
+                                        <p:cTn id="15" dur="500"/>
+                                        <p:tgtEl>
+                                          <p:spTgt spid="3">
+                                            <p:txEl>
+                                              <p:pRg st="3" end="3"/>
+                                            </p:txEl>
+                                          </p:spTgt>
+                                        </p:tgtEl>
+                                      </p:cBhvr>
+                                    </p:animEffect>
+                                  </p:childTnLst>
+                                </p:cTn>
+                              </p:par>
+                            </p:childTnLst>
+                          </p:cTn>
+                        </p:par>
+                      </p:childTnLst>
+                    </p:cTn>
+                  </p:par>
+                  <p:par>
+                    <p:cTn id="16" fill="hold">
+                      <p:stCondLst>
+                        <p:cond delay="indefinite"/>
+                      </p:stCondLst>
+                      <p:childTnLst>
+                        <p:par>
+                          <p:cTn id="17" fill="hold">
+                            <p:stCondLst>
+                              <p:cond delay="0"/>
+                            </p:stCondLst>
+                            <p:childTnLst>
+                              <p:par>
+                                <p:cTn id="18" presetID="10" presetClass="entr" presetSubtype="0" fill="hold" nodeType="clickEffect">
+                                  <p:stCondLst>
+                                    <p:cond delay="0"/>
+                                  </p:stCondLst>
+                                  <p:childTnLst>
+                                    <p:set>
+                                      <p:cBhvr>
+                                        <p:cTn id="19" dur="1" fill="hold">
+                                          <p:stCondLst>
+                                            <p:cond delay="0"/>
+                                          </p:stCondLst>
+                                        </p:cTn>
+                                        <p:tgtEl>
+                                          <p:spTgt spid="3">
+                                            <p:txEl>
+                                              <p:pRg st="4" end="4"/>
+                                            </p:txEl>
+                                          </p:spTgt>
+                                        </p:tgtEl>
+                                        <p:attrNameLst>
+                                          <p:attrName>style.visibility</p:attrName>
+                                        </p:attrNameLst>
+                                      </p:cBhvr>
+                                      <p:to>
+                                        <p:strVal val="visible"/>
+                                      </p:to>
+                                    </p:set>
+                                    <p:animEffect transition="in" filter="fade">
+                                      <p:cBhvr>
+                                        <p:cTn id="20" dur="500"/>
+                                        <p:tgtEl>
+                                          <p:spTgt spid="3">
+                                            <p:txEl>
+                                              <p:pRg st="4" end="4"/>
+                                            </p:txEl>
+                                          </p:spTgt>
+                                        </p:tgtEl>
+                                      </p:cBhvr>
+                                    </p:animEffect>
+                                  </p:childTnLst>
+                                </p:cTn>
+                              </p:par>
+                              <p:par>
+                                <p:cTn id="21" presetID="10" presetClass="entr" presetSubtype="0" fill="hold" nodeType="withEffect">
+                                  <p:stCondLst>
+                                    <p:cond delay="0"/>
+                                  </p:stCondLst>
+                                  <p:childTnLst>
+                                    <p:set>
+                                      <p:cBhvr>
+                                        <p:cTn id="22" dur="1" fill="hold">
+                                          <p:stCondLst>
+                                            <p:cond delay="0"/>
+                                          </p:stCondLst>
+                                        </p:cTn>
+                                        <p:tgtEl>
+                                          <p:spTgt spid="3">
+                                            <p:txEl>
+                                              <p:pRg st="5" end="5"/>
+                                            </p:txEl>
+                                          </p:spTgt>
+                                        </p:tgtEl>
+                                        <p:attrNameLst>
+                                          <p:attrName>style.visibility</p:attrName>
+                                        </p:attrNameLst>
+                                      </p:cBhvr>
+                                      <p:to>
+                                        <p:strVal val="visible"/>
+                                      </p:to>
+                                    </p:set>
+                                    <p:animEffect transition="in" filter="fade">
+                                      <p:cBhvr>
+                                        <p:cTn id="23" dur="500"/>
+                                        <p:tgtEl>
+                                          <p:spTgt spid="3">
+                                            <p:txEl>
+                                              <p:pRg st="5" end="5"/>
+                                            </p:txEl>
+                                          </p:spTgt>
+                                        </p:tgtEl>
+                                      </p:cBhvr>
+                                    </p:animEffect>
+                                  </p:childTnLst>
+                                </p:cTn>
+                              </p:par>
+                              <p:par>
+                                <p:cTn id="24" presetID="10" presetClass="entr" presetSubtype="0" fill="hold" nodeType="withEffect">
+                                  <p:stCondLst>
+                                    <p:cond delay="0"/>
+                                  </p:stCondLst>
+                                  <p:childTnLst>
+                                    <p:set>
+                                      <p:cBhvr>
+                                        <p:cTn id="25" dur="1" fill="hold">
+                                          <p:stCondLst>
+                                            <p:cond delay="0"/>
+                                          </p:stCondLst>
+                                        </p:cTn>
+                                        <p:tgtEl>
+                                          <p:spTgt spid="3">
+                                            <p:txEl>
+                                              <p:pRg st="6" end="6"/>
+                                            </p:txEl>
+                                          </p:spTgt>
+                                        </p:tgtEl>
+                                        <p:attrNameLst>
+                                          <p:attrName>style.visibility</p:attrName>
+                                        </p:attrNameLst>
+                                      </p:cBhvr>
+                                      <p:to>
+                                        <p:strVal val="visible"/>
+                                      </p:to>
+                                    </p:set>
+                                    <p:animEffect transition="in" filter="fade">
+                                      <p:cBhvr>
+                                        <p:cTn id="26" dur="500"/>
+                                        <p:tgtEl>
+                                          <p:spTgt spid="3">
+                                            <p:txEl>
+                                              <p:pRg st="6" end="6"/>
+                                            </p:txEl>
+                                          </p:spTgt>
+                                        </p:tgtEl>
+                                      </p:cBhvr>
+                                    </p:animEffect>
+                                  </p:childTnLst>
+                                </p:cTn>
+                              </p:par>
+                            </p:childTnLst>
+                          </p:cTn>
+                        </p:par>
+                      </p:childTnLst>
+                    </p:cTn>
+                  </p:par>
+                  <p:par>
+                    <p:cTn id="27" fill="hold">
+                      <p:stCondLst>
+                        <p:cond delay="indefinite"/>
+                      </p:stCondLst>
+                      <p:childTnLst>
+                        <p:par>
+                          <p:cTn id="28" fill="hold">
+                            <p:stCondLst>
+                              <p:cond delay="0"/>
+                            </p:stCondLst>
+                            <p:childTnLst>
+                              <p:par>
+                                <p:cTn id="29" presetID="10" presetClass="entr" presetSubtype="0" fill="hold" nodeType="clickEffect">
+                                  <p:stCondLst>
+                                    <p:cond delay="0"/>
+                                  </p:stCondLst>
+                                  <p:childTnLst>
+                                    <p:set>
+                                      <p:cBhvr>
+                                        <p:cTn id="30" dur="1" fill="hold">
+                                          <p:stCondLst>
+                                            <p:cond delay="0"/>
+                                          </p:stCondLst>
+                                        </p:cTn>
+                                        <p:tgtEl>
+                                          <p:spTgt spid="3">
+                                            <p:txEl>
+                                              <p:pRg st="7" end="7"/>
+                                            </p:txEl>
+                                          </p:spTgt>
+                                        </p:tgtEl>
+                                        <p:attrNameLst>
+                                          <p:attrName>style.visibility</p:attrName>
+                                        </p:attrNameLst>
+                                      </p:cBhvr>
+                                      <p:to>
+                                        <p:strVal val="visible"/>
+                                      </p:to>
+                                    </p:set>
+                                    <p:animEffect transition="in" filter="fade">
+                                      <p:cBhvr>
+                                        <p:cTn id="31" dur="500"/>
+                                        <p:tgtEl>
+                                          <p:spTgt spid="3">
+                                            <p:txEl>
+                                              <p:pRg st="7" end="7"/>
+                                            </p:txEl>
+                                          </p:spTgt>
+                                        </p:tgtEl>
+                                      </p:cBhvr>
+                                    </p:animEffect>
+                                  </p:childTnLst>
+                                </p:cTn>
+                              </p:par>
+                            </p:childTnLst>
+                          </p:cTn>
+                        </p:par>
+                      </p:childTnLst>
+                    </p:cTn>
+                  </p:par>
+                  <p:par>
+                    <p:cTn id="32" fill="hold">
+                      <p:stCondLst>
+                        <p:cond delay="indefinite"/>
+                      </p:stCondLst>
+                      <p:childTnLst>
+                        <p:par>
+                          <p:cTn id="33" fill="hold">
+                            <p:stCondLst>
+                              <p:cond delay="0"/>
+                            </p:stCondLst>
+                            <p:childTnLst>
+                              <p:par>
+                                <p:cTn id="34" presetID="10" presetClass="entr" presetSubtype="0" fill="hold" nodeType="clickEffect">
+                                  <p:stCondLst>
+                                    <p:cond delay="0"/>
+                                  </p:stCondLst>
+                                  <p:childTnLst>
+                                    <p:set>
+                                      <p:cBhvr>
+                                        <p:cTn id="35" dur="1" fill="hold">
+                                          <p:stCondLst>
+                                            <p:cond delay="0"/>
+                                          </p:stCondLst>
+                                        </p:cTn>
+                                        <p:tgtEl>
+                                          <p:spTgt spid="3">
+                                            <p:txEl>
+                                              <p:pRg st="8" end="8"/>
+                                            </p:txEl>
+                                          </p:spTgt>
+                                        </p:tgtEl>
+                                        <p:attrNameLst>
+                                          <p:attrName>style.visibility</p:attrName>
+                                        </p:attrNameLst>
+                                      </p:cBhvr>
+                                      <p:to>
+                                        <p:strVal val="visible"/>
+                                      </p:to>
+                                    </p:set>
+                                    <p:animEffect transition="in" filter="fade">
+                                      <p:cBhvr>
+                                        <p:cTn id="36" dur="500"/>
+                                        <p:tgtEl>
+                                          <p:spTgt spid="3">
+                                            <p:txEl>
+                                              <p:pRg st="8" end="8"/>
+                                            </p:txEl>
+                                          </p:spTgt>
+                                        </p:tgtEl>
+                                      </p:cBhvr>
+                                    </p:animEffect>
+                                  </p:childTnLst>
+                                </p:cTn>
+                              </p:par>
+                            </p:childTnLst>
+                          </p:cTn>
+                        </p:par>
+                      </p:childTnLst>
+                    </p:cTn>
+                  </p:par>
+                </p:childTnLst>
+              </p:cTn>
+              <p:prevCondLst>
+                <p:cond evt="onPrev" delay="0">
+                  <p:tgtEl>
+                    <p:sldTgt/>
+                  </p:tgtEl>
+                </p:cond>
+              </p:prevCondLst>
+              <p:nextCondLst>
+                <p:cond evt="onNext" delay="0">
+                  <p:tgtEl>
+                    <p:sldTgt/>
+                  </p:tgtEl>
+                </p:cond>
+              </p:nextCondLst>
+            </p:seq>
+          </p:childTnLst>
+        </p:cTn>
+      </p:par>
+    </p:tnLst>
+  </p:timing>
 </p:sld>
 </file>
 
@@ -14209,61 +16625,6 @@
       </p:grpSpPr>
       <p:sp>
         <p:nvSpPr>
-          <p:cNvPr id="2" name="Title 1">
-            <a:extLst>
-              <a:ext uri="{FF2B5EF4-FFF2-40B4-BE49-F238E27FC236}">
-                <a16:creationId xmlns:a16="http://schemas.microsoft.com/office/drawing/2014/main" id="{D243134F-E607-EBF2-062E-B4BBB48B74A4}"/>
-              </a:ext>
-            </a:extLst>
-          </p:cNvPr>
-          <p:cNvSpPr>
-            <a:spLocks noGrp="1"/>
-          </p:cNvSpPr>
-          <p:nvPr>
-            <p:ph type="title" idx="4294967295"/>
-          </p:nvPr>
-        </p:nvSpPr>
-        <p:spPr>
-          <a:xfrm>
-            <a:off x="0" y="365125"/>
-            <a:ext cx="10515600" cy="1325563"/>
-          </a:xfrm>
-        </p:spPr>
-        <p:txBody>
-          <a:bodyPr/>
-          <a:lstStyle/>
-          <a:p>
-            <a:r>
-              <a:rPr lang="en-US" sz="1800" b="0" i="0" u="none" strike="noStrike" baseline="0" dirty="0">
-                <a:solidFill>
-                  <a:srgbClr val="000000"/>
-                </a:solidFill>
-                <a:latin typeface="Avenir Next LT Pro" panose="020B0504020202020204" pitchFamily="34" charset="0"/>
-              </a:rPr>
-              <a:t>Key Points</a:t>
-            </a:r>
-            <a:br>
-              <a:rPr lang="en-US" sz="1800" b="0" i="0" u="none" strike="noStrike" baseline="0" dirty="0">
-                <a:solidFill>
-                  <a:srgbClr val="000000"/>
-                </a:solidFill>
-                <a:latin typeface="Avenir Next LT Pro" panose="020B0504020202020204" pitchFamily="34" charset="0"/>
-              </a:rPr>
-            </a:br>
-            <a:br>
-              <a:rPr lang="en-US" sz="1800" b="0" i="0" u="none" strike="noStrike" baseline="0" dirty="0">
-                <a:solidFill>
-                  <a:srgbClr val="000000"/>
-                </a:solidFill>
-                <a:latin typeface="Avenir Next LT Pro" panose="020B0504020202020204" pitchFamily="34" charset="0"/>
-              </a:rPr>
-            </a:br>
-            <a:endParaRPr lang="en-US" dirty="0"/>
-          </a:p>
-        </p:txBody>
-      </p:sp>
-      <p:sp>
-        <p:nvSpPr>
           <p:cNvPr id="3" name="Content Placeholder 2">
             <a:extLst>
               <a:ext uri="{FF2B5EF4-FFF2-40B4-BE49-F238E27FC236}">
@@ -14280,7 +16641,7 @@
         </p:nvSpPr>
         <p:spPr>
           <a:xfrm>
-            <a:off x="0" y="1825625"/>
+            <a:off x="838200" y="1118489"/>
             <a:ext cx="10515600" cy="4351338"/>
           </a:xfrm>
         </p:spPr>
@@ -14298,123 +16659,133 @@
           </a:p>
           <a:p>
             <a:r>
-              <a:rPr lang="en-US" sz="1800" b="0" i="0" u="none" strike="noStrike" baseline="0" dirty="0">
+              <a:rPr lang="en-US" sz="2400" b="0" i="0" u="none" strike="noStrike" baseline="0" dirty="0">
                 <a:solidFill>
                   <a:srgbClr val="000000"/>
                 </a:solidFill>
-                <a:latin typeface="Avenir Next LT Pro" panose="020B0504020202020204" pitchFamily="34" charset="0"/>
               </a:rPr>
               <a:t>Larger window size more robust but more coarse</a:t>
             </a:r>
           </a:p>
           <a:p>
             <a:r>
-              <a:rPr lang="en-US" sz="1800" b="0" i="0" u="none" strike="noStrike" baseline="0" dirty="0">
+              <a:rPr lang="en-US" sz="2400" b="0" i="0" u="none" strike="noStrike" baseline="0" dirty="0">
                 <a:solidFill>
                   <a:srgbClr val="000000"/>
                 </a:solidFill>
-                <a:latin typeface="Arial" panose="020B0604020202020204" pitchFamily="34" charset="0"/>
-              </a:rPr>
-              <a:t>•</a:t>
-            </a:r>
-            <a:r>
-              <a:rPr lang="en-US" sz="1800" b="0" i="0" u="none" strike="noStrike" baseline="0" dirty="0">
+              </a:rPr>
+              <a:t>Smaller window more sensitive but more likely to give spurious results</a:t>
+            </a:r>
+          </a:p>
+          <a:p>
+            <a:r>
+              <a:rPr lang="en-US" sz="2400" b="0" i="0" u="none" strike="noStrike" baseline="0" dirty="0">
                 <a:solidFill>
                   <a:srgbClr val="000000"/>
                 </a:solidFill>
-                <a:latin typeface="Avenir Next LT Pro" panose="020B0504020202020204" pitchFamily="34" charset="0"/>
-              </a:rPr>
-              <a:t>Smaller window more sensitive but more likely to give spurious results</a:t>
-            </a:r>
-          </a:p>
-          <a:p>
-            <a:r>
-              <a:rPr lang="en-US" sz="1800" b="0" i="0" u="none" strike="noStrike" baseline="0" dirty="0">
+              </a:rPr>
+              <a:t>Threshold parameter indicates how many windows must have selected the changepoint to be considered significant</a:t>
+            </a:r>
+          </a:p>
+          <a:p>
+            <a:pPr lvl="1"/>
+            <a:r>
+              <a:rPr lang="en-US" sz="2000" b="0" i="0" u="none" strike="noStrike" baseline="0" dirty="0">
                 <a:solidFill>
                   <a:srgbClr val="000000"/>
                 </a:solidFill>
-                <a:latin typeface="Arial" panose="020B0604020202020204" pitchFamily="34" charset="0"/>
-              </a:rPr>
-              <a:t>•</a:t>
-            </a:r>
-            <a:r>
-              <a:rPr lang="en-US" sz="1800" b="0" i="0" u="none" strike="noStrike" baseline="0" dirty="0">
+              </a:rPr>
+              <a:t>Results in dropping less significant changepoints</a:t>
+            </a:r>
+          </a:p>
+          <a:p>
+            <a:r>
+              <a:rPr lang="en-US" sz="2400" b="0" i="0" u="none" strike="noStrike" baseline="0" dirty="0">
                 <a:solidFill>
                   <a:srgbClr val="000000"/>
                 </a:solidFill>
-                <a:latin typeface="Avenir Next LT Pro" panose="020B0504020202020204" pitchFamily="34" charset="0"/>
-              </a:rPr>
-              <a:t>Threshold parameter indicates how many windows must have selected the changepoint to be considered </a:t>
-            </a:r>
-            <a:r>
-              <a:rPr lang="en-US" sz="1800" b="0" i="0" u="none" strike="noStrike" baseline="0" dirty="0" err="1">
+              </a:rPr>
+              <a:t>Flat vs. Smooth output</a:t>
+            </a:r>
+          </a:p>
+          <a:p>
+            <a:r>
+              <a:rPr lang="en-US" sz="2400" b="0" i="0" u="none" strike="noStrike" baseline="0" dirty="0">
                 <a:solidFill>
                   <a:srgbClr val="000000"/>
                 </a:solidFill>
-                <a:latin typeface="Avenir Next LT Pro" panose="020B0504020202020204" pitchFamily="34" charset="0"/>
-              </a:rPr>
-              <a:t>significantResults</a:t>
-            </a:r>
-            <a:r>
-              <a:rPr lang="en-US" sz="1800" b="0" i="0" u="none" strike="noStrike" baseline="0" dirty="0">
+              </a:rPr>
+              <a:t>Relatively complex model output and interpretation</a:t>
+            </a:r>
+          </a:p>
+          <a:p>
+            <a:endParaRPr lang="en-US" dirty="0"/>
+          </a:p>
+        </p:txBody>
+      </p:sp>
+      <p:sp>
+        <p:nvSpPr>
+          <p:cNvPr id="4" name="Title 1">
+            <a:extLst>
+              <a:ext uri="{FF2B5EF4-FFF2-40B4-BE49-F238E27FC236}">
+                <a16:creationId xmlns:a16="http://schemas.microsoft.com/office/drawing/2014/main" id="{195AFDF1-0B77-33C0-0749-02ACE284E2AA}"/>
+              </a:ext>
+            </a:extLst>
+          </p:cNvPr>
+          <p:cNvSpPr txBox="1">
+            <a:spLocks/>
+          </p:cNvSpPr>
+          <p:nvPr/>
+        </p:nvSpPr>
+        <p:spPr>
+          <a:xfrm>
+            <a:off x="496675" y="322824"/>
+            <a:ext cx="10515600" cy="1325563"/>
+          </a:xfrm>
+          <a:prstGeom prst="rect">
+            <a:avLst/>
+          </a:prstGeom>
+        </p:spPr>
+        <p:txBody>
+          <a:bodyPr vert="horz" lIns="91440" tIns="45720" rIns="91440" bIns="45720" rtlCol="0" anchor="ctr">
+            <a:normAutofit/>
+          </a:bodyPr>
+          <a:lstStyle>
+            <a:lvl1pPr algn="l" defTabSz="914400" rtl="0" eaLnBrk="1" latinLnBrk="0" hangingPunct="1">
+              <a:lnSpc>
+                <a:spcPct val="90000"/>
+              </a:lnSpc>
+              <a:spcBef>
+                <a:spcPct val="0"/>
+              </a:spcBef>
+              <a:buNone/>
+              <a:defRPr sz="4400" kern="1200">
+                <a:solidFill>
+                  <a:schemeClr val="tx1"/>
+                </a:solidFill>
+                <a:latin typeface="+mj-lt"/>
+                <a:ea typeface="+mj-ea"/>
+                <a:cs typeface="+mj-cs"/>
+              </a:defRPr>
+            </a:lvl1pPr>
+          </a:lstStyle>
+          <a:p>
+            <a:r>
+              <a:rPr lang="en-US" sz="3200" b="1" dirty="0">
                 <a:solidFill>
                   <a:srgbClr val="000000"/>
                 </a:solidFill>
-                <a:latin typeface="Avenir Next LT Pro" panose="020B0504020202020204" pitchFamily="34" charset="0"/>
-              </a:rPr>
-              <a:t> in dropping less significant changepoints</a:t>
-            </a:r>
-          </a:p>
-          <a:p>
-            <a:endParaRPr lang="en-US" sz="1800" b="0" i="0" u="none" strike="noStrike" baseline="0" dirty="0">
-              <a:solidFill>
-                <a:srgbClr val="000000"/>
-              </a:solidFill>
-              <a:latin typeface="Avenir Next LT Pro" panose="020B0504020202020204" pitchFamily="34" charset="0"/>
-            </a:endParaRPr>
-          </a:p>
-          <a:p>
-            <a:r>
-              <a:rPr lang="en-US" sz="1800" b="0" i="0" u="none" strike="noStrike" baseline="0" dirty="0">
+              </a:rPr>
+              <a:t>Key Points</a:t>
+            </a:r>
+            <a:br>
+              <a:rPr lang="en-US" sz="3200" b="1" dirty="0">
                 <a:solidFill>
                   <a:srgbClr val="000000"/>
                 </a:solidFill>
-                <a:latin typeface="Arial" panose="020B0604020202020204" pitchFamily="34" charset="0"/>
-              </a:rPr>
-              <a:t>•</a:t>
-            </a:r>
-            <a:r>
-              <a:rPr lang="en-US" sz="1800" b="0" i="0" u="none" strike="noStrike" baseline="0" dirty="0">
-                <a:solidFill>
-                  <a:srgbClr val="000000"/>
-                </a:solidFill>
-                <a:latin typeface="Avenir Next LT Pro" panose="020B0504020202020204" pitchFamily="34" charset="0"/>
-              </a:rPr>
-              <a:t>Flat vs. Smooth output</a:t>
-            </a:r>
-          </a:p>
-          <a:p>
-            <a:r>
-              <a:rPr lang="en-US" sz="1800" b="0" i="0" u="none" strike="noStrike" baseline="0" dirty="0">
-                <a:solidFill>
-                  <a:srgbClr val="000000"/>
-                </a:solidFill>
-                <a:latin typeface="Arial" panose="020B0604020202020204" pitchFamily="34" charset="0"/>
-              </a:rPr>
-              <a:t>•</a:t>
-            </a:r>
-            <a:r>
-              <a:rPr lang="en-US" sz="1800" b="0" i="0" u="none" strike="noStrike" baseline="0" dirty="0">
-                <a:solidFill>
-                  <a:srgbClr val="000000"/>
-                </a:solidFill>
-                <a:latin typeface="Avenir Next LT Pro" panose="020B0504020202020204" pitchFamily="34" charset="0"/>
-              </a:rPr>
-              <a:t>Relatively complex model output and interpretation</a:t>
-            </a:r>
-          </a:p>
-          <a:p>
-            <a:endParaRPr lang="en-US" dirty="0"/>
+              </a:rPr>
+            </a:br>
+            <a:endParaRPr lang="en-US" sz="3200" b="1" dirty="0"/>
           </a:p>
         </p:txBody>
       </p:sp>
@@ -14428,6 +16799,384 @@
   <p:clrMapOvr>
     <a:masterClrMapping/>
   </p:clrMapOvr>
+  <p:timing>
+    <p:tnLst>
+      <p:par>
+        <p:cTn id="1" dur="indefinite" restart="never" nodeType="tmRoot">
+          <p:childTnLst>
+            <p:seq concurrent="1" nextAc="seek">
+              <p:cTn id="2" dur="indefinite" nodeType="mainSeq">
+                <p:childTnLst>
+                  <p:par>
+                    <p:cTn id="3" fill="hold">
+                      <p:stCondLst>
+                        <p:cond delay="indefinite"/>
+                      </p:stCondLst>
+                      <p:childTnLst>
+                        <p:par>
+                          <p:cTn id="4" fill="hold">
+                            <p:stCondLst>
+                              <p:cond delay="0"/>
+                            </p:stCondLst>
+                            <p:childTnLst>
+                              <p:par>
+                                <p:cTn id="5" presetID="10" presetClass="entr" presetSubtype="0" fill="hold" nodeType="clickEffect">
+                                  <p:stCondLst>
+                                    <p:cond delay="0"/>
+                                  </p:stCondLst>
+                                  <p:childTnLst>
+                                    <p:set>
+                                      <p:cBhvr>
+                                        <p:cTn id="6" dur="1" fill="hold">
+                                          <p:stCondLst>
+                                            <p:cond delay="0"/>
+                                          </p:stCondLst>
+                                        </p:cTn>
+                                        <p:tgtEl>
+                                          <p:spTgt spid="3">
+                                            <p:txEl>
+                                              <p:pRg st="1" end="1"/>
+                                            </p:txEl>
+                                          </p:spTgt>
+                                        </p:tgtEl>
+                                        <p:attrNameLst>
+                                          <p:attrName>style.visibility</p:attrName>
+                                        </p:attrNameLst>
+                                      </p:cBhvr>
+                                      <p:to>
+                                        <p:strVal val="visible"/>
+                                      </p:to>
+                                    </p:set>
+                                    <p:animEffect transition="in" filter="fade">
+                                      <p:cBhvr>
+                                        <p:cTn id="7" dur="500"/>
+                                        <p:tgtEl>
+                                          <p:spTgt spid="3">
+                                            <p:txEl>
+                                              <p:pRg st="1" end="1"/>
+                                            </p:txEl>
+                                          </p:spTgt>
+                                        </p:tgtEl>
+                                      </p:cBhvr>
+                                    </p:animEffect>
+                                  </p:childTnLst>
+                                </p:cTn>
+                              </p:par>
+                            </p:childTnLst>
+                          </p:cTn>
+                        </p:par>
+                      </p:childTnLst>
+                    </p:cTn>
+                  </p:par>
+                  <p:par>
+                    <p:cTn id="8" fill="hold">
+                      <p:stCondLst>
+                        <p:cond delay="indefinite"/>
+                      </p:stCondLst>
+                      <p:childTnLst>
+                        <p:par>
+                          <p:cTn id="9" fill="hold">
+                            <p:stCondLst>
+                              <p:cond delay="0"/>
+                            </p:stCondLst>
+                            <p:childTnLst>
+                              <p:par>
+                                <p:cTn id="10" presetID="10" presetClass="entr" presetSubtype="0" fill="hold" nodeType="clickEffect">
+                                  <p:stCondLst>
+                                    <p:cond delay="0"/>
+                                  </p:stCondLst>
+                                  <p:childTnLst>
+                                    <p:set>
+                                      <p:cBhvr>
+                                        <p:cTn id="11" dur="1" fill="hold">
+                                          <p:stCondLst>
+                                            <p:cond delay="0"/>
+                                          </p:stCondLst>
+                                        </p:cTn>
+                                        <p:tgtEl>
+                                          <p:spTgt spid="3">
+                                            <p:txEl>
+                                              <p:pRg st="2" end="2"/>
+                                            </p:txEl>
+                                          </p:spTgt>
+                                        </p:tgtEl>
+                                        <p:attrNameLst>
+                                          <p:attrName>style.visibility</p:attrName>
+                                        </p:attrNameLst>
+                                      </p:cBhvr>
+                                      <p:to>
+                                        <p:strVal val="visible"/>
+                                      </p:to>
+                                    </p:set>
+                                    <p:animEffect transition="in" filter="fade">
+                                      <p:cBhvr>
+                                        <p:cTn id="12" dur="500"/>
+                                        <p:tgtEl>
+                                          <p:spTgt spid="3">
+                                            <p:txEl>
+                                              <p:pRg st="2" end="2"/>
+                                            </p:txEl>
+                                          </p:spTgt>
+                                        </p:tgtEl>
+                                      </p:cBhvr>
+                                    </p:animEffect>
+                                  </p:childTnLst>
+                                </p:cTn>
+                              </p:par>
+                            </p:childTnLst>
+                          </p:cTn>
+                        </p:par>
+                      </p:childTnLst>
+                    </p:cTn>
+                  </p:par>
+                  <p:par>
+                    <p:cTn id="13" fill="hold">
+                      <p:stCondLst>
+                        <p:cond delay="indefinite"/>
+                      </p:stCondLst>
+                      <p:childTnLst>
+                        <p:par>
+                          <p:cTn id="14" fill="hold">
+                            <p:stCondLst>
+                              <p:cond delay="0"/>
+                            </p:stCondLst>
+                            <p:childTnLst>
+                              <p:par>
+                                <p:cTn id="15" presetID="10" presetClass="entr" presetSubtype="0" fill="hold" nodeType="clickEffect">
+                                  <p:stCondLst>
+                                    <p:cond delay="0"/>
+                                  </p:stCondLst>
+                                  <p:childTnLst>
+                                    <p:set>
+                                      <p:cBhvr>
+                                        <p:cTn id="16" dur="1" fill="hold">
+                                          <p:stCondLst>
+                                            <p:cond delay="0"/>
+                                          </p:stCondLst>
+                                        </p:cTn>
+                                        <p:tgtEl>
+                                          <p:spTgt spid="3">
+                                            <p:txEl>
+                                              <p:pRg st="3" end="3"/>
+                                            </p:txEl>
+                                          </p:spTgt>
+                                        </p:tgtEl>
+                                        <p:attrNameLst>
+                                          <p:attrName>style.visibility</p:attrName>
+                                        </p:attrNameLst>
+                                      </p:cBhvr>
+                                      <p:to>
+                                        <p:strVal val="visible"/>
+                                      </p:to>
+                                    </p:set>
+                                    <p:animEffect transition="in" filter="fade">
+                                      <p:cBhvr>
+                                        <p:cTn id="17" dur="500"/>
+                                        <p:tgtEl>
+                                          <p:spTgt spid="3">
+                                            <p:txEl>
+                                              <p:pRg st="3" end="3"/>
+                                            </p:txEl>
+                                          </p:spTgt>
+                                        </p:tgtEl>
+                                      </p:cBhvr>
+                                    </p:animEffect>
+                                  </p:childTnLst>
+                                </p:cTn>
+                              </p:par>
+                              <p:par>
+                                <p:cTn id="18" presetID="10" presetClass="entr" presetSubtype="0" fill="hold" nodeType="withEffect">
+                                  <p:stCondLst>
+                                    <p:cond delay="0"/>
+                                  </p:stCondLst>
+                                  <p:childTnLst>
+                                    <p:set>
+                                      <p:cBhvr>
+                                        <p:cTn id="19" dur="1" fill="hold">
+                                          <p:stCondLst>
+                                            <p:cond delay="0"/>
+                                          </p:stCondLst>
+                                        </p:cTn>
+                                        <p:tgtEl>
+                                          <p:spTgt spid="3">
+                                            <p:txEl>
+                                              <p:pRg st="4" end="4"/>
+                                            </p:txEl>
+                                          </p:spTgt>
+                                        </p:tgtEl>
+                                        <p:attrNameLst>
+                                          <p:attrName>style.visibility</p:attrName>
+                                        </p:attrNameLst>
+                                      </p:cBhvr>
+                                      <p:to>
+                                        <p:strVal val="visible"/>
+                                      </p:to>
+                                    </p:set>
+                                    <p:animEffect transition="in" filter="fade">
+                                      <p:cBhvr>
+                                        <p:cTn id="20" dur="500"/>
+                                        <p:tgtEl>
+                                          <p:spTgt spid="3">
+                                            <p:txEl>
+                                              <p:pRg st="4" end="4"/>
+                                            </p:txEl>
+                                          </p:spTgt>
+                                        </p:tgtEl>
+                                      </p:cBhvr>
+                                    </p:animEffect>
+                                  </p:childTnLst>
+                                </p:cTn>
+                              </p:par>
+                            </p:childTnLst>
+                          </p:cTn>
+                        </p:par>
+                      </p:childTnLst>
+                    </p:cTn>
+                  </p:par>
+                  <p:par>
+                    <p:cTn id="21" fill="hold">
+                      <p:stCondLst>
+                        <p:cond delay="indefinite"/>
+                      </p:stCondLst>
+                      <p:childTnLst>
+                        <p:par>
+                          <p:cTn id="22" fill="hold">
+                            <p:stCondLst>
+                              <p:cond delay="0"/>
+                            </p:stCondLst>
+                            <p:childTnLst>
+                              <p:par>
+                                <p:cTn id="23" presetID="10" presetClass="entr" presetSubtype="0" fill="hold" nodeType="clickEffect">
+                                  <p:stCondLst>
+                                    <p:cond delay="0"/>
+                                  </p:stCondLst>
+                                  <p:childTnLst>
+                                    <p:set>
+                                      <p:cBhvr>
+                                        <p:cTn id="24" dur="1" fill="hold">
+                                          <p:stCondLst>
+                                            <p:cond delay="0"/>
+                                          </p:stCondLst>
+                                        </p:cTn>
+                                        <p:tgtEl>
+                                          <p:spTgt spid="3">
+                                            <p:txEl>
+                                              <p:pRg st="5" end="5"/>
+                                            </p:txEl>
+                                          </p:spTgt>
+                                        </p:tgtEl>
+                                        <p:attrNameLst>
+                                          <p:attrName>style.visibility</p:attrName>
+                                        </p:attrNameLst>
+                                      </p:cBhvr>
+                                      <p:to>
+                                        <p:strVal val="visible"/>
+                                      </p:to>
+                                    </p:set>
+                                    <p:animEffect transition="in" filter="fade">
+                                      <p:cBhvr>
+                                        <p:cTn id="25" dur="500"/>
+                                        <p:tgtEl>
+                                          <p:spTgt spid="3">
+                                            <p:txEl>
+                                              <p:pRg st="5" end="5"/>
+                                            </p:txEl>
+                                          </p:spTgt>
+                                        </p:tgtEl>
+                                      </p:cBhvr>
+                                    </p:animEffect>
+                                  </p:childTnLst>
+                                </p:cTn>
+                              </p:par>
+                            </p:childTnLst>
+                          </p:cTn>
+                        </p:par>
+                      </p:childTnLst>
+                    </p:cTn>
+                  </p:par>
+                  <p:par>
+                    <p:cTn id="26" fill="hold">
+                      <p:stCondLst>
+                        <p:cond delay="indefinite"/>
+                      </p:stCondLst>
+                      <p:childTnLst>
+                        <p:par>
+                          <p:cTn id="27" fill="hold">
+                            <p:stCondLst>
+                              <p:cond delay="0"/>
+                            </p:stCondLst>
+                            <p:childTnLst>
+                              <p:par>
+                                <p:cTn id="28" presetID="10" presetClass="entr" presetSubtype="0" fill="hold" nodeType="clickEffect">
+                                  <p:stCondLst>
+                                    <p:cond delay="0"/>
+                                  </p:stCondLst>
+                                  <p:childTnLst>
+                                    <p:set>
+                                      <p:cBhvr>
+                                        <p:cTn id="29" dur="1" fill="hold">
+                                          <p:stCondLst>
+                                            <p:cond delay="0"/>
+                                          </p:stCondLst>
+                                        </p:cTn>
+                                        <p:tgtEl>
+                                          <p:spTgt spid="3">
+                                            <p:txEl>
+                                              <p:pRg st="6" end="6"/>
+                                            </p:txEl>
+                                          </p:spTgt>
+                                        </p:tgtEl>
+                                        <p:attrNameLst>
+                                          <p:attrName>style.visibility</p:attrName>
+                                        </p:attrNameLst>
+                                      </p:cBhvr>
+                                      <p:to>
+                                        <p:strVal val="visible"/>
+                                      </p:to>
+                                    </p:set>
+                                    <p:animEffect transition="in" filter="fade">
+                                      <p:cBhvr>
+                                        <p:cTn id="30" dur="500"/>
+                                        <p:tgtEl>
+                                          <p:spTgt spid="3">
+                                            <p:txEl>
+                                              <p:pRg st="6" end="6"/>
+                                            </p:txEl>
+                                          </p:spTgt>
+                                        </p:tgtEl>
+                                      </p:cBhvr>
+                                    </p:animEffect>
+                                  </p:childTnLst>
+                                </p:cTn>
+                              </p:par>
+                            </p:childTnLst>
+                          </p:cTn>
+                        </p:par>
+                      </p:childTnLst>
+                    </p:cTn>
+                  </p:par>
+                </p:childTnLst>
+              </p:cTn>
+              <p:prevCondLst>
+                <p:cond evt="onPrev" delay="0">
+                  <p:tgtEl>
+                    <p:sldTgt/>
+                  </p:tgtEl>
+                </p:cond>
+              </p:prevCondLst>
+              <p:nextCondLst>
+                <p:cond evt="onNext" delay="0">
+                  <p:tgtEl>
+                    <p:sldTgt/>
+                  </p:tgtEl>
+                </p:cond>
+              </p:nextCondLst>
+            </p:seq>
+          </p:childTnLst>
+        </p:cTn>
+      </p:par>
+    </p:tnLst>
+  </p:timing>
 </p:sld>
 </file>
 
@@ -14448,6 +17197,346 @@
           <a:chExt cx="0" cy="0"/>
         </a:xfrm>
       </p:grpSpPr>
+      <p:pic>
+        <p:nvPicPr>
+          <p:cNvPr id="5" name="Picture 4">
+            <a:extLst>
+              <a:ext uri="{FF2B5EF4-FFF2-40B4-BE49-F238E27FC236}">
+                <a16:creationId xmlns:a16="http://schemas.microsoft.com/office/drawing/2014/main" id="{8692394D-1AF6-9D40-B519-8074D0EA5AF9}"/>
+              </a:ext>
+            </a:extLst>
+          </p:cNvPr>
+          <p:cNvPicPr>
+            <a:picLocks noChangeAspect="1"/>
+          </p:cNvPicPr>
+          <p:nvPr/>
+        </p:nvPicPr>
+        <p:blipFill>
+          <a:blip r:embed="rId3"/>
+          <a:stretch>
+            <a:fillRect/>
+          </a:stretch>
+        </p:blipFill>
+        <p:spPr>
+          <a:xfrm>
+            <a:off x="8107680" y="5285455"/>
+            <a:ext cx="3932934" cy="1061361"/>
+          </a:xfrm>
+          <a:prstGeom prst="rect">
+            <a:avLst/>
+          </a:prstGeom>
+          <a:effectLst>
+            <a:outerShdw blurRad="50800" dist="38100" dir="2700000" algn="tl" rotWithShape="0">
+              <a:prstClr val="black">
+                <a:alpha val="40000"/>
+              </a:prstClr>
+            </a:outerShdw>
+          </a:effectLst>
+        </p:spPr>
+      </p:pic>
+      <p:sp>
+        <p:nvSpPr>
+          <p:cNvPr id="6" name="Title 1">
+            <a:extLst>
+              <a:ext uri="{FF2B5EF4-FFF2-40B4-BE49-F238E27FC236}">
+                <a16:creationId xmlns:a16="http://schemas.microsoft.com/office/drawing/2014/main" id="{A13E3CF5-D9D3-E799-CD33-D3800977FC10}"/>
+              </a:ext>
+            </a:extLst>
+          </p:cNvPr>
+          <p:cNvSpPr txBox="1">
+            <a:spLocks/>
+          </p:cNvSpPr>
+          <p:nvPr/>
+        </p:nvSpPr>
+        <p:spPr>
+          <a:xfrm>
+            <a:off x="496675" y="322824"/>
+            <a:ext cx="10515600" cy="1325563"/>
+          </a:xfrm>
+          <a:prstGeom prst="rect">
+            <a:avLst/>
+          </a:prstGeom>
+        </p:spPr>
+        <p:txBody>
+          <a:bodyPr vert="horz" lIns="91440" tIns="45720" rIns="91440" bIns="45720" rtlCol="0" anchor="ctr">
+            <a:normAutofit/>
+          </a:bodyPr>
+          <a:lstStyle>
+            <a:lvl1pPr algn="l" defTabSz="914400" rtl="0" eaLnBrk="1" latinLnBrk="0" hangingPunct="1">
+              <a:lnSpc>
+                <a:spcPct val="90000"/>
+              </a:lnSpc>
+              <a:spcBef>
+                <a:spcPct val="0"/>
+              </a:spcBef>
+              <a:buNone/>
+              <a:defRPr sz="4400" kern="1200">
+                <a:solidFill>
+                  <a:schemeClr val="tx1"/>
+                </a:solidFill>
+                <a:latin typeface="+mj-lt"/>
+                <a:ea typeface="+mj-ea"/>
+                <a:cs typeface="+mj-cs"/>
+              </a:defRPr>
+            </a:lvl1pPr>
+          </a:lstStyle>
+          <a:p>
+            <a:r>
+              <a:rPr lang="en-US" sz="3200" b="1" dirty="0">
+                <a:solidFill>
+                  <a:srgbClr val="000000"/>
+                </a:solidFill>
+              </a:rPr>
+              <a:t>BCPA Examples/Applications</a:t>
+            </a:r>
+            <a:br>
+              <a:rPr lang="en-US" sz="3200" b="1" dirty="0">
+                <a:solidFill>
+                  <a:srgbClr val="000000"/>
+                </a:solidFill>
+              </a:rPr>
+            </a:br>
+            <a:endParaRPr lang="en-US" sz="3200" b="1" dirty="0"/>
+          </a:p>
+        </p:txBody>
+      </p:sp>
+      <p:sp>
+        <p:nvSpPr>
+          <p:cNvPr id="7" name="Content Placeholder 2">
+            <a:extLst>
+              <a:ext uri="{FF2B5EF4-FFF2-40B4-BE49-F238E27FC236}">
+                <a16:creationId xmlns:a16="http://schemas.microsoft.com/office/drawing/2014/main" id="{969BFAD0-7D11-FB08-3931-B389582CBB5D}"/>
+              </a:ext>
+            </a:extLst>
+          </p:cNvPr>
+          <p:cNvSpPr txBox="1">
+            <a:spLocks/>
+          </p:cNvSpPr>
+          <p:nvPr/>
+        </p:nvSpPr>
+        <p:spPr>
+          <a:xfrm>
+            <a:off x="969484" y="1167789"/>
+            <a:ext cx="10515600" cy="796562"/>
+          </a:xfrm>
+          <a:prstGeom prst="rect">
+            <a:avLst/>
+          </a:prstGeom>
+        </p:spPr>
+        <p:txBody>
+          <a:bodyPr vert="horz" lIns="91440" tIns="45720" rIns="91440" bIns="45720" rtlCol="0">
+            <a:noAutofit/>
+          </a:bodyPr>
+          <a:lstStyle>
+            <a:lvl1pPr marL="228600" indent="-228600" algn="l" defTabSz="914400" rtl="0" eaLnBrk="1" latinLnBrk="0" hangingPunct="1">
+              <a:lnSpc>
+                <a:spcPct val="90000"/>
+              </a:lnSpc>
+              <a:spcBef>
+                <a:spcPts val="1000"/>
+              </a:spcBef>
+              <a:buFont typeface="Arial" panose="020B0604020202020204" pitchFamily="34" charset="0"/>
+              <a:buChar char="•"/>
+              <a:defRPr sz="2800" kern="1200">
+                <a:solidFill>
+                  <a:schemeClr val="tx1"/>
+                </a:solidFill>
+                <a:latin typeface="+mn-lt"/>
+                <a:ea typeface="+mn-ea"/>
+                <a:cs typeface="+mn-cs"/>
+              </a:defRPr>
+            </a:lvl1pPr>
+            <a:lvl2pPr marL="685800" indent="-228600" algn="l" defTabSz="914400" rtl="0" eaLnBrk="1" latinLnBrk="0" hangingPunct="1">
+              <a:lnSpc>
+                <a:spcPct val="90000"/>
+              </a:lnSpc>
+              <a:spcBef>
+                <a:spcPts val="500"/>
+              </a:spcBef>
+              <a:buFont typeface="Arial" panose="020B0604020202020204" pitchFamily="34" charset="0"/>
+              <a:buChar char="•"/>
+              <a:defRPr sz="2400" kern="1200">
+                <a:solidFill>
+                  <a:schemeClr val="tx1"/>
+                </a:solidFill>
+                <a:latin typeface="+mn-lt"/>
+                <a:ea typeface="+mn-ea"/>
+                <a:cs typeface="+mn-cs"/>
+              </a:defRPr>
+            </a:lvl2pPr>
+            <a:lvl3pPr marL="1143000" indent="-228600" algn="l" defTabSz="914400" rtl="0" eaLnBrk="1" latinLnBrk="0" hangingPunct="1">
+              <a:lnSpc>
+                <a:spcPct val="90000"/>
+              </a:lnSpc>
+              <a:spcBef>
+                <a:spcPts val="500"/>
+              </a:spcBef>
+              <a:buFont typeface="Arial" panose="020B0604020202020204" pitchFamily="34" charset="0"/>
+              <a:buChar char="•"/>
+              <a:defRPr sz="2000" kern="1200">
+                <a:solidFill>
+                  <a:schemeClr val="tx1"/>
+                </a:solidFill>
+                <a:latin typeface="+mn-lt"/>
+                <a:ea typeface="+mn-ea"/>
+                <a:cs typeface="+mn-cs"/>
+              </a:defRPr>
+            </a:lvl3pPr>
+            <a:lvl4pPr marL="1600200" indent="-228600" algn="l" defTabSz="914400" rtl="0" eaLnBrk="1" latinLnBrk="0" hangingPunct="1">
+              <a:lnSpc>
+                <a:spcPct val="90000"/>
+              </a:lnSpc>
+              <a:spcBef>
+                <a:spcPts val="500"/>
+              </a:spcBef>
+              <a:buFont typeface="Arial" panose="020B0604020202020204" pitchFamily="34" charset="0"/>
+              <a:buChar char="•"/>
+              <a:defRPr sz="1800" kern="1200">
+                <a:solidFill>
+                  <a:schemeClr val="tx1"/>
+                </a:solidFill>
+                <a:latin typeface="+mn-lt"/>
+                <a:ea typeface="+mn-ea"/>
+                <a:cs typeface="+mn-cs"/>
+              </a:defRPr>
+            </a:lvl4pPr>
+            <a:lvl5pPr marL="2057400" indent="-228600" algn="l" defTabSz="914400" rtl="0" eaLnBrk="1" latinLnBrk="0" hangingPunct="1">
+              <a:lnSpc>
+                <a:spcPct val="90000"/>
+              </a:lnSpc>
+              <a:spcBef>
+                <a:spcPts val="500"/>
+              </a:spcBef>
+              <a:buFont typeface="Arial" panose="020B0604020202020204" pitchFamily="34" charset="0"/>
+              <a:buChar char="•"/>
+              <a:defRPr sz="1800" kern="1200">
+                <a:solidFill>
+                  <a:schemeClr val="tx1"/>
+                </a:solidFill>
+                <a:latin typeface="+mn-lt"/>
+                <a:ea typeface="+mn-ea"/>
+                <a:cs typeface="+mn-cs"/>
+              </a:defRPr>
+            </a:lvl5pPr>
+            <a:lvl6pPr marL="2514600" indent="-228600" algn="l" defTabSz="914400" rtl="0" eaLnBrk="1" latinLnBrk="0" hangingPunct="1">
+              <a:lnSpc>
+                <a:spcPct val="90000"/>
+              </a:lnSpc>
+              <a:spcBef>
+                <a:spcPts val="500"/>
+              </a:spcBef>
+              <a:buFont typeface="Arial" panose="020B0604020202020204" pitchFamily="34" charset="0"/>
+              <a:buChar char="•"/>
+              <a:defRPr sz="1800" kern="1200">
+                <a:solidFill>
+                  <a:schemeClr val="tx1"/>
+                </a:solidFill>
+                <a:latin typeface="+mn-lt"/>
+                <a:ea typeface="+mn-ea"/>
+                <a:cs typeface="+mn-cs"/>
+              </a:defRPr>
+            </a:lvl6pPr>
+            <a:lvl7pPr marL="2971800" indent="-228600" algn="l" defTabSz="914400" rtl="0" eaLnBrk="1" latinLnBrk="0" hangingPunct="1">
+              <a:lnSpc>
+                <a:spcPct val="90000"/>
+              </a:lnSpc>
+              <a:spcBef>
+                <a:spcPts val="500"/>
+              </a:spcBef>
+              <a:buFont typeface="Arial" panose="020B0604020202020204" pitchFamily="34" charset="0"/>
+              <a:buChar char="•"/>
+              <a:defRPr sz="1800" kern="1200">
+                <a:solidFill>
+                  <a:schemeClr val="tx1"/>
+                </a:solidFill>
+                <a:latin typeface="+mn-lt"/>
+                <a:ea typeface="+mn-ea"/>
+                <a:cs typeface="+mn-cs"/>
+              </a:defRPr>
+            </a:lvl7pPr>
+            <a:lvl8pPr marL="3429000" indent="-228600" algn="l" defTabSz="914400" rtl="0" eaLnBrk="1" latinLnBrk="0" hangingPunct="1">
+              <a:lnSpc>
+                <a:spcPct val="90000"/>
+              </a:lnSpc>
+              <a:spcBef>
+                <a:spcPts val="500"/>
+              </a:spcBef>
+              <a:buFont typeface="Arial" panose="020B0604020202020204" pitchFamily="34" charset="0"/>
+              <a:buChar char="•"/>
+              <a:defRPr sz="1800" kern="1200">
+                <a:solidFill>
+                  <a:schemeClr val="tx1"/>
+                </a:solidFill>
+                <a:latin typeface="+mn-lt"/>
+                <a:ea typeface="+mn-ea"/>
+                <a:cs typeface="+mn-cs"/>
+              </a:defRPr>
+            </a:lvl8pPr>
+            <a:lvl9pPr marL="3886200" indent="-228600" algn="l" defTabSz="914400" rtl="0" eaLnBrk="1" latinLnBrk="0" hangingPunct="1">
+              <a:lnSpc>
+                <a:spcPct val="90000"/>
+              </a:lnSpc>
+              <a:spcBef>
+                <a:spcPts val="500"/>
+              </a:spcBef>
+              <a:buFont typeface="Arial" panose="020B0604020202020204" pitchFamily="34" charset="0"/>
+              <a:buChar char="•"/>
+              <a:defRPr sz="1800" kern="1200">
+                <a:solidFill>
+                  <a:schemeClr val="tx1"/>
+                </a:solidFill>
+                <a:latin typeface="+mn-lt"/>
+                <a:ea typeface="+mn-ea"/>
+                <a:cs typeface="+mn-cs"/>
+              </a:defRPr>
+            </a:lvl9pPr>
+          </a:lstStyle>
+          <a:p>
+            <a:pPr marL="0" indent="0">
+              <a:buNone/>
+            </a:pPr>
+            <a:r>
+              <a:rPr lang="en-US" sz="2400" dirty="0">
+                <a:solidFill>
+                  <a:srgbClr val="000000"/>
+                </a:solidFill>
+                <a:latin typeface="Century Gothic" panose="020B0502020202020204" pitchFamily="34" charset="0"/>
+              </a:rPr>
+              <a:t>Moose</a:t>
+            </a:r>
+          </a:p>
+        </p:txBody>
+      </p:sp>
+      <p:pic>
+        <p:nvPicPr>
+          <p:cNvPr id="9" name="Picture 8">
+            <a:extLst>
+              <a:ext uri="{FF2B5EF4-FFF2-40B4-BE49-F238E27FC236}">
+                <a16:creationId xmlns:a16="http://schemas.microsoft.com/office/drawing/2014/main" id="{A8B008A0-B4BA-C1DC-166E-D3FD8A846DB9}"/>
+              </a:ext>
+            </a:extLst>
+          </p:cNvPr>
+          <p:cNvPicPr>
+            <a:picLocks noChangeAspect="1"/>
+          </p:cNvPicPr>
+          <p:nvPr/>
+        </p:nvPicPr>
+        <p:blipFill>
+          <a:blip r:embed="rId4"/>
+          <a:stretch>
+            <a:fillRect/>
+          </a:stretch>
+        </p:blipFill>
+        <p:spPr>
+          <a:xfrm>
+            <a:off x="175294" y="1843681"/>
+            <a:ext cx="11865320" cy="3125810"/>
+          </a:xfrm>
+          <a:prstGeom prst="rect">
+            <a:avLst/>
+          </a:prstGeom>
+        </p:spPr>
+      </p:pic>
     </p:spTree>
     <p:extLst>
       <p:ext uri="{BB962C8B-B14F-4D97-AF65-F5344CB8AC3E}">
@@ -14478,6 +17567,352 @@
           <a:chExt cx="0" cy="0"/>
         </a:xfrm>
       </p:grpSpPr>
+      <p:pic>
+        <p:nvPicPr>
+          <p:cNvPr id="3" name="Picture 2">
+            <a:extLst>
+              <a:ext uri="{FF2B5EF4-FFF2-40B4-BE49-F238E27FC236}">
+                <a16:creationId xmlns:a16="http://schemas.microsoft.com/office/drawing/2014/main" id="{A012E6F6-7BC4-5DE9-2AE2-78B0AC754164}"/>
+              </a:ext>
+            </a:extLst>
+          </p:cNvPr>
+          <p:cNvPicPr>
+            <a:picLocks noChangeAspect="1"/>
+          </p:cNvPicPr>
+          <p:nvPr/>
+        </p:nvPicPr>
+        <p:blipFill>
+          <a:blip r:embed="rId3"/>
+          <a:stretch>
+            <a:fillRect/>
+          </a:stretch>
+        </p:blipFill>
+        <p:spPr>
+          <a:xfrm>
+            <a:off x="1371600" y="1178504"/>
+            <a:ext cx="8924016" cy="4909122"/>
+          </a:xfrm>
+          <a:prstGeom prst="rect">
+            <a:avLst/>
+          </a:prstGeom>
+        </p:spPr>
+      </p:pic>
+      <p:sp>
+        <p:nvSpPr>
+          <p:cNvPr id="4" name="Title 1">
+            <a:extLst>
+              <a:ext uri="{FF2B5EF4-FFF2-40B4-BE49-F238E27FC236}">
+                <a16:creationId xmlns:a16="http://schemas.microsoft.com/office/drawing/2014/main" id="{0A43E982-EA79-0ED2-F14B-8A7A469EB46A}"/>
+              </a:ext>
+            </a:extLst>
+          </p:cNvPr>
+          <p:cNvSpPr txBox="1">
+            <a:spLocks/>
+          </p:cNvSpPr>
+          <p:nvPr/>
+        </p:nvSpPr>
+        <p:spPr>
+          <a:xfrm>
+            <a:off x="496675" y="322824"/>
+            <a:ext cx="10515600" cy="1325563"/>
+          </a:xfrm>
+          <a:prstGeom prst="rect">
+            <a:avLst/>
+          </a:prstGeom>
+        </p:spPr>
+        <p:txBody>
+          <a:bodyPr vert="horz" lIns="91440" tIns="45720" rIns="91440" bIns="45720" rtlCol="0" anchor="ctr">
+            <a:normAutofit/>
+          </a:bodyPr>
+          <a:lstStyle>
+            <a:lvl1pPr algn="l" defTabSz="914400" rtl="0" eaLnBrk="1" latinLnBrk="0" hangingPunct="1">
+              <a:lnSpc>
+                <a:spcPct val="90000"/>
+              </a:lnSpc>
+              <a:spcBef>
+                <a:spcPct val="0"/>
+              </a:spcBef>
+              <a:buNone/>
+              <a:defRPr sz="4400" kern="1200">
+                <a:solidFill>
+                  <a:schemeClr val="tx1"/>
+                </a:solidFill>
+                <a:latin typeface="+mj-lt"/>
+                <a:ea typeface="+mj-ea"/>
+                <a:cs typeface="+mj-cs"/>
+              </a:defRPr>
+            </a:lvl1pPr>
+          </a:lstStyle>
+          <a:p>
+            <a:r>
+              <a:rPr lang="en-US" sz="3200" b="1" dirty="0">
+                <a:solidFill>
+                  <a:srgbClr val="000000"/>
+                </a:solidFill>
+              </a:rPr>
+              <a:t>BCPA Examples/Applications</a:t>
+            </a:r>
+            <a:br>
+              <a:rPr lang="en-US" sz="3200" b="1" dirty="0">
+                <a:solidFill>
+                  <a:srgbClr val="000000"/>
+                </a:solidFill>
+              </a:rPr>
+            </a:br>
+            <a:endParaRPr lang="en-US" sz="3200" b="1" dirty="0"/>
+          </a:p>
+        </p:txBody>
+      </p:sp>
+      <p:sp>
+        <p:nvSpPr>
+          <p:cNvPr id="5" name="TextBox 4">
+            <a:extLst>
+              <a:ext uri="{FF2B5EF4-FFF2-40B4-BE49-F238E27FC236}">
+                <a16:creationId xmlns:a16="http://schemas.microsoft.com/office/drawing/2014/main" id="{8D4D5E17-2C44-854A-D5D5-BECC1ECDC80C}"/>
+              </a:ext>
+            </a:extLst>
+          </p:cNvPr>
+          <p:cNvSpPr txBox="1"/>
+          <p:nvPr/>
+        </p:nvSpPr>
+        <p:spPr>
+          <a:xfrm>
+            <a:off x="361358" y="5968358"/>
+            <a:ext cx="5930112" cy="369332"/>
+          </a:xfrm>
+          <a:prstGeom prst="rect">
+            <a:avLst/>
+          </a:prstGeom>
+          <a:noFill/>
+        </p:spPr>
+        <p:txBody>
+          <a:bodyPr wrap="square">
+            <a:spAutoFit/>
+          </a:bodyPr>
+          <a:lstStyle/>
+          <a:p>
+            <a:r>
+              <a:rPr lang="en-US" sz="1800" b="0" i="0" u="none" strike="noStrike" baseline="0" dirty="0">
+                <a:solidFill>
+                  <a:srgbClr val="000000"/>
+                </a:solidFill>
+                <a:latin typeface="Century Gothic" panose="020B0502020202020204" pitchFamily="34" charset="0"/>
+              </a:rPr>
+              <a:t>See BCPA vignette for additional information</a:t>
+            </a:r>
+            <a:endParaRPr lang="en-US" dirty="0">
+              <a:latin typeface="Century Gothic" panose="020B0502020202020204" pitchFamily="34" charset="0"/>
+            </a:endParaRPr>
+          </a:p>
+        </p:txBody>
+      </p:sp>
+      <p:sp>
+        <p:nvSpPr>
+          <p:cNvPr id="6" name="Content Placeholder 2">
+            <a:extLst>
+              <a:ext uri="{FF2B5EF4-FFF2-40B4-BE49-F238E27FC236}">
+                <a16:creationId xmlns:a16="http://schemas.microsoft.com/office/drawing/2014/main" id="{56330F3F-8E2B-B75B-5B3A-C96500E50DC9}"/>
+              </a:ext>
+            </a:extLst>
+          </p:cNvPr>
+          <p:cNvSpPr txBox="1">
+            <a:spLocks/>
+          </p:cNvSpPr>
+          <p:nvPr/>
+        </p:nvSpPr>
+        <p:spPr>
+          <a:xfrm>
+            <a:off x="969484" y="1167789"/>
+            <a:ext cx="10515600" cy="796562"/>
+          </a:xfrm>
+          <a:prstGeom prst="rect">
+            <a:avLst/>
+          </a:prstGeom>
+        </p:spPr>
+        <p:txBody>
+          <a:bodyPr vert="horz" lIns="91440" tIns="45720" rIns="91440" bIns="45720" rtlCol="0">
+            <a:noAutofit/>
+          </a:bodyPr>
+          <a:lstStyle>
+            <a:lvl1pPr marL="228600" indent="-228600" algn="l" defTabSz="914400" rtl="0" eaLnBrk="1" latinLnBrk="0" hangingPunct="1">
+              <a:lnSpc>
+                <a:spcPct val="90000"/>
+              </a:lnSpc>
+              <a:spcBef>
+                <a:spcPts val="1000"/>
+              </a:spcBef>
+              <a:buFont typeface="Arial" panose="020B0604020202020204" pitchFamily="34" charset="0"/>
+              <a:buChar char="•"/>
+              <a:defRPr sz="2800" kern="1200">
+                <a:solidFill>
+                  <a:schemeClr val="tx1"/>
+                </a:solidFill>
+                <a:latin typeface="+mn-lt"/>
+                <a:ea typeface="+mn-ea"/>
+                <a:cs typeface="+mn-cs"/>
+              </a:defRPr>
+            </a:lvl1pPr>
+            <a:lvl2pPr marL="685800" indent="-228600" algn="l" defTabSz="914400" rtl="0" eaLnBrk="1" latinLnBrk="0" hangingPunct="1">
+              <a:lnSpc>
+                <a:spcPct val="90000"/>
+              </a:lnSpc>
+              <a:spcBef>
+                <a:spcPts val="500"/>
+              </a:spcBef>
+              <a:buFont typeface="Arial" panose="020B0604020202020204" pitchFamily="34" charset="0"/>
+              <a:buChar char="•"/>
+              <a:defRPr sz="2400" kern="1200">
+                <a:solidFill>
+                  <a:schemeClr val="tx1"/>
+                </a:solidFill>
+                <a:latin typeface="+mn-lt"/>
+                <a:ea typeface="+mn-ea"/>
+                <a:cs typeface="+mn-cs"/>
+              </a:defRPr>
+            </a:lvl2pPr>
+            <a:lvl3pPr marL="1143000" indent="-228600" algn="l" defTabSz="914400" rtl="0" eaLnBrk="1" latinLnBrk="0" hangingPunct="1">
+              <a:lnSpc>
+                <a:spcPct val="90000"/>
+              </a:lnSpc>
+              <a:spcBef>
+                <a:spcPts val="500"/>
+              </a:spcBef>
+              <a:buFont typeface="Arial" panose="020B0604020202020204" pitchFamily="34" charset="0"/>
+              <a:buChar char="•"/>
+              <a:defRPr sz="2000" kern="1200">
+                <a:solidFill>
+                  <a:schemeClr val="tx1"/>
+                </a:solidFill>
+                <a:latin typeface="+mn-lt"/>
+                <a:ea typeface="+mn-ea"/>
+                <a:cs typeface="+mn-cs"/>
+              </a:defRPr>
+            </a:lvl3pPr>
+            <a:lvl4pPr marL="1600200" indent="-228600" algn="l" defTabSz="914400" rtl="0" eaLnBrk="1" latinLnBrk="0" hangingPunct="1">
+              <a:lnSpc>
+                <a:spcPct val="90000"/>
+              </a:lnSpc>
+              <a:spcBef>
+                <a:spcPts val="500"/>
+              </a:spcBef>
+              <a:buFont typeface="Arial" panose="020B0604020202020204" pitchFamily="34" charset="0"/>
+              <a:buChar char="•"/>
+              <a:defRPr sz="1800" kern="1200">
+                <a:solidFill>
+                  <a:schemeClr val="tx1"/>
+                </a:solidFill>
+                <a:latin typeface="+mn-lt"/>
+                <a:ea typeface="+mn-ea"/>
+                <a:cs typeface="+mn-cs"/>
+              </a:defRPr>
+            </a:lvl4pPr>
+            <a:lvl5pPr marL="2057400" indent="-228600" algn="l" defTabSz="914400" rtl="0" eaLnBrk="1" latinLnBrk="0" hangingPunct="1">
+              <a:lnSpc>
+                <a:spcPct val="90000"/>
+              </a:lnSpc>
+              <a:spcBef>
+                <a:spcPts val="500"/>
+              </a:spcBef>
+              <a:buFont typeface="Arial" panose="020B0604020202020204" pitchFamily="34" charset="0"/>
+              <a:buChar char="•"/>
+              <a:defRPr sz="1800" kern="1200">
+                <a:solidFill>
+                  <a:schemeClr val="tx1"/>
+                </a:solidFill>
+                <a:latin typeface="+mn-lt"/>
+                <a:ea typeface="+mn-ea"/>
+                <a:cs typeface="+mn-cs"/>
+              </a:defRPr>
+            </a:lvl5pPr>
+            <a:lvl6pPr marL="2514600" indent="-228600" algn="l" defTabSz="914400" rtl="0" eaLnBrk="1" latinLnBrk="0" hangingPunct="1">
+              <a:lnSpc>
+                <a:spcPct val="90000"/>
+              </a:lnSpc>
+              <a:spcBef>
+                <a:spcPts val="500"/>
+              </a:spcBef>
+              <a:buFont typeface="Arial" panose="020B0604020202020204" pitchFamily="34" charset="0"/>
+              <a:buChar char="•"/>
+              <a:defRPr sz="1800" kern="1200">
+                <a:solidFill>
+                  <a:schemeClr val="tx1"/>
+                </a:solidFill>
+                <a:latin typeface="+mn-lt"/>
+                <a:ea typeface="+mn-ea"/>
+                <a:cs typeface="+mn-cs"/>
+              </a:defRPr>
+            </a:lvl6pPr>
+            <a:lvl7pPr marL="2971800" indent="-228600" algn="l" defTabSz="914400" rtl="0" eaLnBrk="1" latinLnBrk="0" hangingPunct="1">
+              <a:lnSpc>
+                <a:spcPct val="90000"/>
+              </a:lnSpc>
+              <a:spcBef>
+                <a:spcPts val="500"/>
+              </a:spcBef>
+              <a:buFont typeface="Arial" panose="020B0604020202020204" pitchFamily="34" charset="0"/>
+              <a:buChar char="•"/>
+              <a:defRPr sz="1800" kern="1200">
+                <a:solidFill>
+                  <a:schemeClr val="tx1"/>
+                </a:solidFill>
+                <a:latin typeface="+mn-lt"/>
+                <a:ea typeface="+mn-ea"/>
+                <a:cs typeface="+mn-cs"/>
+              </a:defRPr>
+            </a:lvl7pPr>
+            <a:lvl8pPr marL="3429000" indent="-228600" algn="l" defTabSz="914400" rtl="0" eaLnBrk="1" latinLnBrk="0" hangingPunct="1">
+              <a:lnSpc>
+                <a:spcPct val="90000"/>
+              </a:lnSpc>
+              <a:spcBef>
+                <a:spcPts val="500"/>
+              </a:spcBef>
+              <a:buFont typeface="Arial" panose="020B0604020202020204" pitchFamily="34" charset="0"/>
+              <a:buChar char="•"/>
+              <a:defRPr sz="1800" kern="1200">
+                <a:solidFill>
+                  <a:schemeClr val="tx1"/>
+                </a:solidFill>
+                <a:latin typeface="+mn-lt"/>
+                <a:ea typeface="+mn-ea"/>
+                <a:cs typeface="+mn-cs"/>
+              </a:defRPr>
+            </a:lvl8pPr>
+            <a:lvl9pPr marL="3886200" indent="-228600" algn="l" defTabSz="914400" rtl="0" eaLnBrk="1" latinLnBrk="0" hangingPunct="1">
+              <a:lnSpc>
+                <a:spcPct val="90000"/>
+              </a:lnSpc>
+              <a:spcBef>
+                <a:spcPts val="500"/>
+              </a:spcBef>
+              <a:buFont typeface="Arial" panose="020B0604020202020204" pitchFamily="34" charset="0"/>
+              <a:buChar char="•"/>
+              <a:defRPr sz="1800" kern="1200">
+                <a:solidFill>
+                  <a:schemeClr val="tx1"/>
+                </a:solidFill>
+                <a:latin typeface="+mn-lt"/>
+                <a:ea typeface="+mn-ea"/>
+                <a:cs typeface="+mn-cs"/>
+              </a:defRPr>
+            </a:lvl9pPr>
+          </a:lstStyle>
+          <a:p>
+            <a:pPr marL="0" indent="0">
+              <a:buNone/>
+            </a:pPr>
+            <a:r>
+              <a:rPr lang="en-US" sz="2400" dirty="0">
+                <a:solidFill>
+                  <a:srgbClr val="000000"/>
+                </a:solidFill>
+                <a:latin typeface="Century Gothic" panose="020B0502020202020204" pitchFamily="34" charset="0"/>
+              </a:rPr>
+              <a:t>Flat vs Smooth output</a:t>
+            </a:r>
+          </a:p>
+        </p:txBody>
+      </p:sp>
     </p:spTree>
     <p:extLst>
       <p:ext uri="{BB962C8B-B14F-4D97-AF65-F5344CB8AC3E}">
@@ -14508,6 +17943,352 @@
           <a:chExt cx="0" cy="0"/>
         </a:xfrm>
       </p:grpSpPr>
+      <p:pic>
+        <p:nvPicPr>
+          <p:cNvPr id="3" name="Picture 2">
+            <a:extLst>
+              <a:ext uri="{FF2B5EF4-FFF2-40B4-BE49-F238E27FC236}">
+                <a16:creationId xmlns:a16="http://schemas.microsoft.com/office/drawing/2014/main" id="{66C34C03-C034-511A-73E9-82A76B395775}"/>
+              </a:ext>
+            </a:extLst>
+          </p:cNvPr>
+          <p:cNvPicPr>
+            <a:picLocks noChangeAspect="1"/>
+          </p:cNvPicPr>
+          <p:nvPr/>
+        </p:nvPicPr>
+        <p:blipFill>
+          <a:blip r:embed="rId3"/>
+          <a:stretch>
+            <a:fillRect/>
+          </a:stretch>
+        </p:blipFill>
+        <p:spPr>
+          <a:xfrm>
+            <a:off x="1354931" y="1471251"/>
+            <a:ext cx="8799088" cy="4516985"/>
+          </a:xfrm>
+          <a:prstGeom prst="rect">
+            <a:avLst/>
+          </a:prstGeom>
+        </p:spPr>
+      </p:pic>
+      <p:sp>
+        <p:nvSpPr>
+          <p:cNvPr id="4" name="Title 1">
+            <a:extLst>
+              <a:ext uri="{FF2B5EF4-FFF2-40B4-BE49-F238E27FC236}">
+                <a16:creationId xmlns:a16="http://schemas.microsoft.com/office/drawing/2014/main" id="{CAF2CFDA-E85D-A3BA-0C3C-7FB0E4A16C89}"/>
+              </a:ext>
+            </a:extLst>
+          </p:cNvPr>
+          <p:cNvSpPr txBox="1">
+            <a:spLocks/>
+          </p:cNvSpPr>
+          <p:nvPr/>
+        </p:nvSpPr>
+        <p:spPr>
+          <a:xfrm>
+            <a:off x="496675" y="322824"/>
+            <a:ext cx="10515600" cy="1325563"/>
+          </a:xfrm>
+          <a:prstGeom prst="rect">
+            <a:avLst/>
+          </a:prstGeom>
+        </p:spPr>
+        <p:txBody>
+          <a:bodyPr vert="horz" lIns="91440" tIns="45720" rIns="91440" bIns="45720" rtlCol="0" anchor="ctr">
+            <a:normAutofit/>
+          </a:bodyPr>
+          <a:lstStyle>
+            <a:lvl1pPr algn="l" defTabSz="914400" rtl="0" eaLnBrk="1" latinLnBrk="0" hangingPunct="1">
+              <a:lnSpc>
+                <a:spcPct val="90000"/>
+              </a:lnSpc>
+              <a:spcBef>
+                <a:spcPct val="0"/>
+              </a:spcBef>
+              <a:buNone/>
+              <a:defRPr sz="4400" kern="1200">
+                <a:solidFill>
+                  <a:schemeClr val="tx1"/>
+                </a:solidFill>
+                <a:latin typeface="+mj-lt"/>
+                <a:ea typeface="+mj-ea"/>
+                <a:cs typeface="+mj-cs"/>
+              </a:defRPr>
+            </a:lvl1pPr>
+          </a:lstStyle>
+          <a:p>
+            <a:r>
+              <a:rPr lang="en-US" sz="3200" b="1" dirty="0">
+                <a:solidFill>
+                  <a:srgbClr val="000000"/>
+                </a:solidFill>
+              </a:rPr>
+              <a:t>BCPA Examples/Applications</a:t>
+            </a:r>
+            <a:br>
+              <a:rPr lang="en-US" sz="3200" b="1" dirty="0">
+                <a:solidFill>
+                  <a:srgbClr val="000000"/>
+                </a:solidFill>
+              </a:rPr>
+            </a:br>
+            <a:endParaRPr lang="en-US" sz="3200" b="1" dirty="0"/>
+          </a:p>
+        </p:txBody>
+      </p:sp>
+      <p:sp>
+        <p:nvSpPr>
+          <p:cNvPr id="5" name="TextBox 4">
+            <a:extLst>
+              <a:ext uri="{FF2B5EF4-FFF2-40B4-BE49-F238E27FC236}">
+                <a16:creationId xmlns:a16="http://schemas.microsoft.com/office/drawing/2014/main" id="{A5F0BF3C-19F9-0FCD-F09A-4A5026A5B98F}"/>
+              </a:ext>
+            </a:extLst>
+          </p:cNvPr>
+          <p:cNvSpPr txBox="1"/>
+          <p:nvPr/>
+        </p:nvSpPr>
+        <p:spPr>
+          <a:xfrm>
+            <a:off x="361358" y="5968358"/>
+            <a:ext cx="5930112" cy="369332"/>
+          </a:xfrm>
+          <a:prstGeom prst="rect">
+            <a:avLst/>
+          </a:prstGeom>
+          <a:noFill/>
+        </p:spPr>
+        <p:txBody>
+          <a:bodyPr wrap="square">
+            <a:spAutoFit/>
+          </a:bodyPr>
+          <a:lstStyle/>
+          <a:p>
+            <a:r>
+              <a:rPr lang="en-US" sz="1800" b="0" i="0" u="none" strike="noStrike" baseline="0" dirty="0">
+                <a:solidFill>
+                  <a:srgbClr val="000000"/>
+                </a:solidFill>
+                <a:latin typeface="Century Gothic" panose="020B0502020202020204" pitchFamily="34" charset="0"/>
+              </a:rPr>
+              <a:t>See BCPA vignette for additional information</a:t>
+            </a:r>
+            <a:endParaRPr lang="en-US" dirty="0">
+              <a:latin typeface="Century Gothic" panose="020B0502020202020204" pitchFamily="34" charset="0"/>
+            </a:endParaRPr>
+          </a:p>
+        </p:txBody>
+      </p:sp>
+      <p:sp>
+        <p:nvSpPr>
+          <p:cNvPr id="6" name="Content Placeholder 2">
+            <a:extLst>
+              <a:ext uri="{FF2B5EF4-FFF2-40B4-BE49-F238E27FC236}">
+                <a16:creationId xmlns:a16="http://schemas.microsoft.com/office/drawing/2014/main" id="{ECD336AC-53D6-1D00-3069-CBB9AAFC2208}"/>
+              </a:ext>
+            </a:extLst>
+          </p:cNvPr>
+          <p:cNvSpPr txBox="1">
+            <a:spLocks/>
+          </p:cNvSpPr>
+          <p:nvPr/>
+        </p:nvSpPr>
+        <p:spPr>
+          <a:xfrm>
+            <a:off x="969484" y="1167789"/>
+            <a:ext cx="10515600" cy="796562"/>
+          </a:xfrm>
+          <a:prstGeom prst="rect">
+            <a:avLst/>
+          </a:prstGeom>
+        </p:spPr>
+        <p:txBody>
+          <a:bodyPr vert="horz" lIns="91440" tIns="45720" rIns="91440" bIns="45720" rtlCol="0">
+            <a:noAutofit/>
+          </a:bodyPr>
+          <a:lstStyle>
+            <a:lvl1pPr marL="228600" indent="-228600" algn="l" defTabSz="914400" rtl="0" eaLnBrk="1" latinLnBrk="0" hangingPunct="1">
+              <a:lnSpc>
+                <a:spcPct val="90000"/>
+              </a:lnSpc>
+              <a:spcBef>
+                <a:spcPts val="1000"/>
+              </a:spcBef>
+              <a:buFont typeface="Arial" panose="020B0604020202020204" pitchFamily="34" charset="0"/>
+              <a:buChar char="•"/>
+              <a:defRPr sz="2800" kern="1200">
+                <a:solidFill>
+                  <a:schemeClr val="tx1"/>
+                </a:solidFill>
+                <a:latin typeface="+mn-lt"/>
+                <a:ea typeface="+mn-ea"/>
+                <a:cs typeface="+mn-cs"/>
+              </a:defRPr>
+            </a:lvl1pPr>
+            <a:lvl2pPr marL="685800" indent="-228600" algn="l" defTabSz="914400" rtl="0" eaLnBrk="1" latinLnBrk="0" hangingPunct="1">
+              <a:lnSpc>
+                <a:spcPct val="90000"/>
+              </a:lnSpc>
+              <a:spcBef>
+                <a:spcPts val="500"/>
+              </a:spcBef>
+              <a:buFont typeface="Arial" panose="020B0604020202020204" pitchFamily="34" charset="0"/>
+              <a:buChar char="•"/>
+              <a:defRPr sz="2400" kern="1200">
+                <a:solidFill>
+                  <a:schemeClr val="tx1"/>
+                </a:solidFill>
+                <a:latin typeface="+mn-lt"/>
+                <a:ea typeface="+mn-ea"/>
+                <a:cs typeface="+mn-cs"/>
+              </a:defRPr>
+            </a:lvl2pPr>
+            <a:lvl3pPr marL="1143000" indent="-228600" algn="l" defTabSz="914400" rtl="0" eaLnBrk="1" latinLnBrk="0" hangingPunct="1">
+              <a:lnSpc>
+                <a:spcPct val="90000"/>
+              </a:lnSpc>
+              <a:spcBef>
+                <a:spcPts val="500"/>
+              </a:spcBef>
+              <a:buFont typeface="Arial" panose="020B0604020202020204" pitchFamily="34" charset="0"/>
+              <a:buChar char="•"/>
+              <a:defRPr sz="2000" kern="1200">
+                <a:solidFill>
+                  <a:schemeClr val="tx1"/>
+                </a:solidFill>
+                <a:latin typeface="+mn-lt"/>
+                <a:ea typeface="+mn-ea"/>
+                <a:cs typeface="+mn-cs"/>
+              </a:defRPr>
+            </a:lvl3pPr>
+            <a:lvl4pPr marL="1600200" indent="-228600" algn="l" defTabSz="914400" rtl="0" eaLnBrk="1" latinLnBrk="0" hangingPunct="1">
+              <a:lnSpc>
+                <a:spcPct val="90000"/>
+              </a:lnSpc>
+              <a:spcBef>
+                <a:spcPts val="500"/>
+              </a:spcBef>
+              <a:buFont typeface="Arial" panose="020B0604020202020204" pitchFamily="34" charset="0"/>
+              <a:buChar char="•"/>
+              <a:defRPr sz="1800" kern="1200">
+                <a:solidFill>
+                  <a:schemeClr val="tx1"/>
+                </a:solidFill>
+                <a:latin typeface="+mn-lt"/>
+                <a:ea typeface="+mn-ea"/>
+                <a:cs typeface="+mn-cs"/>
+              </a:defRPr>
+            </a:lvl4pPr>
+            <a:lvl5pPr marL="2057400" indent="-228600" algn="l" defTabSz="914400" rtl="0" eaLnBrk="1" latinLnBrk="0" hangingPunct="1">
+              <a:lnSpc>
+                <a:spcPct val="90000"/>
+              </a:lnSpc>
+              <a:spcBef>
+                <a:spcPts val="500"/>
+              </a:spcBef>
+              <a:buFont typeface="Arial" panose="020B0604020202020204" pitchFamily="34" charset="0"/>
+              <a:buChar char="•"/>
+              <a:defRPr sz="1800" kern="1200">
+                <a:solidFill>
+                  <a:schemeClr val="tx1"/>
+                </a:solidFill>
+                <a:latin typeface="+mn-lt"/>
+                <a:ea typeface="+mn-ea"/>
+                <a:cs typeface="+mn-cs"/>
+              </a:defRPr>
+            </a:lvl5pPr>
+            <a:lvl6pPr marL="2514600" indent="-228600" algn="l" defTabSz="914400" rtl="0" eaLnBrk="1" latinLnBrk="0" hangingPunct="1">
+              <a:lnSpc>
+                <a:spcPct val="90000"/>
+              </a:lnSpc>
+              <a:spcBef>
+                <a:spcPts val="500"/>
+              </a:spcBef>
+              <a:buFont typeface="Arial" panose="020B0604020202020204" pitchFamily="34" charset="0"/>
+              <a:buChar char="•"/>
+              <a:defRPr sz="1800" kern="1200">
+                <a:solidFill>
+                  <a:schemeClr val="tx1"/>
+                </a:solidFill>
+                <a:latin typeface="+mn-lt"/>
+                <a:ea typeface="+mn-ea"/>
+                <a:cs typeface="+mn-cs"/>
+              </a:defRPr>
+            </a:lvl6pPr>
+            <a:lvl7pPr marL="2971800" indent="-228600" algn="l" defTabSz="914400" rtl="0" eaLnBrk="1" latinLnBrk="0" hangingPunct="1">
+              <a:lnSpc>
+                <a:spcPct val="90000"/>
+              </a:lnSpc>
+              <a:spcBef>
+                <a:spcPts val="500"/>
+              </a:spcBef>
+              <a:buFont typeface="Arial" panose="020B0604020202020204" pitchFamily="34" charset="0"/>
+              <a:buChar char="•"/>
+              <a:defRPr sz="1800" kern="1200">
+                <a:solidFill>
+                  <a:schemeClr val="tx1"/>
+                </a:solidFill>
+                <a:latin typeface="+mn-lt"/>
+                <a:ea typeface="+mn-ea"/>
+                <a:cs typeface="+mn-cs"/>
+              </a:defRPr>
+            </a:lvl7pPr>
+            <a:lvl8pPr marL="3429000" indent="-228600" algn="l" defTabSz="914400" rtl="0" eaLnBrk="1" latinLnBrk="0" hangingPunct="1">
+              <a:lnSpc>
+                <a:spcPct val="90000"/>
+              </a:lnSpc>
+              <a:spcBef>
+                <a:spcPts val="500"/>
+              </a:spcBef>
+              <a:buFont typeface="Arial" panose="020B0604020202020204" pitchFamily="34" charset="0"/>
+              <a:buChar char="•"/>
+              <a:defRPr sz="1800" kern="1200">
+                <a:solidFill>
+                  <a:schemeClr val="tx1"/>
+                </a:solidFill>
+                <a:latin typeface="+mn-lt"/>
+                <a:ea typeface="+mn-ea"/>
+                <a:cs typeface="+mn-cs"/>
+              </a:defRPr>
+            </a:lvl8pPr>
+            <a:lvl9pPr marL="3886200" indent="-228600" algn="l" defTabSz="914400" rtl="0" eaLnBrk="1" latinLnBrk="0" hangingPunct="1">
+              <a:lnSpc>
+                <a:spcPct val="90000"/>
+              </a:lnSpc>
+              <a:spcBef>
+                <a:spcPts val="500"/>
+              </a:spcBef>
+              <a:buFont typeface="Arial" panose="020B0604020202020204" pitchFamily="34" charset="0"/>
+              <a:buChar char="•"/>
+              <a:defRPr sz="1800" kern="1200">
+                <a:solidFill>
+                  <a:schemeClr val="tx1"/>
+                </a:solidFill>
+                <a:latin typeface="+mn-lt"/>
+                <a:ea typeface="+mn-ea"/>
+                <a:cs typeface="+mn-cs"/>
+              </a:defRPr>
+            </a:lvl9pPr>
+          </a:lstStyle>
+          <a:p>
+            <a:pPr marL="0" indent="0">
+              <a:buNone/>
+            </a:pPr>
+            <a:r>
+              <a:rPr lang="en-US" sz="2400" dirty="0">
+                <a:solidFill>
+                  <a:srgbClr val="000000"/>
+                </a:solidFill>
+                <a:latin typeface="Century Gothic" panose="020B0502020202020204" pitchFamily="34" charset="0"/>
+              </a:rPr>
+              <a:t>Flat vs Smooth output</a:t>
+            </a:r>
+          </a:p>
+        </p:txBody>
+      </p:sp>
     </p:spTree>
     <p:extLst>
       <p:ext uri="{BB962C8B-B14F-4D97-AF65-F5344CB8AC3E}">
@@ -14538,6 +18319,346 @@
           <a:chExt cx="0" cy="0"/>
         </a:xfrm>
       </p:grpSpPr>
+      <p:pic>
+        <p:nvPicPr>
+          <p:cNvPr id="3" name="Picture 2">
+            <a:extLst>
+              <a:ext uri="{FF2B5EF4-FFF2-40B4-BE49-F238E27FC236}">
+                <a16:creationId xmlns:a16="http://schemas.microsoft.com/office/drawing/2014/main" id="{7EC718DA-3A14-D2B3-9FDE-AD7DCA10389E}"/>
+              </a:ext>
+            </a:extLst>
+          </p:cNvPr>
+          <p:cNvPicPr>
+            <a:picLocks noChangeAspect="1"/>
+          </p:cNvPicPr>
+          <p:nvPr/>
+        </p:nvPicPr>
+        <p:blipFill>
+          <a:blip r:embed="rId3"/>
+          <a:stretch>
+            <a:fillRect/>
+          </a:stretch>
+        </p:blipFill>
+        <p:spPr>
+          <a:xfrm>
+            <a:off x="1719470" y="1648387"/>
+            <a:ext cx="8340754" cy="4731563"/>
+          </a:xfrm>
+          <a:prstGeom prst="rect">
+            <a:avLst/>
+          </a:prstGeom>
+        </p:spPr>
+      </p:pic>
+      <p:sp>
+        <p:nvSpPr>
+          <p:cNvPr id="4" name="Title 1">
+            <a:extLst>
+              <a:ext uri="{FF2B5EF4-FFF2-40B4-BE49-F238E27FC236}">
+                <a16:creationId xmlns:a16="http://schemas.microsoft.com/office/drawing/2014/main" id="{AD9A3866-6D46-961B-04B0-CDBC76438BC7}"/>
+              </a:ext>
+            </a:extLst>
+          </p:cNvPr>
+          <p:cNvSpPr txBox="1">
+            <a:spLocks/>
+          </p:cNvSpPr>
+          <p:nvPr/>
+        </p:nvSpPr>
+        <p:spPr>
+          <a:xfrm>
+            <a:off x="496675" y="322824"/>
+            <a:ext cx="10515600" cy="1325563"/>
+          </a:xfrm>
+          <a:prstGeom prst="rect">
+            <a:avLst/>
+          </a:prstGeom>
+        </p:spPr>
+        <p:txBody>
+          <a:bodyPr vert="horz" lIns="91440" tIns="45720" rIns="91440" bIns="45720" rtlCol="0" anchor="ctr">
+            <a:normAutofit/>
+          </a:bodyPr>
+          <a:lstStyle>
+            <a:lvl1pPr algn="l" defTabSz="914400" rtl="0" eaLnBrk="1" latinLnBrk="0" hangingPunct="1">
+              <a:lnSpc>
+                <a:spcPct val="90000"/>
+              </a:lnSpc>
+              <a:spcBef>
+                <a:spcPct val="0"/>
+              </a:spcBef>
+              <a:buNone/>
+              <a:defRPr sz="4400" kern="1200">
+                <a:solidFill>
+                  <a:schemeClr val="tx1"/>
+                </a:solidFill>
+                <a:latin typeface="+mj-lt"/>
+                <a:ea typeface="+mj-ea"/>
+                <a:cs typeface="+mj-cs"/>
+              </a:defRPr>
+            </a:lvl1pPr>
+          </a:lstStyle>
+          <a:p>
+            <a:r>
+              <a:rPr lang="en-US" sz="3200" b="1" dirty="0">
+                <a:solidFill>
+                  <a:srgbClr val="000000"/>
+                </a:solidFill>
+              </a:rPr>
+              <a:t>BCPA Examples/Applications</a:t>
+            </a:r>
+            <a:br>
+              <a:rPr lang="en-US" sz="3200" b="1" dirty="0">
+                <a:solidFill>
+                  <a:srgbClr val="000000"/>
+                </a:solidFill>
+              </a:rPr>
+            </a:br>
+            <a:endParaRPr lang="en-US" sz="3200" b="1" dirty="0"/>
+          </a:p>
+        </p:txBody>
+      </p:sp>
+      <p:pic>
+        <p:nvPicPr>
+          <p:cNvPr id="6" name="Picture 5">
+            <a:extLst>
+              <a:ext uri="{FF2B5EF4-FFF2-40B4-BE49-F238E27FC236}">
+                <a16:creationId xmlns:a16="http://schemas.microsoft.com/office/drawing/2014/main" id="{15D51851-90B8-4F22-0F32-68E8AC418010}"/>
+              </a:ext>
+            </a:extLst>
+          </p:cNvPr>
+          <p:cNvPicPr>
+            <a:picLocks noChangeAspect="1"/>
+          </p:cNvPicPr>
+          <p:nvPr/>
+        </p:nvPicPr>
+        <p:blipFill>
+          <a:blip r:embed="rId4"/>
+          <a:stretch>
+            <a:fillRect/>
+          </a:stretch>
+        </p:blipFill>
+        <p:spPr>
+          <a:xfrm>
+            <a:off x="8577470" y="165153"/>
+            <a:ext cx="3492616" cy="1050298"/>
+          </a:xfrm>
+          <a:prstGeom prst="rect">
+            <a:avLst/>
+          </a:prstGeom>
+          <a:effectLst>
+            <a:outerShdw blurRad="50800" dist="38100" dir="2700000" algn="tl" rotWithShape="0">
+              <a:prstClr val="black">
+                <a:alpha val="40000"/>
+              </a:prstClr>
+            </a:outerShdw>
+          </a:effectLst>
+        </p:spPr>
+      </p:pic>
+      <p:sp>
+        <p:nvSpPr>
+          <p:cNvPr id="7" name="Content Placeholder 2">
+            <a:extLst>
+              <a:ext uri="{FF2B5EF4-FFF2-40B4-BE49-F238E27FC236}">
+                <a16:creationId xmlns:a16="http://schemas.microsoft.com/office/drawing/2014/main" id="{7F5E8CA8-755E-D230-6B75-8B56CDF6FBBD}"/>
+              </a:ext>
+            </a:extLst>
+          </p:cNvPr>
+          <p:cNvSpPr txBox="1">
+            <a:spLocks/>
+          </p:cNvSpPr>
+          <p:nvPr/>
+        </p:nvSpPr>
+        <p:spPr>
+          <a:xfrm>
+            <a:off x="969484" y="1167789"/>
+            <a:ext cx="10515600" cy="796562"/>
+          </a:xfrm>
+          <a:prstGeom prst="rect">
+            <a:avLst/>
+          </a:prstGeom>
+        </p:spPr>
+        <p:txBody>
+          <a:bodyPr vert="horz" lIns="91440" tIns="45720" rIns="91440" bIns="45720" rtlCol="0">
+            <a:noAutofit/>
+          </a:bodyPr>
+          <a:lstStyle>
+            <a:lvl1pPr marL="228600" indent="-228600" algn="l" defTabSz="914400" rtl="0" eaLnBrk="1" latinLnBrk="0" hangingPunct="1">
+              <a:lnSpc>
+                <a:spcPct val="90000"/>
+              </a:lnSpc>
+              <a:spcBef>
+                <a:spcPts val="1000"/>
+              </a:spcBef>
+              <a:buFont typeface="Arial" panose="020B0604020202020204" pitchFamily="34" charset="0"/>
+              <a:buChar char="•"/>
+              <a:defRPr sz="2800" kern="1200">
+                <a:solidFill>
+                  <a:schemeClr val="tx1"/>
+                </a:solidFill>
+                <a:latin typeface="+mn-lt"/>
+                <a:ea typeface="+mn-ea"/>
+                <a:cs typeface="+mn-cs"/>
+              </a:defRPr>
+            </a:lvl1pPr>
+            <a:lvl2pPr marL="685800" indent="-228600" algn="l" defTabSz="914400" rtl="0" eaLnBrk="1" latinLnBrk="0" hangingPunct="1">
+              <a:lnSpc>
+                <a:spcPct val="90000"/>
+              </a:lnSpc>
+              <a:spcBef>
+                <a:spcPts val="500"/>
+              </a:spcBef>
+              <a:buFont typeface="Arial" panose="020B0604020202020204" pitchFamily="34" charset="0"/>
+              <a:buChar char="•"/>
+              <a:defRPr sz="2400" kern="1200">
+                <a:solidFill>
+                  <a:schemeClr val="tx1"/>
+                </a:solidFill>
+                <a:latin typeface="+mn-lt"/>
+                <a:ea typeface="+mn-ea"/>
+                <a:cs typeface="+mn-cs"/>
+              </a:defRPr>
+            </a:lvl2pPr>
+            <a:lvl3pPr marL="1143000" indent="-228600" algn="l" defTabSz="914400" rtl="0" eaLnBrk="1" latinLnBrk="0" hangingPunct="1">
+              <a:lnSpc>
+                <a:spcPct val="90000"/>
+              </a:lnSpc>
+              <a:spcBef>
+                <a:spcPts val="500"/>
+              </a:spcBef>
+              <a:buFont typeface="Arial" panose="020B0604020202020204" pitchFamily="34" charset="0"/>
+              <a:buChar char="•"/>
+              <a:defRPr sz="2000" kern="1200">
+                <a:solidFill>
+                  <a:schemeClr val="tx1"/>
+                </a:solidFill>
+                <a:latin typeface="+mn-lt"/>
+                <a:ea typeface="+mn-ea"/>
+                <a:cs typeface="+mn-cs"/>
+              </a:defRPr>
+            </a:lvl3pPr>
+            <a:lvl4pPr marL="1600200" indent="-228600" algn="l" defTabSz="914400" rtl="0" eaLnBrk="1" latinLnBrk="0" hangingPunct="1">
+              <a:lnSpc>
+                <a:spcPct val="90000"/>
+              </a:lnSpc>
+              <a:spcBef>
+                <a:spcPts val="500"/>
+              </a:spcBef>
+              <a:buFont typeface="Arial" panose="020B0604020202020204" pitchFamily="34" charset="0"/>
+              <a:buChar char="•"/>
+              <a:defRPr sz="1800" kern="1200">
+                <a:solidFill>
+                  <a:schemeClr val="tx1"/>
+                </a:solidFill>
+                <a:latin typeface="+mn-lt"/>
+                <a:ea typeface="+mn-ea"/>
+                <a:cs typeface="+mn-cs"/>
+              </a:defRPr>
+            </a:lvl4pPr>
+            <a:lvl5pPr marL="2057400" indent="-228600" algn="l" defTabSz="914400" rtl="0" eaLnBrk="1" latinLnBrk="0" hangingPunct="1">
+              <a:lnSpc>
+                <a:spcPct val="90000"/>
+              </a:lnSpc>
+              <a:spcBef>
+                <a:spcPts val="500"/>
+              </a:spcBef>
+              <a:buFont typeface="Arial" panose="020B0604020202020204" pitchFamily="34" charset="0"/>
+              <a:buChar char="•"/>
+              <a:defRPr sz="1800" kern="1200">
+                <a:solidFill>
+                  <a:schemeClr val="tx1"/>
+                </a:solidFill>
+                <a:latin typeface="+mn-lt"/>
+                <a:ea typeface="+mn-ea"/>
+                <a:cs typeface="+mn-cs"/>
+              </a:defRPr>
+            </a:lvl5pPr>
+            <a:lvl6pPr marL="2514600" indent="-228600" algn="l" defTabSz="914400" rtl="0" eaLnBrk="1" latinLnBrk="0" hangingPunct="1">
+              <a:lnSpc>
+                <a:spcPct val="90000"/>
+              </a:lnSpc>
+              <a:spcBef>
+                <a:spcPts val="500"/>
+              </a:spcBef>
+              <a:buFont typeface="Arial" panose="020B0604020202020204" pitchFamily="34" charset="0"/>
+              <a:buChar char="•"/>
+              <a:defRPr sz="1800" kern="1200">
+                <a:solidFill>
+                  <a:schemeClr val="tx1"/>
+                </a:solidFill>
+                <a:latin typeface="+mn-lt"/>
+                <a:ea typeface="+mn-ea"/>
+                <a:cs typeface="+mn-cs"/>
+              </a:defRPr>
+            </a:lvl6pPr>
+            <a:lvl7pPr marL="2971800" indent="-228600" algn="l" defTabSz="914400" rtl="0" eaLnBrk="1" latinLnBrk="0" hangingPunct="1">
+              <a:lnSpc>
+                <a:spcPct val="90000"/>
+              </a:lnSpc>
+              <a:spcBef>
+                <a:spcPts val="500"/>
+              </a:spcBef>
+              <a:buFont typeface="Arial" panose="020B0604020202020204" pitchFamily="34" charset="0"/>
+              <a:buChar char="•"/>
+              <a:defRPr sz="1800" kern="1200">
+                <a:solidFill>
+                  <a:schemeClr val="tx1"/>
+                </a:solidFill>
+                <a:latin typeface="+mn-lt"/>
+                <a:ea typeface="+mn-ea"/>
+                <a:cs typeface="+mn-cs"/>
+              </a:defRPr>
+            </a:lvl7pPr>
+            <a:lvl8pPr marL="3429000" indent="-228600" algn="l" defTabSz="914400" rtl="0" eaLnBrk="1" latinLnBrk="0" hangingPunct="1">
+              <a:lnSpc>
+                <a:spcPct val="90000"/>
+              </a:lnSpc>
+              <a:spcBef>
+                <a:spcPts val="500"/>
+              </a:spcBef>
+              <a:buFont typeface="Arial" panose="020B0604020202020204" pitchFamily="34" charset="0"/>
+              <a:buChar char="•"/>
+              <a:defRPr sz="1800" kern="1200">
+                <a:solidFill>
+                  <a:schemeClr val="tx1"/>
+                </a:solidFill>
+                <a:latin typeface="+mn-lt"/>
+                <a:ea typeface="+mn-ea"/>
+                <a:cs typeface="+mn-cs"/>
+              </a:defRPr>
+            </a:lvl8pPr>
+            <a:lvl9pPr marL="3886200" indent="-228600" algn="l" defTabSz="914400" rtl="0" eaLnBrk="1" latinLnBrk="0" hangingPunct="1">
+              <a:lnSpc>
+                <a:spcPct val="90000"/>
+              </a:lnSpc>
+              <a:spcBef>
+                <a:spcPts val="500"/>
+              </a:spcBef>
+              <a:buFont typeface="Arial" panose="020B0604020202020204" pitchFamily="34" charset="0"/>
+              <a:buChar char="•"/>
+              <a:defRPr sz="1800" kern="1200">
+                <a:solidFill>
+                  <a:schemeClr val="tx1"/>
+                </a:solidFill>
+                <a:latin typeface="+mn-lt"/>
+                <a:ea typeface="+mn-ea"/>
+                <a:cs typeface="+mn-cs"/>
+              </a:defRPr>
+            </a:lvl9pPr>
+          </a:lstStyle>
+          <a:p>
+            <a:pPr marL="0" indent="0">
+              <a:buNone/>
+            </a:pPr>
+            <a:r>
+              <a:rPr lang="en-US" sz="2400" dirty="0">
+                <a:solidFill>
+                  <a:srgbClr val="000000"/>
+                </a:solidFill>
+                <a:latin typeface="Century Gothic" panose="020B0502020202020204" pitchFamily="34" charset="0"/>
+              </a:rPr>
+              <a:t>Fur seals</a:t>
+            </a:r>
+          </a:p>
+        </p:txBody>
+      </p:sp>
     </p:spTree>
     <p:extLst>
       <p:ext uri="{BB962C8B-B14F-4D97-AF65-F5344CB8AC3E}">
@@ -14698,7 +18819,7 @@
                   <a:srgbClr val="000000"/>
                 </a:solidFill>
               </a:rPr>
-              <a:t>, C. and Hebblewhite, M. (2016), How many routes lead to migration? Comparison of methods to assess and characterize migratory movements. J </a:t>
+              <a:t>, C. and Hebblewhite, M. (2016), How many routes lead to migration? Comparison of methods to assess and characterize migratory movements. J Anim </a:t>
             </a:r>
             <a:r>
               <a:rPr lang="en-US" sz="1600" b="0" i="0" u="none" strike="noStrike" baseline="0" dirty="0" err="1">
@@ -14706,6 +18827,138 @@
                   <a:srgbClr val="000000"/>
                 </a:solidFill>
               </a:rPr>
+              <a:t>Ecol</a:t>
+            </a:r>
+            <a:r>
+              <a:rPr lang="en-US" sz="1600" b="0" i="0" u="none" strike="noStrike" baseline="0" dirty="0">
+                <a:solidFill>
+                  <a:srgbClr val="000000"/>
+                </a:solidFill>
+              </a:rPr>
+              <a:t>, 85: 54-68. </a:t>
+            </a:r>
+          </a:p>
+          <a:p>
+            <a:r>
+              <a:rPr lang="en-US" sz="1600" b="0" i="0" u="none" strike="noStrike" baseline="0" dirty="0">
+                <a:solidFill>
+                  <a:srgbClr val="000000"/>
+                </a:solidFill>
+              </a:rPr>
+              <a:t>Gurarie, E., R. Andrews and K. </a:t>
+            </a:r>
+            <a:r>
+              <a:rPr lang="en-US" sz="1600" b="0" i="0" u="none" strike="noStrike" baseline="0" dirty="0" err="1">
+                <a:solidFill>
+                  <a:srgbClr val="000000"/>
+                </a:solidFill>
+              </a:rPr>
+              <a:t>Laidre</a:t>
+            </a:r>
+            <a:r>
+              <a:rPr lang="en-US" sz="1600" b="0" i="0" u="none" strike="noStrike" baseline="0" dirty="0">
+                <a:solidFill>
+                  <a:srgbClr val="000000"/>
+                </a:solidFill>
+              </a:rPr>
+              <a:t>. 2009. A novel method for identifying </a:t>
+            </a:r>
+            <a:r>
+              <a:rPr lang="en-US" sz="1600" b="0" i="0" u="none" strike="noStrike" baseline="0" dirty="0" err="1">
+                <a:solidFill>
+                  <a:srgbClr val="000000"/>
+                </a:solidFill>
+              </a:rPr>
+              <a:t>behavioural</a:t>
+            </a:r>
+            <a:r>
+              <a:rPr lang="en-US" sz="1600" b="0" i="0" u="none" strike="noStrike" baseline="0" dirty="0">
+                <a:solidFill>
+                  <a:srgbClr val="000000"/>
+                </a:solidFill>
+              </a:rPr>
+              <a:t> changes in animal movement data. Ecology Letters. 12: 395-408.</a:t>
+            </a:r>
+          </a:p>
+          <a:p>
+            <a:r>
+              <a:rPr lang="en-US" sz="1600" b="0" i="0" u="none" strike="noStrike" baseline="0" dirty="0">
+                <a:solidFill>
+                  <a:srgbClr val="000000"/>
+                </a:solidFill>
+              </a:rPr>
+              <a:t>Gurarie, E., Bracis, C., Delgado, M., </a:t>
+            </a:r>
+            <a:r>
+              <a:rPr lang="en-US" sz="1600" b="0" i="0" u="none" strike="noStrike" baseline="0" dirty="0" err="1">
+                <a:solidFill>
+                  <a:srgbClr val="000000"/>
+                </a:solidFill>
+              </a:rPr>
+              <a:t>Meckley</a:t>
+            </a:r>
+            <a:r>
+              <a:rPr lang="en-US" sz="1600" b="0" i="0" u="none" strike="noStrike" baseline="0" dirty="0">
+                <a:solidFill>
+                  <a:srgbClr val="000000"/>
+                </a:solidFill>
+              </a:rPr>
+              <a:t>, T.D., </a:t>
+            </a:r>
+            <a:r>
+              <a:rPr lang="en-US" sz="1600" b="0" i="0" u="none" strike="noStrike" baseline="0" dirty="0" err="1">
+                <a:solidFill>
+                  <a:srgbClr val="000000"/>
+                </a:solidFill>
+              </a:rPr>
+              <a:t>Kojola</a:t>
+            </a:r>
+            <a:r>
+              <a:rPr lang="en-US" sz="1600" b="0" i="0" u="none" strike="noStrike" baseline="0" dirty="0">
+                <a:solidFill>
+                  <a:srgbClr val="000000"/>
+                </a:solidFill>
+              </a:rPr>
+              <a:t>, I. and Wagner, C.M. (2016), What is the animal doing? Tools for exploring </a:t>
+            </a:r>
+            <a:r>
+              <a:rPr lang="en-US" sz="1600" b="0" i="0" u="none" strike="noStrike" baseline="0" dirty="0" err="1">
+                <a:solidFill>
+                  <a:srgbClr val="000000"/>
+                </a:solidFill>
+              </a:rPr>
+              <a:t>behavioura</a:t>
+            </a:r>
+            <a:r>
+              <a:rPr lang="en-US" sz="1600" b="0" i="0" u="none" strike="noStrike" baseline="0" dirty="0">
+                <a:solidFill>
+                  <a:srgbClr val="000000"/>
+                </a:solidFill>
+              </a:rPr>
+              <a:t> </a:t>
+            </a:r>
+            <a:r>
+              <a:rPr lang="en-US" sz="1600" b="0" i="0" u="none" strike="noStrike" baseline="0" dirty="0" err="1">
+                <a:solidFill>
+                  <a:srgbClr val="000000"/>
+                </a:solidFill>
+              </a:rPr>
+              <a:t>lstructure</a:t>
+            </a:r>
+            <a:r>
+              <a:rPr lang="en-US" sz="1600" b="0" i="0" u="none" strike="noStrike" baseline="0" dirty="0">
+                <a:solidFill>
+                  <a:srgbClr val="000000"/>
+                </a:solidFill>
+              </a:rPr>
+              <a:t> in animal movements. J </a:t>
+            </a:r>
+            <a:r>
+              <a:rPr lang="en-US" sz="1600" b="0" i="0" u="none" strike="noStrike" baseline="0" dirty="0" err="1">
+                <a:solidFill>
+                  <a:srgbClr val="000000"/>
+                </a:solidFill>
+              </a:rPr>
               <a:t>AnimEcol</a:t>
             </a:r>
             <a:r>
@@ -14714,17 +18967,25 @@
                   <a:srgbClr val="000000"/>
                 </a:solidFill>
               </a:rPr>
-              <a:t>, 85: 54-68. </a:t>
-            </a:r>
-          </a:p>
-          <a:p>
+              <a:t>, 85: 69-84. </a:t>
+            </a:r>
+          </a:p>
+          <a:p>
+            <a:r>
+              <a:rPr lang="en-US" sz="1600" b="0" i="0" u="none" strike="noStrike" baseline="0" dirty="0" err="1">
+                <a:solidFill>
+                  <a:srgbClr val="000000"/>
+                </a:solidFill>
+              </a:rPr>
+              <a:t>Karelus</a:t>
+            </a:r>
             <a:r>
               <a:rPr lang="en-US" sz="1600" b="0" i="0" u="none" strike="noStrike" baseline="0" dirty="0">
                 <a:solidFill>
                   <a:srgbClr val="000000"/>
                 </a:solidFill>
               </a:rPr>
-              <a:t>Gurarie, E., R. Andrews and K. </a:t>
+              <a:t>, D.L., J. Walter McCown, Brian K. </a:t>
             </a:r>
             <a:r>
               <a:rPr lang="en-US" sz="1600" b="0" i="0" u="none" strike="noStrike" baseline="0" dirty="0" err="1">
@@ -14732,7 +18993,7 @@
                   <a:srgbClr val="000000"/>
                 </a:solidFill>
               </a:rPr>
-              <a:t>Laidre</a:t>
+              <a:t>Scheick</a:t>
             </a:r>
             <a:r>
               <a:rPr lang="en-US" sz="1600" b="0" i="0" u="none" strike="noStrike" baseline="0" dirty="0">
@@ -14740,7 +19001,7 @@
                   <a:srgbClr val="000000"/>
                 </a:solidFill>
               </a:rPr>
-              <a:t>. 2009. A novel method for identifying </a:t>
+              <a:t>, </a:t>
             </a:r>
             <a:r>
               <a:rPr lang="en-US" sz="1600" b="0" i="0" u="none" strike="noStrike" baseline="0" dirty="0" err="1">
@@ -14748,7 +19009,7 @@
                   <a:srgbClr val="000000"/>
                 </a:solidFill>
               </a:rPr>
-              <a:t>behaviouralchanges</a:t>
+              <a:t>Madelonvan</a:t>
             </a:r>
             <a:r>
               <a:rPr lang="en-US" sz="1600" b="0" i="0" u="none" strike="noStrike" baseline="0" dirty="0">
@@ -14756,17 +19017,23 @@
                   <a:srgbClr val="000000"/>
                 </a:solidFill>
               </a:rPr>
-              <a:t> in animal movement data. Ecology Letters. 12: 395-408.</a:t>
-            </a:r>
-          </a:p>
-          <a:p>
+              <a:t> de </a:t>
+            </a:r>
+            <a:r>
+              <a:rPr lang="en-US" sz="1600" b="0" i="0" u="none" strike="noStrike" baseline="0" dirty="0" err="1">
+                <a:solidFill>
+                  <a:srgbClr val="000000"/>
+                </a:solidFill>
+              </a:rPr>
+              <a:t>Kerk</a:t>
+            </a:r>
             <a:r>
               <a:rPr lang="en-US" sz="1600" b="0" i="0" u="none" strike="noStrike" baseline="0" dirty="0">
                 <a:solidFill>
                   <a:srgbClr val="000000"/>
                 </a:solidFill>
               </a:rPr>
-              <a:t>Gurarie, E., Bracis, C., Delgado, M., </a:t>
+              <a:t>, Benjamin M. </a:t>
             </a:r>
             <a:r>
               <a:rPr lang="en-US" sz="1600" b="0" i="0" u="none" strike="noStrike" baseline="0" dirty="0" err="1">
@@ -14774,7 +19041,7 @@
                   <a:srgbClr val="000000"/>
                 </a:solidFill>
               </a:rPr>
-              <a:t>Meckley</a:t>
+              <a:t>Bolker</a:t>
             </a:r>
             <a:r>
               <a:rPr lang="en-US" sz="1600" b="0" i="0" u="none" strike="noStrike" baseline="0" dirty="0">
@@ -14782,7 +19049,17 @@
                   <a:srgbClr val="000000"/>
                 </a:solidFill>
               </a:rPr>
-              <a:t>, T.D., </a:t>
+              <a:t>, Madan K. Oli "Incorporating movement patterns to discern habitat selection: black bears as a case study," Wildlife Research, 46(1), 76-88, (15 February 2019) </a:t>
+            </a:r>
+          </a:p>
+          <a:p>
+            <a:r>
+              <a:rPr lang="en-US" sz="1600" b="0" i="0" u="none" strike="noStrike" baseline="0" dirty="0">
+                <a:solidFill>
+                  <a:srgbClr val="000000"/>
+                </a:solidFill>
+              </a:rPr>
+              <a:t>Kennedy, A. S., A. N. </a:t>
             </a:r>
             <a:r>
               <a:rPr lang="en-US" sz="1600" b="0" i="0" u="none" strike="noStrike" baseline="0" dirty="0" err="1">
@@ -14790,7 +19067,7 @@
                   <a:srgbClr val="000000"/>
                 </a:solidFill>
               </a:rPr>
-              <a:t>Kojola</a:t>
+              <a:t>Zerbini</a:t>
             </a:r>
             <a:r>
               <a:rPr lang="en-US" sz="1600" b="0" i="0" u="none" strike="noStrike" baseline="0" dirty="0">
@@ -14798,7 +19075,7 @@
                   <a:srgbClr val="000000"/>
                 </a:solidFill>
               </a:rPr>
-              <a:t>, I. and Wagner, C.M. (2016), What is the animal doing? Tools for exploring </a:t>
+              <a:t>, B. K. </a:t>
             </a:r>
             <a:r>
               <a:rPr lang="en-US" sz="1600" b="0" i="0" u="none" strike="noStrike" baseline="0" dirty="0" err="1">
@@ -14806,7 +19083,7 @@
                   <a:srgbClr val="000000"/>
                 </a:solidFill>
               </a:rPr>
-              <a:t>behaviouralstructure</a:t>
+              <a:t>Rone</a:t>
             </a:r>
             <a:r>
               <a:rPr lang="en-US" sz="1600" b="0" i="0" u="none" strike="noStrike" baseline="0" dirty="0">
@@ -14814,15 +19091,17 @@
                   <a:srgbClr val="000000"/>
                 </a:solidFill>
               </a:rPr>
-              <a:t> in animal movements. J </a:t>
-            </a:r>
+              <a:t>, and P. J. Clapham. 2014. Individual variation in movements of satellite-tracked humpback whales Megaptera novaeangliae in the eastern Aleutian Islands and Bering Sea. Endangered Species Research 23:187195 </a:t>
+            </a:r>
+          </a:p>
+          <a:p>
             <a:r>
               <a:rPr lang="en-US" sz="1600" b="0" i="0" u="none" strike="noStrike" baseline="0" dirty="0" err="1">
                 <a:solidFill>
                   <a:srgbClr val="000000"/>
                 </a:solidFill>
               </a:rPr>
-              <a:t>AnimEcol</a:t>
+              <a:t>Klappstein</a:t>
             </a:r>
             <a:r>
               <a:rPr lang="en-US" sz="1600" b="0" i="0" u="none" strike="noStrike" baseline="0" dirty="0">
@@ -14830,17 +19109,15 @@
                   <a:srgbClr val="000000"/>
                 </a:solidFill>
               </a:rPr>
-              <a:t>, 85: 69-84. </a:t>
-            </a:r>
-          </a:p>
-          <a:p>
+              <a:t> NJ, Thomas L, </a:t>
+            </a:r>
             <a:r>
               <a:rPr lang="en-US" sz="1600" b="0" i="0" u="none" strike="noStrike" baseline="0" dirty="0" err="1">
                 <a:solidFill>
                   <a:srgbClr val="000000"/>
                 </a:solidFill>
               </a:rPr>
-              <a:t>Karelus</a:t>
+              <a:t>Michelot</a:t>
             </a:r>
             <a:r>
               <a:rPr lang="en-US" sz="1600" b="0" i="0" u="none" strike="noStrike" baseline="0" dirty="0">
@@ -14848,7 +19125,7 @@
                   <a:srgbClr val="000000"/>
                 </a:solidFill>
               </a:rPr>
-              <a:t>, D.L., J. Walter McCown, Brian K. </a:t>
+              <a:t> T. Flexible hidden Markov models for </a:t>
             </a:r>
             <a:r>
               <a:rPr lang="en-US" sz="1600" b="0" i="0" u="none" strike="noStrike" baseline="0" dirty="0" err="1">
@@ -14856,7 +19133,7 @@
                   <a:srgbClr val="000000"/>
                 </a:solidFill>
               </a:rPr>
-              <a:t>Scheick</a:t>
+              <a:t>behaviour</a:t>
             </a:r>
             <a:r>
               <a:rPr lang="en-US" sz="1600" b="0" i="0" u="none" strike="noStrike" baseline="0" dirty="0">
@@ -14864,7 +19141,7 @@
                   <a:srgbClr val="000000"/>
                 </a:solidFill>
               </a:rPr>
-              <a:t>, </a:t>
+              <a:t>-dependent habitat selection. Mov Ecol. 2023 Jun 3;11(1):30. </a:t>
             </a:r>
             <a:r>
               <a:rPr lang="en-US" sz="1600" b="0" i="0" u="none" strike="noStrike" baseline="0" dirty="0" err="1">
@@ -14872,7 +19149,7 @@
                   <a:srgbClr val="000000"/>
                 </a:solidFill>
               </a:rPr>
-              <a:t>Madelonvan</a:t>
+              <a:t>doi</a:t>
             </a:r>
             <a:r>
               <a:rPr lang="en-US" sz="1600" b="0" i="0" u="none" strike="noStrike" baseline="0" dirty="0">
@@ -14880,15 +19157,17 @@
                   <a:srgbClr val="000000"/>
                 </a:solidFill>
               </a:rPr>
-              <a:t> de </a:t>
-            </a:r>
+              <a:t>: 10.1186/s40462-023-00392-3. </a:t>
+            </a:r>
+          </a:p>
+          <a:p>
             <a:r>
               <a:rPr lang="en-US" sz="1600" b="0" i="0" u="none" strike="noStrike" baseline="0" dirty="0" err="1">
                 <a:solidFill>
                   <a:srgbClr val="000000"/>
                 </a:solidFill>
               </a:rPr>
-              <a:t>Kerk</a:t>
+              <a:t>Michelot</a:t>
             </a:r>
             <a:r>
               <a:rPr lang="en-US" sz="1600" b="0" i="0" u="none" strike="noStrike" baseline="0" dirty="0">
@@ -14896,7 +19175,7 @@
                   <a:srgbClr val="000000"/>
                 </a:solidFill>
               </a:rPr>
-              <a:t>, Benjamin M. </a:t>
+              <a:t>, T., </a:t>
             </a:r>
             <a:r>
               <a:rPr lang="en-US" sz="1600" b="0" i="0" u="none" strike="noStrike" baseline="0" dirty="0" err="1">
@@ -14904,7 +19183,7 @@
                   <a:srgbClr val="000000"/>
                 </a:solidFill>
               </a:rPr>
-              <a:t>Bolker</a:t>
+              <a:t>Langrock</a:t>
             </a:r>
             <a:r>
               <a:rPr lang="en-US" sz="1600" b="0" i="0" u="none" strike="noStrike" baseline="0" dirty="0">
@@ -14912,17 +19191,23 @@
                   <a:srgbClr val="000000"/>
                 </a:solidFill>
               </a:rPr>
-              <a:t>, Madan K. Oli "Incorporating movement patterns to discern habitat selection: black bears as a case study," Wildlife Research, 46(1), 76-88, (15 February 2019) </a:t>
-            </a:r>
-          </a:p>
-          <a:p>
+              <a:t>, R. and Patterson, T.A. (2016), </a:t>
+            </a:r>
+            <a:r>
+              <a:rPr lang="en-US" sz="1600" b="0" i="0" u="none" strike="noStrike" baseline="0" dirty="0" err="1">
+                <a:solidFill>
+                  <a:srgbClr val="000000"/>
+                </a:solidFill>
+              </a:rPr>
+              <a:t>moveHMM</a:t>
+            </a:r>
             <a:r>
               <a:rPr lang="en-US" sz="1600" b="0" i="0" u="none" strike="noStrike" baseline="0" dirty="0">
                 <a:solidFill>
                   <a:srgbClr val="000000"/>
                 </a:solidFill>
               </a:rPr>
-              <a:t>Kennedy, A. S., A. N. </a:t>
+              <a:t>: an R package for the statistical modelling of animal movement data using hidden Markov models. Methods </a:t>
             </a:r>
             <a:r>
               <a:rPr lang="en-US" sz="1600" b="0" i="0" u="none" strike="noStrike" baseline="0" dirty="0" err="1">
@@ -14930,7 +19215,7 @@
                   <a:srgbClr val="000000"/>
                 </a:solidFill>
               </a:rPr>
-              <a:t>Zerbini</a:t>
+              <a:t>Ecol</a:t>
             </a:r>
             <a:r>
               <a:rPr lang="en-US" sz="1600" b="0" i="0" u="none" strike="noStrike" baseline="0" dirty="0">
@@ -14938,7 +19223,7 @@
                   <a:srgbClr val="000000"/>
                 </a:solidFill>
               </a:rPr>
-              <a:t>, B. K. </a:t>
+              <a:t> </a:t>
             </a:r>
             <a:r>
               <a:rPr lang="en-US" sz="1600" b="0" i="0" u="none" strike="noStrike" baseline="0" dirty="0" err="1">
@@ -14946,139 +19231,7 @@
                   <a:srgbClr val="000000"/>
                 </a:solidFill>
               </a:rPr>
-              <a:t>Rone</a:t>
-            </a:r>
-            <a:r>
-              <a:rPr lang="en-US" sz="1600" b="0" i="0" u="none" strike="noStrike" baseline="0" dirty="0">
-                <a:solidFill>
-                  <a:srgbClr val="000000"/>
-                </a:solidFill>
-              </a:rPr>
-              <a:t>, and P. J. Clapham. 2014. Individual variation in movements of satellite-tracked humpback whales Megaptera novaeangliae in the eastern Aleutian Islands and Bering Sea. Endangered Species Research 23:187195 </a:t>
-            </a:r>
-          </a:p>
-          <a:p>
-            <a:r>
-              <a:rPr lang="en-US" sz="1600" b="0" i="0" u="none" strike="noStrike" baseline="0" dirty="0" err="1">
-                <a:solidFill>
-                  <a:srgbClr val="000000"/>
-                </a:solidFill>
-              </a:rPr>
-              <a:t>KlappsteinNJ</a:t>
-            </a:r>
-            <a:r>
-              <a:rPr lang="en-US" sz="1600" b="0" i="0" u="none" strike="noStrike" baseline="0" dirty="0">
-                <a:solidFill>
-                  <a:srgbClr val="000000"/>
-                </a:solidFill>
-              </a:rPr>
-              <a:t>, Thomas L, </a:t>
-            </a:r>
-            <a:r>
-              <a:rPr lang="en-US" sz="1600" b="0" i="0" u="none" strike="noStrike" baseline="0" dirty="0" err="1">
-                <a:solidFill>
-                  <a:srgbClr val="000000"/>
-                </a:solidFill>
-              </a:rPr>
-              <a:t>MichelotT</a:t>
-            </a:r>
-            <a:r>
-              <a:rPr lang="en-US" sz="1600" b="0" i="0" u="none" strike="noStrike" baseline="0" dirty="0">
-                <a:solidFill>
-                  <a:srgbClr val="000000"/>
-                </a:solidFill>
-              </a:rPr>
-              <a:t>. Flexible hidden Markov models for </a:t>
-            </a:r>
-            <a:r>
-              <a:rPr lang="en-US" sz="1600" b="0" i="0" u="none" strike="noStrike" baseline="0" dirty="0" err="1">
-                <a:solidFill>
-                  <a:srgbClr val="000000"/>
-                </a:solidFill>
-              </a:rPr>
-              <a:t>behaviour</a:t>
-            </a:r>
-            <a:r>
-              <a:rPr lang="en-US" sz="1600" b="0" i="0" u="none" strike="noStrike" baseline="0" dirty="0">
-                <a:solidFill>
-                  <a:srgbClr val="000000"/>
-                </a:solidFill>
-              </a:rPr>
-              <a:t>-dependent habitat selection. Mov Ecol. 2023 Jun 3;11(1):30. </a:t>
-            </a:r>
-            <a:r>
-              <a:rPr lang="en-US" sz="1600" b="0" i="0" u="none" strike="noStrike" baseline="0" dirty="0" err="1">
-                <a:solidFill>
-                  <a:srgbClr val="000000"/>
-                </a:solidFill>
-              </a:rPr>
-              <a:t>doi</a:t>
-            </a:r>
-            <a:r>
-              <a:rPr lang="en-US" sz="1600" b="0" i="0" u="none" strike="noStrike" baseline="0" dirty="0">
-                <a:solidFill>
-                  <a:srgbClr val="000000"/>
-                </a:solidFill>
-              </a:rPr>
-              <a:t>: 10.1186/s40462-023-00392-3. </a:t>
-            </a:r>
-          </a:p>
-          <a:p>
-            <a:r>
-              <a:rPr lang="en-US" sz="1600" b="0" i="0" u="none" strike="noStrike" baseline="0" dirty="0" err="1">
-                <a:solidFill>
-                  <a:srgbClr val="000000"/>
-                </a:solidFill>
-              </a:rPr>
-              <a:t>Michelot</a:t>
-            </a:r>
-            <a:r>
-              <a:rPr lang="en-US" sz="1600" b="0" i="0" u="none" strike="noStrike" baseline="0" dirty="0">
-                <a:solidFill>
-                  <a:srgbClr val="000000"/>
-                </a:solidFill>
-              </a:rPr>
-              <a:t>, T., </a:t>
-            </a:r>
-            <a:r>
-              <a:rPr lang="en-US" sz="1600" b="0" i="0" u="none" strike="noStrike" baseline="0" dirty="0" err="1">
-                <a:solidFill>
-                  <a:srgbClr val="000000"/>
-                </a:solidFill>
-              </a:rPr>
-              <a:t>Langrock</a:t>
-            </a:r>
-            <a:r>
-              <a:rPr lang="en-US" sz="1600" b="0" i="0" u="none" strike="noStrike" baseline="0" dirty="0">
-                <a:solidFill>
-                  <a:srgbClr val="000000"/>
-                </a:solidFill>
-              </a:rPr>
-              <a:t>, R. and Patterson, T.A. (2016), </a:t>
-            </a:r>
-            <a:r>
-              <a:rPr lang="en-US" sz="1600" b="0" i="0" u="none" strike="noStrike" baseline="0" dirty="0" err="1">
-                <a:solidFill>
-                  <a:srgbClr val="000000"/>
-                </a:solidFill>
-              </a:rPr>
-              <a:t>moveHMM</a:t>
-            </a:r>
-            <a:r>
-              <a:rPr lang="en-US" sz="1600" b="0" i="0" u="none" strike="noStrike" baseline="0" dirty="0">
-                <a:solidFill>
-                  <a:srgbClr val="000000"/>
-                </a:solidFill>
-              </a:rPr>
-              <a:t>: an R package for the statistical modelling of animal movement data using hidden Markov models. Methods </a:t>
-            </a:r>
-            <a:r>
-              <a:rPr lang="en-US" sz="1600" b="0" i="0" u="none" strike="noStrike" baseline="0" dirty="0" err="1">
-                <a:solidFill>
-                  <a:srgbClr val="000000"/>
-                </a:solidFill>
-              </a:rPr>
-              <a:t>EcolEvol</a:t>
+              <a:t>Evol</a:t>
             </a:r>
             <a:r>
               <a:rPr lang="en-US" sz="1600" b="0" i="0" u="none" strike="noStrike" baseline="0" dirty="0">
@@ -15360,7 +19513,7 @@
                 </a:solidFill>
                 <a:latin typeface="+mj-lt"/>
               </a:rPr>
-              <a:t>behaviouralmodes</a:t>
+              <a:t>behavioural</a:t>
             </a:r>
             <a:r>
               <a:rPr lang="en-US" sz="1700" b="0" i="0" u="none" strike="noStrike" baseline="0" dirty="0">
@@ -15369,7 +19522,7 @@
                 </a:solidFill>
                 <a:latin typeface="+mj-lt"/>
               </a:rPr>
-              <a:t> and home range settlements. </a:t>
+              <a:t> modes and home range settlements. </a:t>
             </a:r>
             <a:r>
               <a:rPr lang="en-US" sz="1700" b="0" i="1" u="none" strike="noStrike" baseline="0" dirty="0">
@@ -15378,16 +19531,27 @@
                 </a:solidFill>
                 <a:latin typeface="+mj-lt"/>
               </a:rPr>
-              <a:t>J </a:t>
-            </a:r>
-            <a:r>
-              <a:rPr lang="en-US" sz="1700" b="0" i="1" u="none" strike="noStrike" baseline="0" dirty="0" err="1">
+              <a:t>J Anim Ecol</a:t>
+            </a:r>
+            <a:r>
+              <a:rPr lang="en-US" sz="1700" b="0" i="0" u="none" strike="noStrike" baseline="0" dirty="0">
                 <a:solidFill>
                   <a:srgbClr val="000000"/>
                 </a:solidFill>
                 <a:latin typeface="+mj-lt"/>
               </a:rPr>
-              <a:t>AnimEcol</a:t>
+              <a:t>. 2020; 89: 44–56. </a:t>
+            </a:r>
+          </a:p>
+          <a:p>
+            <a:r>
+              <a:rPr lang="en-US" sz="1700" b="0" i="0" u="none" strike="noStrike" baseline="0" dirty="0" err="1">
+                <a:solidFill>
+                  <a:srgbClr val="000000"/>
+                </a:solidFill>
+                <a:latin typeface="+mj-lt"/>
+              </a:rPr>
+              <a:t>Pohle</a:t>
             </a:r>
             <a:r>
               <a:rPr lang="en-US" sz="1700" b="0" i="0" u="none" strike="noStrike" baseline="0" dirty="0">
@@ -15396,10 +19560,8 @@
                 </a:solidFill>
                 <a:latin typeface="+mj-lt"/>
               </a:rPr>
-              <a:t>. 2020; 89: 44–56. </a:t>
-            </a:r>
-          </a:p>
-          <a:p>
+              <a:t>, J., </a:t>
+            </a:r>
             <a:r>
               <a:rPr lang="en-US" sz="1700" b="0" i="0" u="none" strike="noStrike" baseline="0" dirty="0" err="1">
                 <a:solidFill>
@@ -15407,7 +19569,7 @@
                 </a:solidFill>
                 <a:latin typeface="+mj-lt"/>
               </a:rPr>
-              <a:t>Pohle</a:t>
+              <a:t>Langrock</a:t>
             </a:r>
             <a:r>
               <a:rPr lang="en-US" sz="1700" b="0" i="0" u="none" strike="noStrike" baseline="0" dirty="0">
@@ -15416,7 +19578,7 @@
                 </a:solidFill>
                 <a:latin typeface="+mj-lt"/>
               </a:rPr>
-              <a:t>, J., </a:t>
+              <a:t>, R., van </a:t>
             </a:r>
             <a:r>
               <a:rPr lang="en-US" sz="1700" b="0" i="0" u="none" strike="noStrike" baseline="0" dirty="0" err="1">
@@ -15425,6 +19587,73 @@
                 </a:solidFill>
                 <a:latin typeface="+mj-lt"/>
               </a:rPr>
+              <a:t>Beest</a:t>
+            </a:r>
+            <a:r>
+              <a:rPr lang="en-US" sz="1700" b="0" i="0" u="none" strike="noStrike" baseline="0" dirty="0">
+                <a:solidFill>
+                  <a:srgbClr val="000000"/>
+                </a:solidFill>
+                <a:latin typeface="+mj-lt"/>
+              </a:rPr>
+              <a:t>, F.M. et al. Selecting the Number of States in Hidden Markov Models: Pragmatic Solutions Illustrated Using Animal Movement. JABES 22, 270–293 (2017). </a:t>
+            </a:r>
+            <a:r>
+              <a:rPr lang="en-US" sz="1700" b="0" i="0" u="none" strike="noStrike" baseline="0" dirty="0">
+                <a:solidFill>
+                  <a:srgbClr val="0462C1"/>
+                </a:solidFill>
+                <a:latin typeface="+mj-lt"/>
+              </a:rPr>
+              <a:t>https://doi.org/10.1007/s13253-017-0283-8</a:t>
+            </a:r>
+          </a:p>
+          <a:p>
+            <a:r>
+              <a:rPr lang="en-US" sz="1700" b="0" i="0" u="none" strike="noStrike" baseline="0" dirty="0">
+                <a:solidFill>
+                  <a:srgbClr val="000000"/>
+                </a:solidFill>
+                <a:latin typeface="+mj-lt"/>
+              </a:rPr>
+              <a:t>Postlethwaite CM, Dennis TE (2013) Effects of Temporal Resolution on an Inferential Model of Animal Movement. </a:t>
+            </a:r>
+            <a:r>
+              <a:rPr lang="en-US" sz="1700" b="0" i="0" u="none" strike="noStrike" baseline="0" dirty="0" err="1">
+                <a:solidFill>
+                  <a:srgbClr val="000000"/>
+                </a:solidFill>
+                <a:latin typeface="+mj-lt"/>
+              </a:rPr>
+              <a:t>PLoS</a:t>
+            </a:r>
+            <a:r>
+              <a:rPr lang="en-US" sz="1700" b="0" i="0" u="none" strike="noStrike" baseline="0" dirty="0">
+                <a:solidFill>
+                  <a:srgbClr val="000000"/>
+                </a:solidFill>
+                <a:latin typeface="+mj-lt"/>
+              </a:rPr>
+              <a:t> ONE 8(5): e57640. </a:t>
+            </a:r>
+          </a:p>
+          <a:p>
+            <a:r>
+              <a:rPr lang="en-US" sz="1700" b="0" i="0" u="none" strike="noStrike" baseline="0" dirty="0">
+                <a:solidFill>
+                  <a:srgbClr val="000000"/>
+                </a:solidFill>
+                <a:latin typeface="+mj-lt"/>
+              </a:rPr>
+              <a:t>Towner, A.V., Leos-Barajas, V., </a:t>
+            </a:r>
+            <a:r>
+              <a:rPr lang="en-US" sz="1700" b="0" i="0" u="none" strike="noStrike" baseline="0" dirty="0" err="1">
+                <a:solidFill>
+                  <a:srgbClr val="000000"/>
+                </a:solidFill>
+                <a:latin typeface="+mj-lt"/>
+              </a:rPr>
               <a:t>Langrock</a:t>
             </a:r>
             <a:r>
@@ -15434,7 +19663,7 @@
                 </a:solidFill>
                 <a:latin typeface="+mj-lt"/>
               </a:rPr>
-              <a:t>, R., van </a:t>
+              <a:t>, R., Schick, R.S., </a:t>
             </a:r>
             <a:r>
               <a:rPr lang="en-US" sz="1700" b="0" i="0" u="none" strike="noStrike" baseline="0" dirty="0" err="1">
@@ -15443,7 +19672,7 @@
                 </a:solidFill>
                 <a:latin typeface="+mj-lt"/>
               </a:rPr>
-              <a:t>Beest</a:t>
+              <a:t>Smale</a:t>
             </a:r>
             <a:r>
               <a:rPr lang="en-US" sz="1700" b="0" i="0" u="none" strike="noStrike" baseline="0" dirty="0">
@@ -15452,19 +19681,35 @@
                 </a:solidFill>
                 <a:latin typeface="+mj-lt"/>
               </a:rPr>
-              <a:t>, F.M. et al. Selecting the Number of States in Hidden Markov Models: Pragmatic Solutions Illustrated Using Animal Movement. JABES 22, 270–293 (2017). </a:t>
+              <a:t>, M.J., </a:t>
+            </a:r>
+            <a:r>
+              <a:rPr lang="en-US" sz="1700" b="0" i="0" u="none" strike="noStrike" baseline="0" dirty="0" err="1">
+                <a:solidFill>
+                  <a:srgbClr val="000000"/>
+                </a:solidFill>
+                <a:latin typeface="+mj-lt"/>
+              </a:rPr>
+              <a:t>Kaschke</a:t>
             </a:r>
             <a:r>
               <a:rPr lang="en-US" sz="1700" b="0" i="0" u="none" strike="noStrike" baseline="0" dirty="0">
                 <a:solidFill>
-                  <a:srgbClr val="0462C1"/>
+                  <a:srgbClr val="000000"/>
                 </a:solidFill>
                 <a:latin typeface="+mj-lt"/>
               </a:rPr>
-              <a:t>https://doi.org/10.1007/s13253-017-0283-8</a:t>
-            </a:r>
-          </a:p>
-          <a:p>
+              <a:t>, T., Jewell, O.J.D. and </a:t>
+            </a:r>
+            <a:r>
+              <a:rPr lang="en-US" sz="1700" b="0" i="0" u="none" strike="noStrike" baseline="0" dirty="0" err="1">
+                <a:solidFill>
+                  <a:srgbClr val="000000"/>
+                </a:solidFill>
+                <a:latin typeface="+mj-lt"/>
+              </a:rPr>
+              <a:t>Papastamatiou</a:t>
+            </a:r>
             <a:r>
               <a:rPr lang="en-US" sz="1700" b="0" i="0" u="none" strike="noStrike" baseline="0" dirty="0">
                 <a:solidFill>
@@ -15472,7 +19717,7 @@
                 </a:solidFill>
                 <a:latin typeface="+mj-lt"/>
               </a:rPr>
-              <a:t>Postlethwaite CM, Dennis TE (2013) Effects of Temporal Resolution on an Inferential Model of Animal Movement. </a:t>
+              <a:t>, Y.P. (2016), Sex-specific and individual preferences for hunting strategies in white sharks. </a:t>
             </a:r>
             <a:r>
               <a:rPr lang="en-US" sz="1700" b="0" i="0" u="none" strike="noStrike" baseline="0" dirty="0" err="1">
@@ -15481,7 +19726,7 @@
                 </a:solidFill>
                 <a:latin typeface="+mj-lt"/>
               </a:rPr>
-              <a:t>PLoSONE</a:t>
+              <a:t>Funct</a:t>
             </a:r>
             <a:r>
               <a:rPr lang="en-US" sz="1700" b="0" i="0" u="none" strike="noStrike" baseline="0" dirty="0">
@@ -15490,99 +19735,16 @@
                 </a:solidFill>
                 <a:latin typeface="+mj-lt"/>
               </a:rPr>
-              <a:t> 8(5): e57640. </a:t>
-            </a:r>
-          </a:p>
-          <a:p>
-            <a:r>
-              <a:rPr lang="en-US" sz="1700" b="0" i="0" u="none" strike="noStrike" baseline="0" dirty="0">
+              <a:t> </a:t>
+            </a:r>
+            <a:r>
+              <a:rPr lang="en-US" sz="1700" b="0" i="0" u="none" strike="noStrike" baseline="0" dirty="0" err="1">
                 <a:solidFill>
                   <a:srgbClr val="000000"/>
                 </a:solidFill>
                 <a:latin typeface="+mj-lt"/>
               </a:rPr>
-              <a:t>Towner, A.V., Leos-Barajas, V., </a:t>
-            </a:r>
-            <a:r>
-              <a:rPr lang="en-US" sz="1700" b="0" i="0" u="none" strike="noStrike" baseline="0" dirty="0" err="1">
-                <a:solidFill>
-                  <a:srgbClr val="000000"/>
-                </a:solidFill>
-                <a:latin typeface="+mj-lt"/>
-              </a:rPr>
-              <a:t>Langrock</a:t>
-            </a:r>
-            <a:r>
-              <a:rPr lang="en-US" sz="1700" b="0" i="0" u="none" strike="noStrike" baseline="0" dirty="0">
-                <a:solidFill>
-                  <a:srgbClr val="000000"/>
-                </a:solidFill>
-                <a:latin typeface="+mj-lt"/>
-              </a:rPr>
-              <a:t>, R., Schick, R.S., </a:t>
-            </a:r>
-            <a:r>
-              <a:rPr lang="en-US" sz="1700" b="0" i="0" u="none" strike="noStrike" baseline="0" dirty="0" err="1">
-                <a:solidFill>
-                  <a:srgbClr val="000000"/>
-                </a:solidFill>
-                <a:latin typeface="+mj-lt"/>
-              </a:rPr>
-              <a:t>Smale</a:t>
-            </a:r>
-            <a:r>
-              <a:rPr lang="en-US" sz="1700" b="0" i="0" u="none" strike="noStrike" baseline="0" dirty="0">
-                <a:solidFill>
-                  <a:srgbClr val="000000"/>
-                </a:solidFill>
-                <a:latin typeface="+mj-lt"/>
-              </a:rPr>
-              <a:t>, M.J., </a:t>
-            </a:r>
-            <a:r>
-              <a:rPr lang="en-US" sz="1700" b="0" i="0" u="none" strike="noStrike" baseline="0" dirty="0" err="1">
-                <a:solidFill>
-                  <a:srgbClr val="000000"/>
-                </a:solidFill>
-                <a:latin typeface="+mj-lt"/>
-              </a:rPr>
-              <a:t>Kaschke</a:t>
-            </a:r>
-            <a:r>
-              <a:rPr lang="en-US" sz="1700" b="0" i="0" u="none" strike="noStrike" baseline="0" dirty="0">
-                <a:solidFill>
-                  <a:srgbClr val="000000"/>
-                </a:solidFill>
-                <a:latin typeface="+mj-lt"/>
-              </a:rPr>
-              <a:t>, T., Jewell, O.J.D. and </a:t>
-            </a:r>
-            <a:r>
-              <a:rPr lang="en-US" sz="1700" b="0" i="0" u="none" strike="noStrike" baseline="0" dirty="0" err="1">
-                <a:solidFill>
-                  <a:srgbClr val="000000"/>
-                </a:solidFill>
-                <a:latin typeface="+mj-lt"/>
-              </a:rPr>
-              <a:t>Papastamatiou</a:t>
-            </a:r>
-            <a:r>
-              <a:rPr lang="en-US" sz="1700" b="0" i="0" u="none" strike="noStrike" baseline="0" dirty="0">
-                <a:solidFill>
-                  <a:srgbClr val="000000"/>
-                </a:solidFill>
-                <a:latin typeface="+mj-lt"/>
-              </a:rPr>
-              <a:t>, Y.P. (2016), Sex-specific and individual preferences for hunting strategies in white sharks. </a:t>
-            </a:r>
-            <a:r>
-              <a:rPr lang="en-US" sz="1700" b="0" i="0" u="none" strike="noStrike" baseline="0" dirty="0" err="1">
-                <a:solidFill>
-                  <a:srgbClr val="000000"/>
-                </a:solidFill>
-                <a:latin typeface="+mj-lt"/>
-              </a:rPr>
-              <a:t>FunctEcol</a:t>
+              <a:t>Ecol</a:t>
             </a:r>
             <a:r>
               <a:rPr lang="en-US" sz="1700" b="0" i="0" u="none" strike="noStrike" baseline="0" dirty="0">
@@ -16759,6 +20921,280 @@
   <p:clrMapOvr>
     <a:masterClrMapping/>
   </p:clrMapOvr>
+  <p:timing>
+    <p:tnLst>
+      <p:par>
+        <p:cTn id="1" dur="indefinite" restart="never" nodeType="tmRoot">
+          <p:childTnLst>
+            <p:seq concurrent="1" nextAc="seek">
+              <p:cTn id="2" dur="indefinite" nodeType="mainSeq">
+                <p:childTnLst>
+                  <p:par>
+                    <p:cTn id="3" fill="hold">
+                      <p:stCondLst>
+                        <p:cond delay="indefinite"/>
+                      </p:stCondLst>
+                      <p:childTnLst>
+                        <p:par>
+                          <p:cTn id="4" fill="hold">
+                            <p:stCondLst>
+                              <p:cond delay="0"/>
+                            </p:stCondLst>
+                            <p:childTnLst>
+                              <p:par>
+                                <p:cTn id="5" presetID="10" presetClass="entr" presetSubtype="0" fill="hold" nodeType="clickEffect">
+                                  <p:stCondLst>
+                                    <p:cond delay="0"/>
+                                  </p:stCondLst>
+                                  <p:childTnLst>
+                                    <p:set>
+                                      <p:cBhvr>
+                                        <p:cTn id="6" dur="1" fill="hold">
+                                          <p:stCondLst>
+                                            <p:cond delay="0"/>
+                                          </p:stCondLst>
+                                        </p:cTn>
+                                        <p:tgtEl>
+                                          <p:spTgt spid="3">
+                                            <p:txEl>
+                                              <p:pRg st="0" end="0"/>
+                                            </p:txEl>
+                                          </p:spTgt>
+                                        </p:tgtEl>
+                                        <p:attrNameLst>
+                                          <p:attrName>style.visibility</p:attrName>
+                                        </p:attrNameLst>
+                                      </p:cBhvr>
+                                      <p:to>
+                                        <p:strVal val="visible"/>
+                                      </p:to>
+                                    </p:set>
+                                    <p:animEffect transition="in" filter="fade">
+                                      <p:cBhvr>
+                                        <p:cTn id="7" dur="500"/>
+                                        <p:tgtEl>
+                                          <p:spTgt spid="3">
+                                            <p:txEl>
+                                              <p:pRg st="0" end="0"/>
+                                            </p:txEl>
+                                          </p:spTgt>
+                                        </p:tgtEl>
+                                      </p:cBhvr>
+                                    </p:animEffect>
+                                  </p:childTnLst>
+                                </p:cTn>
+                              </p:par>
+                            </p:childTnLst>
+                          </p:cTn>
+                        </p:par>
+                      </p:childTnLst>
+                    </p:cTn>
+                  </p:par>
+                  <p:par>
+                    <p:cTn id="8" fill="hold">
+                      <p:stCondLst>
+                        <p:cond delay="indefinite"/>
+                      </p:stCondLst>
+                      <p:childTnLst>
+                        <p:par>
+                          <p:cTn id="9" fill="hold">
+                            <p:stCondLst>
+                              <p:cond delay="0"/>
+                            </p:stCondLst>
+                            <p:childTnLst>
+                              <p:par>
+                                <p:cTn id="10" presetID="10" presetClass="entr" presetSubtype="0" fill="hold" nodeType="clickEffect">
+                                  <p:stCondLst>
+                                    <p:cond delay="0"/>
+                                  </p:stCondLst>
+                                  <p:childTnLst>
+                                    <p:set>
+                                      <p:cBhvr>
+                                        <p:cTn id="11" dur="1" fill="hold">
+                                          <p:stCondLst>
+                                            <p:cond delay="0"/>
+                                          </p:stCondLst>
+                                        </p:cTn>
+                                        <p:tgtEl>
+                                          <p:spTgt spid="3">
+                                            <p:txEl>
+                                              <p:pRg st="2" end="2"/>
+                                            </p:txEl>
+                                          </p:spTgt>
+                                        </p:tgtEl>
+                                        <p:attrNameLst>
+                                          <p:attrName>style.visibility</p:attrName>
+                                        </p:attrNameLst>
+                                      </p:cBhvr>
+                                      <p:to>
+                                        <p:strVal val="visible"/>
+                                      </p:to>
+                                    </p:set>
+                                    <p:animEffect transition="in" filter="fade">
+                                      <p:cBhvr>
+                                        <p:cTn id="12" dur="500"/>
+                                        <p:tgtEl>
+                                          <p:spTgt spid="3">
+                                            <p:txEl>
+                                              <p:pRg st="2" end="2"/>
+                                            </p:txEl>
+                                          </p:spTgt>
+                                        </p:tgtEl>
+                                      </p:cBhvr>
+                                    </p:animEffect>
+                                  </p:childTnLst>
+                                </p:cTn>
+                              </p:par>
+                            </p:childTnLst>
+                          </p:cTn>
+                        </p:par>
+                      </p:childTnLst>
+                    </p:cTn>
+                  </p:par>
+                  <p:par>
+                    <p:cTn id="13" fill="hold">
+                      <p:stCondLst>
+                        <p:cond delay="indefinite"/>
+                      </p:stCondLst>
+                      <p:childTnLst>
+                        <p:par>
+                          <p:cTn id="14" fill="hold">
+                            <p:stCondLst>
+                              <p:cond delay="0"/>
+                            </p:stCondLst>
+                            <p:childTnLst>
+                              <p:par>
+                                <p:cTn id="15" presetID="10" presetClass="entr" presetSubtype="0" fill="hold" nodeType="clickEffect">
+                                  <p:stCondLst>
+                                    <p:cond delay="0"/>
+                                  </p:stCondLst>
+                                  <p:childTnLst>
+                                    <p:set>
+                                      <p:cBhvr>
+                                        <p:cTn id="16" dur="1" fill="hold">
+                                          <p:stCondLst>
+                                            <p:cond delay="0"/>
+                                          </p:stCondLst>
+                                        </p:cTn>
+                                        <p:tgtEl>
+                                          <p:spTgt spid="3">
+                                            <p:txEl>
+                                              <p:pRg st="3" end="3"/>
+                                            </p:txEl>
+                                          </p:spTgt>
+                                        </p:tgtEl>
+                                        <p:attrNameLst>
+                                          <p:attrName>style.visibility</p:attrName>
+                                        </p:attrNameLst>
+                                      </p:cBhvr>
+                                      <p:to>
+                                        <p:strVal val="visible"/>
+                                      </p:to>
+                                    </p:set>
+                                    <p:animEffect transition="in" filter="fade">
+                                      <p:cBhvr>
+                                        <p:cTn id="17" dur="500"/>
+                                        <p:tgtEl>
+                                          <p:spTgt spid="3">
+                                            <p:txEl>
+                                              <p:pRg st="3" end="3"/>
+                                            </p:txEl>
+                                          </p:spTgt>
+                                        </p:tgtEl>
+                                      </p:cBhvr>
+                                    </p:animEffect>
+                                  </p:childTnLst>
+                                </p:cTn>
+                              </p:par>
+                            </p:childTnLst>
+                          </p:cTn>
+                        </p:par>
+                      </p:childTnLst>
+                    </p:cTn>
+                  </p:par>
+                  <p:par>
+                    <p:cTn id="18" fill="hold">
+                      <p:stCondLst>
+                        <p:cond delay="indefinite"/>
+                      </p:stCondLst>
+                      <p:childTnLst>
+                        <p:par>
+                          <p:cTn id="19" fill="hold">
+                            <p:stCondLst>
+                              <p:cond delay="0"/>
+                            </p:stCondLst>
+                            <p:childTnLst>
+                              <p:par>
+                                <p:cTn id="20" presetID="10" presetClass="entr" presetSubtype="0" fill="hold" nodeType="clickEffect">
+                                  <p:stCondLst>
+                                    <p:cond delay="0"/>
+                                  </p:stCondLst>
+                                  <p:childTnLst>
+                                    <p:set>
+                                      <p:cBhvr>
+                                        <p:cTn id="21" dur="1" fill="hold">
+                                          <p:stCondLst>
+                                            <p:cond delay="0"/>
+                                          </p:stCondLst>
+                                        </p:cTn>
+                                        <p:tgtEl>
+                                          <p:spTgt spid="3">
+                                            <p:txEl>
+                                              <p:pRg st="5" end="5"/>
+                                            </p:txEl>
+                                          </p:spTgt>
+                                        </p:tgtEl>
+                                        <p:attrNameLst>
+                                          <p:attrName>style.visibility</p:attrName>
+                                        </p:attrNameLst>
+                                      </p:cBhvr>
+                                      <p:to>
+                                        <p:strVal val="visible"/>
+                                      </p:to>
+                                    </p:set>
+                                    <p:animEffect transition="in" filter="fade">
+                                      <p:cBhvr>
+                                        <p:cTn id="22" dur="500"/>
+                                        <p:tgtEl>
+                                          <p:spTgt spid="3">
+                                            <p:txEl>
+                                              <p:pRg st="5" end="5"/>
+                                            </p:txEl>
+                                          </p:spTgt>
+                                        </p:tgtEl>
+                                      </p:cBhvr>
+                                    </p:animEffect>
+                                  </p:childTnLst>
+                                </p:cTn>
+                              </p:par>
+                            </p:childTnLst>
+                          </p:cTn>
+                        </p:par>
+                      </p:childTnLst>
+                    </p:cTn>
+                  </p:par>
+                </p:childTnLst>
+              </p:cTn>
+              <p:prevCondLst>
+                <p:cond evt="onPrev" delay="0">
+                  <p:tgtEl>
+                    <p:sldTgt/>
+                  </p:tgtEl>
+                </p:cond>
+              </p:prevCondLst>
+              <p:nextCondLst>
+                <p:cond evt="onNext" delay="0">
+                  <p:tgtEl>
+                    <p:sldTgt/>
+                  </p:tgtEl>
+                </p:cond>
+              </p:nextCondLst>
+            </p:seq>
+          </p:childTnLst>
+        </p:cTn>
+      </p:par>
+    </p:tnLst>
+  </p:timing>
 </p:sld>
 </file>
 
@@ -17229,6 +21665,470 @@
   <p:clrMapOvr>
     <a:masterClrMapping/>
   </p:clrMapOvr>
+  <p:timing>
+    <p:tnLst>
+      <p:par>
+        <p:cTn id="1" dur="indefinite" restart="never" nodeType="tmRoot">
+          <p:childTnLst>
+            <p:seq concurrent="1" nextAc="seek">
+              <p:cTn id="2" dur="indefinite" nodeType="mainSeq">
+                <p:childTnLst>
+                  <p:par>
+                    <p:cTn id="3" fill="hold">
+                      <p:stCondLst>
+                        <p:cond delay="indefinite"/>
+                      </p:stCondLst>
+                      <p:childTnLst>
+                        <p:par>
+                          <p:cTn id="4" fill="hold">
+                            <p:stCondLst>
+                              <p:cond delay="0"/>
+                            </p:stCondLst>
+                            <p:childTnLst>
+                              <p:par>
+                                <p:cTn id="5" presetID="10" presetClass="entr" presetSubtype="0" fill="hold" nodeType="clickEffect">
+                                  <p:stCondLst>
+                                    <p:cond delay="0"/>
+                                  </p:stCondLst>
+                                  <p:childTnLst>
+                                    <p:set>
+                                      <p:cBhvr>
+                                        <p:cTn id="6" dur="1" fill="hold">
+                                          <p:stCondLst>
+                                            <p:cond delay="0"/>
+                                          </p:stCondLst>
+                                        </p:cTn>
+                                        <p:tgtEl>
+                                          <p:spTgt spid="7">
+                                            <p:txEl>
+                                              <p:pRg st="0" end="0"/>
+                                            </p:txEl>
+                                          </p:spTgt>
+                                        </p:tgtEl>
+                                        <p:attrNameLst>
+                                          <p:attrName>style.visibility</p:attrName>
+                                        </p:attrNameLst>
+                                      </p:cBhvr>
+                                      <p:to>
+                                        <p:strVal val="visible"/>
+                                      </p:to>
+                                    </p:set>
+                                    <p:animEffect transition="in" filter="fade">
+                                      <p:cBhvr>
+                                        <p:cTn id="7" dur="500"/>
+                                        <p:tgtEl>
+                                          <p:spTgt spid="7">
+                                            <p:txEl>
+                                              <p:pRg st="0" end="0"/>
+                                            </p:txEl>
+                                          </p:spTgt>
+                                        </p:tgtEl>
+                                      </p:cBhvr>
+                                    </p:animEffect>
+                                  </p:childTnLst>
+                                </p:cTn>
+                              </p:par>
+                            </p:childTnLst>
+                          </p:cTn>
+                        </p:par>
+                      </p:childTnLst>
+                    </p:cTn>
+                  </p:par>
+                  <p:par>
+                    <p:cTn id="8" fill="hold">
+                      <p:stCondLst>
+                        <p:cond delay="indefinite"/>
+                      </p:stCondLst>
+                      <p:childTnLst>
+                        <p:par>
+                          <p:cTn id="9" fill="hold">
+                            <p:stCondLst>
+                              <p:cond delay="0"/>
+                            </p:stCondLst>
+                            <p:childTnLst>
+                              <p:par>
+                                <p:cTn id="10" presetID="10" presetClass="entr" presetSubtype="0" fill="hold" nodeType="clickEffect">
+                                  <p:stCondLst>
+                                    <p:cond delay="0"/>
+                                  </p:stCondLst>
+                                  <p:childTnLst>
+                                    <p:set>
+                                      <p:cBhvr>
+                                        <p:cTn id="11" dur="1" fill="hold">
+                                          <p:stCondLst>
+                                            <p:cond delay="0"/>
+                                          </p:stCondLst>
+                                        </p:cTn>
+                                        <p:tgtEl>
+                                          <p:spTgt spid="7">
+                                            <p:txEl>
+                                              <p:pRg st="1" end="1"/>
+                                            </p:txEl>
+                                          </p:spTgt>
+                                        </p:tgtEl>
+                                        <p:attrNameLst>
+                                          <p:attrName>style.visibility</p:attrName>
+                                        </p:attrNameLst>
+                                      </p:cBhvr>
+                                      <p:to>
+                                        <p:strVal val="visible"/>
+                                      </p:to>
+                                    </p:set>
+                                    <p:animEffect transition="in" filter="fade">
+                                      <p:cBhvr>
+                                        <p:cTn id="12" dur="500"/>
+                                        <p:tgtEl>
+                                          <p:spTgt spid="7">
+                                            <p:txEl>
+                                              <p:pRg st="1" end="1"/>
+                                            </p:txEl>
+                                          </p:spTgt>
+                                        </p:tgtEl>
+                                      </p:cBhvr>
+                                    </p:animEffect>
+                                  </p:childTnLst>
+                                </p:cTn>
+                              </p:par>
+                            </p:childTnLst>
+                          </p:cTn>
+                        </p:par>
+                      </p:childTnLst>
+                    </p:cTn>
+                  </p:par>
+                  <p:par>
+                    <p:cTn id="13" fill="hold">
+                      <p:stCondLst>
+                        <p:cond delay="indefinite"/>
+                      </p:stCondLst>
+                      <p:childTnLst>
+                        <p:par>
+                          <p:cTn id="14" fill="hold">
+                            <p:stCondLst>
+                              <p:cond delay="0"/>
+                            </p:stCondLst>
+                            <p:childTnLst>
+                              <p:par>
+                                <p:cTn id="15" presetID="10" presetClass="entr" presetSubtype="0" fill="hold" nodeType="clickEffect">
+                                  <p:stCondLst>
+                                    <p:cond delay="0"/>
+                                  </p:stCondLst>
+                                  <p:childTnLst>
+                                    <p:set>
+                                      <p:cBhvr>
+                                        <p:cTn id="16" dur="1" fill="hold">
+                                          <p:stCondLst>
+                                            <p:cond delay="0"/>
+                                          </p:stCondLst>
+                                        </p:cTn>
+                                        <p:tgtEl>
+                                          <p:spTgt spid="7">
+                                            <p:txEl>
+                                              <p:pRg st="2" end="2"/>
+                                            </p:txEl>
+                                          </p:spTgt>
+                                        </p:tgtEl>
+                                        <p:attrNameLst>
+                                          <p:attrName>style.visibility</p:attrName>
+                                        </p:attrNameLst>
+                                      </p:cBhvr>
+                                      <p:to>
+                                        <p:strVal val="visible"/>
+                                      </p:to>
+                                    </p:set>
+                                    <p:animEffect transition="in" filter="fade">
+                                      <p:cBhvr>
+                                        <p:cTn id="17" dur="500"/>
+                                        <p:tgtEl>
+                                          <p:spTgt spid="7">
+                                            <p:txEl>
+                                              <p:pRg st="2" end="2"/>
+                                            </p:txEl>
+                                          </p:spTgt>
+                                        </p:tgtEl>
+                                      </p:cBhvr>
+                                    </p:animEffect>
+                                  </p:childTnLst>
+                                </p:cTn>
+                              </p:par>
+                              <p:par>
+                                <p:cTn id="18" presetID="10" presetClass="entr" presetSubtype="0" fill="hold" nodeType="withEffect">
+                                  <p:stCondLst>
+                                    <p:cond delay="0"/>
+                                  </p:stCondLst>
+                                  <p:childTnLst>
+                                    <p:set>
+                                      <p:cBhvr>
+                                        <p:cTn id="19" dur="1" fill="hold">
+                                          <p:stCondLst>
+                                            <p:cond delay="0"/>
+                                          </p:stCondLst>
+                                        </p:cTn>
+                                        <p:tgtEl>
+                                          <p:spTgt spid="7">
+                                            <p:txEl>
+                                              <p:pRg st="3" end="3"/>
+                                            </p:txEl>
+                                          </p:spTgt>
+                                        </p:tgtEl>
+                                        <p:attrNameLst>
+                                          <p:attrName>style.visibility</p:attrName>
+                                        </p:attrNameLst>
+                                      </p:cBhvr>
+                                      <p:to>
+                                        <p:strVal val="visible"/>
+                                      </p:to>
+                                    </p:set>
+                                    <p:animEffect transition="in" filter="fade">
+                                      <p:cBhvr>
+                                        <p:cTn id="20" dur="500"/>
+                                        <p:tgtEl>
+                                          <p:spTgt spid="7">
+                                            <p:txEl>
+                                              <p:pRg st="3" end="3"/>
+                                            </p:txEl>
+                                          </p:spTgt>
+                                        </p:tgtEl>
+                                      </p:cBhvr>
+                                    </p:animEffect>
+                                  </p:childTnLst>
+                                </p:cTn>
+                              </p:par>
+                              <p:par>
+                                <p:cTn id="21" presetID="10" presetClass="entr" presetSubtype="0" fill="hold" nodeType="withEffect">
+                                  <p:stCondLst>
+                                    <p:cond delay="0"/>
+                                  </p:stCondLst>
+                                  <p:childTnLst>
+                                    <p:set>
+                                      <p:cBhvr>
+                                        <p:cTn id="22" dur="1" fill="hold">
+                                          <p:stCondLst>
+                                            <p:cond delay="0"/>
+                                          </p:stCondLst>
+                                        </p:cTn>
+                                        <p:tgtEl>
+                                          <p:spTgt spid="7">
+                                            <p:txEl>
+                                              <p:pRg st="4" end="4"/>
+                                            </p:txEl>
+                                          </p:spTgt>
+                                        </p:tgtEl>
+                                        <p:attrNameLst>
+                                          <p:attrName>style.visibility</p:attrName>
+                                        </p:attrNameLst>
+                                      </p:cBhvr>
+                                      <p:to>
+                                        <p:strVal val="visible"/>
+                                      </p:to>
+                                    </p:set>
+                                    <p:animEffect transition="in" filter="fade">
+                                      <p:cBhvr>
+                                        <p:cTn id="23" dur="500"/>
+                                        <p:tgtEl>
+                                          <p:spTgt spid="7">
+                                            <p:txEl>
+                                              <p:pRg st="4" end="4"/>
+                                            </p:txEl>
+                                          </p:spTgt>
+                                        </p:tgtEl>
+                                      </p:cBhvr>
+                                    </p:animEffect>
+                                  </p:childTnLst>
+                                </p:cTn>
+                              </p:par>
+                            </p:childTnLst>
+                          </p:cTn>
+                        </p:par>
+                      </p:childTnLst>
+                    </p:cTn>
+                  </p:par>
+                  <p:par>
+                    <p:cTn id="24" fill="hold">
+                      <p:stCondLst>
+                        <p:cond delay="indefinite"/>
+                      </p:stCondLst>
+                      <p:childTnLst>
+                        <p:par>
+                          <p:cTn id="25" fill="hold">
+                            <p:stCondLst>
+                              <p:cond delay="0"/>
+                            </p:stCondLst>
+                            <p:childTnLst>
+                              <p:par>
+                                <p:cTn id="26" presetID="10" presetClass="entr" presetSubtype="0" fill="hold" nodeType="clickEffect">
+                                  <p:stCondLst>
+                                    <p:cond delay="0"/>
+                                  </p:stCondLst>
+                                  <p:childTnLst>
+                                    <p:set>
+                                      <p:cBhvr>
+                                        <p:cTn id="27" dur="1" fill="hold">
+                                          <p:stCondLst>
+                                            <p:cond delay="0"/>
+                                          </p:stCondLst>
+                                        </p:cTn>
+                                        <p:tgtEl>
+                                          <p:spTgt spid="7">
+                                            <p:txEl>
+                                              <p:pRg st="5" end="5"/>
+                                            </p:txEl>
+                                          </p:spTgt>
+                                        </p:tgtEl>
+                                        <p:attrNameLst>
+                                          <p:attrName>style.visibility</p:attrName>
+                                        </p:attrNameLst>
+                                      </p:cBhvr>
+                                      <p:to>
+                                        <p:strVal val="visible"/>
+                                      </p:to>
+                                    </p:set>
+                                    <p:animEffect transition="in" filter="fade">
+                                      <p:cBhvr>
+                                        <p:cTn id="28" dur="500"/>
+                                        <p:tgtEl>
+                                          <p:spTgt spid="7">
+                                            <p:txEl>
+                                              <p:pRg st="5" end="5"/>
+                                            </p:txEl>
+                                          </p:spTgt>
+                                        </p:tgtEl>
+                                      </p:cBhvr>
+                                    </p:animEffect>
+                                  </p:childTnLst>
+                                </p:cTn>
+                              </p:par>
+                            </p:childTnLst>
+                          </p:cTn>
+                        </p:par>
+                      </p:childTnLst>
+                    </p:cTn>
+                  </p:par>
+                  <p:par>
+                    <p:cTn id="29" fill="hold">
+                      <p:stCondLst>
+                        <p:cond delay="indefinite"/>
+                      </p:stCondLst>
+                      <p:childTnLst>
+                        <p:par>
+                          <p:cTn id="30" fill="hold">
+                            <p:stCondLst>
+                              <p:cond delay="0"/>
+                            </p:stCondLst>
+                            <p:childTnLst>
+                              <p:par>
+                                <p:cTn id="31" presetID="10" presetClass="entr" presetSubtype="0" fill="hold" nodeType="clickEffect">
+                                  <p:stCondLst>
+                                    <p:cond delay="0"/>
+                                  </p:stCondLst>
+                                  <p:childTnLst>
+                                    <p:set>
+                                      <p:cBhvr>
+                                        <p:cTn id="32" dur="1" fill="hold">
+                                          <p:stCondLst>
+                                            <p:cond delay="0"/>
+                                          </p:stCondLst>
+                                        </p:cTn>
+                                        <p:tgtEl>
+                                          <p:spTgt spid="7">
+                                            <p:txEl>
+                                              <p:pRg st="6" end="6"/>
+                                            </p:txEl>
+                                          </p:spTgt>
+                                        </p:tgtEl>
+                                        <p:attrNameLst>
+                                          <p:attrName>style.visibility</p:attrName>
+                                        </p:attrNameLst>
+                                      </p:cBhvr>
+                                      <p:to>
+                                        <p:strVal val="visible"/>
+                                      </p:to>
+                                    </p:set>
+                                    <p:animEffect transition="in" filter="fade">
+                                      <p:cBhvr>
+                                        <p:cTn id="33" dur="500"/>
+                                        <p:tgtEl>
+                                          <p:spTgt spid="7">
+                                            <p:txEl>
+                                              <p:pRg st="6" end="6"/>
+                                            </p:txEl>
+                                          </p:spTgt>
+                                        </p:tgtEl>
+                                      </p:cBhvr>
+                                    </p:animEffect>
+                                  </p:childTnLst>
+                                </p:cTn>
+                              </p:par>
+                              <p:par>
+                                <p:cTn id="34" presetID="10" presetClass="entr" presetSubtype="0" fill="hold" nodeType="withEffect">
+                                  <p:stCondLst>
+                                    <p:cond delay="0"/>
+                                  </p:stCondLst>
+                                  <p:childTnLst>
+                                    <p:set>
+                                      <p:cBhvr>
+                                        <p:cTn id="35" dur="1" fill="hold">
+                                          <p:stCondLst>
+                                            <p:cond delay="0"/>
+                                          </p:stCondLst>
+                                        </p:cTn>
+                                        <p:tgtEl>
+                                          <p:spTgt spid="7">
+                                            <p:txEl>
+                                              <p:pRg st="7" end="7"/>
+                                            </p:txEl>
+                                          </p:spTgt>
+                                        </p:tgtEl>
+                                        <p:attrNameLst>
+                                          <p:attrName>style.visibility</p:attrName>
+                                        </p:attrNameLst>
+                                      </p:cBhvr>
+                                      <p:to>
+                                        <p:strVal val="visible"/>
+                                      </p:to>
+                                    </p:set>
+                                    <p:animEffect transition="in" filter="fade">
+                                      <p:cBhvr>
+                                        <p:cTn id="36" dur="500"/>
+                                        <p:tgtEl>
+                                          <p:spTgt spid="7">
+                                            <p:txEl>
+                                              <p:pRg st="7" end="7"/>
+                                            </p:txEl>
+                                          </p:spTgt>
+                                        </p:tgtEl>
+                                      </p:cBhvr>
+                                    </p:animEffect>
+                                  </p:childTnLst>
+                                </p:cTn>
+                              </p:par>
+                            </p:childTnLst>
+                          </p:cTn>
+                        </p:par>
+                      </p:childTnLst>
+                    </p:cTn>
+                  </p:par>
+                </p:childTnLst>
+              </p:cTn>
+              <p:prevCondLst>
+                <p:cond evt="onPrev" delay="0">
+                  <p:tgtEl>
+                    <p:sldTgt/>
+                  </p:tgtEl>
+                </p:cond>
+              </p:prevCondLst>
+              <p:nextCondLst>
+                <p:cond evt="onNext" delay="0">
+                  <p:tgtEl>
+                    <p:sldTgt/>
+                  </p:tgtEl>
+                </p:cond>
+              </p:nextCondLst>
+            </p:seq>
+          </p:childTnLst>
+        </p:cTn>
+      </p:par>
+    </p:tnLst>
+  </p:timing>
 </p:sld>
 </file>
 
@@ -17267,7 +22167,7 @@
         </p:nvSpPr>
         <p:spPr>
           <a:xfrm>
-            <a:off x="1676400" y="1681163"/>
+            <a:off x="881668" y="1611741"/>
             <a:ext cx="10515600" cy="4351337"/>
           </a:xfrm>
         </p:spPr>
@@ -17300,7 +22200,7 @@
               <a:rPr lang="en-US" sz="1800" b="0" i="0" u="none" strike="noStrike" baseline="0" dirty="0">
                 <a:latin typeface="Century Gothic" panose="020B0502020202020204" pitchFamily="34" charset="0"/>
               </a:rPr>
-              <a:t>ransition probabilities, </a:t>
+              <a:t>ransition probabilities</a:t>
             </a:r>
             <a:endParaRPr lang="en-US" sz="1800" dirty="0">
               <a:latin typeface="Century Gothic" panose="020B0502020202020204" pitchFamily="34" charset="0"/>
@@ -17625,6 +22525,280 @@
   <p:clrMapOvr>
     <a:masterClrMapping/>
   </p:clrMapOvr>
+  <p:timing>
+    <p:tnLst>
+      <p:par>
+        <p:cTn id="1" dur="indefinite" restart="never" nodeType="tmRoot">
+          <p:childTnLst>
+            <p:seq concurrent="1" nextAc="seek">
+              <p:cTn id="2" dur="indefinite" nodeType="mainSeq">
+                <p:childTnLst>
+                  <p:par>
+                    <p:cTn id="3" fill="hold">
+                      <p:stCondLst>
+                        <p:cond delay="indefinite"/>
+                      </p:stCondLst>
+                      <p:childTnLst>
+                        <p:par>
+                          <p:cTn id="4" fill="hold">
+                            <p:stCondLst>
+                              <p:cond delay="0"/>
+                            </p:stCondLst>
+                            <p:childTnLst>
+                              <p:par>
+                                <p:cTn id="5" presetID="10" presetClass="entr" presetSubtype="0" fill="hold" nodeType="clickEffect">
+                                  <p:stCondLst>
+                                    <p:cond delay="0"/>
+                                  </p:stCondLst>
+                                  <p:childTnLst>
+                                    <p:set>
+                                      <p:cBhvr>
+                                        <p:cTn id="6" dur="1" fill="hold">
+                                          <p:stCondLst>
+                                            <p:cond delay="0"/>
+                                          </p:stCondLst>
+                                        </p:cTn>
+                                        <p:tgtEl>
+                                          <p:spTgt spid="3">
+                                            <p:txEl>
+                                              <p:pRg st="0" end="0"/>
+                                            </p:txEl>
+                                          </p:spTgt>
+                                        </p:tgtEl>
+                                        <p:attrNameLst>
+                                          <p:attrName>style.visibility</p:attrName>
+                                        </p:attrNameLst>
+                                      </p:cBhvr>
+                                      <p:to>
+                                        <p:strVal val="visible"/>
+                                      </p:to>
+                                    </p:set>
+                                    <p:animEffect transition="in" filter="fade">
+                                      <p:cBhvr>
+                                        <p:cTn id="7" dur="500"/>
+                                        <p:tgtEl>
+                                          <p:spTgt spid="3">
+                                            <p:txEl>
+                                              <p:pRg st="0" end="0"/>
+                                            </p:txEl>
+                                          </p:spTgt>
+                                        </p:tgtEl>
+                                      </p:cBhvr>
+                                    </p:animEffect>
+                                  </p:childTnLst>
+                                </p:cTn>
+                              </p:par>
+                            </p:childTnLst>
+                          </p:cTn>
+                        </p:par>
+                      </p:childTnLst>
+                    </p:cTn>
+                  </p:par>
+                  <p:par>
+                    <p:cTn id="8" fill="hold">
+                      <p:stCondLst>
+                        <p:cond delay="indefinite"/>
+                      </p:stCondLst>
+                      <p:childTnLst>
+                        <p:par>
+                          <p:cTn id="9" fill="hold">
+                            <p:stCondLst>
+                              <p:cond delay="0"/>
+                            </p:stCondLst>
+                            <p:childTnLst>
+                              <p:par>
+                                <p:cTn id="10" presetID="10" presetClass="entr" presetSubtype="0" fill="hold" nodeType="clickEffect">
+                                  <p:stCondLst>
+                                    <p:cond delay="0"/>
+                                  </p:stCondLst>
+                                  <p:childTnLst>
+                                    <p:set>
+                                      <p:cBhvr>
+                                        <p:cTn id="11" dur="1" fill="hold">
+                                          <p:stCondLst>
+                                            <p:cond delay="0"/>
+                                          </p:stCondLst>
+                                        </p:cTn>
+                                        <p:tgtEl>
+                                          <p:spTgt spid="3">
+                                            <p:txEl>
+                                              <p:pRg st="1" end="1"/>
+                                            </p:txEl>
+                                          </p:spTgt>
+                                        </p:tgtEl>
+                                        <p:attrNameLst>
+                                          <p:attrName>style.visibility</p:attrName>
+                                        </p:attrNameLst>
+                                      </p:cBhvr>
+                                      <p:to>
+                                        <p:strVal val="visible"/>
+                                      </p:to>
+                                    </p:set>
+                                    <p:animEffect transition="in" filter="fade">
+                                      <p:cBhvr>
+                                        <p:cTn id="12" dur="500"/>
+                                        <p:tgtEl>
+                                          <p:spTgt spid="3">
+                                            <p:txEl>
+                                              <p:pRg st="1" end="1"/>
+                                            </p:txEl>
+                                          </p:spTgt>
+                                        </p:tgtEl>
+                                      </p:cBhvr>
+                                    </p:animEffect>
+                                  </p:childTnLst>
+                                </p:cTn>
+                              </p:par>
+                            </p:childTnLst>
+                          </p:cTn>
+                        </p:par>
+                      </p:childTnLst>
+                    </p:cTn>
+                  </p:par>
+                  <p:par>
+                    <p:cTn id="13" fill="hold">
+                      <p:stCondLst>
+                        <p:cond delay="indefinite"/>
+                      </p:stCondLst>
+                      <p:childTnLst>
+                        <p:par>
+                          <p:cTn id="14" fill="hold">
+                            <p:stCondLst>
+                              <p:cond delay="0"/>
+                            </p:stCondLst>
+                            <p:childTnLst>
+                              <p:par>
+                                <p:cTn id="15" presetID="10" presetClass="entr" presetSubtype="0" fill="hold" nodeType="clickEffect">
+                                  <p:stCondLst>
+                                    <p:cond delay="0"/>
+                                  </p:stCondLst>
+                                  <p:childTnLst>
+                                    <p:set>
+                                      <p:cBhvr>
+                                        <p:cTn id="16" dur="1" fill="hold">
+                                          <p:stCondLst>
+                                            <p:cond delay="0"/>
+                                          </p:stCondLst>
+                                        </p:cTn>
+                                        <p:tgtEl>
+                                          <p:spTgt spid="3">
+                                            <p:txEl>
+                                              <p:pRg st="2" end="2"/>
+                                            </p:txEl>
+                                          </p:spTgt>
+                                        </p:tgtEl>
+                                        <p:attrNameLst>
+                                          <p:attrName>style.visibility</p:attrName>
+                                        </p:attrNameLst>
+                                      </p:cBhvr>
+                                      <p:to>
+                                        <p:strVal val="visible"/>
+                                      </p:to>
+                                    </p:set>
+                                    <p:animEffect transition="in" filter="fade">
+                                      <p:cBhvr>
+                                        <p:cTn id="17" dur="500"/>
+                                        <p:tgtEl>
+                                          <p:spTgt spid="3">
+                                            <p:txEl>
+                                              <p:pRg st="2" end="2"/>
+                                            </p:txEl>
+                                          </p:spTgt>
+                                        </p:tgtEl>
+                                      </p:cBhvr>
+                                    </p:animEffect>
+                                  </p:childTnLst>
+                                </p:cTn>
+                              </p:par>
+                            </p:childTnLst>
+                          </p:cTn>
+                        </p:par>
+                      </p:childTnLst>
+                    </p:cTn>
+                  </p:par>
+                  <p:par>
+                    <p:cTn id="18" fill="hold">
+                      <p:stCondLst>
+                        <p:cond delay="indefinite"/>
+                      </p:stCondLst>
+                      <p:childTnLst>
+                        <p:par>
+                          <p:cTn id="19" fill="hold">
+                            <p:stCondLst>
+                              <p:cond delay="0"/>
+                            </p:stCondLst>
+                            <p:childTnLst>
+                              <p:par>
+                                <p:cTn id="20" presetID="10" presetClass="entr" presetSubtype="0" fill="hold" nodeType="clickEffect">
+                                  <p:stCondLst>
+                                    <p:cond delay="0"/>
+                                  </p:stCondLst>
+                                  <p:childTnLst>
+                                    <p:set>
+                                      <p:cBhvr>
+                                        <p:cTn id="21" dur="1" fill="hold">
+                                          <p:stCondLst>
+                                            <p:cond delay="0"/>
+                                          </p:stCondLst>
+                                        </p:cTn>
+                                        <p:tgtEl>
+                                          <p:spTgt spid="3">
+                                            <p:txEl>
+                                              <p:pRg st="3" end="3"/>
+                                            </p:txEl>
+                                          </p:spTgt>
+                                        </p:tgtEl>
+                                        <p:attrNameLst>
+                                          <p:attrName>style.visibility</p:attrName>
+                                        </p:attrNameLst>
+                                      </p:cBhvr>
+                                      <p:to>
+                                        <p:strVal val="visible"/>
+                                      </p:to>
+                                    </p:set>
+                                    <p:animEffect transition="in" filter="fade">
+                                      <p:cBhvr>
+                                        <p:cTn id="22" dur="500"/>
+                                        <p:tgtEl>
+                                          <p:spTgt spid="3">
+                                            <p:txEl>
+                                              <p:pRg st="3" end="3"/>
+                                            </p:txEl>
+                                          </p:spTgt>
+                                        </p:tgtEl>
+                                      </p:cBhvr>
+                                    </p:animEffect>
+                                  </p:childTnLst>
+                                </p:cTn>
+                              </p:par>
+                            </p:childTnLst>
+                          </p:cTn>
+                        </p:par>
+                      </p:childTnLst>
+                    </p:cTn>
+                  </p:par>
+                </p:childTnLst>
+              </p:cTn>
+              <p:prevCondLst>
+                <p:cond evt="onPrev" delay="0">
+                  <p:tgtEl>
+                    <p:sldTgt/>
+                  </p:tgtEl>
+                </p:cond>
+              </p:prevCondLst>
+              <p:nextCondLst>
+                <p:cond evt="onNext" delay="0">
+                  <p:tgtEl>
+                    <p:sldTgt/>
+                  </p:tgtEl>
+                </p:cond>
+              </p:nextCondLst>
+            </p:seq>
+          </p:childTnLst>
+        </p:cTn>
+      </p:par>
+    </p:tnLst>
+  </p:timing>
 </p:sld>
 </file>
 
@@ -17849,6 +23023,642 @@
   <p:clrMapOvr>
     <a:masterClrMapping/>
   </p:clrMapOvr>
+  <p:timing>
+    <p:tnLst>
+      <p:par>
+        <p:cTn id="1" dur="indefinite" restart="never" nodeType="tmRoot">
+          <p:childTnLst>
+            <p:seq concurrent="1" nextAc="seek">
+              <p:cTn id="2" dur="indefinite" nodeType="mainSeq">
+                <p:childTnLst>
+                  <p:par>
+                    <p:cTn id="3" fill="hold">
+                      <p:stCondLst>
+                        <p:cond delay="indefinite"/>
+                      </p:stCondLst>
+                      <p:childTnLst>
+                        <p:par>
+                          <p:cTn id="4" fill="hold">
+                            <p:stCondLst>
+                              <p:cond delay="0"/>
+                            </p:stCondLst>
+                            <p:childTnLst>
+                              <p:par>
+                                <p:cTn id="5" presetID="10" presetClass="entr" presetSubtype="0" fill="hold" nodeType="clickEffect">
+                                  <p:stCondLst>
+                                    <p:cond delay="0"/>
+                                  </p:stCondLst>
+                                  <p:childTnLst>
+                                    <p:set>
+                                      <p:cBhvr>
+                                        <p:cTn id="6" dur="1" fill="hold">
+                                          <p:stCondLst>
+                                            <p:cond delay="0"/>
+                                          </p:stCondLst>
+                                        </p:cTn>
+                                        <p:tgtEl>
+                                          <p:spTgt spid="3">
+                                            <p:txEl>
+                                              <p:pRg st="0" end="0"/>
+                                            </p:txEl>
+                                          </p:spTgt>
+                                        </p:tgtEl>
+                                        <p:attrNameLst>
+                                          <p:attrName>style.visibility</p:attrName>
+                                        </p:attrNameLst>
+                                      </p:cBhvr>
+                                      <p:to>
+                                        <p:strVal val="visible"/>
+                                      </p:to>
+                                    </p:set>
+                                    <p:animEffect transition="in" filter="fade">
+                                      <p:cBhvr>
+                                        <p:cTn id="7" dur="500"/>
+                                        <p:tgtEl>
+                                          <p:spTgt spid="3">
+                                            <p:txEl>
+                                              <p:pRg st="0" end="0"/>
+                                            </p:txEl>
+                                          </p:spTgt>
+                                        </p:tgtEl>
+                                      </p:cBhvr>
+                                    </p:animEffect>
+                                  </p:childTnLst>
+                                </p:cTn>
+                              </p:par>
+                            </p:childTnLst>
+                          </p:cTn>
+                        </p:par>
+                      </p:childTnLst>
+                    </p:cTn>
+                  </p:par>
+                  <p:par>
+                    <p:cTn id="8" fill="hold">
+                      <p:stCondLst>
+                        <p:cond delay="indefinite"/>
+                      </p:stCondLst>
+                      <p:childTnLst>
+                        <p:par>
+                          <p:cTn id="9" fill="hold">
+                            <p:stCondLst>
+                              <p:cond delay="0"/>
+                            </p:stCondLst>
+                            <p:childTnLst>
+                              <p:par>
+                                <p:cTn id="10" presetID="10" presetClass="entr" presetSubtype="0" fill="hold" nodeType="clickEffect">
+                                  <p:stCondLst>
+                                    <p:cond delay="0"/>
+                                  </p:stCondLst>
+                                  <p:childTnLst>
+                                    <p:set>
+                                      <p:cBhvr>
+                                        <p:cTn id="11" dur="1" fill="hold">
+                                          <p:stCondLst>
+                                            <p:cond delay="0"/>
+                                          </p:stCondLst>
+                                        </p:cTn>
+                                        <p:tgtEl>
+                                          <p:spTgt spid="3">
+                                            <p:txEl>
+                                              <p:pRg st="1" end="1"/>
+                                            </p:txEl>
+                                          </p:spTgt>
+                                        </p:tgtEl>
+                                        <p:attrNameLst>
+                                          <p:attrName>style.visibility</p:attrName>
+                                        </p:attrNameLst>
+                                      </p:cBhvr>
+                                      <p:to>
+                                        <p:strVal val="visible"/>
+                                      </p:to>
+                                    </p:set>
+                                    <p:animEffect transition="in" filter="fade">
+                                      <p:cBhvr>
+                                        <p:cTn id="12" dur="500"/>
+                                        <p:tgtEl>
+                                          <p:spTgt spid="3">
+                                            <p:txEl>
+                                              <p:pRg st="1" end="1"/>
+                                            </p:txEl>
+                                          </p:spTgt>
+                                        </p:tgtEl>
+                                      </p:cBhvr>
+                                    </p:animEffect>
+                                  </p:childTnLst>
+                                </p:cTn>
+                              </p:par>
+                            </p:childTnLst>
+                          </p:cTn>
+                        </p:par>
+                      </p:childTnLst>
+                    </p:cTn>
+                  </p:par>
+                  <p:par>
+                    <p:cTn id="13" fill="hold">
+                      <p:stCondLst>
+                        <p:cond delay="indefinite"/>
+                      </p:stCondLst>
+                      <p:childTnLst>
+                        <p:par>
+                          <p:cTn id="14" fill="hold">
+                            <p:stCondLst>
+                              <p:cond delay="0"/>
+                            </p:stCondLst>
+                            <p:childTnLst>
+                              <p:par>
+                                <p:cTn id="15" presetID="10" presetClass="entr" presetSubtype="0" fill="hold" nodeType="clickEffect">
+                                  <p:stCondLst>
+                                    <p:cond delay="0"/>
+                                  </p:stCondLst>
+                                  <p:childTnLst>
+                                    <p:set>
+                                      <p:cBhvr>
+                                        <p:cTn id="16" dur="1" fill="hold">
+                                          <p:stCondLst>
+                                            <p:cond delay="0"/>
+                                          </p:stCondLst>
+                                        </p:cTn>
+                                        <p:tgtEl>
+                                          <p:spTgt spid="3">
+                                            <p:txEl>
+                                              <p:pRg st="2" end="2"/>
+                                            </p:txEl>
+                                          </p:spTgt>
+                                        </p:tgtEl>
+                                        <p:attrNameLst>
+                                          <p:attrName>style.visibility</p:attrName>
+                                        </p:attrNameLst>
+                                      </p:cBhvr>
+                                      <p:to>
+                                        <p:strVal val="visible"/>
+                                      </p:to>
+                                    </p:set>
+                                    <p:animEffect transition="in" filter="fade">
+                                      <p:cBhvr>
+                                        <p:cTn id="17" dur="500"/>
+                                        <p:tgtEl>
+                                          <p:spTgt spid="3">
+                                            <p:txEl>
+                                              <p:pRg st="2" end="2"/>
+                                            </p:txEl>
+                                          </p:spTgt>
+                                        </p:tgtEl>
+                                      </p:cBhvr>
+                                    </p:animEffect>
+                                  </p:childTnLst>
+                                </p:cTn>
+                              </p:par>
+                              <p:par>
+                                <p:cTn id="18" presetID="10" presetClass="entr" presetSubtype="0" fill="hold" nodeType="withEffect">
+                                  <p:stCondLst>
+                                    <p:cond delay="0"/>
+                                  </p:stCondLst>
+                                  <p:childTnLst>
+                                    <p:set>
+                                      <p:cBhvr>
+                                        <p:cTn id="19" dur="1" fill="hold">
+                                          <p:stCondLst>
+                                            <p:cond delay="0"/>
+                                          </p:stCondLst>
+                                        </p:cTn>
+                                        <p:tgtEl>
+                                          <p:spTgt spid="3">
+                                            <p:txEl>
+                                              <p:pRg st="3" end="3"/>
+                                            </p:txEl>
+                                          </p:spTgt>
+                                        </p:tgtEl>
+                                        <p:attrNameLst>
+                                          <p:attrName>style.visibility</p:attrName>
+                                        </p:attrNameLst>
+                                      </p:cBhvr>
+                                      <p:to>
+                                        <p:strVal val="visible"/>
+                                      </p:to>
+                                    </p:set>
+                                    <p:animEffect transition="in" filter="fade">
+                                      <p:cBhvr>
+                                        <p:cTn id="20" dur="500"/>
+                                        <p:tgtEl>
+                                          <p:spTgt spid="3">
+                                            <p:txEl>
+                                              <p:pRg st="3" end="3"/>
+                                            </p:txEl>
+                                          </p:spTgt>
+                                        </p:tgtEl>
+                                      </p:cBhvr>
+                                    </p:animEffect>
+                                  </p:childTnLst>
+                                </p:cTn>
+                              </p:par>
+                              <p:par>
+                                <p:cTn id="21" presetID="10" presetClass="entr" presetSubtype="0" fill="hold" nodeType="withEffect">
+                                  <p:stCondLst>
+                                    <p:cond delay="0"/>
+                                  </p:stCondLst>
+                                  <p:childTnLst>
+                                    <p:set>
+                                      <p:cBhvr>
+                                        <p:cTn id="22" dur="1" fill="hold">
+                                          <p:stCondLst>
+                                            <p:cond delay="0"/>
+                                          </p:stCondLst>
+                                        </p:cTn>
+                                        <p:tgtEl>
+                                          <p:spTgt spid="3">
+                                            <p:txEl>
+                                              <p:pRg st="4" end="4"/>
+                                            </p:txEl>
+                                          </p:spTgt>
+                                        </p:tgtEl>
+                                        <p:attrNameLst>
+                                          <p:attrName>style.visibility</p:attrName>
+                                        </p:attrNameLst>
+                                      </p:cBhvr>
+                                      <p:to>
+                                        <p:strVal val="visible"/>
+                                      </p:to>
+                                    </p:set>
+                                    <p:animEffect transition="in" filter="fade">
+                                      <p:cBhvr>
+                                        <p:cTn id="23" dur="500"/>
+                                        <p:tgtEl>
+                                          <p:spTgt spid="3">
+                                            <p:txEl>
+                                              <p:pRg st="4" end="4"/>
+                                            </p:txEl>
+                                          </p:spTgt>
+                                        </p:tgtEl>
+                                      </p:cBhvr>
+                                    </p:animEffect>
+                                  </p:childTnLst>
+                                </p:cTn>
+                              </p:par>
+                              <p:par>
+                                <p:cTn id="24" presetID="10" presetClass="entr" presetSubtype="0" fill="hold" nodeType="withEffect">
+                                  <p:stCondLst>
+                                    <p:cond delay="0"/>
+                                  </p:stCondLst>
+                                  <p:childTnLst>
+                                    <p:set>
+                                      <p:cBhvr>
+                                        <p:cTn id="25" dur="1" fill="hold">
+                                          <p:stCondLst>
+                                            <p:cond delay="0"/>
+                                          </p:stCondLst>
+                                        </p:cTn>
+                                        <p:tgtEl>
+                                          <p:spTgt spid="3">
+                                            <p:txEl>
+                                              <p:pRg st="5" end="5"/>
+                                            </p:txEl>
+                                          </p:spTgt>
+                                        </p:tgtEl>
+                                        <p:attrNameLst>
+                                          <p:attrName>style.visibility</p:attrName>
+                                        </p:attrNameLst>
+                                      </p:cBhvr>
+                                      <p:to>
+                                        <p:strVal val="visible"/>
+                                      </p:to>
+                                    </p:set>
+                                    <p:animEffect transition="in" filter="fade">
+                                      <p:cBhvr>
+                                        <p:cTn id="26" dur="500"/>
+                                        <p:tgtEl>
+                                          <p:spTgt spid="3">
+                                            <p:txEl>
+                                              <p:pRg st="5" end="5"/>
+                                            </p:txEl>
+                                          </p:spTgt>
+                                        </p:tgtEl>
+                                      </p:cBhvr>
+                                    </p:animEffect>
+                                  </p:childTnLst>
+                                </p:cTn>
+                              </p:par>
+                              <p:par>
+                                <p:cTn id="27" presetID="10" presetClass="entr" presetSubtype="0" fill="hold" nodeType="withEffect">
+                                  <p:stCondLst>
+                                    <p:cond delay="0"/>
+                                  </p:stCondLst>
+                                  <p:childTnLst>
+                                    <p:set>
+                                      <p:cBhvr>
+                                        <p:cTn id="28" dur="1" fill="hold">
+                                          <p:stCondLst>
+                                            <p:cond delay="0"/>
+                                          </p:stCondLst>
+                                        </p:cTn>
+                                        <p:tgtEl>
+                                          <p:spTgt spid="3">
+                                            <p:txEl>
+                                              <p:pRg st="6" end="6"/>
+                                            </p:txEl>
+                                          </p:spTgt>
+                                        </p:tgtEl>
+                                        <p:attrNameLst>
+                                          <p:attrName>style.visibility</p:attrName>
+                                        </p:attrNameLst>
+                                      </p:cBhvr>
+                                      <p:to>
+                                        <p:strVal val="visible"/>
+                                      </p:to>
+                                    </p:set>
+                                    <p:animEffect transition="in" filter="fade">
+                                      <p:cBhvr>
+                                        <p:cTn id="29" dur="500"/>
+                                        <p:tgtEl>
+                                          <p:spTgt spid="3">
+                                            <p:txEl>
+                                              <p:pRg st="6" end="6"/>
+                                            </p:txEl>
+                                          </p:spTgt>
+                                        </p:tgtEl>
+                                      </p:cBhvr>
+                                    </p:animEffect>
+                                  </p:childTnLst>
+                                </p:cTn>
+                              </p:par>
+                            </p:childTnLst>
+                          </p:cTn>
+                        </p:par>
+                      </p:childTnLst>
+                    </p:cTn>
+                  </p:par>
+                  <p:par>
+                    <p:cTn id="30" fill="hold">
+                      <p:stCondLst>
+                        <p:cond delay="indefinite"/>
+                      </p:stCondLst>
+                      <p:childTnLst>
+                        <p:par>
+                          <p:cTn id="31" fill="hold">
+                            <p:stCondLst>
+                              <p:cond delay="0"/>
+                            </p:stCondLst>
+                            <p:childTnLst>
+                              <p:par>
+                                <p:cTn id="32" presetID="10" presetClass="entr" presetSubtype="0" fill="hold" nodeType="clickEffect">
+                                  <p:stCondLst>
+                                    <p:cond delay="0"/>
+                                  </p:stCondLst>
+                                  <p:childTnLst>
+                                    <p:set>
+                                      <p:cBhvr>
+                                        <p:cTn id="33" dur="1" fill="hold">
+                                          <p:stCondLst>
+                                            <p:cond delay="0"/>
+                                          </p:stCondLst>
+                                        </p:cTn>
+                                        <p:tgtEl>
+                                          <p:spTgt spid="3">
+                                            <p:txEl>
+                                              <p:pRg st="7" end="7"/>
+                                            </p:txEl>
+                                          </p:spTgt>
+                                        </p:tgtEl>
+                                        <p:attrNameLst>
+                                          <p:attrName>style.visibility</p:attrName>
+                                        </p:attrNameLst>
+                                      </p:cBhvr>
+                                      <p:to>
+                                        <p:strVal val="visible"/>
+                                      </p:to>
+                                    </p:set>
+                                    <p:animEffect transition="in" filter="fade">
+                                      <p:cBhvr>
+                                        <p:cTn id="34" dur="500"/>
+                                        <p:tgtEl>
+                                          <p:spTgt spid="3">
+                                            <p:txEl>
+                                              <p:pRg st="7" end="7"/>
+                                            </p:txEl>
+                                          </p:spTgt>
+                                        </p:tgtEl>
+                                      </p:cBhvr>
+                                    </p:animEffect>
+                                  </p:childTnLst>
+                                </p:cTn>
+                              </p:par>
+                              <p:par>
+                                <p:cTn id="35" presetID="10" presetClass="entr" presetSubtype="0" fill="hold" nodeType="withEffect">
+                                  <p:stCondLst>
+                                    <p:cond delay="0"/>
+                                  </p:stCondLst>
+                                  <p:childTnLst>
+                                    <p:set>
+                                      <p:cBhvr>
+                                        <p:cTn id="36" dur="1" fill="hold">
+                                          <p:stCondLst>
+                                            <p:cond delay="0"/>
+                                          </p:stCondLst>
+                                        </p:cTn>
+                                        <p:tgtEl>
+                                          <p:spTgt spid="3">
+                                            <p:txEl>
+                                              <p:pRg st="8" end="8"/>
+                                            </p:txEl>
+                                          </p:spTgt>
+                                        </p:tgtEl>
+                                        <p:attrNameLst>
+                                          <p:attrName>style.visibility</p:attrName>
+                                        </p:attrNameLst>
+                                      </p:cBhvr>
+                                      <p:to>
+                                        <p:strVal val="visible"/>
+                                      </p:to>
+                                    </p:set>
+                                    <p:animEffect transition="in" filter="fade">
+                                      <p:cBhvr>
+                                        <p:cTn id="37" dur="500"/>
+                                        <p:tgtEl>
+                                          <p:spTgt spid="3">
+                                            <p:txEl>
+                                              <p:pRg st="8" end="8"/>
+                                            </p:txEl>
+                                          </p:spTgt>
+                                        </p:tgtEl>
+                                      </p:cBhvr>
+                                    </p:animEffect>
+                                  </p:childTnLst>
+                                </p:cTn>
+                              </p:par>
+                              <p:par>
+                                <p:cTn id="38" presetID="10" presetClass="entr" presetSubtype="0" fill="hold" nodeType="withEffect">
+                                  <p:stCondLst>
+                                    <p:cond delay="0"/>
+                                  </p:stCondLst>
+                                  <p:childTnLst>
+                                    <p:set>
+                                      <p:cBhvr>
+                                        <p:cTn id="39" dur="1" fill="hold">
+                                          <p:stCondLst>
+                                            <p:cond delay="0"/>
+                                          </p:stCondLst>
+                                        </p:cTn>
+                                        <p:tgtEl>
+                                          <p:spTgt spid="3">
+                                            <p:txEl>
+                                              <p:pRg st="9" end="9"/>
+                                            </p:txEl>
+                                          </p:spTgt>
+                                        </p:tgtEl>
+                                        <p:attrNameLst>
+                                          <p:attrName>style.visibility</p:attrName>
+                                        </p:attrNameLst>
+                                      </p:cBhvr>
+                                      <p:to>
+                                        <p:strVal val="visible"/>
+                                      </p:to>
+                                    </p:set>
+                                    <p:animEffect transition="in" filter="fade">
+                                      <p:cBhvr>
+                                        <p:cTn id="40" dur="500"/>
+                                        <p:tgtEl>
+                                          <p:spTgt spid="3">
+                                            <p:txEl>
+                                              <p:pRg st="9" end="9"/>
+                                            </p:txEl>
+                                          </p:spTgt>
+                                        </p:tgtEl>
+                                      </p:cBhvr>
+                                    </p:animEffect>
+                                  </p:childTnLst>
+                                </p:cTn>
+                              </p:par>
+                              <p:par>
+                                <p:cTn id="41" presetID="10" presetClass="entr" presetSubtype="0" fill="hold" nodeType="withEffect">
+                                  <p:stCondLst>
+                                    <p:cond delay="0"/>
+                                  </p:stCondLst>
+                                  <p:childTnLst>
+                                    <p:set>
+                                      <p:cBhvr>
+                                        <p:cTn id="42" dur="1" fill="hold">
+                                          <p:stCondLst>
+                                            <p:cond delay="0"/>
+                                          </p:stCondLst>
+                                        </p:cTn>
+                                        <p:tgtEl>
+                                          <p:spTgt spid="3">
+                                            <p:txEl>
+                                              <p:pRg st="10" end="10"/>
+                                            </p:txEl>
+                                          </p:spTgt>
+                                        </p:tgtEl>
+                                        <p:attrNameLst>
+                                          <p:attrName>style.visibility</p:attrName>
+                                        </p:attrNameLst>
+                                      </p:cBhvr>
+                                      <p:to>
+                                        <p:strVal val="visible"/>
+                                      </p:to>
+                                    </p:set>
+                                    <p:animEffect transition="in" filter="fade">
+                                      <p:cBhvr>
+                                        <p:cTn id="43" dur="500"/>
+                                        <p:tgtEl>
+                                          <p:spTgt spid="3">
+                                            <p:txEl>
+                                              <p:pRg st="10" end="10"/>
+                                            </p:txEl>
+                                          </p:spTgt>
+                                        </p:tgtEl>
+                                      </p:cBhvr>
+                                    </p:animEffect>
+                                  </p:childTnLst>
+                                </p:cTn>
+                              </p:par>
+                            </p:childTnLst>
+                          </p:cTn>
+                        </p:par>
+                      </p:childTnLst>
+                    </p:cTn>
+                  </p:par>
+                  <p:par>
+                    <p:cTn id="44" fill="hold">
+                      <p:stCondLst>
+                        <p:cond delay="indefinite"/>
+                      </p:stCondLst>
+                      <p:childTnLst>
+                        <p:par>
+                          <p:cTn id="45" fill="hold">
+                            <p:stCondLst>
+                              <p:cond delay="0"/>
+                            </p:stCondLst>
+                            <p:childTnLst>
+                              <p:par>
+                                <p:cTn id="46" presetID="10" presetClass="entr" presetSubtype="0" fill="hold" nodeType="clickEffect">
+                                  <p:stCondLst>
+                                    <p:cond delay="0"/>
+                                  </p:stCondLst>
+                                  <p:childTnLst>
+                                    <p:set>
+                                      <p:cBhvr>
+                                        <p:cTn id="47" dur="1" fill="hold">
+                                          <p:stCondLst>
+                                            <p:cond delay="0"/>
+                                          </p:stCondLst>
+                                        </p:cTn>
+                                        <p:tgtEl>
+                                          <p:spTgt spid="3">
+                                            <p:txEl>
+                                              <p:pRg st="11" end="11"/>
+                                            </p:txEl>
+                                          </p:spTgt>
+                                        </p:tgtEl>
+                                        <p:attrNameLst>
+                                          <p:attrName>style.visibility</p:attrName>
+                                        </p:attrNameLst>
+                                      </p:cBhvr>
+                                      <p:to>
+                                        <p:strVal val="visible"/>
+                                      </p:to>
+                                    </p:set>
+                                    <p:animEffect transition="in" filter="fade">
+                                      <p:cBhvr>
+                                        <p:cTn id="48" dur="500"/>
+                                        <p:tgtEl>
+                                          <p:spTgt spid="3">
+                                            <p:txEl>
+                                              <p:pRg st="11" end="11"/>
+                                            </p:txEl>
+                                          </p:spTgt>
+                                        </p:tgtEl>
+                                      </p:cBhvr>
+                                    </p:animEffect>
+                                  </p:childTnLst>
+                                </p:cTn>
+                              </p:par>
+                            </p:childTnLst>
+                          </p:cTn>
+                        </p:par>
+                      </p:childTnLst>
+                    </p:cTn>
+                  </p:par>
+                </p:childTnLst>
+              </p:cTn>
+              <p:prevCondLst>
+                <p:cond evt="onPrev" delay="0">
+                  <p:tgtEl>
+                    <p:sldTgt/>
+                  </p:tgtEl>
+                </p:cond>
+              </p:prevCondLst>
+              <p:nextCondLst>
+                <p:cond evt="onNext" delay="0">
+                  <p:tgtEl>
+                    <p:sldTgt/>
+                  </p:tgtEl>
+                </p:cond>
+              </p:nextCondLst>
+            </p:seq>
+          </p:childTnLst>
+        </p:cTn>
+      </p:par>
+    </p:tnLst>
+  </p:timing>
 </p:sld>
 </file>
 
@@ -18130,6 +23940,660 @@
   <p:clrMapOvr>
     <a:masterClrMapping/>
   </p:clrMapOvr>
+  <p:timing>
+    <p:tnLst>
+      <p:par>
+        <p:cTn id="1" dur="indefinite" restart="never" nodeType="tmRoot">
+          <p:childTnLst>
+            <p:seq concurrent="1" nextAc="seek">
+              <p:cTn id="2" dur="indefinite" nodeType="mainSeq">
+                <p:childTnLst>
+                  <p:par>
+                    <p:cTn id="3" fill="hold">
+                      <p:stCondLst>
+                        <p:cond delay="indefinite"/>
+                      </p:stCondLst>
+                      <p:childTnLst>
+                        <p:par>
+                          <p:cTn id="4" fill="hold">
+                            <p:stCondLst>
+                              <p:cond delay="0"/>
+                            </p:stCondLst>
+                            <p:childTnLst>
+                              <p:par>
+                                <p:cTn id="5" presetID="10" presetClass="entr" presetSubtype="0" fill="hold" nodeType="clickEffect">
+                                  <p:stCondLst>
+                                    <p:cond delay="0"/>
+                                  </p:stCondLst>
+                                  <p:childTnLst>
+                                    <p:set>
+                                      <p:cBhvr>
+                                        <p:cTn id="6" dur="1" fill="hold">
+                                          <p:stCondLst>
+                                            <p:cond delay="0"/>
+                                          </p:stCondLst>
+                                        </p:cTn>
+                                        <p:tgtEl>
+                                          <p:spTgt spid="3">
+                                            <p:txEl>
+                                              <p:pRg st="0" end="0"/>
+                                            </p:txEl>
+                                          </p:spTgt>
+                                        </p:tgtEl>
+                                        <p:attrNameLst>
+                                          <p:attrName>style.visibility</p:attrName>
+                                        </p:attrNameLst>
+                                      </p:cBhvr>
+                                      <p:to>
+                                        <p:strVal val="visible"/>
+                                      </p:to>
+                                    </p:set>
+                                    <p:animEffect transition="in" filter="fade">
+                                      <p:cBhvr>
+                                        <p:cTn id="7" dur="500"/>
+                                        <p:tgtEl>
+                                          <p:spTgt spid="3">
+                                            <p:txEl>
+                                              <p:pRg st="0" end="0"/>
+                                            </p:txEl>
+                                          </p:spTgt>
+                                        </p:tgtEl>
+                                      </p:cBhvr>
+                                    </p:animEffect>
+                                  </p:childTnLst>
+                                </p:cTn>
+                              </p:par>
+                            </p:childTnLst>
+                          </p:cTn>
+                        </p:par>
+                      </p:childTnLst>
+                    </p:cTn>
+                  </p:par>
+                  <p:par>
+                    <p:cTn id="8" fill="hold">
+                      <p:stCondLst>
+                        <p:cond delay="indefinite"/>
+                      </p:stCondLst>
+                      <p:childTnLst>
+                        <p:par>
+                          <p:cTn id="9" fill="hold">
+                            <p:stCondLst>
+                              <p:cond delay="0"/>
+                            </p:stCondLst>
+                            <p:childTnLst>
+                              <p:par>
+                                <p:cTn id="10" presetID="10" presetClass="entr" presetSubtype="0" fill="hold" nodeType="clickEffect">
+                                  <p:stCondLst>
+                                    <p:cond delay="0"/>
+                                  </p:stCondLst>
+                                  <p:childTnLst>
+                                    <p:set>
+                                      <p:cBhvr>
+                                        <p:cTn id="11" dur="1" fill="hold">
+                                          <p:stCondLst>
+                                            <p:cond delay="0"/>
+                                          </p:stCondLst>
+                                        </p:cTn>
+                                        <p:tgtEl>
+                                          <p:spTgt spid="3">
+                                            <p:txEl>
+                                              <p:pRg st="1" end="1"/>
+                                            </p:txEl>
+                                          </p:spTgt>
+                                        </p:tgtEl>
+                                        <p:attrNameLst>
+                                          <p:attrName>style.visibility</p:attrName>
+                                        </p:attrNameLst>
+                                      </p:cBhvr>
+                                      <p:to>
+                                        <p:strVal val="visible"/>
+                                      </p:to>
+                                    </p:set>
+                                    <p:animEffect transition="in" filter="fade">
+                                      <p:cBhvr>
+                                        <p:cTn id="12" dur="500"/>
+                                        <p:tgtEl>
+                                          <p:spTgt spid="3">
+                                            <p:txEl>
+                                              <p:pRg st="1" end="1"/>
+                                            </p:txEl>
+                                          </p:spTgt>
+                                        </p:tgtEl>
+                                      </p:cBhvr>
+                                    </p:animEffect>
+                                  </p:childTnLst>
+                                </p:cTn>
+                              </p:par>
+                              <p:par>
+                                <p:cTn id="13" presetID="10" presetClass="entr" presetSubtype="0" fill="hold" nodeType="withEffect">
+                                  <p:stCondLst>
+                                    <p:cond delay="0"/>
+                                  </p:stCondLst>
+                                  <p:childTnLst>
+                                    <p:set>
+                                      <p:cBhvr>
+                                        <p:cTn id="14" dur="1" fill="hold">
+                                          <p:stCondLst>
+                                            <p:cond delay="0"/>
+                                          </p:stCondLst>
+                                        </p:cTn>
+                                        <p:tgtEl>
+                                          <p:spTgt spid="3">
+                                            <p:txEl>
+                                              <p:pRg st="2" end="2"/>
+                                            </p:txEl>
+                                          </p:spTgt>
+                                        </p:tgtEl>
+                                        <p:attrNameLst>
+                                          <p:attrName>style.visibility</p:attrName>
+                                        </p:attrNameLst>
+                                      </p:cBhvr>
+                                      <p:to>
+                                        <p:strVal val="visible"/>
+                                      </p:to>
+                                    </p:set>
+                                    <p:animEffect transition="in" filter="fade">
+                                      <p:cBhvr>
+                                        <p:cTn id="15" dur="500"/>
+                                        <p:tgtEl>
+                                          <p:spTgt spid="3">
+                                            <p:txEl>
+                                              <p:pRg st="2" end="2"/>
+                                            </p:txEl>
+                                          </p:spTgt>
+                                        </p:tgtEl>
+                                      </p:cBhvr>
+                                    </p:animEffect>
+                                  </p:childTnLst>
+                                </p:cTn>
+                              </p:par>
+                              <p:par>
+                                <p:cTn id="16" presetID="10" presetClass="entr" presetSubtype="0" fill="hold" nodeType="withEffect">
+                                  <p:stCondLst>
+                                    <p:cond delay="0"/>
+                                  </p:stCondLst>
+                                  <p:childTnLst>
+                                    <p:set>
+                                      <p:cBhvr>
+                                        <p:cTn id="17" dur="1" fill="hold">
+                                          <p:stCondLst>
+                                            <p:cond delay="0"/>
+                                          </p:stCondLst>
+                                        </p:cTn>
+                                        <p:tgtEl>
+                                          <p:spTgt spid="3">
+                                            <p:txEl>
+                                              <p:pRg st="3" end="3"/>
+                                            </p:txEl>
+                                          </p:spTgt>
+                                        </p:tgtEl>
+                                        <p:attrNameLst>
+                                          <p:attrName>style.visibility</p:attrName>
+                                        </p:attrNameLst>
+                                      </p:cBhvr>
+                                      <p:to>
+                                        <p:strVal val="visible"/>
+                                      </p:to>
+                                    </p:set>
+                                    <p:animEffect transition="in" filter="fade">
+                                      <p:cBhvr>
+                                        <p:cTn id="18" dur="500"/>
+                                        <p:tgtEl>
+                                          <p:spTgt spid="3">
+                                            <p:txEl>
+                                              <p:pRg st="3" end="3"/>
+                                            </p:txEl>
+                                          </p:spTgt>
+                                        </p:tgtEl>
+                                      </p:cBhvr>
+                                    </p:animEffect>
+                                  </p:childTnLst>
+                                </p:cTn>
+                              </p:par>
+                              <p:par>
+                                <p:cTn id="19" presetID="10" presetClass="entr" presetSubtype="0" fill="hold" nodeType="withEffect">
+                                  <p:stCondLst>
+                                    <p:cond delay="0"/>
+                                  </p:stCondLst>
+                                  <p:childTnLst>
+                                    <p:set>
+                                      <p:cBhvr>
+                                        <p:cTn id="20" dur="1" fill="hold">
+                                          <p:stCondLst>
+                                            <p:cond delay="0"/>
+                                          </p:stCondLst>
+                                        </p:cTn>
+                                        <p:tgtEl>
+                                          <p:spTgt spid="3">
+                                            <p:txEl>
+                                              <p:pRg st="4" end="4"/>
+                                            </p:txEl>
+                                          </p:spTgt>
+                                        </p:tgtEl>
+                                        <p:attrNameLst>
+                                          <p:attrName>style.visibility</p:attrName>
+                                        </p:attrNameLst>
+                                      </p:cBhvr>
+                                      <p:to>
+                                        <p:strVal val="visible"/>
+                                      </p:to>
+                                    </p:set>
+                                    <p:animEffect transition="in" filter="fade">
+                                      <p:cBhvr>
+                                        <p:cTn id="21" dur="500"/>
+                                        <p:tgtEl>
+                                          <p:spTgt spid="3">
+                                            <p:txEl>
+                                              <p:pRg st="4" end="4"/>
+                                            </p:txEl>
+                                          </p:spTgt>
+                                        </p:tgtEl>
+                                      </p:cBhvr>
+                                    </p:animEffect>
+                                  </p:childTnLst>
+                                </p:cTn>
+                              </p:par>
+                              <p:par>
+                                <p:cTn id="22" presetID="10" presetClass="entr" presetSubtype="0" fill="hold" nodeType="withEffect">
+                                  <p:stCondLst>
+                                    <p:cond delay="0"/>
+                                  </p:stCondLst>
+                                  <p:childTnLst>
+                                    <p:set>
+                                      <p:cBhvr>
+                                        <p:cTn id="23" dur="1" fill="hold">
+                                          <p:stCondLst>
+                                            <p:cond delay="0"/>
+                                          </p:stCondLst>
+                                        </p:cTn>
+                                        <p:tgtEl>
+                                          <p:spTgt spid="3">
+                                            <p:txEl>
+                                              <p:pRg st="5" end="5"/>
+                                            </p:txEl>
+                                          </p:spTgt>
+                                        </p:tgtEl>
+                                        <p:attrNameLst>
+                                          <p:attrName>style.visibility</p:attrName>
+                                        </p:attrNameLst>
+                                      </p:cBhvr>
+                                      <p:to>
+                                        <p:strVal val="visible"/>
+                                      </p:to>
+                                    </p:set>
+                                    <p:animEffect transition="in" filter="fade">
+                                      <p:cBhvr>
+                                        <p:cTn id="24" dur="500"/>
+                                        <p:tgtEl>
+                                          <p:spTgt spid="3">
+                                            <p:txEl>
+                                              <p:pRg st="5" end="5"/>
+                                            </p:txEl>
+                                          </p:spTgt>
+                                        </p:tgtEl>
+                                      </p:cBhvr>
+                                    </p:animEffect>
+                                  </p:childTnLst>
+                                </p:cTn>
+                              </p:par>
+                              <p:par>
+                                <p:cTn id="25" presetID="10" presetClass="entr" presetSubtype="0" fill="hold" nodeType="withEffect">
+                                  <p:stCondLst>
+                                    <p:cond delay="0"/>
+                                  </p:stCondLst>
+                                  <p:childTnLst>
+                                    <p:set>
+                                      <p:cBhvr>
+                                        <p:cTn id="26" dur="1" fill="hold">
+                                          <p:stCondLst>
+                                            <p:cond delay="0"/>
+                                          </p:stCondLst>
+                                        </p:cTn>
+                                        <p:tgtEl>
+                                          <p:spTgt spid="3">
+                                            <p:txEl>
+                                              <p:pRg st="6" end="6"/>
+                                            </p:txEl>
+                                          </p:spTgt>
+                                        </p:tgtEl>
+                                        <p:attrNameLst>
+                                          <p:attrName>style.visibility</p:attrName>
+                                        </p:attrNameLst>
+                                      </p:cBhvr>
+                                      <p:to>
+                                        <p:strVal val="visible"/>
+                                      </p:to>
+                                    </p:set>
+                                    <p:animEffect transition="in" filter="fade">
+                                      <p:cBhvr>
+                                        <p:cTn id="27" dur="500"/>
+                                        <p:tgtEl>
+                                          <p:spTgt spid="3">
+                                            <p:txEl>
+                                              <p:pRg st="6" end="6"/>
+                                            </p:txEl>
+                                          </p:spTgt>
+                                        </p:tgtEl>
+                                      </p:cBhvr>
+                                    </p:animEffect>
+                                  </p:childTnLst>
+                                </p:cTn>
+                              </p:par>
+                            </p:childTnLst>
+                          </p:cTn>
+                        </p:par>
+                      </p:childTnLst>
+                    </p:cTn>
+                  </p:par>
+                  <p:par>
+                    <p:cTn id="28" fill="hold">
+                      <p:stCondLst>
+                        <p:cond delay="indefinite"/>
+                      </p:stCondLst>
+                      <p:childTnLst>
+                        <p:par>
+                          <p:cTn id="29" fill="hold">
+                            <p:stCondLst>
+                              <p:cond delay="0"/>
+                            </p:stCondLst>
+                            <p:childTnLst>
+                              <p:par>
+                                <p:cTn id="30" presetID="10" presetClass="entr" presetSubtype="0" fill="hold" nodeType="clickEffect">
+                                  <p:stCondLst>
+                                    <p:cond delay="0"/>
+                                  </p:stCondLst>
+                                  <p:childTnLst>
+                                    <p:set>
+                                      <p:cBhvr>
+                                        <p:cTn id="31" dur="1" fill="hold">
+                                          <p:stCondLst>
+                                            <p:cond delay="0"/>
+                                          </p:stCondLst>
+                                        </p:cTn>
+                                        <p:tgtEl>
+                                          <p:spTgt spid="3">
+                                            <p:txEl>
+                                              <p:pRg st="7" end="7"/>
+                                            </p:txEl>
+                                          </p:spTgt>
+                                        </p:tgtEl>
+                                        <p:attrNameLst>
+                                          <p:attrName>style.visibility</p:attrName>
+                                        </p:attrNameLst>
+                                      </p:cBhvr>
+                                      <p:to>
+                                        <p:strVal val="visible"/>
+                                      </p:to>
+                                    </p:set>
+                                    <p:animEffect transition="in" filter="fade">
+                                      <p:cBhvr>
+                                        <p:cTn id="32" dur="500"/>
+                                        <p:tgtEl>
+                                          <p:spTgt spid="3">
+                                            <p:txEl>
+                                              <p:pRg st="7" end="7"/>
+                                            </p:txEl>
+                                          </p:spTgt>
+                                        </p:tgtEl>
+                                      </p:cBhvr>
+                                    </p:animEffect>
+                                  </p:childTnLst>
+                                </p:cTn>
+                              </p:par>
+                            </p:childTnLst>
+                          </p:cTn>
+                        </p:par>
+                      </p:childTnLst>
+                    </p:cTn>
+                  </p:par>
+                  <p:par>
+                    <p:cTn id="33" fill="hold">
+                      <p:stCondLst>
+                        <p:cond delay="indefinite"/>
+                      </p:stCondLst>
+                      <p:childTnLst>
+                        <p:par>
+                          <p:cTn id="34" fill="hold">
+                            <p:stCondLst>
+                              <p:cond delay="0"/>
+                            </p:stCondLst>
+                            <p:childTnLst>
+                              <p:par>
+                                <p:cTn id="35" presetID="10" presetClass="entr" presetSubtype="0" fill="hold" nodeType="clickEffect">
+                                  <p:stCondLst>
+                                    <p:cond delay="0"/>
+                                  </p:stCondLst>
+                                  <p:childTnLst>
+                                    <p:set>
+                                      <p:cBhvr>
+                                        <p:cTn id="36" dur="1" fill="hold">
+                                          <p:stCondLst>
+                                            <p:cond delay="0"/>
+                                          </p:stCondLst>
+                                        </p:cTn>
+                                        <p:tgtEl>
+                                          <p:spTgt spid="3">
+                                            <p:txEl>
+                                              <p:pRg st="9" end="9"/>
+                                            </p:txEl>
+                                          </p:spTgt>
+                                        </p:tgtEl>
+                                        <p:attrNameLst>
+                                          <p:attrName>style.visibility</p:attrName>
+                                        </p:attrNameLst>
+                                      </p:cBhvr>
+                                      <p:to>
+                                        <p:strVal val="visible"/>
+                                      </p:to>
+                                    </p:set>
+                                    <p:animEffect transition="in" filter="fade">
+                                      <p:cBhvr>
+                                        <p:cTn id="37" dur="500"/>
+                                        <p:tgtEl>
+                                          <p:spTgt spid="3">
+                                            <p:txEl>
+                                              <p:pRg st="9" end="9"/>
+                                            </p:txEl>
+                                          </p:spTgt>
+                                        </p:tgtEl>
+                                      </p:cBhvr>
+                                    </p:animEffect>
+                                  </p:childTnLst>
+                                </p:cTn>
+                              </p:par>
+                            </p:childTnLst>
+                          </p:cTn>
+                        </p:par>
+                      </p:childTnLst>
+                    </p:cTn>
+                  </p:par>
+                  <p:par>
+                    <p:cTn id="38" fill="hold">
+                      <p:stCondLst>
+                        <p:cond delay="indefinite"/>
+                      </p:stCondLst>
+                      <p:childTnLst>
+                        <p:par>
+                          <p:cTn id="39" fill="hold">
+                            <p:stCondLst>
+                              <p:cond delay="0"/>
+                            </p:stCondLst>
+                            <p:childTnLst>
+                              <p:par>
+                                <p:cTn id="40" presetID="10" presetClass="entr" presetSubtype="0" fill="hold" nodeType="clickEffect">
+                                  <p:stCondLst>
+                                    <p:cond delay="0"/>
+                                  </p:stCondLst>
+                                  <p:childTnLst>
+                                    <p:set>
+                                      <p:cBhvr>
+                                        <p:cTn id="41" dur="1" fill="hold">
+                                          <p:stCondLst>
+                                            <p:cond delay="0"/>
+                                          </p:stCondLst>
+                                        </p:cTn>
+                                        <p:tgtEl>
+                                          <p:spTgt spid="3">
+                                            <p:txEl>
+                                              <p:pRg st="10" end="10"/>
+                                            </p:txEl>
+                                          </p:spTgt>
+                                        </p:tgtEl>
+                                        <p:attrNameLst>
+                                          <p:attrName>style.visibility</p:attrName>
+                                        </p:attrNameLst>
+                                      </p:cBhvr>
+                                      <p:to>
+                                        <p:strVal val="visible"/>
+                                      </p:to>
+                                    </p:set>
+                                    <p:animEffect transition="in" filter="fade">
+                                      <p:cBhvr>
+                                        <p:cTn id="42" dur="500"/>
+                                        <p:tgtEl>
+                                          <p:spTgt spid="3">
+                                            <p:txEl>
+                                              <p:pRg st="10" end="10"/>
+                                            </p:txEl>
+                                          </p:spTgt>
+                                        </p:tgtEl>
+                                      </p:cBhvr>
+                                    </p:animEffect>
+                                  </p:childTnLst>
+                                </p:cTn>
+                              </p:par>
+                              <p:par>
+                                <p:cTn id="43" presetID="10" presetClass="entr" presetSubtype="0" fill="hold" nodeType="withEffect">
+                                  <p:stCondLst>
+                                    <p:cond delay="0"/>
+                                  </p:stCondLst>
+                                  <p:childTnLst>
+                                    <p:set>
+                                      <p:cBhvr>
+                                        <p:cTn id="44" dur="1" fill="hold">
+                                          <p:stCondLst>
+                                            <p:cond delay="0"/>
+                                          </p:stCondLst>
+                                        </p:cTn>
+                                        <p:tgtEl>
+                                          <p:spTgt spid="3">
+                                            <p:txEl>
+                                              <p:pRg st="11" end="11"/>
+                                            </p:txEl>
+                                          </p:spTgt>
+                                        </p:tgtEl>
+                                        <p:attrNameLst>
+                                          <p:attrName>style.visibility</p:attrName>
+                                        </p:attrNameLst>
+                                      </p:cBhvr>
+                                      <p:to>
+                                        <p:strVal val="visible"/>
+                                      </p:to>
+                                    </p:set>
+                                    <p:animEffect transition="in" filter="fade">
+                                      <p:cBhvr>
+                                        <p:cTn id="45" dur="500"/>
+                                        <p:tgtEl>
+                                          <p:spTgt spid="3">
+                                            <p:txEl>
+                                              <p:pRg st="11" end="11"/>
+                                            </p:txEl>
+                                          </p:spTgt>
+                                        </p:tgtEl>
+                                      </p:cBhvr>
+                                    </p:animEffect>
+                                  </p:childTnLst>
+                                </p:cTn>
+                              </p:par>
+                            </p:childTnLst>
+                          </p:cTn>
+                        </p:par>
+                      </p:childTnLst>
+                    </p:cTn>
+                  </p:par>
+                  <p:par>
+                    <p:cTn id="46" fill="hold">
+                      <p:stCondLst>
+                        <p:cond delay="indefinite"/>
+                      </p:stCondLst>
+                      <p:childTnLst>
+                        <p:par>
+                          <p:cTn id="47" fill="hold">
+                            <p:stCondLst>
+                              <p:cond delay="0"/>
+                            </p:stCondLst>
+                            <p:childTnLst>
+                              <p:par>
+                                <p:cTn id="48" presetID="10" presetClass="entr" presetSubtype="0" fill="hold" nodeType="clickEffect">
+                                  <p:stCondLst>
+                                    <p:cond delay="0"/>
+                                  </p:stCondLst>
+                                  <p:childTnLst>
+                                    <p:set>
+                                      <p:cBhvr>
+                                        <p:cTn id="49" dur="1" fill="hold">
+                                          <p:stCondLst>
+                                            <p:cond delay="0"/>
+                                          </p:stCondLst>
+                                        </p:cTn>
+                                        <p:tgtEl>
+                                          <p:spTgt spid="3">
+                                            <p:txEl>
+                                              <p:pRg st="12" end="12"/>
+                                            </p:txEl>
+                                          </p:spTgt>
+                                        </p:tgtEl>
+                                        <p:attrNameLst>
+                                          <p:attrName>style.visibility</p:attrName>
+                                        </p:attrNameLst>
+                                      </p:cBhvr>
+                                      <p:to>
+                                        <p:strVal val="visible"/>
+                                      </p:to>
+                                    </p:set>
+                                    <p:animEffect transition="in" filter="fade">
+                                      <p:cBhvr>
+                                        <p:cTn id="50" dur="500"/>
+                                        <p:tgtEl>
+                                          <p:spTgt spid="3">
+                                            <p:txEl>
+                                              <p:pRg st="12" end="12"/>
+                                            </p:txEl>
+                                          </p:spTgt>
+                                        </p:tgtEl>
+                                      </p:cBhvr>
+                                    </p:animEffect>
+                                  </p:childTnLst>
+                                </p:cTn>
+                              </p:par>
+                            </p:childTnLst>
+                          </p:cTn>
+                        </p:par>
+                      </p:childTnLst>
+                    </p:cTn>
+                  </p:par>
+                </p:childTnLst>
+              </p:cTn>
+              <p:prevCondLst>
+                <p:cond evt="onPrev" delay="0">
+                  <p:tgtEl>
+                    <p:sldTgt/>
+                  </p:tgtEl>
+                </p:cond>
+              </p:prevCondLst>
+              <p:nextCondLst>
+                <p:cond evt="onNext" delay="0">
+                  <p:tgtEl>
+                    <p:sldTgt/>
+                  </p:tgtEl>
+                </p:cond>
+              </p:nextCondLst>
+            </p:seq>
+          </p:childTnLst>
+        </p:cTn>
+      </p:par>
+    </p:tnLst>
+  </p:timing>
 </p:sld>
 </file>
 
